--- a/paper/water/UWW2021/UWW2021.pptx
+++ b/paper/water/UWW2021/UWW2021.pptx
@@ -5,10 +5,12 @@
     <p:sldMasterId id="2147483648" r:id="rId1"/>
   </p:sldMasterIdLst>
   <p:notesMasterIdLst>
-    <p:notesMasterId r:id="rId3"/>
+    <p:notesMasterId r:id="rId5"/>
   </p:notesMasterIdLst>
   <p:sldIdLst>
     <p:sldId id="256" r:id="rId2"/>
+    <p:sldId id="257" r:id="rId3"/>
+    <p:sldId id="258" r:id="rId4"/>
   </p:sldIdLst>
   <p:sldSz cx="12192000" cy="6858000"/>
   <p:notesSz cx="6858000" cy="9144000"/>
@@ -378,7 +380,7 @@
           <a:p>
             <a:fld id="{87303740-7015-4B29-8C5B-7C7E73BA5FD5}" type="datetimeFigureOut">
               <a:rPr kumimoji="1" lang="ja-JP" altLang="en-US" smtClean="0"/>
-              <a:t>2021/12/11</a:t>
+              <a:t>2021/12/12</a:t>
             </a:fld>
             <a:endParaRPr kumimoji="1" lang="ja-JP" altLang="en-US"/>
           </a:p>
@@ -722,7 +724,7 @@
           <a:p>
             <a:fld id="{D8A01835-7B10-4ED5-98BD-3419EE328741}" type="datetime1">
               <a:rPr kumimoji="1" lang="ja-JP" altLang="en-US" smtClean="0"/>
-              <a:t>2021/12/11</a:t>
+              <a:t>2021/12/12</a:t>
             </a:fld>
             <a:endParaRPr kumimoji="1" lang="ja-JP" altLang="en-US"/>
           </a:p>
@@ -1243,7 +1245,7 @@
           <a:p>
             <a:fld id="{F568F08F-1DC0-4930-BF4E-8E61A70AE6D0}" type="datetime1">
               <a:rPr kumimoji="1" lang="ja-JP" altLang="en-US" smtClean="0"/>
-              <a:t>2021/12/11</a:t>
+              <a:t>2021/12/12</a:t>
             </a:fld>
             <a:endParaRPr kumimoji="1" lang="ja-JP" altLang="en-US"/>
           </a:p>
@@ -1483,7 +1485,7 @@
           <a:p>
             <a:fld id="{D8D6CA07-6BB3-4277-9B36-3B9A77BE85E8}" type="datetime1">
               <a:rPr kumimoji="1" lang="ja-JP" altLang="en-US" smtClean="0"/>
-              <a:t>2021/12/11</a:t>
+              <a:t>2021/12/12</a:t>
             </a:fld>
             <a:endParaRPr kumimoji="1" lang="ja-JP" altLang="en-US"/>
           </a:p>
@@ -1728,7 +1730,7 @@
           <a:p>
             <a:fld id="{B3736FD3-C09B-4AB5-83AE-94534BBA2AC4}" type="datetime1">
               <a:rPr kumimoji="1" lang="ja-JP" altLang="en-US" smtClean="0"/>
-              <a:t>2021/12/11</a:t>
+              <a:t>2021/12/12</a:t>
             </a:fld>
             <a:endParaRPr kumimoji="1" lang="ja-JP" altLang="en-US"/>
           </a:p>
@@ -2167,7 +2169,7 @@
           <a:p>
             <a:fld id="{2524B4B4-A594-4801-8E36-F1939D45FFD7}" type="datetime1">
               <a:rPr kumimoji="1" lang="ja-JP" altLang="en-US" smtClean="0"/>
-              <a:t>2021/12/11</a:t>
+              <a:t>2021/12/12</a:t>
             </a:fld>
             <a:endParaRPr kumimoji="1" lang="ja-JP" altLang="en-US"/>
           </a:p>
@@ -2496,7 +2498,7 @@
           <a:p>
             <a:fld id="{723130EB-1A2A-4363-A0CB-8F78064E787B}" type="datetime1">
               <a:rPr kumimoji="1" lang="ja-JP" altLang="en-US" smtClean="0"/>
-              <a:t>2021/12/11</a:t>
+              <a:t>2021/12/12</a:t>
             </a:fld>
             <a:endParaRPr kumimoji="1" lang="ja-JP" altLang="en-US"/>
           </a:p>
@@ -2972,7 +2974,7 @@
           <a:p>
             <a:fld id="{74D003C6-A6EE-48A7-AE4A-C230A035A362}" type="datetime1">
               <a:rPr kumimoji="1" lang="ja-JP" altLang="en-US" smtClean="0"/>
-              <a:t>2021/12/11</a:t>
+              <a:t>2021/12/12</a:t>
             </a:fld>
             <a:endParaRPr kumimoji="1" lang="ja-JP" altLang="en-US"/>
           </a:p>
@@ -3113,7 +3115,7 @@
           <a:p>
             <a:fld id="{533F50F8-E02E-4E97-B853-AD3628137587}" type="datetime1">
               <a:rPr kumimoji="1" lang="ja-JP" altLang="en-US" smtClean="0"/>
-              <a:t>2021/12/11</a:t>
+              <a:t>2021/12/12</a:t>
             </a:fld>
             <a:endParaRPr kumimoji="1" lang="ja-JP" altLang="en-US"/>
           </a:p>
@@ -3226,7 +3228,7 @@
           <a:p>
             <a:fld id="{F11A00CE-6844-4EF5-A570-152B82E8370A}" type="datetime1">
               <a:rPr kumimoji="1" lang="ja-JP" altLang="en-US" smtClean="0"/>
-              <a:t>2021/12/11</a:t>
+              <a:t>2021/12/12</a:t>
             </a:fld>
             <a:endParaRPr kumimoji="1" lang="ja-JP" altLang="en-US"/>
           </a:p>
@@ -3569,7 +3571,7 @@
           <a:p>
             <a:fld id="{B2A27E2D-E73B-499B-B1B6-156A8DDB2FEF}" type="datetime1">
               <a:rPr kumimoji="1" lang="ja-JP" altLang="en-US" smtClean="0"/>
-              <a:t>2021/12/11</a:t>
+              <a:t>2021/12/12</a:t>
             </a:fld>
             <a:endParaRPr kumimoji="1" lang="ja-JP" altLang="en-US"/>
           </a:p>
@@ -3857,7 +3859,7 @@
           <a:p>
             <a:fld id="{463EA2B4-7E42-4242-9726-8BCDAE817088}" type="datetime1">
               <a:rPr kumimoji="1" lang="ja-JP" altLang="en-US" smtClean="0"/>
-              <a:t>2021/12/11</a:t>
+              <a:t>2021/12/12</a:t>
             </a:fld>
             <a:endParaRPr kumimoji="1" lang="ja-JP" altLang="en-US"/>
           </a:p>
@@ -4130,7 +4132,7 @@
           <a:p>
             <a:fld id="{21C3EA37-5089-43BE-9268-20333F3B8EEF}" type="datetime1">
               <a:rPr kumimoji="1" lang="ja-JP" altLang="en-US" smtClean="0"/>
-              <a:t>2021/12/11</a:t>
+              <a:t>2021/12/12</a:t>
             </a:fld>
             <a:endParaRPr kumimoji="1" lang="ja-JP" altLang="en-US"/>
           </a:p>
@@ -4912,6 +4914,784 @@
     <p:extLst>
       <p:ext uri="{BB962C8B-B14F-4D97-AF65-F5344CB8AC3E}">
         <p14:creationId xmlns:p14="http://schemas.microsoft.com/office/powerpoint/2010/main" val="1518834216"/>
+      </p:ext>
+    </p:extLst>
+  </p:cSld>
+  <p:clrMapOvr>
+    <a:masterClrMapping/>
+  </p:clrMapOvr>
+</p:sld>
+</file>
+
+<file path=ppt/slides/slide2.xml><?xml version="1.0" encoding="utf-8"?>
+<p:sld xmlns:a="http://schemas.openxmlformats.org/drawingml/2006/main" xmlns:r="http://schemas.openxmlformats.org/officeDocument/2006/relationships" xmlns:p="http://schemas.openxmlformats.org/presentationml/2006/main">
+  <p:cSld>
+    <p:spTree>
+      <p:nvGrpSpPr>
+        <p:cNvPr id="1" name=""/>
+        <p:cNvGrpSpPr/>
+        <p:nvPr/>
+      </p:nvGrpSpPr>
+      <p:grpSpPr>
+        <a:xfrm>
+          <a:off x="0" y="0"/>
+          <a:ext cx="0" cy="0"/>
+          <a:chOff x="0" y="0"/>
+          <a:chExt cx="0" cy="0"/>
+        </a:xfrm>
+      </p:grpSpPr>
+      <p:sp>
+        <p:nvSpPr>
+          <p:cNvPr id="2" name="タイトル 1">
+            <a:extLst>
+              <a:ext uri="{FF2B5EF4-FFF2-40B4-BE49-F238E27FC236}">
+                <a16:creationId xmlns:a16="http://schemas.microsoft.com/office/drawing/2014/main" id="{3D1AA138-50E0-4D29-888D-02664D6D03E5}"/>
+              </a:ext>
+            </a:extLst>
+          </p:cNvPr>
+          <p:cNvSpPr>
+            <a:spLocks noGrp="1"/>
+          </p:cNvSpPr>
+          <p:nvPr>
+            <p:ph type="title"/>
+          </p:nvPr>
+        </p:nvSpPr>
+        <p:spPr/>
+        <p:txBody>
+          <a:bodyPr/>
+          <a:lstStyle/>
+          <a:p>
+            <a:r>
+              <a:rPr kumimoji="1" lang="ja-JP" altLang="en-US" dirty="0"/>
+              <a:t>研究背景</a:t>
+            </a:r>
+          </a:p>
+        </p:txBody>
+      </p:sp>
+      <p:sp>
+        <p:nvSpPr>
+          <p:cNvPr id="3" name="コンテンツ プレースホルダー 2">
+            <a:extLst>
+              <a:ext uri="{FF2B5EF4-FFF2-40B4-BE49-F238E27FC236}">
+                <a16:creationId xmlns:a16="http://schemas.microsoft.com/office/drawing/2014/main" id="{8351B658-5E4B-4AC8-B91A-E0F8B09CB4D8}"/>
+              </a:ext>
+            </a:extLst>
+          </p:cNvPr>
+          <p:cNvSpPr>
+            <a:spLocks noGrp="1"/>
+          </p:cNvSpPr>
+          <p:nvPr>
+            <p:ph idx="1"/>
+          </p:nvPr>
+        </p:nvSpPr>
+        <p:spPr/>
+        <p:txBody>
+          <a:bodyPr>
+            <a:normAutofit/>
+          </a:bodyPr>
+          <a:lstStyle/>
+          <a:p>
+            <a:r>
+              <a:rPr kumimoji="1" lang="ja-JP" altLang="en-US" dirty="0"/>
+              <a:t>容器に液体を注ぐ場面は多数存在</a:t>
+            </a:r>
+            <a:endParaRPr kumimoji="1" lang="en-US" altLang="ja-JP" dirty="0"/>
+          </a:p>
+          <a:p>
+            <a:pPr lvl="1"/>
+            <a:r>
+              <a:rPr lang="ja-JP" altLang="en-US" dirty="0"/>
+              <a:t>透明な容器では目視で水位が確認可能</a:t>
+            </a:r>
+            <a:endParaRPr lang="en-US" altLang="ja-JP" dirty="0"/>
+          </a:p>
+          <a:p>
+            <a:pPr lvl="1"/>
+            <a:r>
+              <a:rPr lang="ja-JP" altLang="en-US" dirty="0"/>
+              <a:t>お猪口やアルミ缶などでは目視での確認が不可能</a:t>
+            </a:r>
+            <a:endParaRPr lang="en-US" altLang="ja-JP" dirty="0"/>
+          </a:p>
+          <a:p>
+            <a:pPr lvl="1"/>
+            <a:endParaRPr lang="en-US" altLang="ja-JP" dirty="0"/>
+          </a:p>
+          <a:p>
+            <a:r>
+              <a:rPr lang="ja-JP" altLang="en-US" dirty="0"/>
+              <a:t>溢れてしまった場合．．．</a:t>
+            </a:r>
+            <a:endParaRPr lang="en-US" altLang="ja-JP" dirty="0"/>
+          </a:p>
+          <a:p>
+            <a:pPr marL="457200" lvl="1" indent="0">
+              <a:buNone/>
+            </a:pPr>
+            <a:r>
+              <a:rPr lang="ja-JP" altLang="en-US" dirty="0">
+                <a:solidFill>
+                  <a:srgbClr val="FF0000"/>
+                </a:solidFill>
+              </a:rPr>
+              <a:t>○</a:t>
+            </a:r>
+            <a:r>
+              <a:rPr lang="ja-JP" altLang="en-US" dirty="0"/>
+              <a:t> 水であれば拭き取ればよい</a:t>
+            </a:r>
+            <a:endParaRPr lang="en-US" altLang="ja-JP" dirty="0"/>
+          </a:p>
+          <a:p>
+            <a:pPr marL="457200" lvl="1" indent="0">
+              <a:buNone/>
+            </a:pPr>
+            <a:r>
+              <a:rPr lang="en-US" altLang="ja-JP" dirty="0">
+                <a:solidFill>
+                  <a:schemeClr val="accent1"/>
+                </a:solidFill>
+              </a:rPr>
+              <a:t>×</a:t>
+            </a:r>
+            <a:r>
+              <a:rPr lang="en-US" altLang="ja-JP" dirty="0"/>
+              <a:t> </a:t>
+            </a:r>
+            <a:r>
+              <a:rPr lang="ja-JP" altLang="en-US" dirty="0"/>
+              <a:t>ペンキは拭き取ることが難しい</a:t>
+            </a:r>
+            <a:endParaRPr lang="en-US" altLang="ja-JP" dirty="0"/>
+          </a:p>
+          <a:p>
+            <a:pPr marL="457200" lvl="1" indent="0">
+              <a:buNone/>
+            </a:pPr>
+            <a:r>
+              <a:rPr lang="en-US" altLang="ja-JP" dirty="0">
+                <a:solidFill>
+                  <a:schemeClr val="accent1"/>
+                </a:solidFill>
+              </a:rPr>
+              <a:t>×</a:t>
+            </a:r>
+            <a:r>
+              <a:rPr lang="en-US" altLang="ja-JP" dirty="0"/>
+              <a:t> </a:t>
+            </a:r>
+            <a:r>
+              <a:rPr lang="ja-JP" altLang="en-US" dirty="0"/>
+              <a:t>灯油やガソリンは事故に繋がる危険性</a:t>
+            </a:r>
+            <a:endParaRPr lang="en-US" altLang="ja-JP" dirty="0"/>
+          </a:p>
+          <a:p>
+            <a:pPr lvl="1"/>
+            <a:endParaRPr lang="en-US" altLang="ja-JP" dirty="0"/>
+          </a:p>
+          <a:p>
+            <a:pPr marL="0" indent="0">
+              <a:buNone/>
+            </a:pPr>
+            <a:r>
+              <a:rPr lang="ja-JP" altLang="en-US" dirty="0"/>
+              <a:t>→ 目視以外の方法で水位を把握する必要がある</a:t>
+            </a:r>
+            <a:endParaRPr lang="en-US" altLang="ja-JP" dirty="0"/>
+          </a:p>
+        </p:txBody>
+      </p:sp>
+      <p:sp>
+        <p:nvSpPr>
+          <p:cNvPr id="4" name="スライド番号プレースホルダー 3">
+            <a:extLst>
+              <a:ext uri="{FF2B5EF4-FFF2-40B4-BE49-F238E27FC236}">
+                <a16:creationId xmlns:a16="http://schemas.microsoft.com/office/drawing/2014/main" id="{984AF6CA-A22A-47B8-A2B1-3F81AEEA1B9D}"/>
+              </a:ext>
+            </a:extLst>
+          </p:cNvPr>
+          <p:cNvSpPr>
+            <a:spLocks noGrp="1"/>
+          </p:cNvSpPr>
+          <p:nvPr>
+            <p:ph type="sldNum" sz="quarter" idx="12"/>
+          </p:nvPr>
+        </p:nvSpPr>
+        <p:spPr/>
+        <p:txBody>
+          <a:bodyPr/>
+          <a:lstStyle/>
+          <a:p>
+            <a:fld id="{92084505-5355-43A2-B929-FD06D0DABC31}" type="slidenum">
+              <a:rPr lang="ja-JP" altLang="en-US" smtClean="0"/>
+              <a:pPr/>
+              <a:t>2</a:t>
+            </a:fld>
+            <a:endParaRPr lang="ja-JP" altLang="en-US" dirty="0"/>
+          </a:p>
+        </p:txBody>
+      </p:sp>
+      <p:grpSp>
+        <p:nvGrpSpPr>
+          <p:cNvPr id="14" name="グループ化 13">
+            <a:extLst>
+              <a:ext uri="{FF2B5EF4-FFF2-40B4-BE49-F238E27FC236}">
+                <a16:creationId xmlns:a16="http://schemas.microsoft.com/office/drawing/2014/main" id="{17B0AABA-7C2B-4FF4-99E4-A6471DD2B4A7}"/>
+              </a:ext>
+            </a:extLst>
+          </p:cNvPr>
+          <p:cNvGrpSpPr/>
+          <p:nvPr/>
+        </p:nvGrpSpPr>
+        <p:grpSpPr>
+          <a:xfrm>
+            <a:off x="8813388" y="1508485"/>
+            <a:ext cx="2960720" cy="4566462"/>
+            <a:chOff x="8813388" y="1508485"/>
+            <a:chExt cx="2960720" cy="4566462"/>
+          </a:xfrm>
+        </p:grpSpPr>
+        <p:pic>
+          <p:nvPicPr>
+            <p:cNvPr id="6" name="図 5" descr="図形&#10;&#10;中程度の精度で自動的に生成された説明">
+              <a:extLst>
+                <a:ext uri="{FF2B5EF4-FFF2-40B4-BE49-F238E27FC236}">
+                  <a16:creationId xmlns:a16="http://schemas.microsoft.com/office/drawing/2014/main" id="{013697C8-87BA-4C82-867F-19514B428571}"/>
+                </a:ext>
+              </a:extLst>
+            </p:cNvPr>
+            <p:cNvPicPr>
+              <a:picLocks noChangeAspect="1"/>
+            </p:cNvPicPr>
+            <p:nvPr/>
+          </p:nvPicPr>
+          <p:blipFill>
+            <a:blip r:embed="rId2">
+              <a:extLst>
+                <a:ext uri="{28A0092B-C50C-407E-A947-70E740481C1C}">
+                  <a14:useLocalDpi xmlns:a14="http://schemas.microsoft.com/office/drawing/2010/main" val="0"/>
+                </a:ext>
+              </a:extLst>
+            </a:blip>
+            <a:stretch>
+              <a:fillRect/>
+            </a:stretch>
+          </p:blipFill>
+          <p:spPr>
+            <a:xfrm>
+              <a:off x="9136546" y="1508485"/>
+              <a:ext cx="1743114" cy="1910882"/>
+            </a:xfrm>
+            <a:prstGeom prst="rect">
+              <a:avLst/>
+            </a:prstGeom>
+          </p:spPr>
+        </p:pic>
+        <p:pic>
+          <p:nvPicPr>
+            <p:cNvPr id="10" name="グラフィックス 9">
+              <a:extLst>
+                <a:ext uri="{FF2B5EF4-FFF2-40B4-BE49-F238E27FC236}">
+                  <a16:creationId xmlns:a16="http://schemas.microsoft.com/office/drawing/2014/main" id="{96DA5C1B-7577-46DA-B266-65BC6B6B3391}"/>
+                </a:ext>
+              </a:extLst>
+            </p:cNvPr>
+            <p:cNvPicPr>
+              <a:picLocks noChangeAspect="1"/>
+            </p:cNvPicPr>
+            <p:nvPr/>
+          </p:nvPicPr>
+          <p:blipFill>
+            <a:blip r:embed="rId3">
+              <a:extLst>
+                <a:ext uri="{28A0092B-C50C-407E-A947-70E740481C1C}">
+                  <a14:useLocalDpi xmlns:a14="http://schemas.microsoft.com/office/drawing/2010/main" val="0"/>
+                </a:ext>
+                <a:ext uri="{96DAC541-7B7A-43D3-8B79-37D633B846F1}">
+                  <asvg:svgBlip xmlns:asvg="http://schemas.microsoft.com/office/drawing/2016/SVG/main" r:embed="rId4"/>
+                </a:ext>
+              </a:extLst>
+            </a:blip>
+            <a:stretch>
+              <a:fillRect/>
+            </a:stretch>
+          </p:blipFill>
+          <p:spPr>
+            <a:xfrm>
+              <a:off x="8813388" y="3701109"/>
+              <a:ext cx="1176149" cy="2373838"/>
+            </a:xfrm>
+            <a:prstGeom prst="rect">
+              <a:avLst/>
+            </a:prstGeom>
+          </p:spPr>
+        </p:pic>
+        <p:sp>
+          <p:nvSpPr>
+            <p:cNvPr id="13" name="思考の吹き出し: 雲形 12">
+              <a:extLst>
+                <a:ext uri="{FF2B5EF4-FFF2-40B4-BE49-F238E27FC236}">
+                  <a16:creationId xmlns:a16="http://schemas.microsoft.com/office/drawing/2014/main" id="{88253913-3EA4-4125-AE2B-C51F4B2224B1}"/>
+                </a:ext>
+              </a:extLst>
+            </p:cNvPr>
+            <p:cNvSpPr/>
+            <p:nvPr/>
+          </p:nvSpPr>
+          <p:spPr>
+            <a:xfrm>
+              <a:off x="10030995" y="2676639"/>
+              <a:ext cx="1743113" cy="1209561"/>
+            </a:xfrm>
+            <a:prstGeom prst="cloudCallout">
+              <a:avLst>
+                <a:gd name="adj1" fmla="val -49231"/>
+                <a:gd name="adj2" fmla="val 83168"/>
+              </a:avLst>
+            </a:prstGeom>
+            <a:solidFill>
+              <a:schemeClr val="tx1"/>
+            </a:solidFill>
+            <a:ln>
+              <a:solidFill>
+                <a:schemeClr val="tx1"/>
+              </a:solidFill>
+            </a:ln>
+          </p:spPr>
+          <p:style>
+            <a:lnRef idx="2">
+              <a:schemeClr val="accent1">
+                <a:shade val="50000"/>
+              </a:schemeClr>
+            </a:lnRef>
+            <a:fillRef idx="1">
+              <a:schemeClr val="accent1"/>
+            </a:fillRef>
+            <a:effectRef idx="0">
+              <a:schemeClr val="accent1"/>
+            </a:effectRef>
+            <a:fontRef idx="minor">
+              <a:schemeClr val="lt1"/>
+            </a:fontRef>
+          </p:style>
+          <p:txBody>
+            <a:bodyPr rtlCol="0" anchor="ctr"/>
+            <a:lstStyle/>
+            <a:p>
+              <a:pPr algn="ctr"/>
+              <a:r>
+                <a:rPr lang="en-US" altLang="ja-JP" sz="2800" b="1" dirty="0">
+                  <a:latin typeface="Arial" panose="020B0604020202020204" pitchFamily="34" charset="0"/>
+                  <a:cs typeface="Arial" panose="020B0604020202020204" pitchFamily="34" charset="0"/>
+                </a:rPr>
+                <a:t>?</a:t>
+              </a:r>
+              <a:endParaRPr kumimoji="1" lang="ja-JP" altLang="en-US" sz="2800" b="1" dirty="0">
+                <a:latin typeface="Arial" panose="020B0604020202020204" pitchFamily="34" charset="0"/>
+                <a:cs typeface="Arial" panose="020B0604020202020204" pitchFamily="34" charset="0"/>
+              </a:endParaRPr>
+            </a:p>
+          </p:txBody>
+        </p:sp>
+      </p:grpSp>
+    </p:spTree>
+    <p:extLst>
+      <p:ext uri="{BB962C8B-B14F-4D97-AF65-F5344CB8AC3E}">
+        <p14:creationId xmlns:p14="http://schemas.microsoft.com/office/powerpoint/2010/main" val="1970566464"/>
+      </p:ext>
+    </p:extLst>
+  </p:cSld>
+  <p:clrMapOvr>
+    <a:masterClrMapping/>
+  </p:clrMapOvr>
+</p:sld>
+</file>
+
+<file path=ppt/slides/slide3.xml><?xml version="1.0" encoding="utf-8"?>
+<p:sld xmlns:a="http://schemas.openxmlformats.org/drawingml/2006/main" xmlns:r="http://schemas.openxmlformats.org/officeDocument/2006/relationships" xmlns:p="http://schemas.openxmlformats.org/presentationml/2006/main">
+  <p:cSld>
+    <p:spTree>
+      <p:nvGrpSpPr>
+        <p:cNvPr id="1" name=""/>
+        <p:cNvGrpSpPr/>
+        <p:nvPr/>
+      </p:nvGrpSpPr>
+      <p:grpSpPr>
+        <a:xfrm>
+          <a:off x="0" y="0"/>
+          <a:ext cx="0" cy="0"/>
+          <a:chOff x="0" y="0"/>
+          <a:chExt cx="0" cy="0"/>
+        </a:xfrm>
+      </p:grpSpPr>
+      <p:sp>
+        <p:nvSpPr>
+          <p:cNvPr id="2" name="タイトル 1">
+            <a:extLst>
+              <a:ext uri="{FF2B5EF4-FFF2-40B4-BE49-F238E27FC236}">
+                <a16:creationId xmlns:a16="http://schemas.microsoft.com/office/drawing/2014/main" id="{288C6403-5A49-4D02-A1D5-406022B964A7}"/>
+              </a:ext>
+            </a:extLst>
+          </p:cNvPr>
+          <p:cNvSpPr>
+            <a:spLocks noGrp="1"/>
+          </p:cNvSpPr>
+          <p:nvPr>
+            <p:ph type="title"/>
+          </p:nvPr>
+        </p:nvSpPr>
+        <p:spPr/>
+        <p:txBody>
+          <a:bodyPr/>
+          <a:lstStyle/>
+          <a:p>
+            <a:r>
+              <a:rPr kumimoji="1" lang="ja-JP" altLang="en-US" dirty="0"/>
+              <a:t>研究目的</a:t>
+            </a:r>
+          </a:p>
+        </p:txBody>
+      </p:sp>
+      <p:sp>
+        <p:nvSpPr>
+          <p:cNvPr id="3" name="コンテンツ プレースホルダー 2">
+            <a:extLst>
+              <a:ext uri="{FF2B5EF4-FFF2-40B4-BE49-F238E27FC236}">
+                <a16:creationId xmlns:a16="http://schemas.microsoft.com/office/drawing/2014/main" id="{BEFAA609-1B11-44A9-A3B0-CE8558742D5E}"/>
+              </a:ext>
+            </a:extLst>
+          </p:cNvPr>
+          <p:cNvSpPr>
+            <a:spLocks noGrp="1"/>
+          </p:cNvSpPr>
+          <p:nvPr>
+            <p:ph idx="1"/>
+          </p:nvPr>
+        </p:nvSpPr>
+        <p:spPr/>
+        <p:txBody>
+          <a:bodyPr/>
+          <a:lstStyle/>
+          <a:p>
+            <a:pPr>
+              <a:buClr>
+                <a:schemeClr val="tx1"/>
+              </a:buClr>
+            </a:pPr>
+            <a:r>
+              <a:rPr kumimoji="1" lang="ja-JP" altLang="en-US" dirty="0">
+                <a:solidFill>
+                  <a:srgbClr val="FF0000"/>
+                </a:solidFill>
+              </a:rPr>
+              <a:t>注水音</a:t>
+            </a:r>
+            <a:r>
+              <a:rPr kumimoji="1" lang="ja-JP" altLang="en-US" dirty="0"/>
+              <a:t>を用いて容器内の</a:t>
+            </a:r>
+            <a:r>
+              <a:rPr kumimoji="1" lang="ja-JP" altLang="en-US" dirty="0">
+                <a:solidFill>
+                  <a:srgbClr val="FF0000"/>
+                </a:solidFill>
+              </a:rPr>
+              <a:t>水位を推定</a:t>
+            </a:r>
+            <a:endParaRPr kumimoji="1" lang="en-US" altLang="ja-JP" dirty="0">
+              <a:solidFill>
+                <a:srgbClr val="FF0000"/>
+              </a:solidFill>
+            </a:endParaRPr>
+          </a:p>
+          <a:p>
+            <a:pPr lvl="1">
+              <a:buClr>
+                <a:schemeClr val="tx1"/>
+              </a:buClr>
+            </a:pPr>
+            <a:r>
+              <a:rPr lang="ja-JP" altLang="en-US" dirty="0"/>
+              <a:t>目視による水位の確認を必要としない</a:t>
+            </a:r>
+            <a:endParaRPr lang="en-US" altLang="ja-JP" dirty="0"/>
+          </a:p>
+          <a:p>
+            <a:pPr lvl="2">
+              <a:buClr>
+                <a:schemeClr val="tx1"/>
+              </a:buClr>
+            </a:pPr>
+            <a:r>
+              <a:rPr lang="ja-JP" altLang="en-US" dirty="0"/>
+              <a:t>内部状況を把握しづらい容器でも溢れを防止可能</a:t>
+            </a:r>
+            <a:endParaRPr lang="en-US" altLang="ja-JP" dirty="0"/>
+          </a:p>
+          <a:p>
+            <a:pPr lvl="1">
+              <a:buClr>
+                <a:schemeClr val="tx1"/>
+              </a:buClr>
+            </a:pPr>
+            <a:r>
+              <a:rPr lang="ja-JP" altLang="en-US" dirty="0"/>
+              <a:t>音を使用した推定</a:t>
+            </a:r>
+            <a:endParaRPr lang="en-US" altLang="ja-JP" dirty="0"/>
+          </a:p>
+          <a:p>
+            <a:pPr lvl="2">
+              <a:buClr>
+                <a:schemeClr val="tx1"/>
+              </a:buClr>
+            </a:pPr>
+            <a:r>
+              <a:rPr lang="ja-JP" altLang="en-US" dirty="0"/>
+              <a:t>注ぐ液体は水に限らず利用可能</a:t>
+            </a:r>
+            <a:endParaRPr lang="en-US" altLang="ja-JP" dirty="0"/>
+          </a:p>
+          <a:p>
+            <a:pPr>
+              <a:buClr>
+                <a:schemeClr val="tx1"/>
+              </a:buClr>
+            </a:pPr>
+            <a:endParaRPr lang="en-US" altLang="ja-JP" dirty="0"/>
+          </a:p>
+          <a:p>
+            <a:pPr>
+              <a:buClr>
+                <a:schemeClr val="tx1"/>
+              </a:buClr>
+            </a:pPr>
+            <a:r>
+              <a:rPr lang="ja-JP" altLang="en-US" dirty="0">
+                <a:solidFill>
+                  <a:srgbClr val="FF0000"/>
+                </a:solidFill>
+              </a:rPr>
+              <a:t>蛇口取り付け型</a:t>
+            </a:r>
+            <a:r>
+              <a:rPr lang="ja-JP" altLang="en-US" dirty="0"/>
+              <a:t>デバイスとして実現</a:t>
+            </a:r>
+            <a:endParaRPr lang="en-US" altLang="ja-JP" dirty="0"/>
+          </a:p>
+          <a:p>
+            <a:pPr lvl="1">
+              <a:buClr>
+                <a:schemeClr val="tx1"/>
+              </a:buClr>
+            </a:pPr>
+            <a:r>
+              <a:rPr lang="ja-JP" altLang="en-US" dirty="0"/>
+              <a:t>容器ごとにデバイスを取り付ける必要がない</a:t>
+            </a:r>
+            <a:endParaRPr lang="en-US" altLang="ja-JP" dirty="0"/>
+          </a:p>
+        </p:txBody>
+      </p:sp>
+      <p:sp>
+        <p:nvSpPr>
+          <p:cNvPr id="4" name="スライド番号プレースホルダー 3">
+            <a:extLst>
+              <a:ext uri="{FF2B5EF4-FFF2-40B4-BE49-F238E27FC236}">
+                <a16:creationId xmlns:a16="http://schemas.microsoft.com/office/drawing/2014/main" id="{B13E89AA-8BCB-4D06-9630-EB5374461BD2}"/>
+              </a:ext>
+            </a:extLst>
+          </p:cNvPr>
+          <p:cNvSpPr>
+            <a:spLocks noGrp="1"/>
+          </p:cNvSpPr>
+          <p:nvPr>
+            <p:ph type="sldNum" sz="quarter" idx="12"/>
+          </p:nvPr>
+        </p:nvSpPr>
+        <p:spPr/>
+        <p:txBody>
+          <a:bodyPr/>
+          <a:lstStyle/>
+          <a:p>
+            <a:fld id="{92084505-5355-43A2-B929-FD06D0DABC31}" type="slidenum">
+              <a:rPr lang="ja-JP" altLang="en-US" smtClean="0"/>
+              <a:pPr/>
+              <a:t>3</a:t>
+            </a:fld>
+            <a:endParaRPr lang="ja-JP" altLang="en-US" dirty="0"/>
+          </a:p>
+        </p:txBody>
+      </p:sp>
+      <p:grpSp>
+        <p:nvGrpSpPr>
+          <p:cNvPr id="5" name="グループ化 4">
+            <a:extLst>
+              <a:ext uri="{FF2B5EF4-FFF2-40B4-BE49-F238E27FC236}">
+                <a16:creationId xmlns:a16="http://schemas.microsoft.com/office/drawing/2014/main" id="{2884B40D-4BF3-4D96-A44D-CC59BC901EB0}"/>
+              </a:ext>
+            </a:extLst>
+          </p:cNvPr>
+          <p:cNvGrpSpPr/>
+          <p:nvPr/>
+        </p:nvGrpSpPr>
+        <p:grpSpPr>
+          <a:xfrm>
+            <a:off x="8813388" y="1508485"/>
+            <a:ext cx="2960720" cy="4566462"/>
+            <a:chOff x="8813388" y="1508485"/>
+            <a:chExt cx="2960720" cy="4566462"/>
+          </a:xfrm>
+        </p:grpSpPr>
+        <p:pic>
+          <p:nvPicPr>
+            <p:cNvPr id="6" name="図 5" descr="図形&#10;&#10;中程度の精度で自動的に生成された説明">
+              <a:extLst>
+                <a:ext uri="{FF2B5EF4-FFF2-40B4-BE49-F238E27FC236}">
+                  <a16:creationId xmlns:a16="http://schemas.microsoft.com/office/drawing/2014/main" id="{CDA5A771-49B0-4DC7-8297-FE3EED9A277A}"/>
+                </a:ext>
+              </a:extLst>
+            </p:cNvPr>
+            <p:cNvPicPr>
+              <a:picLocks noChangeAspect="1"/>
+            </p:cNvPicPr>
+            <p:nvPr/>
+          </p:nvPicPr>
+          <p:blipFill>
+            <a:blip r:embed="rId2">
+              <a:extLst>
+                <a:ext uri="{28A0092B-C50C-407E-A947-70E740481C1C}">
+                  <a14:useLocalDpi xmlns:a14="http://schemas.microsoft.com/office/drawing/2010/main" val="0"/>
+                </a:ext>
+              </a:extLst>
+            </a:blip>
+            <a:stretch>
+              <a:fillRect/>
+            </a:stretch>
+          </p:blipFill>
+          <p:spPr>
+            <a:xfrm>
+              <a:off x="9136546" y="1508485"/>
+              <a:ext cx="1743114" cy="1910882"/>
+            </a:xfrm>
+            <a:prstGeom prst="rect">
+              <a:avLst/>
+            </a:prstGeom>
+          </p:spPr>
+        </p:pic>
+        <p:pic>
+          <p:nvPicPr>
+            <p:cNvPr id="7" name="グラフィックス 6">
+              <a:extLst>
+                <a:ext uri="{FF2B5EF4-FFF2-40B4-BE49-F238E27FC236}">
+                  <a16:creationId xmlns:a16="http://schemas.microsoft.com/office/drawing/2014/main" id="{6D2E9CB2-E813-4E0C-9BC2-046894BE1C17}"/>
+                </a:ext>
+              </a:extLst>
+            </p:cNvPr>
+            <p:cNvPicPr>
+              <a:picLocks noChangeAspect="1"/>
+            </p:cNvPicPr>
+            <p:nvPr/>
+          </p:nvPicPr>
+          <p:blipFill>
+            <a:blip r:embed="rId3">
+              <a:extLst>
+                <a:ext uri="{28A0092B-C50C-407E-A947-70E740481C1C}">
+                  <a14:useLocalDpi xmlns:a14="http://schemas.microsoft.com/office/drawing/2010/main" val="0"/>
+                </a:ext>
+                <a:ext uri="{96DAC541-7B7A-43D3-8B79-37D633B846F1}">
+                  <asvg:svgBlip xmlns:asvg="http://schemas.microsoft.com/office/drawing/2016/SVG/main" r:embed="rId4"/>
+                </a:ext>
+              </a:extLst>
+            </a:blip>
+            <a:stretch>
+              <a:fillRect/>
+            </a:stretch>
+          </p:blipFill>
+          <p:spPr>
+            <a:xfrm>
+              <a:off x="8813388" y="3701109"/>
+              <a:ext cx="1176149" cy="2373838"/>
+            </a:xfrm>
+            <a:prstGeom prst="rect">
+              <a:avLst/>
+            </a:prstGeom>
+          </p:spPr>
+        </p:pic>
+        <p:sp>
+          <p:nvSpPr>
+            <p:cNvPr id="8" name="思考の吹き出し: 雲形 7">
+              <a:extLst>
+                <a:ext uri="{FF2B5EF4-FFF2-40B4-BE49-F238E27FC236}">
+                  <a16:creationId xmlns:a16="http://schemas.microsoft.com/office/drawing/2014/main" id="{CB95B17C-4AE1-43B4-865D-3377BF38B674}"/>
+                </a:ext>
+              </a:extLst>
+            </p:cNvPr>
+            <p:cNvSpPr/>
+            <p:nvPr/>
+          </p:nvSpPr>
+          <p:spPr>
+            <a:xfrm>
+              <a:off x="10030995" y="2676639"/>
+              <a:ext cx="1743113" cy="1209561"/>
+            </a:xfrm>
+            <a:prstGeom prst="cloudCallout">
+              <a:avLst>
+                <a:gd name="adj1" fmla="val -49231"/>
+                <a:gd name="adj2" fmla="val 83168"/>
+              </a:avLst>
+            </a:prstGeom>
+            <a:solidFill>
+              <a:schemeClr val="tx1"/>
+            </a:solidFill>
+            <a:ln>
+              <a:solidFill>
+                <a:schemeClr val="tx1"/>
+              </a:solidFill>
+            </a:ln>
+          </p:spPr>
+          <p:style>
+            <a:lnRef idx="2">
+              <a:schemeClr val="accent1">
+                <a:shade val="50000"/>
+              </a:schemeClr>
+            </a:lnRef>
+            <a:fillRef idx="1">
+              <a:schemeClr val="accent1"/>
+            </a:fillRef>
+            <a:effectRef idx="0">
+              <a:schemeClr val="accent1"/>
+            </a:effectRef>
+            <a:fontRef idx="minor">
+              <a:schemeClr val="lt1"/>
+            </a:fontRef>
+          </p:style>
+          <p:txBody>
+            <a:bodyPr rtlCol="0" anchor="ctr"/>
+            <a:lstStyle/>
+            <a:p>
+              <a:pPr algn="ctr"/>
+              <a:r>
+                <a:rPr kumimoji="1" lang="en-US" altLang="ja-JP" sz="2800" b="1" dirty="0">
+                  <a:latin typeface="Arial" panose="020B0604020202020204" pitchFamily="34" charset="0"/>
+                  <a:cs typeface="Arial" panose="020B0604020202020204" pitchFamily="34" charset="0"/>
+                </a:rPr>
+                <a:t>80%</a:t>
+              </a:r>
+              <a:endParaRPr kumimoji="1" lang="ja-JP" altLang="en-US" sz="2800" b="1" dirty="0">
+                <a:latin typeface="Arial" panose="020B0604020202020204" pitchFamily="34" charset="0"/>
+                <a:cs typeface="Arial" panose="020B0604020202020204" pitchFamily="34" charset="0"/>
+              </a:endParaRPr>
+            </a:p>
+          </p:txBody>
+        </p:sp>
+      </p:grpSp>
+    </p:spTree>
+    <p:extLst>
+      <p:ext uri="{BB962C8B-B14F-4D97-AF65-F5344CB8AC3E}">
+        <p14:creationId xmlns:p14="http://schemas.microsoft.com/office/powerpoint/2010/main" val="3007062243"/>
       </p:ext>
     </p:extLst>
   </p:cSld>

--- a/paper/water/UWW2021/UWW2021.pptx
+++ b/paper/water/UWW2021/UWW2021.pptx
@@ -5,12 +5,13 @@
     <p:sldMasterId id="2147483648" r:id="rId1"/>
   </p:sldMasterIdLst>
   <p:notesMasterIdLst>
-    <p:notesMasterId r:id="rId5"/>
+    <p:notesMasterId r:id="rId6"/>
   </p:notesMasterIdLst>
   <p:sldIdLst>
     <p:sldId id="256" r:id="rId2"/>
     <p:sldId id="257" r:id="rId3"/>
     <p:sldId id="258" r:id="rId4"/>
+    <p:sldId id="259" r:id="rId5"/>
   </p:sldIdLst>
   <p:sldSz cx="12192000" cy="6858000"/>
   <p:notesSz cx="6858000" cy="9144000"/>
@@ -5692,6 +5693,250 @@
     <p:extLst>
       <p:ext uri="{BB962C8B-B14F-4D97-AF65-F5344CB8AC3E}">
         <p14:creationId xmlns:p14="http://schemas.microsoft.com/office/powerpoint/2010/main" val="3007062243"/>
+      </p:ext>
+    </p:extLst>
+  </p:cSld>
+  <p:clrMapOvr>
+    <a:masterClrMapping/>
+  </p:clrMapOvr>
+</p:sld>
+</file>
+
+<file path=ppt/slides/slide4.xml><?xml version="1.0" encoding="utf-8"?>
+<p:sld xmlns:a="http://schemas.openxmlformats.org/drawingml/2006/main" xmlns:r="http://schemas.openxmlformats.org/officeDocument/2006/relationships" xmlns:p="http://schemas.openxmlformats.org/presentationml/2006/main">
+  <p:cSld>
+    <p:spTree>
+      <p:nvGrpSpPr>
+        <p:cNvPr id="1" name=""/>
+        <p:cNvGrpSpPr/>
+        <p:nvPr/>
+      </p:nvGrpSpPr>
+      <p:grpSpPr>
+        <a:xfrm>
+          <a:off x="0" y="0"/>
+          <a:ext cx="0" cy="0"/>
+          <a:chOff x="0" y="0"/>
+          <a:chExt cx="0" cy="0"/>
+        </a:xfrm>
+      </p:grpSpPr>
+      <p:sp>
+        <p:nvSpPr>
+          <p:cNvPr id="2" name="タイトル 1">
+            <a:extLst>
+              <a:ext uri="{FF2B5EF4-FFF2-40B4-BE49-F238E27FC236}">
+                <a16:creationId xmlns:a16="http://schemas.microsoft.com/office/drawing/2014/main" id="{38E56653-A8E7-427E-B0F6-DD72399805B1}"/>
+              </a:ext>
+            </a:extLst>
+          </p:cNvPr>
+          <p:cNvSpPr>
+            <a:spLocks noGrp="1"/>
+          </p:cNvSpPr>
+          <p:nvPr>
+            <p:ph type="title"/>
+          </p:nvPr>
+        </p:nvSpPr>
+        <p:spPr/>
+        <p:txBody>
+          <a:bodyPr/>
+          <a:lstStyle/>
+          <a:p>
+            <a:r>
+              <a:rPr kumimoji="1" lang="ja-JP" altLang="en-US" dirty="0"/>
+              <a:t>関連研究</a:t>
+            </a:r>
+          </a:p>
+        </p:txBody>
+      </p:sp>
+      <p:sp>
+        <p:nvSpPr>
+          <p:cNvPr id="3" name="コンテンツ プレースホルダー 2">
+            <a:extLst>
+              <a:ext uri="{FF2B5EF4-FFF2-40B4-BE49-F238E27FC236}">
+                <a16:creationId xmlns:a16="http://schemas.microsoft.com/office/drawing/2014/main" id="{3D8952A1-344F-4C88-A94A-CEB8ED678084}"/>
+              </a:ext>
+            </a:extLst>
+          </p:cNvPr>
+          <p:cNvSpPr>
+            <a:spLocks noGrp="1"/>
+          </p:cNvSpPr>
+          <p:nvPr>
+            <p:ph idx="1"/>
+          </p:nvPr>
+        </p:nvSpPr>
+        <p:spPr/>
+        <p:txBody>
+          <a:bodyPr/>
+          <a:lstStyle/>
+          <a:p>
+            <a:pPr>
+              <a:lnSpc>
+                <a:spcPct val="150000"/>
+              </a:lnSpc>
+            </a:pPr>
+            <a:r>
+              <a:rPr kumimoji="1" lang="ja-JP" altLang="en-US" dirty="0"/>
+              <a:t>ホーム</a:t>
+            </a:r>
+            <a:r>
+              <a:rPr lang="en-US" altLang="ja-JP" dirty="0"/>
+              <a:t>Wi-Fi</a:t>
+            </a:r>
+            <a:r>
+              <a:rPr kumimoji="1" lang="ja-JP" altLang="en-US" dirty="0"/>
+              <a:t>ネットワークを使用した水量推定手法</a:t>
+            </a:r>
+            <a:r>
+              <a:rPr kumimoji="1" lang="en-US" altLang="ja-JP" dirty="0"/>
+              <a:t>[1]</a:t>
+            </a:r>
+          </a:p>
+          <a:p>
+            <a:pPr>
+              <a:lnSpc>
+                <a:spcPct val="150000"/>
+              </a:lnSpc>
+            </a:pPr>
+            <a:r>
+              <a:rPr lang="ja-JP" altLang="en-US" dirty="0"/>
+              <a:t>指はじき動作による水量推定手法</a:t>
+            </a:r>
+            <a:r>
+              <a:rPr lang="en-US" altLang="ja-JP" dirty="0"/>
+              <a:t>[2]</a:t>
+            </a:r>
+          </a:p>
+          <a:p>
+            <a:pPr>
+              <a:lnSpc>
+                <a:spcPct val="150000"/>
+              </a:lnSpc>
+            </a:pPr>
+            <a:r>
+              <a:rPr kumimoji="1" lang="ja-JP" altLang="en-US" dirty="0"/>
+              <a:t>プローブ音とインパルス応答を用いた水量推定手法</a:t>
+            </a:r>
+            <a:r>
+              <a:rPr kumimoji="1" lang="en-US" altLang="ja-JP" dirty="0"/>
+              <a:t>[3]</a:t>
+            </a:r>
+          </a:p>
+          <a:p>
+            <a:endParaRPr lang="en-US" altLang="ja-JP" dirty="0"/>
+          </a:p>
+          <a:p>
+            <a:pPr marL="0" indent="0">
+              <a:buNone/>
+            </a:pPr>
+            <a:r>
+              <a:rPr lang="en-US" altLang="ja-JP" sz="1600" dirty="0">
+                <a:latin typeface="Arial" panose="020B0604020202020204" pitchFamily="34" charset="0"/>
+                <a:cs typeface="Arial" panose="020B0604020202020204" pitchFamily="34" charset="0"/>
+              </a:rPr>
+              <a:t>[1] Ren et al.: Liquid Sensing Using </a:t>
+            </a:r>
+            <a:r>
+              <a:rPr lang="en-US" altLang="ja-JP" sz="1600" dirty="0" err="1">
+                <a:latin typeface="Arial" panose="020B0604020202020204" pitchFamily="34" charset="0"/>
+                <a:cs typeface="Arial" panose="020B0604020202020204" pitchFamily="34" charset="0"/>
+              </a:rPr>
+              <a:t>WiFi</a:t>
+            </a:r>
+            <a:r>
+              <a:rPr lang="en-US" altLang="ja-JP" sz="1600" dirty="0">
+                <a:latin typeface="Arial" panose="020B0604020202020204" pitchFamily="34" charset="0"/>
+                <a:cs typeface="Arial" panose="020B0604020202020204" pitchFamily="34" charset="0"/>
+              </a:rPr>
+              <a:t> Signals.arXiv:2106.10356.</a:t>
+            </a:r>
+          </a:p>
+          <a:p>
+            <a:pPr marL="0" indent="0">
+              <a:buNone/>
+            </a:pPr>
+            <a:r>
+              <a:rPr kumimoji="1" lang="en-US" altLang="ja-JP" sz="1600" dirty="0">
+                <a:latin typeface="Arial" panose="020B0604020202020204" pitchFamily="34" charset="0"/>
+                <a:cs typeface="Arial" panose="020B0604020202020204" pitchFamily="34" charset="0"/>
+              </a:rPr>
+              <a:t>[2] Kurita et al.: Water Volume Estimation by a Flicking Motion based on the Glass Harp Acoustics. Journal of the Robotics Society of Japan. 29. 361-368 (2011).</a:t>
+            </a:r>
+          </a:p>
+          <a:p>
+            <a:pPr marL="0" indent="0">
+              <a:buNone/>
+            </a:pPr>
+            <a:r>
+              <a:rPr kumimoji="1" lang="en-US" altLang="ja-JP" sz="1600" dirty="0">
+                <a:latin typeface="Arial" panose="020B0604020202020204" pitchFamily="34" charset="0"/>
+                <a:cs typeface="Arial" panose="020B0604020202020204" pitchFamily="34" charset="0"/>
+              </a:rPr>
+              <a:t>[3] Fan et al.: </a:t>
+            </a:r>
+            <a:r>
+              <a:rPr kumimoji="1" lang="en-US" altLang="ja-JP" sz="1600" dirty="0" err="1">
+                <a:latin typeface="Arial" panose="020B0604020202020204" pitchFamily="34" charset="0"/>
+                <a:cs typeface="Arial" panose="020B0604020202020204" pitchFamily="34" charset="0"/>
+              </a:rPr>
+              <a:t>SoQr</a:t>
+            </a:r>
+            <a:r>
+              <a:rPr kumimoji="1" lang="en-US" altLang="ja-JP" sz="1600" dirty="0">
+                <a:latin typeface="Arial" panose="020B0604020202020204" pitchFamily="34" charset="0"/>
+                <a:cs typeface="Arial" panose="020B0604020202020204" pitchFamily="34" charset="0"/>
+              </a:rPr>
+              <a:t>: sonically quantifying the content level inside containers. In Proceedings of the 2015 ACM International Joint Conference on Pervasive and Ubiquitous Computing. 3</a:t>
+            </a:r>
+            <a:r>
+              <a:rPr lang="en-US" altLang="ja-JP" sz="1600" dirty="0">
+                <a:latin typeface="Arial" panose="020B0604020202020204" pitchFamily="34" charset="0"/>
+                <a:cs typeface="Arial" panose="020B0604020202020204" pitchFamily="34" charset="0"/>
+              </a:rPr>
+              <a:t>-</a:t>
+            </a:r>
+            <a:r>
+              <a:rPr kumimoji="1" lang="en-US" altLang="ja-JP" sz="1600" dirty="0">
+                <a:latin typeface="Arial" panose="020B0604020202020204" pitchFamily="34" charset="0"/>
+                <a:cs typeface="Arial" panose="020B0604020202020204" pitchFamily="34" charset="0"/>
+              </a:rPr>
+              <a:t>14 (2015).</a:t>
+            </a:r>
+          </a:p>
+        </p:txBody>
+      </p:sp>
+      <p:sp>
+        <p:nvSpPr>
+          <p:cNvPr id="4" name="スライド番号プレースホルダー 3">
+            <a:extLst>
+              <a:ext uri="{FF2B5EF4-FFF2-40B4-BE49-F238E27FC236}">
+                <a16:creationId xmlns:a16="http://schemas.microsoft.com/office/drawing/2014/main" id="{7E4DAA01-C45C-46CE-B41F-0C8F3A42AE89}"/>
+              </a:ext>
+            </a:extLst>
+          </p:cNvPr>
+          <p:cNvSpPr>
+            <a:spLocks noGrp="1"/>
+          </p:cNvSpPr>
+          <p:nvPr>
+            <p:ph type="sldNum" sz="quarter" idx="12"/>
+          </p:nvPr>
+        </p:nvSpPr>
+        <p:spPr/>
+        <p:txBody>
+          <a:bodyPr/>
+          <a:lstStyle/>
+          <a:p>
+            <a:fld id="{92084505-5355-43A2-B929-FD06D0DABC31}" type="slidenum">
+              <a:rPr lang="ja-JP" altLang="en-US" smtClean="0"/>
+              <a:pPr/>
+              <a:t>4</a:t>
+            </a:fld>
+            <a:endParaRPr lang="ja-JP" altLang="en-US" dirty="0"/>
+          </a:p>
+        </p:txBody>
+      </p:sp>
+    </p:spTree>
+    <p:extLst>
+      <p:ext uri="{BB962C8B-B14F-4D97-AF65-F5344CB8AC3E}">
+        <p14:creationId xmlns:p14="http://schemas.microsoft.com/office/powerpoint/2010/main" val="1519450967"/>
       </p:ext>
     </p:extLst>
   </p:cSld>

--- a/paper/water/UWW2021/UWW2021.pptx
+++ b/paper/water/UWW2021/UWW2021.pptx
@@ -5,13 +5,15 @@
     <p:sldMasterId id="2147483648" r:id="rId1"/>
   </p:sldMasterIdLst>
   <p:notesMasterIdLst>
-    <p:notesMasterId r:id="rId6"/>
+    <p:notesMasterId r:id="rId8"/>
   </p:notesMasterIdLst>
   <p:sldIdLst>
     <p:sldId id="256" r:id="rId2"/>
     <p:sldId id="257" r:id="rId3"/>
     <p:sldId id="258" r:id="rId4"/>
     <p:sldId id="259" r:id="rId5"/>
+    <p:sldId id="260" r:id="rId6"/>
+    <p:sldId id="261" r:id="rId7"/>
   </p:sldIdLst>
   <p:sldSz cx="12192000" cy="6858000"/>
   <p:notesSz cx="6858000" cy="9144000"/>
@@ -381,7 +383,7 @@
           <a:p>
             <a:fld id="{87303740-7015-4B29-8C5B-7C7E73BA5FD5}" type="datetimeFigureOut">
               <a:rPr kumimoji="1" lang="ja-JP" altLang="en-US" smtClean="0"/>
-              <a:t>2021/12/12</a:t>
+              <a:t>2021/12/13</a:t>
             </a:fld>
             <a:endParaRPr kumimoji="1" lang="ja-JP" altLang="en-US"/>
           </a:p>
@@ -725,7 +727,7 @@
           <a:p>
             <a:fld id="{D8A01835-7B10-4ED5-98BD-3419EE328741}" type="datetime1">
               <a:rPr kumimoji="1" lang="ja-JP" altLang="en-US" smtClean="0"/>
-              <a:t>2021/12/12</a:t>
+              <a:t>2021/12/13</a:t>
             </a:fld>
             <a:endParaRPr kumimoji="1" lang="ja-JP" altLang="en-US"/>
           </a:p>
@@ -1246,7 +1248,7 @@
           <a:p>
             <a:fld id="{F568F08F-1DC0-4930-BF4E-8E61A70AE6D0}" type="datetime1">
               <a:rPr kumimoji="1" lang="ja-JP" altLang="en-US" smtClean="0"/>
-              <a:t>2021/12/12</a:t>
+              <a:t>2021/12/13</a:t>
             </a:fld>
             <a:endParaRPr kumimoji="1" lang="ja-JP" altLang="en-US"/>
           </a:p>
@@ -1486,7 +1488,7 @@
           <a:p>
             <a:fld id="{D8D6CA07-6BB3-4277-9B36-3B9A77BE85E8}" type="datetime1">
               <a:rPr kumimoji="1" lang="ja-JP" altLang="en-US" smtClean="0"/>
-              <a:t>2021/12/12</a:t>
+              <a:t>2021/12/13</a:t>
             </a:fld>
             <a:endParaRPr kumimoji="1" lang="ja-JP" altLang="en-US"/>
           </a:p>
@@ -1731,7 +1733,7 @@
           <a:p>
             <a:fld id="{B3736FD3-C09B-4AB5-83AE-94534BBA2AC4}" type="datetime1">
               <a:rPr kumimoji="1" lang="ja-JP" altLang="en-US" smtClean="0"/>
-              <a:t>2021/12/12</a:t>
+              <a:t>2021/12/13</a:t>
             </a:fld>
             <a:endParaRPr kumimoji="1" lang="ja-JP" altLang="en-US"/>
           </a:p>
@@ -2170,7 +2172,7 @@
           <a:p>
             <a:fld id="{2524B4B4-A594-4801-8E36-F1939D45FFD7}" type="datetime1">
               <a:rPr kumimoji="1" lang="ja-JP" altLang="en-US" smtClean="0"/>
-              <a:t>2021/12/12</a:t>
+              <a:t>2021/12/13</a:t>
             </a:fld>
             <a:endParaRPr kumimoji="1" lang="ja-JP" altLang="en-US"/>
           </a:p>
@@ -2499,7 +2501,7 @@
           <a:p>
             <a:fld id="{723130EB-1A2A-4363-A0CB-8F78064E787B}" type="datetime1">
               <a:rPr kumimoji="1" lang="ja-JP" altLang="en-US" smtClean="0"/>
-              <a:t>2021/12/12</a:t>
+              <a:t>2021/12/13</a:t>
             </a:fld>
             <a:endParaRPr kumimoji="1" lang="ja-JP" altLang="en-US"/>
           </a:p>
@@ -2975,7 +2977,7 @@
           <a:p>
             <a:fld id="{74D003C6-A6EE-48A7-AE4A-C230A035A362}" type="datetime1">
               <a:rPr kumimoji="1" lang="ja-JP" altLang="en-US" smtClean="0"/>
-              <a:t>2021/12/12</a:t>
+              <a:t>2021/12/13</a:t>
             </a:fld>
             <a:endParaRPr kumimoji="1" lang="ja-JP" altLang="en-US"/>
           </a:p>
@@ -3116,7 +3118,7 @@
           <a:p>
             <a:fld id="{533F50F8-E02E-4E97-B853-AD3628137587}" type="datetime1">
               <a:rPr kumimoji="1" lang="ja-JP" altLang="en-US" smtClean="0"/>
-              <a:t>2021/12/12</a:t>
+              <a:t>2021/12/13</a:t>
             </a:fld>
             <a:endParaRPr kumimoji="1" lang="ja-JP" altLang="en-US"/>
           </a:p>
@@ -3229,7 +3231,7 @@
           <a:p>
             <a:fld id="{F11A00CE-6844-4EF5-A570-152B82E8370A}" type="datetime1">
               <a:rPr kumimoji="1" lang="ja-JP" altLang="en-US" smtClean="0"/>
-              <a:t>2021/12/12</a:t>
+              <a:t>2021/12/13</a:t>
             </a:fld>
             <a:endParaRPr kumimoji="1" lang="ja-JP" altLang="en-US"/>
           </a:p>
@@ -3572,7 +3574,7 @@
           <a:p>
             <a:fld id="{B2A27E2D-E73B-499B-B1B6-156A8DDB2FEF}" type="datetime1">
               <a:rPr kumimoji="1" lang="ja-JP" altLang="en-US" smtClean="0"/>
-              <a:t>2021/12/12</a:t>
+              <a:t>2021/12/13</a:t>
             </a:fld>
             <a:endParaRPr kumimoji="1" lang="ja-JP" altLang="en-US"/>
           </a:p>
@@ -3860,7 +3862,7 @@
           <a:p>
             <a:fld id="{463EA2B4-7E42-4242-9726-8BCDAE817088}" type="datetime1">
               <a:rPr kumimoji="1" lang="ja-JP" altLang="en-US" smtClean="0"/>
-              <a:t>2021/12/12</a:t>
+              <a:t>2021/12/13</a:t>
             </a:fld>
             <a:endParaRPr kumimoji="1" lang="ja-JP" altLang="en-US"/>
           </a:p>
@@ -4133,7 +4135,7 @@
           <a:p>
             <a:fld id="{21C3EA37-5089-43BE-9268-20333F3B8EEF}" type="datetime1">
               <a:rPr kumimoji="1" lang="ja-JP" altLang="en-US" smtClean="0"/>
-              <a:t>2021/12/12</a:t>
+              <a:t>2021/12/13</a:t>
             </a:fld>
             <a:endParaRPr kumimoji="1" lang="ja-JP" altLang="en-US"/>
           </a:p>
@@ -5937,6 +5939,242 @@
     <p:extLst>
       <p:ext uri="{BB962C8B-B14F-4D97-AF65-F5344CB8AC3E}">
         <p14:creationId xmlns:p14="http://schemas.microsoft.com/office/powerpoint/2010/main" val="1519450967"/>
+      </p:ext>
+    </p:extLst>
+  </p:cSld>
+  <p:clrMapOvr>
+    <a:masterClrMapping/>
+  </p:clrMapOvr>
+</p:sld>
+</file>
+
+<file path=ppt/slides/slide5.xml><?xml version="1.0" encoding="utf-8"?>
+<p:sld xmlns:a="http://schemas.openxmlformats.org/drawingml/2006/main" xmlns:r="http://schemas.openxmlformats.org/officeDocument/2006/relationships" xmlns:p="http://schemas.openxmlformats.org/presentationml/2006/main">
+  <p:cSld>
+    <p:spTree>
+      <p:nvGrpSpPr>
+        <p:cNvPr id="1" name=""/>
+        <p:cNvGrpSpPr/>
+        <p:nvPr/>
+      </p:nvGrpSpPr>
+      <p:grpSpPr>
+        <a:xfrm>
+          <a:off x="0" y="0"/>
+          <a:ext cx="0" cy="0"/>
+          <a:chOff x="0" y="0"/>
+          <a:chExt cx="0" cy="0"/>
+        </a:xfrm>
+      </p:grpSpPr>
+      <p:sp>
+        <p:nvSpPr>
+          <p:cNvPr id="2" name="タイトル 1">
+            <a:extLst>
+              <a:ext uri="{FF2B5EF4-FFF2-40B4-BE49-F238E27FC236}">
+                <a16:creationId xmlns:a16="http://schemas.microsoft.com/office/drawing/2014/main" id="{DB02ED54-F836-46AD-B669-2DFB2C5173B1}"/>
+              </a:ext>
+            </a:extLst>
+          </p:cNvPr>
+          <p:cNvSpPr>
+            <a:spLocks noGrp="1"/>
+          </p:cNvSpPr>
+          <p:nvPr>
+            <p:ph type="title"/>
+          </p:nvPr>
+        </p:nvSpPr>
+        <p:spPr/>
+        <p:txBody>
+          <a:bodyPr/>
+          <a:lstStyle/>
+          <a:p>
+            <a:r>
+              <a:rPr kumimoji="1" lang="ja-JP" altLang="en-US" dirty="0"/>
+              <a:t>提案手法 （処理の流れ）</a:t>
+            </a:r>
+          </a:p>
+        </p:txBody>
+      </p:sp>
+      <p:sp>
+        <p:nvSpPr>
+          <p:cNvPr id="4" name="スライド番号プレースホルダー 3">
+            <a:extLst>
+              <a:ext uri="{FF2B5EF4-FFF2-40B4-BE49-F238E27FC236}">
+                <a16:creationId xmlns:a16="http://schemas.microsoft.com/office/drawing/2014/main" id="{8996F915-1766-45A0-A9AA-F010C652686E}"/>
+              </a:ext>
+            </a:extLst>
+          </p:cNvPr>
+          <p:cNvSpPr>
+            <a:spLocks noGrp="1"/>
+          </p:cNvSpPr>
+          <p:nvPr>
+            <p:ph type="sldNum" sz="quarter" idx="12"/>
+          </p:nvPr>
+        </p:nvSpPr>
+        <p:spPr/>
+        <p:txBody>
+          <a:bodyPr/>
+          <a:lstStyle/>
+          <a:p>
+            <a:fld id="{92084505-5355-43A2-B929-FD06D0DABC31}" type="slidenum">
+              <a:rPr lang="ja-JP" altLang="en-US" smtClean="0"/>
+              <a:pPr/>
+              <a:t>5</a:t>
+            </a:fld>
+            <a:endParaRPr lang="ja-JP" altLang="en-US" dirty="0"/>
+          </a:p>
+        </p:txBody>
+      </p:sp>
+      <p:pic>
+        <p:nvPicPr>
+          <p:cNvPr id="83" name="図 82">
+            <a:extLst>
+              <a:ext uri="{FF2B5EF4-FFF2-40B4-BE49-F238E27FC236}">
+                <a16:creationId xmlns:a16="http://schemas.microsoft.com/office/drawing/2014/main" id="{3B296838-1E11-429B-96AD-9FFFC434ED6E}"/>
+              </a:ext>
+            </a:extLst>
+          </p:cNvPr>
+          <p:cNvPicPr>
+            <a:picLocks noChangeAspect="1"/>
+          </p:cNvPicPr>
+          <p:nvPr/>
+        </p:nvPicPr>
+        <p:blipFill>
+          <a:blip r:embed="rId2"/>
+          <a:stretch>
+            <a:fillRect/>
+          </a:stretch>
+        </p:blipFill>
+        <p:spPr>
+          <a:xfrm>
+            <a:off x="2692345" y="1875754"/>
+            <a:ext cx="6875045" cy="4354380"/>
+          </a:xfrm>
+          <a:prstGeom prst="rect">
+            <a:avLst/>
+          </a:prstGeom>
+        </p:spPr>
+      </p:pic>
+    </p:spTree>
+    <p:extLst>
+      <p:ext uri="{BB962C8B-B14F-4D97-AF65-F5344CB8AC3E}">
+        <p14:creationId xmlns:p14="http://schemas.microsoft.com/office/powerpoint/2010/main" val="2372252490"/>
+      </p:ext>
+    </p:extLst>
+  </p:cSld>
+  <p:clrMapOvr>
+    <a:masterClrMapping/>
+  </p:clrMapOvr>
+</p:sld>
+</file>
+
+<file path=ppt/slides/slide6.xml><?xml version="1.0" encoding="utf-8"?>
+<p:sld xmlns:a="http://schemas.openxmlformats.org/drawingml/2006/main" xmlns:r="http://schemas.openxmlformats.org/officeDocument/2006/relationships" xmlns:p="http://schemas.openxmlformats.org/presentationml/2006/main">
+  <p:cSld>
+    <p:spTree>
+      <p:nvGrpSpPr>
+        <p:cNvPr id="1" name=""/>
+        <p:cNvGrpSpPr/>
+        <p:nvPr/>
+      </p:nvGrpSpPr>
+      <p:grpSpPr>
+        <a:xfrm>
+          <a:off x="0" y="0"/>
+          <a:ext cx="0" cy="0"/>
+          <a:chOff x="0" y="0"/>
+          <a:chExt cx="0" cy="0"/>
+        </a:xfrm>
+      </p:grpSpPr>
+      <p:sp>
+        <p:nvSpPr>
+          <p:cNvPr id="2" name="タイトル 1">
+            <a:extLst>
+              <a:ext uri="{FF2B5EF4-FFF2-40B4-BE49-F238E27FC236}">
+                <a16:creationId xmlns:a16="http://schemas.microsoft.com/office/drawing/2014/main" id="{6431167C-23A7-4A54-AA29-1AB4D9522251}"/>
+              </a:ext>
+            </a:extLst>
+          </p:cNvPr>
+          <p:cNvSpPr>
+            <a:spLocks noGrp="1"/>
+          </p:cNvSpPr>
+          <p:nvPr>
+            <p:ph type="title"/>
+          </p:nvPr>
+        </p:nvSpPr>
+        <p:spPr/>
+        <p:txBody>
+          <a:bodyPr/>
+          <a:lstStyle/>
+          <a:p>
+            <a:r>
+              <a:rPr kumimoji="1" lang="ja-JP" altLang="en-US" dirty="0"/>
+              <a:t>提案</a:t>
+            </a:r>
+            <a:r>
+              <a:rPr kumimoji="1" lang="ja-JP" altLang="en-US"/>
+              <a:t>手法 （識別モデル）</a:t>
+            </a:r>
+            <a:endParaRPr kumimoji="1" lang="ja-JP" altLang="en-US" dirty="0"/>
+          </a:p>
+        </p:txBody>
+      </p:sp>
+      <p:sp>
+        <p:nvSpPr>
+          <p:cNvPr id="3" name="コンテンツ プレースホルダー 2">
+            <a:extLst>
+              <a:ext uri="{FF2B5EF4-FFF2-40B4-BE49-F238E27FC236}">
+                <a16:creationId xmlns:a16="http://schemas.microsoft.com/office/drawing/2014/main" id="{DD148D34-126D-4C77-B6E2-43D761D3120D}"/>
+              </a:ext>
+            </a:extLst>
+          </p:cNvPr>
+          <p:cNvSpPr>
+            <a:spLocks noGrp="1"/>
+          </p:cNvSpPr>
+          <p:nvPr>
+            <p:ph idx="1"/>
+          </p:nvPr>
+        </p:nvSpPr>
+        <p:spPr/>
+        <p:txBody>
+          <a:bodyPr/>
+          <a:lstStyle/>
+          <a:p>
+            <a:endParaRPr kumimoji="1" lang="ja-JP" altLang="en-US"/>
+          </a:p>
+        </p:txBody>
+      </p:sp>
+      <p:sp>
+        <p:nvSpPr>
+          <p:cNvPr id="4" name="スライド番号プレースホルダー 3">
+            <a:extLst>
+              <a:ext uri="{FF2B5EF4-FFF2-40B4-BE49-F238E27FC236}">
+                <a16:creationId xmlns:a16="http://schemas.microsoft.com/office/drawing/2014/main" id="{7E39332F-F5AC-4857-85C2-EA4FE794CA82}"/>
+              </a:ext>
+            </a:extLst>
+          </p:cNvPr>
+          <p:cNvSpPr>
+            <a:spLocks noGrp="1"/>
+          </p:cNvSpPr>
+          <p:nvPr>
+            <p:ph type="sldNum" sz="quarter" idx="12"/>
+          </p:nvPr>
+        </p:nvSpPr>
+        <p:spPr/>
+        <p:txBody>
+          <a:bodyPr/>
+          <a:lstStyle/>
+          <a:p>
+            <a:fld id="{92084505-5355-43A2-B929-FD06D0DABC31}" type="slidenum">
+              <a:rPr lang="ja-JP" altLang="en-US" smtClean="0"/>
+              <a:pPr/>
+              <a:t>6</a:t>
+            </a:fld>
+            <a:endParaRPr lang="ja-JP" altLang="en-US" dirty="0"/>
+          </a:p>
+        </p:txBody>
+      </p:sp>
+    </p:spTree>
+    <p:extLst>
+      <p:ext uri="{BB962C8B-B14F-4D97-AF65-F5344CB8AC3E}">
+        <p14:creationId xmlns:p14="http://schemas.microsoft.com/office/powerpoint/2010/main" val="1128652020"/>
       </p:ext>
     </p:extLst>
   </p:cSld>

--- a/paper/water/UWW2021/UWW2021.pptx
+++ b/paper/water/UWW2021/UWW2021.pptx
@@ -5,7 +5,7 @@
     <p:sldMasterId id="2147483648" r:id="rId1"/>
   </p:sldMasterIdLst>
   <p:notesMasterIdLst>
-    <p:notesMasterId r:id="rId8"/>
+    <p:notesMasterId r:id="rId9"/>
   </p:notesMasterIdLst>
   <p:sldIdLst>
     <p:sldId id="256" r:id="rId2"/>
@@ -13,7 +13,8 @@
     <p:sldId id="258" r:id="rId4"/>
     <p:sldId id="259" r:id="rId5"/>
     <p:sldId id="260" r:id="rId6"/>
-    <p:sldId id="261" r:id="rId7"/>
+    <p:sldId id="262" r:id="rId7"/>
+    <p:sldId id="261" r:id="rId8"/>
   </p:sldIdLst>
   <p:sldSz cx="12192000" cy="6858000"/>
   <p:notesSz cx="6858000" cy="9144000"/>
@@ -6088,7 +6089,7 @@
           <p:cNvPr id="2" name="タイトル 1">
             <a:extLst>
               <a:ext uri="{FF2B5EF4-FFF2-40B4-BE49-F238E27FC236}">
-                <a16:creationId xmlns:a16="http://schemas.microsoft.com/office/drawing/2014/main" id="{6431167C-23A7-4A54-AA29-1AB4D9522251}"/>
+                <a16:creationId xmlns:a16="http://schemas.microsoft.com/office/drawing/2014/main" id="{F651AA49-F515-4F05-A812-383DBF80C5C3}"/>
               </a:ext>
             </a:extLst>
           </p:cNvPr>
@@ -6106,38 +6107,8 @@
           <a:p>
             <a:r>
               <a:rPr kumimoji="1" lang="ja-JP" altLang="en-US" dirty="0"/>
-              <a:t>提案</a:t>
-            </a:r>
-            <a:r>
-              <a:rPr kumimoji="1" lang="ja-JP" altLang="en-US"/>
-              <a:t>手法 （識別モデル）</a:t>
-            </a:r>
-            <a:endParaRPr kumimoji="1" lang="ja-JP" altLang="en-US" dirty="0"/>
-          </a:p>
-        </p:txBody>
-      </p:sp>
-      <p:sp>
-        <p:nvSpPr>
-          <p:cNvPr id="3" name="コンテンツ プレースホルダー 2">
-            <a:extLst>
-              <a:ext uri="{FF2B5EF4-FFF2-40B4-BE49-F238E27FC236}">
-                <a16:creationId xmlns:a16="http://schemas.microsoft.com/office/drawing/2014/main" id="{DD148D34-126D-4C77-B6E2-43D761D3120D}"/>
-              </a:ext>
-            </a:extLst>
-          </p:cNvPr>
-          <p:cNvSpPr>
-            <a:spLocks noGrp="1"/>
-          </p:cNvSpPr>
-          <p:nvPr>
-            <p:ph idx="1"/>
-          </p:nvPr>
-        </p:nvSpPr>
-        <p:spPr/>
-        <p:txBody>
-          <a:bodyPr/>
-          <a:lstStyle/>
-          <a:p>
-            <a:endParaRPr kumimoji="1" lang="ja-JP" altLang="en-US"/>
+              <a:t>提案手法 （特徴抽出）</a:t>
+            </a:r>
           </a:p>
         </p:txBody>
       </p:sp>
@@ -6146,7 +6117,7 @@
           <p:cNvPr id="4" name="スライド番号プレースホルダー 3">
             <a:extLst>
               <a:ext uri="{FF2B5EF4-FFF2-40B4-BE49-F238E27FC236}">
-                <a16:creationId xmlns:a16="http://schemas.microsoft.com/office/drawing/2014/main" id="{7E39332F-F5AC-4857-85C2-EA4FE794CA82}"/>
+                <a16:creationId xmlns:a16="http://schemas.microsoft.com/office/drawing/2014/main" id="{97279C9A-2B7C-4D41-A019-62DE0E11CB4F}"/>
               </a:ext>
             </a:extLst>
           </p:cNvPr>
@@ -6168,6 +6139,671 @@
               <a:t>6</a:t>
             </a:fld>
             <a:endParaRPr lang="ja-JP" altLang="en-US" dirty="0"/>
+          </a:p>
+        </p:txBody>
+      </p:sp>
+      <p:pic>
+        <p:nvPicPr>
+          <p:cNvPr id="5" name="グラフィックス 4">
+            <a:extLst>
+              <a:ext uri="{FF2B5EF4-FFF2-40B4-BE49-F238E27FC236}">
+                <a16:creationId xmlns:a16="http://schemas.microsoft.com/office/drawing/2014/main" id="{EC1E6557-91EE-4ED3-9A51-0E1E01FC9E53}"/>
+              </a:ext>
+            </a:extLst>
+          </p:cNvPr>
+          <p:cNvPicPr>
+            <a:picLocks noChangeAspect="1"/>
+          </p:cNvPicPr>
+          <p:nvPr/>
+        </p:nvPicPr>
+        <p:blipFill>
+          <a:blip r:embed="rId2">
+            <a:extLst>
+              <a:ext uri="{28A0092B-C50C-407E-A947-70E740481C1C}">
+                <a14:useLocalDpi xmlns:a14="http://schemas.microsoft.com/office/drawing/2010/main" val="0"/>
+              </a:ext>
+              <a:ext uri="{96DAC541-7B7A-43D3-8B79-37D633B846F1}">
+                <asvg:svgBlip xmlns:asvg="http://schemas.microsoft.com/office/drawing/2016/SVG/main" r:embed="rId3"/>
+              </a:ext>
+            </a:extLst>
+          </a:blip>
+          <a:stretch>
+            <a:fillRect/>
+          </a:stretch>
+        </p:blipFill>
+        <p:spPr>
+          <a:xfrm rot="16200000">
+            <a:off x="-347132" y="3375610"/>
+            <a:ext cx="2997199" cy="626532"/>
+          </a:xfrm>
+          <a:prstGeom prst="rect">
+            <a:avLst/>
+          </a:prstGeom>
+        </p:spPr>
+      </p:pic>
+      <p:pic>
+        <p:nvPicPr>
+          <p:cNvPr id="6" name="グラフィックス 5">
+            <a:extLst>
+              <a:ext uri="{FF2B5EF4-FFF2-40B4-BE49-F238E27FC236}">
+                <a16:creationId xmlns:a16="http://schemas.microsoft.com/office/drawing/2014/main" id="{E5334A73-829A-4424-970D-33C3814194C4}"/>
+              </a:ext>
+            </a:extLst>
+          </p:cNvPr>
+          <p:cNvPicPr>
+            <a:picLocks noChangeAspect="1"/>
+          </p:cNvPicPr>
+          <p:nvPr/>
+        </p:nvPicPr>
+        <p:blipFill>
+          <a:blip r:embed="rId4">
+            <a:extLst>
+              <a:ext uri="{28A0092B-C50C-407E-A947-70E740481C1C}">
+                <a14:useLocalDpi xmlns:a14="http://schemas.microsoft.com/office/drawing/2010/main" val="0"/>
+              </a:ext>
+              <a:ext uri="{96DAC541-7B7A-43D3-8B79-37D633B846F1}">
+                <asvg:svgBlip xmlns:asvg="http://schemas.microsoft.com/office/drawing/2016/SVG/main" r:embed="rId5"/>
+              </a:ext>
+            </a:extLst>
+          </a:blip>
+          <a:stretch>
+            <a:fillRect/>
+          </a:stretch>
+        </p:blipFill>
+        <p:spPr>
+          <a:xfrm rot="16200000">
+            <a:off x="1743010" y="3462177"/>
+            <a:ext cx="1353292" cy="626534"/>
+          </a:xfrm>
+          <a:prstGeom prst="rect">
+            <a:avLst/>
+          </a:prstGeom>
+        </p:spPr>
+      </p:pic>
+    </p:spTree>
+    <p:extLst>
+      <p:ext uri="{BB962C8B-B14F-4D97-AF65-F5344CB8AC3E}">
+        <p14:creationId xmlns:p14="http://schemas.microsoft.com/office/powerpoint/2010/main" val="1255166824"/>
+      </p:ext>
+    </p:extLst>
+  </p:cSld>
+  <p:clrMapOvr>
+    <a:masterClrMapping/>
+  </p:clrMapOvr>
+</p:sld>
+</file>
+
+<file path=ppt/slides/slide7.xml><?xml version="1.0" encoding="utf-8"?>
+<p:sld xmlns:a="http://schemas.openxmlformats.org/drawingml/2006/main" xmlns:r="http://schemas.openxmlformats.org/officeDocument/2006/relationships" xmlns:p="http://schemas.openxmlformats.org/presentationml/2006/main">
+  <p:cSld>
+    <p:spTree>
+      <p:nvGrpSpPr>
+        <p:cNvPr id="1" name=""/>
+        <p:cNvGrpSpPr/>
+        <p:nvPr/>
+      </p:nvGrpSpPr>
+      <p:grpSpPr>
+        <a:xfrm>
+          <a:off x="0" y="0"/>
+          <a:ext cx="0" cy="0"/>
+          <a:chOff x="0" y="0"/>
+          <a:chExt cx="0" cy="0"/>
+        </a:xfrm>
+      </p:grpSpPr>
+      <p:sp>
+        <p:nvSpPr>
+          <p:cNvPr id="2" name="タイトル 1">
+            <a:extLst>
+              <a:ext uri="{FF2B5EF4-FFF2-40B4-BE49-F238E27FC236}">
+                <a16:creationId xmlns:a16="http://schemas.microsoft.com/office/drawing/2014/main" id="{6431167C-23A7-4A54-AA29-1AB4D9522251}"/>
+              </a:ext>
+            </a:extLst>
+          </p:cNvPr>
+          <p:cNvSpPr>
+            <a:spLocks noGrp="1"/>
+          </p:cNvSpPr>
+          <p:nvPr>
+            <p:ph type="title"/>
+          </p:nvPr>
+        </p:nvSpPr>
+        <p:spPr/>
+        <p:txBody>
+          <a:bodyPr/>
+          <a:lstStyle/>
+          <a:p>
+            <a:r>
+              <a:rPr kumimoji="1" lang="ja-JP" altLang="en-US" dirty="0"/>
+              <a:t>提案手法 （識別モデル）</a:t>
+            </a:r>
+          </a:p>
+        </p:txBody>
+      </p:sp>
+      <p:sp>
+        <p:nvSpPr>
+          <p:cNvPr id="4" name="スライド番号プレースホルダー 3">
+            <a:extLst>
+              <a:ext uri="{FF2B5EF4-FFF2-40B4-BE49-F238E27FC236}">
+                <a16:creationId xmlns:a16="http://schemas.microsoft.com/office/drawing/2014/main" id="{7E39332F-F5AC-4857-85C2-EA4FE794CA82}"/>
+              </a:ext>
+            </a:extLst>
+          </p:cNvPr>
+          <p:cNvSpPr>
+            <a:spLocks noGrp="1"/>
+          </p:cNvSpPr>
+          <p:nvPr>
+            <p:ph type="sldNum" sz="quarter" idx="12"/>
+          </p:nvPr>
+        </p:nvSpPr>
+        <p:spPr/>
+        <p:txBody>
+          <a:bodyPr/>
+          <a:lstStyle/>
+          <a:p>
+            <a:fld id="{92084505-5355-43A2-B929-FD06D0DABC31}" type="slidenum">
+              <a:rPr lang="ja-JP" altLang="en-US" smtClean="0"/>
+              <a:pPr/>
+              <a:t>7</a:t>
+            </a:fld>
+            <a:endParaRPr lang="ja-JP" altLang="en-US" dirty="0"/>
+          </a:p>
+        </p:txBody>
+      </p:sp>
+      <p:pic>
+        <p:nvPicPr>
+          <p:cNvPr id="65" name="グラフィックス 64">
+            <a:extLst>
+              <a:ext uri="{FF2B5EF4-FFF2-40B4-BE49-F238E27FC236}">
+                <a16:creationId xmlns:a16="http://schemas.microsoft.com/office/drawing/2014/main" id="{EE2B95FA-0A3C-40AC-A4F4-7FDA8777115D}"/>
+              </a:ext>
+            </a:extLst>
+          </p:cNvPr>
+          <p:cNvPicPr>
+            <a:picLocks noChangeAspect="1"/>
+          </p:cNvPicPr>
+          <p:nvPr/>
+        </p:nvPicPr>
+        <p:blipFill>
+          <a:blip r:embed="rId2">
+            <a:extLst>
+              <a:ext uri="{28A0092B-C50C-407E-A947-70E740481C1C}">
+                <a14:useLocalDpi xmlns:a14="http://schemas.microsoft.com/office/drawing/2010/main" val="0"/>
+              </a:ext>
+              <a:ext uri="{96DAC541-7B7A-43D3-8B79-37D633B846F1}">
+                <asvg:svgBlip xmlns:asvg="http://schemas.microsoft.com/office/drawing/2016/SVG/main" r:embed="rId3"/>
+              </a:ext>
+            </a:extLst>
+          </a:blip>
+          <a:stretch>
+            <a:fillRect/>
+          </a:stretch>
+        </p:blipFill>
+        <p:spPr>
+          <a:xfrm rot="16200000">
+            <a:off x="1557887" y="2489325"/>
+            <a:ext cx="1036196" cy="479728"/>
+          </a:xfrm>
+          <a:prstGeom prst="rect">
+            <a:avLst/>
+          </a:prstGeom>
+        </p:spPr>
+      </p:pic>
+      <p:pic>
+        <p:nvPicPr>
+          <p:cNvPr id="67" name="図 66">
+            <a:extLst>
+              <a:ext uri="{FF2B5EF4-FFF2-40B4-BE49-F238E27FC236}">
+                <a16:creationId xmlns:a16="http://schemas.microsoft.com/office/drawing/2014/main" id="{E5F5B11B-0046-4EC0-B9D8-DCF00C10901F}"/>
+              </a:ext>
+            </a:extLst>
+          </p:cNvPr>
+          <p:cNvPicPr>
+            <a:picLocks noChangeAspect="1"/>
+          </p:cNvPicPr>
+          <p:nvPr/>
+        </p:nvPicPr>
+        <p:blipFill>
+          <a:blip r:embed="rId4"/>
+          <a:stretch>
+            <a:fillRect/>
+          </a:stretch>
+        </p:blipFill>
+        <p:spPr>
+          <a:xfrm>
+            <a:off x="2819336" y="2277020"/>
+            <a:ext cx="643467" cy="735006"/>
+          </a:xfrm>
+          <a:prstGeom prst="rect">
+            <a:avLst/>
+          </a:prstGeom>
+        </p:spPr>
+      </p:pic>
+      <p:pic>
+        <p:nvPicPr>
+          <p:cNvPr id="71" name="図 70">
+            <a:extLst>
+              <a:ext uri="{FF2B5EF4-FFF2-40B4-BE49-F238E27FC236}">
+                <a16:creationId xmlns:a16="http://schemas.microsoft.com/office/drawing/2014/main" id="{3ADA7042-F477-4C3D-BFCC-297F4C0A213D}"/>
+              </a:ext>
+            </a:extLst>
+          </p:cNvPr>
+          <p:cNvPicPr>
+            <a:picLocks noChangeAspect="1"/>
+          </p:cNvPicPr>
+          <p:nvPr/>
+        </p:nvPicPr>
+        <p:blipFill>
+          <a:blip r:embed="rId5"/>
+          <a:stretch>
+            <a:fillRect/>
+          </a:stretch>
+        </p:blipFill>
+        <p:spPr>
+          <a:xfrm>
+            <a:off x="6083021" y="2126425"/>
+            <a:ext cx="639925" cy="1036196"/>
+          </a:xfrm>
+          <a:prstGeom prst="rect">
+            <a:avLst/>
+          </a:prstGeom>
+        </p:spPr>
+      </p:pic>
+      <p:pic>
+        <p:nvPicPr>
+          <p:cNvPr id="94" name="図 93">
+            <a:extLst>
+              <a:ext uri="{FF2B5EF4-FFF2-40B4-BE49-F238E27FC236}">
+                <a16:creationId xmlns:a16="http://schemas.microsoft.com/office/drawing/2014/main" id="{5F591B7A-D207-4DA1-A2DA-088DA5E33EB6}"/>
+              </a:ext>
+            </a:extLst>
+          </p:cNvPr>
+          <p:cNvPicPr>
+            <a:picLocks noChangeAspect="1"/>
+          </p:cNvPicPr>
+          <p:nvPr/>
+        </p:nvPicPr>
+        <p:blipFill>
+          <a:blip r:embed="rId6"/>
+          <a:stretch>
+            <a:fillRect/>
+          </a:stretch>
+        </p:blipFill>
+        <p:spPr>
+          <a:xfrm>
+            <a:off x="2666695" y="4543383"/>
+            <a:ext cx="639925" cy="955228"/>
+          </a:xfrm>
+          <a:prstGeom prst="rect">
+            <a:avLst/>
+          </a:prstGeom>
+        </p:spPr>
+      </p:pic>
+      <p:pic>
+        <p:nvPicPr>
+          <p:cNvPr id="95" name="図 94">
+            <a:extLst>
+              <a:ext uri="{FF2B5EF4-FFF2-40B4-BE49-F238E27FC236}">
+                <a16:creationId xmlns:a16="http://schemas.microsoft.com/office/drawing/2014/main" id="{2D9DE8A1-309C-426C-9594-2E96417495A2}"/>
+              </a:ext>
+            </a:extLst>
+          </p:cNvPr>
+          <p:cNvPicPr>
+            <a:picLocks noChangeAspect="1"/>
+          </p:cNvPicPr>
+          <p:nvPr/>
+        </p:nvPicPr>
+        <p:blipFill>
+          <a:blip r:embed="rId4"/>
+          <a:stretch>
+            <a:fillRect/>
+          </a:stretch>
+        </p:blipFill>
+        <p:spPr>
+          <a:xfrm>
+            <a:off x="3797845" y="2277020"/>
+            <a:ext cx="643467" cy="735006"/>
+          </a:xfrm>
+          <a:prstGeom prst="rect">
+            <a:avLst/>
+          </a:prstGeom>
+        </p:spPr>
+      </p:pic>
+      <p:pic>
+        <p:nvPicPr>
+          <p:cNvPr id="96" name="図 95">
+            <a:extLst>
+              <a:ext uri="{FF2B5EF4-FFF2-40B4-BE49-F238E27FC236}">
+                <a16:creationId xmlns:a16="http://schemas.microsoft.com/office/drawing/2014/main" id="{B1A0A02E-704A-4320-973B-95308F1BF107}"/>
+              </a:ext>
+            </a:extLst>
+          </p:cNvPr>
+          <p:cNvPicPr>
+            <a:picLocks noChangeAspect="1"/>
+          </p:cNvPicPr>
+          <p:nvPr/>
+        </p:nvPicPr>
+        <p:blipFill>
+          <a:blip r:embed="rId4"/>
+          <a:stretch>
+            <a:fillRect/>
+          </a:stretch>
+        </p:blipFill>
+        <p:spPr>
+          <a:xfrm>
+            <a:off x="4940433" y="2277020"/>
+            <a:ext cx="643467" cy="735006"/>
+          </a:xfrm>
+          <a:prstGeom prst="rect">
+            <a:avLst/>
+          </a:prstGeom>
+        </p:spPr>
+      </p:pic>
+      <p:pic>
+        <p:nvPicPr>
+          <p:cNvPr id="98" name="図 97">
+            <a:extLst>
+              <a:ext uri="{FF2B5EF4-FFF2-40B4-BE49-F238E27FC236}">
+                <a16:creationId xmlns:a16="http://schemas.microsoft.com/office/drawing/2014/main" id="{CD4C5ECD-6EF7-4B22-9101-BA1C90A62136}"/>
+              </a:ext>
+            </a:extLst>
+          </p:cNvPr>
+          <p:cNvPicPr>
+            <a:picLocks noChangeAspect="1"/>
+          </p:cNvPicPr>
+          <p:nvPr/>
+        </p:nvPicPr>
+        <p:blipFill>
+          <a:blip r:embed="rId5"/>
+          <a:stretch>
+            <a:fillRect/>
+          </a:stretch>
+        </p:blipFill>
+        <p:spPr>
+          <a:xfrm>
+            <a:off x="7197079" y="2126425"/>
+            <a:ext cx="639925" cy="1036196"/>
+          </a:xfrm>
+          <a:prstGeom prst="rect">
+            <a:avLst/>
+          </a:prstGeom>
+        </p:spPr>
+      </p:pic>
+      <p:pic>
+        <p:nvPicPr>
+          <p:cNvPr id="99" name="図 98">
+            <a:extLst>
+              <a:ext uri="{FF2B5EF4-FFF2-40B4-BE49-F238E27FC236}">
+                <a16:creationId xmlns:a16="http://schemas.microsoft.com/office/drawing/2014/main" id="{82A87757-C829-42C0-A7E2-4EBDC818FCB9}"/>
+              </a:ext>
+            </a:extLst>
+          </p:cNvPr>
+          <p:cNvPicPr>
+            <a:picLocks noChangeAspect="1"/>
+          </p:cNvPicPr>
+          <p:nvPr/>
+        </p:nvPicPr>
+        <p:blipFill>
+          <a:blip r:embed="rId5"/>
+          <a:stretch>
+            <a:fillRect/>
+          </a:stretch>
+        </p:blipFill>
+        <p:spPr>
+          <a:xfrm>
+            <a:off x="8327658" y="2126425"/>
+            <a:ext cx="639925" cy="1036196"/>
+          </a:xfrm>
+          <a:prstGeom prst="rect">
+            <a:avLst/>
+          </a:prstGeom>
+        </p:spPr>
+      </p:pic>
+      <p:sp>
+        <p:nvSpPr>
+          <p:cNvPr id="104" name="正方形/長方形 103">
+            <a:extLst>
+              <a:ext uri="{FF2B5EF4-FFF2-40B4-BE49-F238E27FC236}">
+                <a16:creationId xmlns:a16="http://schemas.microsoft.com/office/drawing/2014/main" id="{59AE3981-4996-42ED-9E08-515D2FBA9EB2}"/>
+              </a:ext>
+            </a:extLst>
+          </p:cNvPr>
+          <p:cNvSpPr/>
+          <p:nvPr/>
+        </p:nvSpPr>
+        <p:spPr>
+          <a:xfrm>
+            <a:off x="3895224" y="3695380"/>
+            <a:ext cx="639925" cy="2311400"/>
+          </a:xfrm>
+          <a:prstGeom prst="rect">
+            <a:avLst/>
+          </a:prstGeom>
+        </p:spPr>
+        <p:style>
+          <a:lnRef idx="2">
+            <a:schemeClr val="accent1">
+              <a:shade val="50000"/>
+            </a:schemeClr>
+          </a:lnRef>
+          <a:fillRef idx="1">
+            <a:schemeClr val="accent1"/>
+          </a:fillRef>
+          <a:effectRef idx="0">
+            <a:schemeClr val="accent1"/>
+          </a:effectRef>
+          <a:fontRef idx="minor">
+            <a:schemeClr val="lt1"/>
+          </a:fontRef>
+        </p:style>
+        <p:txBody>
+          <a:bodyPr vert="vert" rtlCol="0" anchor="ctr"/>
+          <a:lstStyle/>
+          <a:p>
+            <a:pPr algn="ctr"/>
+            <a:r>
+              <a:rPr kumimoji="1" lang="en-US" altLang="ja-JP" dirty="0" err="1"/>
+              <a:t>AvgPool</a:t>
+            </a:r>
+            <a:endParaRPr kumimoji="1" lang="ja-JP" altLang="en-US" dirty="0"/>
+          </a:p>
+        </p:txBody>
+      </p:sp>
+      <p:sp>
+        <p:nvSpPr>
+          <p:cNvPr id="106" name="正方形/長方形 105">
+            <a:extLst>
+              <a:ext uri="{FF2B5EF4-FFF2-40B4-BE49-F238E27FC236}">
+                <a16:creationId xmlns:a16="http://schemas.microsoft.com/office/drawing/2014/main" id="{D9033BCE-9D74-49F4-B5ED-ED1202338135}"/>
+              </a:ext>
+            </a:extLst>
+          </p:cNvPr>
+          <p:cNvSpPr/>
+          <p:nvPr/>
+        </p:nvSpPr>
+        <p:spPr>
+          <a:xfrm>
+            <a:off x="5034270" y="3983227"/>
+            <a:ext cx="639925" cy="2311400"/>
+          </a:xfrm>
+          <a:prstGeom prst="rect">
+            <a:avLst/>
+          </a:prstGeom>
+        </p:spPr>
+        <p:style>
+          <a:lnRef idx="2">
+            <a:schemeClr val="accent1">
+              <a:shade val="50000"/>
+            </a:schemeClr>
+          </a:lnRef>
+          <a:fillRef idx="1">
+            <a:schemeClr val="accent1"/>
+          </a:fillRef>
+          <a:effectRef idx="0">
+            <a:schemeClr val="accent1"/>
+          </a:effectRef>
+          <a:fontRef idx="minor">
+            <a:schemeClr val="lt1"/>
+          </a:fontRef>
+        </p:style>
+        <p:txBody>
+          <a:bodyPr vert="vert" rtlCol="0" anchor="ctr"/>
+          <a:lstStyle/>
+          <a:p>
+            <a:pPr algn="ctr"/>
+            <a:r>
+              <a:rPr kumimoji="1" lang="en-US" altLang="ja-JP" dirty="0"/>
+              <a:t>Linear</a:t>
+            </a:r>
+            <a:endParaRPr kumimoji="1" lang="ja-JP" altLang="en-US" dirty="0"/>
+          </a:p>
+        </p:txBody>
+      </p:sp>
+      <p:sp>
+        <p:nvSpPr>
+          <p:cNvPr id="107" name="正方形/長方形 106">
+            <a:extLst>
+              <a:ext uri="{FF2B5EF4-FFF2-40B4-BE49-F238E27FC236}">
+                <a16:creationId xmlns:a16="http://schemas.microsoft.com/office/drawing/2014/main" id="{FDE45436-544F-4B23-9FA0-AD45C4033460}"/>
+              </a:ext>
+            </a:extLst>
+          </p:cNvPr>
+          <p:cNvSpPr/>
+          <p:nvPr/>
+        </p:nvSpPr>
+        <p:spPr>
+          <a:xfrm>
+            <a:off x="6248847" y="3865297"/>
+            <a:ext cx="639925" cy="2311400"/>
+          </a:xfrm>
+          <a:prstGeom prst="rect">
+            <a:avLst/>
+          </a:prstGeom>
+        </p:spPr>
+        <p:style>
+          <a:lnRef idx="2">
+            <a:schemeClr val="accent1">
+              <a:shade val="50000"/>
+            </a:schemeClr>
+          </a:lnRef>
+          <a:fillRef idx="1">
+            <a:schemeClr val="accent1"/>
+          </a:fillRef>
+          <a:effectRef idx="0">
+            <a:schemeClr val="accent1"/>
+          </a:effectRef>
+          <a:fontRef idx="minor">
+            <a:schemeClr val="lt1"/>
+          </a:fontRef>
+        </p:style>
+        <p:txBody>
+          <a:bodyPr vert="vert" rtlCol="0" anchor="ctr"/>
+          <a:lstStyle/>
+          <a:p>
+            <a:pPr algn="ctr"/>
+            <a:r>
+              <a:rPr kumimoji="1" lang="en-US" altLang="ja-JP" dirty="0" err="1"/>
+              <a:t>Softmax</a:t>
+            </a:r>
+            <a:endParaRPr kumimoji="1" lang="ja-JP" altLang="en-US" dirty="0"/>
+          </a:p>
+        </p:txBody>
+      </p:sp>
+      <p:sp>
+        <p:nvSpPr>
+          <p:cNvPr id="108" name="正方形/長方形 107">
+            <a:extLst>
+              <a:ext uri="{FF2B5EF4-FFF2-40B4-BE49-F238E27FC236}">
+                <a16:creationId xmlns:a16="http://schemas.microsoft.com/office/drawing/2014/main" id="{141F6A62-9A7B-4C2E-88E9-6DD84693812B}"/>
+              </a:ext>
+            </a:extLst>
+          </p:cNvPr>
+          <p:cNvSpPr/>
+          <p:nvPr/>
+        </p:nvSpPr>
+        <p:spPr>
+          <a:xfrm>
+            <a:off x="7336890" y="3865297"/>
+            <a:ext cx="639925" cy="2311400"/>
+          </a:xfrm>
+          <a:prstGeom prst="rect">
+            <a:avLst/>
+          </a:prstGeom>
+        </p:spPr>
+        <p:style>
+          <a:lnRef idx="2">
+            <a:schemeClr val="accent1">
+              <a:shade val="50000"/>
+            </a:schemeClr>
+          </a:lnRef>
+          <a:fillRef idx="1">
+            <a:schemeClr val="accent1"/>
+          </a:fillRef>
+          <a:effectRef idx="0">
+            <a:schemeClr val="accent1"/>
+          </a:effectRef>
+          <a:fontRef idx="minor">
+            <a:schemeClr val="lt1"/>
+          </a:fontRef>
+        </p:style>
+        <p:txBody>
+          <a:bodyPr vert="vert" rtlCol="0" anchor="ctr"/>
+          <a:lstStyle/>
+          <a:p>
+            <a:pPr algn="ctr"/>
+            <a:r>
+              <a:rPr kumimoji="1" lang="en-US" altLang="ja-JP" dirty="0"/>
+              <a:t>Activation</a:t>
+            </a:r>
+            <a:endParaRPr kumimoji="1" lang="ja-JP" altLang="en-US" dirty="0"/>
+          </a:p>
+        </p:txBody>
+      </p:sp>
+      <p:sp>
+        <p:nvSpPr>
+          <p:cNvPr id="109" name="楕円 108">
+            <a:extLst>
+              <a:ext uri="{FF2B5EF4-FFF2-40B4-BE49-F238E27FC236}">
+                <a16:creationId xmlns:a16="http://schemas.microsoft.com/office/drawing/2014/main" id="{1A88BAAD-D2D8-4430-8D2B-319C03372750}"/>
+              </a:ext>
+            </a:extLst>
+          </p:cNvPr>
+          <p:cNvSpPr/>
+          <p:nvPr/>
+        </p:nvSpPr>
+        <p:spPr>
+          <a:xfrm>
+            <a:off x="8504585" y="4791794"/>
+            <a:ext cx="925996" cy="880533"/>
+          </a:xfrm>
+          <a:prstGeom prst="ellipse">
+            <a:avLst/>
+          </a:prstGeom>
+        </p:spPr>
+        <p:style>
+          <a:lnRef idx="2">
+            <a:schemeClr val="accent1">
+              <a:shade val="50000"/>
+            </a:schemeClr>
+          </a:lnRef>
+          <a:fillRef idx="1">
+            <a:schemeClr val="accent1"/>
+          </a:fillRef>
+          <a:effectRef idx="0">
+            <a:schemeClr val="accent1"/>
+          </a:effectRef>
+          <a:fontRef idx="minor">
+            <a:schemeClr val="lt1"/>
+          </a:fontRef>
+        </p:style>
+        <p:txBody>
+          <a:bodyPr rtlCol="0" anchor="ctr"/>
+          <a:lstStyle/>
+          <a:p>
+            <a:pPr algn="ctr"/>
+            <a:r>
+              <a:rPr kumimoji="1" lang="en-US" altLang="ja-JP" dirty="0" err="1"/>
+              <a:t>Pred</a:t>
+            </a:r>
+            <a:endParaRPr kumimoji="1" lang="ja-JP" altLang="en-US" dirty="0"/>
           </a:p>
         </p:txBody>
       </p:sp>

--- a/paper/water/UWW2021/UWW2021.pptx
+++ b/paper/water/UWW2021/UWW2021.pptx
@@ -384,7 +384,7 @@
           <a:p>
             <a:fld id="{87303740-7015-4B29-8C5B-7C7E73BA5FD5}" type="datetimeFigureOut">
               <a:rPr kumimoji="1" lang="ja-JP" altLang="en-US" smtClean="0"/>
-              <a:t>2021/12/13</a:t>
+              <a:t>2021/12/15</a:t>
             </a:fld>
             <a:endParaRPr kumimoji="1" lang="ja-JP" altLang="en-US"/>
           </a:p>
@@ -728,7 +728,7 @@
           <a:p>
             <a:fld id="{D8A01835-7B10-4ED5-98BD-3419EE328741}" type="datetime1">
               <a:rPr kumimoji="1" lang="ja-JP" altLang="en-US" smtClean="0"/>
-              <a:t>2021/12/13</a:t>
+              <a:t>2021/12/15</a:t>
             </a:fld>
             <a:endParaRPr kumimoji="1" lang="ja-JP" altLang="en-US"/>
           </a:p>
@@ -1249,7 +1249,7 @@
           <a:p>
             <a:fld id="{F568F08F-1DC0-4930-BF4E-8E61A70AE6D0}" type="datetime1">
               <a:rPr kumimoji="1" lang="ja-JP" altLang="en-US" smtClean="0"/>
-              <a:t>2021/12/13</a:t>
+              <a:t>2021/12/15</a:t>
             </a:fld>
             <a:endParaRPr kumimoji="1" lang="ja-JP" altLang="en-US"/>
           </a:p>
@@ -1489,7 +1489,7 @@
           <a:p>
             <a:fld id="{D8D6CA07-6BB3-4277-9B36-3B9A77BE85E8}" type="datetime1">
               <a:rPr kumimoji="1" lang="ja-JP" altLang="en-US" smtClean="0"/>
-              <a:t>2021/12/13</a:t>
+              <a:t>2021/12/15</a:t>
             </a:fld>
             <a:endParaRPr kumimoji="1" lang="ja-JP" altLang="en-US"/>
           </a:p>
@@ -1734,7 +1734,7 @@
           <a:p>
             <a:fld id="{B3736FD3-C09B-4AB5-83AE-94534BBA2AC4}" type="datetime1">
               <a:rPr kumimoji="1" lang="ja-JP" altLang="en-US" smtClean="0"/>
-              <a:t>2021/12/13</a:t>
+              <a:t>2021/12/15</a:t>
             </a:fld>
             <a:endParaRPr kumimoji="1" lang="ja-JP" altLang="en-US"/>
           </a:p>
@@ -2173,7 +2173,7 @@
           <a:p>
             <a:fld id="{2524B4B4-A594-4801-8E36-F1939D45FFD7}" type="datetime1">
               <a:rPr kumimoji="1" lang="ja-JP" altLang="en-US" smtClean="0"/>
-              <a:t>2021/12/13</a:t>
+              <a:t>2021/12/15</a:t>
             </a:fld>
             <a:endParaRPr kumimoji="1" lang="ja-JP" altLang="en-US"/>
           </a:p>
@@ -2502,7 +2502,7 @@
           <a:p>
             <a:fld id="{723130EB-1A2A-4363-A0CB-8F78064E787B}" type="datetime1">
               <a:rPr kumimoji="1" lang="ja-JP" altLang="en-US" smtClean="0"/>
-              <a:t>2021/12/13</a:t>
+              <a:t>2021/12/15</a:t>
             </a:fld>
             <a:endParaRPr kumimoji="1" lang="ja-JP" altLang="en-US"/>
           </a:p>
@@ -2978,7 +2978,7 @@
           <a:p>
             <a:fld id="{74D003C6-A6EE-48A7-AE4A-C230A035A362}" type="datetime1">
               <a:rPr kumimoji="1" lang="ja-JP" altLang="en-US" smtClean="0"/>
-              <a:t>2021/12/13</a:t>
+              <a:t>2021/12/15</a:t>
             </a:fld>
             <a:endParaRPr kumimoji="1" lang="ja-JP" altLang="en-US"/>
           </a:p>
@@ -3119,7 +3119,7 @@
           <a:p>
             <a:fld id="{533F50F8-E02E-4E97-B853-AD3628137587}" type="datetime1">
               <a:rPr kumimoji="1" lang="ja-JP" altLang="en-US" smtClean="0"/>
-              <a:t>2021/12/13</a:t>
+              <a:t>2021/12/15</a:t>
             </a:fld>
             <a:endParaRPr kumimoji="1" lang="ja-JP" altLang="en-US"/>
           </a:p>
@@ -3232,7 +3232,7 @@
           <a:p>
             <a:fld id="{F11A00CE-6844-4EF5-A570-152B82E8370A}" type="datetime1">
               <a:rPr kumimoji="1" lang="ja-JP" altLang="en-US" smtClean="0"/>
-              <a:t>2021/12/13</a:t>
+              <a:t>2021/12/15</a:t>
             </a:fld>
             <a:endParaRPr kumimoji="1" lang="ja-JP" altLang="en-US"/>
           </a:p>
@@ -3575,7 +3575,7 @@
           <a:p>
             <a:fld id="{B2A27E2D-E73B-499B-B1B6-156A8DDB2FEF}" type="datetime1">
               <a:rPr kumimoji="1" lang="ja-JP" altLang="en-US" smtClean="0"/>
-              <a:t>2021/12/13</a:t>
+              <a:t>2021/12/15</a:t>
             </a:fld>
             <a:endParaRPr kumimoji="1" lang="ja-JP" altLang="en-US"/>
           </a:p>
@@ -3863,7 +3863,7 @@
           <a:p>
             <a:fld id="{463EA2B4-7E42-4242-9726-8BCDAE817088}" type="datetime1">
               <a:rPr kumimoji="1" lang="ja-JP" altLang="en-US" smtClean="0"/>
-              <a:t>2021/12/13</a:t>
+              <a:t>2021/12/15</a:t>
             </a:fld>
             <a:endParaRPr kumimoji="1" lang="ja-JP" altLang="en-US"/>
           </a:p>
@@ -4136,7 +4136,7 @@
           <a:p>
             <a:fld id="{21C3EA37-5089-43BE-9268-20333F3B8EEF}" type="datetime1">
               <a:rPr kumimoji="1" lang="ja-JP" altLang="en-US" smtClean="0"/>
-              <a:t>2021/12/13</a:t>
+              <a:t>2021/12/15</a:t>
             </a:fld>
             <a:endParaRPr kumimoji="1" lang="ja-JP" altLang="en-US"/>
           </a:p>
@@ -6144,10 +6144,10 @@
       </p:sp>
       <p:pic>
         <p:nvPicPr>
-          <p:cNvPr id="5" name="グラフィックス 4">
-            <a:extLst>
-              <a:ext uri="{FF2B5EF4-FFF2-40B4-BE49-F238E27FC236}">
-                <a16:creationId xmlns:a16="http://schemas.microsoft.com/office/drawing/2014/main" id="{EC1E6557-91EE-4ED3-9A51-0E1E01FC9E53}"/>
+          <p:cNvPr id="7" name="グラフィックス 6">
+            <a:extLst>
+              <a:ext uri="{FF2B5EF4-FFF2-40B4-BE49-F238E27FC236}">
+                <a16:creationId xmlns:a16="http://schemas.microsoft.com/office/drawing/2014/main" id="{9F9F3D52-6B9F-4655-8B07-B251E7324F85}"/>
               </a:ext>
             </a:extLst>
           </p:cNvPr>
@@ -6172,9 +6172,9 @@
           </a:stretch>
         </p:blipFill>
         <p:spPr>
-          <a:xfrm rot="16200000">
-            <a:off x="-347132" y="3375610"/>
-            <a:ext cx="2997199" cy="626532"/>
+          <a:xfrm>
+            <a:off x="1420590" y="1893888"/>
+            <a:ext cx="3663541" cy="2065866"/>
           </a:xfrm>
           <a:prstGeom prst="rect">
             <a:avLst/>
@@ -6183,10 +6183,10 @@
       </p:pic>
       <p:pic>
         <p:nvPicPr>
-          <p:cNvPr id="6" name="グラフィックス 5">
-            <a:extLst>
-              <a:ext uri="{FF2B5EF4-FFF2-40B4-BE49-F238E27FC236}">
-                <a16:creationId xmlns:a16="http://schemas.microsoft.com/office/drawing/2014/main" id="{E5334A73-829A-4424-970D-33C3814194C4}"/>
+          <p:cNvPr id="9" name="グラフィックス 8">
+            <a:extLst>
+              <a:ext uri="{FF2B5EF4-FFF2-40B4-BE49-F238E27FC236}">
+                <a16:creationId xmlns:a16="http://schemas.microsoft.com/office/drawing/2014/main" id="{E02934AD-FF5A-43C1-BAF6-168CAF654FC5}"/>
               </a:ext>
             </a:extLst>
           </p:cNvPr>
@@ -6211,15 +6211,436 @@
           </a:stretch>
         </p:blipFill>
         <p:spPr>
-          <a:xfrm rot="16200000">
-            <a:off x="1743010" y="3462177"/>
-            <a:ext cx="1353292" cy="626534"/>
+          <a:xfrm>
+            <a:off x="7107871" y="1893887"/>
+            <a:ext cx="3171542" cy="2065867"/>
           </a:xfrm>
           <a:prstGeom prst="rect">
             <a:avLst/>
           </a:prstGeom>
         </p:spPr>
       </p:pic>
+      <p:pic>
+        <p:nvPicPr>
+          <p:cNvPr id="11" name="グラフィックス 10">
+            <a:extLst>
+              <a:ext uri="{FF2B5EF4-FFF2-40B4-BE49-F238E27FC236}">
+                <a16:creationId xmlns:a16="http://schemas.microsoft.com/office/drawing/2014/main" id="{A0DA32CB-6A62-4CDE-91AE-B3126E5E22E2}"/>
+              </a:ext>
+            </a:extLst>
+          </p:cNvPr>
+          <p:cNvPicPr>
+            <a:picLocks noChangeAspect="1"/>
+          </p:cNvPicPr>
+          <p:nvPr/>
+        </p:nvPicPr>
+        <p:blipFill>
+          <a:blip r:embed="rId6">
+            <a:extLst>
+              <a:ext uri="{28A0092B-C50C-407E-A947-70E740481C1C}">
+                <a14:useLocalDpi xmlns:a14="http://schemas.microsoft.com/office/drawing/2010/main" val="0"/>
+              </a:ext>
+              <a:ext uri="{96DAC541-7B7A-43D3-8B79-37D633B846F1}">
+                <asvg:svgBlip xmlns:asvg="http://schemas.microsoft.com/office/drawing/2016/SVG/main" r:embed="rId7"/>
+              </a:ext>
+            </a:extLst>
+          </a:blip>
+          <a:stretch>
+            <a:fillRect/>
+          </a:stretch>
+        </p:blipFill>
+        <p:spPr>
+          <a:xfrm>
+            <a:off x="4300063" y="4162953"/>
+            <a:ext cx="3591874" cy="2060820"/>
+          </a:xfrm>
+          <a:prstGeom prst="rect">
+            <a:avLst/>
+          </a:prstGeom>
+        </p:spPr>
+      </p:pic>
+      <p:cxnSp>
+        <p:nvCxnSpPr>
+          <p:cNvPr id="21" name="直線矢印コネクタ 20">
+            <a:extLst>
+              <a:ext uri="{FF2B5EF4-FFF2-40B4-BE49-F238E27FC236}">
+                <a16:creationId xmlns:a16="http://schemas.microsoft.com/office/drawing/2014/main" id="{A5E8D763-6BD8-4C40-B041-B3190E350DDC}"/>
+              </a:ext>
+            </a:extLst>
+          </p:cNvPr>
+          <p:cNvCxnSpPr>
+            <a:stCxn id="7" idx="3"/>
+            <a:endCxn id="9" idx="1"/>
+          </p:cNvCxnSpPr>
+          <p:nvPr/>
+        </p:nvCxnSpPr>
+        <p:spPr>
+          <a:xfrm>
+            <a:off x="5084131" y="2926821"/>
+            <a:ext cx="2023740" cy="0"/>
+          </a:xfrm>
+          <a:prstGeom prst="straightConnector1">
+            <a:avLst/>
+          </a:prstGeom>
+          <a:ln w="38100">
+            <a:solidFill>
+              <a:schemeClr val="tx1"/>
+            </a:solidFill>
+            <a:tailEnd type="triangle"/>
+          </a:ln>
+        </p:spPr>
+        <p:style>
+          <a:lnRef idx="1">
+            <a:schemeClr val="accent1"/>
+          </a:lnRef>
+          <a:fillRef idx="0">
+            <a:schemeClr val="accent1"/>
+          </a:fillRef>
+          <a:effectRef idx="0">
+            <a:schemeClr val="accent1"/>
+          </a:effectRef>
+          <a:fontRef idx="minor">
+            <a:schemeClr val="tx1"/>
+          </a:fontRef>
+        </p:style>
+      </p:cxnSp>
+      <p:cxnSp>
+        <p:nvCxnSpPr>
+          <p:cNvPr id="23" name="コネクタ: カギ線 22">
+            <a:extLst>
+              <a:ext uri="{FF2B5EF4-FFF2-40B4-BE49-F238E27FC236}">
+                <a16:creationId xmlns:a16="http://schemas.microsoft.com/office/drawing/2014/main" id="{7BCFBF5C-F019-4760-BBBC-18E387EDE22A}"/>
+              </a:ext>
+            </a:extLst>
+          </p:cNvPr>
+          <p:cNvCxnSpPr>
+            <a:stCxn id="9" idx="2"/>
+            <a:endCxn id="11" idx="3"/>
+          </p:cNvCxnSpPr>
+          <p:nvPr/>
+        </p:nvCxnSpPr>
+        <p:spPr>
+          <a:xfrm rot="5400000">
+            <a:off x="7675986" y="4175706"/>
+            <a:ext cx="1233609" cy="801705"/>
+          </a:xfrm>
+          <a:prstGeom prst="bentConnector2">
+            <a:avLst/>
+          </a:prstGeom>
+          <a:ln w="38100">
+            <a:solidFill>
+              <a:schemeClr val="tx1"/>
+            </a:solidFill>
+            <a:tailEnd type="triangle"/>
+          </a:ln>
+        </p:spPr>
+        <p:style>
+          <a:lnRef idx="1">
+            <a:schemeClr val="accent1"/>
+          </a:lnRef>
+          <a:fillRef idx="0">
+            <a:schemeClr val="accent1"/>
+          </a:fillRef>
+          <a:effectRef idx="0">
+            <a:schemeClr val="accent1"/>
+          </a:effectRef>
+          <a:fontRef idx="minor">
+            <a:schemeClr val="tx1"/>
+          </a:fontRef>
+        </p:style>
+      </p:cxnSp>
+      <p:sp>
+        <p:nvSpPr>
+          <p:cNvPr id="24" name="テキスト ボックス 23">
+            <a:extLst>
+              <a:ext uri="{FF2B5EF4-FFF2-40B4-BE49-F238E27FC236}">
+                <a16:creationId xmlns:a16="http://schemas.microsoft.com/office/drawing/2014/main" id="{03E4E967-5DBA-41D1-8B40-0E9F7D261E0A}"/>
+              </a:ext>
+            </a:extLst>
+          </p:cNvPr>
+          <p:cNvSpPr txBox="1"/>
+          <p:nvPr/>
+        </p:nvSpPr>
+        <p:spPr>
+          <a:xfrm>
+            <a:off x="5043965" y="2520591"/>
+            <a:ext cx="2104069" cy="338554"/>
+          </a:xfrm>
+          <a:prstGeom prst="rect">
+            <a:avLst/>
+          </a:prstGeom>
+          <a:noFill/>
+        </p:spPr>
+        <p:txBody>
+          <a:bodyPr wrap="square" rtlCol="0">
+            <a:spAutoFit/>
+          </a:bodyPr>
+          <a:lstStyle/>
+          <a:p>
+            <a:pPr algn="ctr"/>
+            <a:r>
+              <a:rPr lang="en-US" altLang="ja-JP" sz="1600" b="0" dirty="0" err="1">
+                <a:effectLst/>
+                <a:latin typeface="Arial" panose="020B0604020202020204" pitchFamily="34" charset="0"/>
+                <a:cs typeface="Arial" panose="020B0604020202020204" pitchFamily="34" charset="0"/>
+              </a:rPr>
+              <a:t>librosa.feature.mfcc</a:t>
+            </a:r>
+            <a:r>
+              <a:rPr lang="en-US" altLang="ja-JP" sz="1600" b="0" dirty="0">
+                <a:effectLst/>
+                <a:latin typeface="Arial" panose="020B0604020202020204" pitchFamily="34" charset="0"/>
+                <a:cs typeface="Arial" panose="020B0604020202020204" pitchFamily="34" charset="0"/>
+              </a:rPr>
+              <a:t>()</a:t>
+            </a:r>
+          </a:p>
+        </p:txBody>
+      </p:sp>
+      <p:sp>
+        <p:nvSpPr>
+          <p:cNvPr id="25" name="テキスト ボックス 24">
+            <a:extLst>
+              <a:ext uri="{FF2B5EF4-FFF2-40B4-BE49-F238E27FC236}">
+                <a16:creationId xmlns:a16="http://schemas.microsoft.com/office/drawing/2014/main" id="{B8CC55DA-F1DD-4374-B8E1-3B44D859999A}"/>
+              </a:ext>
+            </a:extLst>
+          </p:cNvPr>
+          <p:cNvSpPr txBox="1"/>
+          <p:nvPr/>
+        </p:nvSpPr>
+        <p:spPr>
+          <a:xfrm>
+            <a:off x="5043965" y="2994498"/>
+            <a:ext cx="2104069" cy="338554"/>
+          </a:xfrm>
+          <a:prstGeom prst="rect">
+            <a:avLst/>
+          </a:prstGeom>
+          <a:noFill/>
+        </p:spPr>
+        <p:txBody>
+          <a:bodyPr wrap="square" rtlCol="0">
+            <a:spAutoFit/>
+          </a:bodyPr>
+          <a:lstStyle/>
+          <a:p>
+            <a:pPr algn="ctr"/>
+            <a:r>
+              <a:rPr lang="en-US" altLang="ja-JP" sz="1600" b="0" dirty="0" err="1">
+                <a:effectLst/>
+                <a:latin typeface="Arial" panose="020B0604020202020204" pitchFamily="34" charset="0"/>
+                <a:cs typeface="Arial" panose="020B0604020202020204" pitchFamily="34" charset="0"/>
+              </a:rPr>
+              <a:t>n_mfcc</a:t>
+            </a:r>
+            <a:r>
+              <a:rPr lang="en-US" altLang="ja-JP" sz="1600" b="0" dirty="0">
+                <a:effectLst/>
+                <a:latin typeface="Arial" panose="020B0604020202020204" pitchFamily="34" charset="0"/>
+                <a:cs typeface="Arial" panose="020B0604020202020204" pitchFamily="34" charset="0"/>
+              </a:rPr>
+              <a:t> = 20</a:t>
+            </a:r>
+          </a:p>
+        </p:txBody>
+      </p:sp>
+      <p:sp>
+        <p:nvSpPr>
+          <p:cNvPr id="26" name="テキスト ボックス 25">
+            <a:extLst>
+              <a:ext uri="{FF2B5EF4-FFF2-40B4-BE49-F238E27FC236}">
+                <a16:creationId xmlns:a16="http://schemas.microsoft.com/office/drawing/2014/main" id="{9792D445-C940-4427-929C-824B3CD70935}"/>
+              </a:ext>
+            </a:extLst>
+          </p:cNvPr>
+          <p:cNvSpPr txBox="1"/>
+          <p:nvPr/>
+        </p:nvSpPr>
+        <p:spPr>
+          <a:xfrm>
+            <a:off x="8693642" y="4407281"/>
+            <a:ext cx="2706208" cy="338554"/>
+          </a:xfrm>
+          <a:prstGeom prst="rect">
+            <a:avLst/>
+          </a:prstGeom>
+          <a:noFill/>
+        </p:spPr>
+        <p:txBody>
+          <a:bodyPr wrap="square" rtlCol="0">
+            <a:spAutoFit/>
+          </a:bodyPr>
+          <a:lstStyle/>
+          <a:p>
+            <a:pPr algn="ctr"/>
+            <a:r>
+              <a:rPr lang="en-US" altLang="ja-JP" sz="1600" b="0" dirty="0">
+                <a:effectLst/>
+                <a:latin typeface="Arial" panose="020B0604020202020204" pitchFamily="34" charset="0"/>
+                <a:cs typeface="Arial" panose="020B0604020202020204" pitchFamily="34" charset="0"/>
+              </a:rPr>
+              <a:t>Calculate the time average</a:t>
+            </a:r>
+          </a:p>
+        </p:txBody>
+      </p:sp>
+      <p:sp>
+        <p:nvSpPr>
+          <p:cNvPr id="27" name="四角形: 角を丸くする 26">
+            <a:extLst>
+              <a:ext uri="{FF2B5EF4-FFF2-40B4-BE49-F238E27FC236}">
+                <a16:creationId xmlns:a16="http://schemas.microsoft.com/office/drawing/2014/main" id="{C8026B74-E870-428F-82FD-1AF80E02966F}"/>
+              </a:ext>
+            </a:extLst>
+          </p:cNvPr>
+          <p:cNvSpPr/>
+          <p:nvPr/>
+        </p:nvSpPr>
+        <p:spPr>
+          <a:xfrm>
+            <a:off x="1329267" y="1811867"/>
+            <a:ext cx="3856464" cy="2235200"/>
+          </a:xfrm>
+          <a:prstGeom prst="roundRect">
+            <a:avLst/>
+          </a:prstGeom>
+          <a:noFill/>
+          <a:ln w="38100">
+            <a:solidFill>
+              <a:srgbClr val="FF0000"/>
+            </a:solidFill>
+          </a:ln>
+        </p:spPr>
+        <p:style>
+          <a:lnRef idx="2">
+            <a:schemeClr val="accent1">
+              <a:shade val="50000"/>
+            </a:schemeClr>
+          </a:lnRef>
+          <a:fillRef idx="1">
+            <a:schemeClr val="accent1"/>
+          </a:fillRef>
+          <a:effectRef idx="0">
+            <a:schemeClr val="accent1"/>
+          </a:effectRef>
+          <a:fontRef idx="minor">
+            <a:schemeClr val="lt1"/>
+          </a:fontRef>
+        </p:style>
+        <p:txBody>
+          <a:bodyPr rtlCol="0" anchor="ctr"/>
+          <a:lstStyle/>
+          <a:p>
+            <a:pPr algn="ctr"/>
+            <a:endParaRPr kumimoji="1" lang="ja-JP" altLang="en-US"/>
+          </a:p>
+        </p:txBody>
+      </p:sp>
+      <p:sp>
+        <p:nvSpPr>
+          <p:cNvPr id="28" name="四角形: 角を丸くする 27">
+            <a:extLst>
+              <a:ext uri="{FF2B5EF4-FFF2-40B4-BE49-F238E27FC236}">
+                <a16:creationId xmlns:a16="http://schemas.microsoft.com/office/drawing/2014/main" id="{D7BB6CAB-18C7-45E3-BE35-A18B2FD30259}"/>
+              </a:ext>
+            </a:extLst>
+          </p:cNvPr>
+          <p:cNvSpPr/>
+          <p:nvPr/>
+        </p:nvSpPr>
+        <p:spPr>
+          <a:xfrm>
+            <a:off x="7006269" y="1811867"/>
+            <a:ext cx="3348464" cy="2235200"/>
+          </a:xfrm>
+          <a:prstGeom prst="roundRect">
+            <a:avLst/>
+          </a:prstGeom>
+          <a:noFill/>
+          <a:ln w="38100">
+            <a:solidFill>
+              <a:srgbClr val="FF0000"/>
+            </a:solidFill>
+          </a:ln>
+        </p:spPr>
+        <p:style>
+          <a:lnRef idx="2">
+            <a:schemeClr val="accent1">
+              <a:shade val="50000"/>
+            </a:schemeClr>
+          </a:lnRef>
+          <a:fillRef idx="1">
+            <a:schemeClr val="accent1"/>
+          </a:fillRef>
+          <a:effectRef idx="0">
+            <a:schemeClr val="accent1"/>
+          </a:effectRef>
+          <a:fontRef idx="minor">
+            <a:schemeClr val="lt1"/>
+          </a:fontRef>
+        </p:style>
+        <p:txBody>
+          <a:bodyPr rtlCol="0" anchor="ctr"/>
+          <a:lstStyle/>
+          <a:p>
+            <a:pPr algn="ctr"/>
+            <a:endParaRPr kumimoji="1" lang="ja-JP" altLang="en-US"/>
+          </a:p>
+        </p:txBody>
+      </p:sp>
+      <p:sp>
+        <p:nvSpPr>
+          <p:cNvPr id="31" name="四角形: 角を丸くする 30">
+            <a:extLst>
+              <a:ext uri="{FF2B5EF4-FFF2-40B4-BE49-F238E27FC236}">
+                <a16:creationId xmlns:a16="http://schemas.microsoft.com/office/drawing/2014/main" id="{568FF53B-592D-49B5-852C-6FC6C658D579}"/>
+              </a:ext>
+            </a:extLst>
+          </p:cNvPr>
+          <p:cNvSpPr/>
+          <p:nvPr/>
+        </p:nvSpPr>
+        <p:spPr>
+          <a:xfrm>
+            <a:off x="4167767" y="4075763"/>
+            <a:ext cx="3856464" cy="2235200"/>
+          </a:xfrm>
+          <a:prstGeom prst="roundRect">
+            <a:avLst/>
+          </a:prstGeom>
+          <a:noFill/>
+          <a:ln w="38100">
+            <a:solidFill>
+              <a:srgbClr val="FF0000"/>
+            </a:solidFill>
+          </a:ln>
+        </p:spPr>
+        <p:style>
+          <a:lnRef idx="2">
+            <a:schemeClr val="accent1">
+              <a:shade val="50000"/>
+            </a:schemeClr>
+          </a:lnRef>
+          <a:fillRef idx="1">
+            <a:schemeClr val="accent1"/>
+          </a:fillRef>
+          <a:effectRef idx="0">
+            <a:schemeClr val="accent1"/>
+          </a:effectRef>
+          <a:fontRef idx="minor">
+            <a:schemeClr val="lt1"/>
+          </a:fontRef>
+        </p:style>
+        <p:txBody>
+          <a:bodyPr rtlCol="0" anchor="ctr"/>
+          <a:lstStyle/>
+          <a:p>
+            <a:pPr algn="ctr"/>
+            <a:endParaRPr kumimoji="1" lang="ja-JP" altLang="en-US"/>
+          </a:p>
+        </p:txBody>
+      </p:sp>
     </p:spTree>
     <p:extLst>
       <p:ext uri="{BB962C8B-B14F-4D97-AF65-F5344CB8AC3E}">
@@ -6230,6 +6651,290 @@
   <p:clrMapOvr>
     <a:masterClrMapping/>
   </p:clrMapOvr>
+  <p:timing>
+    <p:tnLst>
+      <p:par>
+        <p:cTn id="1" dur="indefinite" restart="never" nodeType="tmRoot">
+          <p:childTnLst>
+            <p:seq concurrent="1" nextAc="seek">
+              <p:cTn id="2" dur="indefinite" nodeType="mainSeq">
+                <p:childTnLst>
+                  <p:par>
+                    <p:cTn id="3" fill="hold">
+                      <p:stCondLst>
+                        <p:cond delay="indefinite"/>
+                      </p:stCondLst>
+                      <p:childTnLst>
+                        <p:par>
+                          <p:cTn id="4" fill="hold">
+                            <p:stCondLst>
+                              <p:cond delay="0"/>
+                            </p:stCondLst>
+                            <p:childTnLst>
+                              <p:par>
+                                <p:cTn id="5" presetID="10" presetClass="entr" presetSubtype="0" fill="hold" grpId="0" nodeType="clickEffect">
+                                  <p:stCondLst>
+                                    <p:cond delay="0"/>
+                                  </p:stCondLst>
+                                  <p:childTnLst>
+                                    <p:set>
+                                      <p:cBhvr>
+                                        <p:cTn id="6" dur="1" fill="hold">
+                                          <p:stCondLst>
+                                            <p:cond delay="0"/>
+                                          </p:stCondLst>
+                                        </p:cTn>
+                                        <p:tgtEl>
+                                          <p:spTgt spid="27"/>
+                                        </p:tgtEl>
+                                        <p:attrNameLst>
+                                          <p:attrName>style.visibility</p:attrName>
+                                        </p:attrNameLst>
+                                      </p:cBhvr>
+                                      <p:to>
+                                        <p:strVal val="visible"/>
+                                      </p:to>
+                                    </p:set>
+                                    <p:animEffect transition="in" filter="fade">
+                                      <p:cBhvr>
+                                        <p:cTn id="7" dur="500"/>
+                                        <p:tgtEl>
+                                          <p:spTgt spid="27"/>
+                                        </p:tgtEl>
+                                      </p:cBhvr>
+                                    </p:animEffect>
+                                  </p:childTnLst>
+                                </p:cTn>
+                              </p:par>
+                            </p:childTnLst>
+                          </p:cTn>
+                        </p:par>
+                      </p:childTnLst>
+                    </p:cTn>
+                  </p:par>
+                  <p:par>
+                    <p:cTn id="8" fill="hold">
+                      <p:stCondLst>
+                        <p:cond delay="indefinite"/>
+                      </p:stCondLst>
+                      <p:childTnLst>
+                        <p:par>
+                          <p:cTn id="9" fill="hold">
+                            <p:stCondLst>
+                              <p:cond delay="0"/>
+                            </p:stCondLst>
+                            <p:childTnLst>
+                              <p:par>
+                                <p:cTn id="10" presetID="22" presetClass="exit" presetSubtype="8" fill="hold" grpId="1" nodeType="clickEffect">
+                                  <p:stCondLst>
+                                    <p:cond delay="0"/>
+                                  </p:stCondLst>
+                                  <p:childTnLst>
+                                    <p:animEffect transition="out" filter="wipe(left)">
+                                      <p:cBhvr>
+                                        <p:cTn id="11" dur="500"/>
+                                        <p:tgtEl>
+                                          <p:spTgt spid="27"/>
+                                        </p:tgtEl>
+                                      </p:cBhvr>
+                                    </p:animEffect>
+                                    <p:set>
+                                      <p:cBhvr>
+                                        <p:cTn id="12" dur="1" fill="hold">
+                                          <p:stCondLst>
+                                            <p:cond delay="499"/>
+                                          </p:stCondLst>
+                                        </p:cTn>
+                                        <p:tgtEl>
+                                          <p:spTgt spid="27"/>
+                                        </p:tgtEl>
+                                        <p:attrNameLst>
+                                          <p:attrName>style.visibility</p:attrName>
+                                        </p:attrNameLst>
+                                      </p:cBhvr>
+                                      <p:to>
+                                        <p:strVal val="hidden"/>
+                                      </p:to>
+                                    </p:set>
+                                  </p:childTnLst>
+                                </p:cTn>
+                              </p:par>
+                            </p:childTnLst>
+                          </p:cTn>
+                        </p:par>
+                        <p:par>
+                          <p:cTn id="13" fill="hold">
+                            <p:stCondLst>
+                              <p:cond delay="500"/>
+                            </p:stCondLst>
+                            <p:childTnLst>
+                              <p:par>
+                                <p:cTn id="14" presetID="22" presetClass="entr" presetSubtype="8" fill="hold" grpId="0" nodeType="afterEffect">
+                                  <p:stCondLst>
+                                    <p:cond delay="0"/>
+                                  </p:stCondLst>
+                                  <p:childTnLst>
+                                    <p:set>
+                                      <p:cBhvr>
+                                        <p:cTn id="15" dur="1" fill="hold">
+                                          <p:stCondLst>
+                                            <p:cond delay="0"/>
+                                          </p:stCondLst>
+                                        </p:cTn>
+                                        <p:tgtEl>
+                                          <p:spTgt spid="28"/>
+                                        </p:tgtEl>
+                                        <p:attrNameLst>
+                                          <p:attrName>style.visibility</p:attrName>
+                                        </p:attrNameLst>
+                                      </p:cBhvr>
+                                      <p:to>
+                                        <p:strVal val="visible"/>
+                                      </p:to>
+                                    </p:set>
+                                    <p:animEffect transition="in" filter="wipe(left)">
+                                      <p:cBhvr>
+                                        <p:cTn id="16" dur="500"/>
+                                        <p:tgtEl>
+                                          <p:spTgt spid="28"/>
+                                        </p:tgtEl>
+                                      </p:cBhvr>
+                                    </p:animEffect>
+                                  </p:childTnLst>
+                                </p:cTn>
+                              </p:par>
+                            </p:childTnLst>
+                          </p:cTn>
+                        </p:par>
+                      </p:childTnLst>
+                    </p:cTn>
+                  </p:par>
+                  <p:par>
+                    <p:cTn id="17" fill="hold">
+                      <p:stCondLst>
+                        <p:cond delay="indefinite"/>
+                      </p:stCondLst>
+                      <p:childTnLst>
+                        <p:par>
+                          <p:cTn id="18" fill="hold">
+                            <p:stCondLst>
+                              <p:cond delay="0"/>
+                            </p:stCondLst>
+                            <p:childTnLst>
+                              <p:par>
+                                <p:cTn id="19" presetID="22" presetClass="exit" presetSubtype="1" fill="hold" grpId="1" nodeType="clickEffect">
+                                  <p:stCondLst>
+                                    <p:cond delay="0"/>
+                                  </p:stCondLst>
+                                  <p:childTnLst>
+                                    <p:animEffect transition="out" filter="wipe(up)">
+                                      <p:cBhvr>
+                                        <p:cTn id="20" dur="500"/>
+                                        <p:tgtEl>
+                                          <p:spTgt spid="28"/>
+                                        </p:tgtEl>
+                                      </p:cBhvr>
+                                    </p:animEffect>
+                                    <p:set>
+                                      <p:cBhvr>
+                                        <p:cTn id="21" dur="1" fill="hold">
+                                          <p:stCondLst>
+                                            <p:cond delay="499"/>
+                                          </p:stCondLst>
+                                        </p:cTn>
+                                        <p:tgtEl>
+                                          <p:spTgt spid="28"/>
+                                        </p:tgtEl>
+                                        <p:attrNameLst>
+                                          <p:attrName>style.visibility</p:attrName>
+                                        </p:attrNameLst>
+                                      </p:cBhvr>
+                                      <p:to>
+                                        <p:strVal val="hidden"/>
+                                      </p:to>
+                                    </p:set>
+                                  </p:childTnLst>
+                                </p:cTn>
+                              </p:par>
+                            </p:childTnLst>
+                          </p:cTn>
+                        </p:par>
+                        <p:par>
+                          <p:cTn id="22" fill="hold">
+                            <p:stCondLst>
+                              <p:cond delay="500"/>
+                            </p:stCondLst>
+                            <p:childTnLst>
+                              <p:par>
+                                <p:cTn id="23" presetID="22" presetClass="entr" presetSubtype="1" fill="hold" grpId="0" nodeType="afterEffect">
+                                  <p:stCondLst>
+                                    <p:cond delay="0"/>
+                                  </p:stCondLst>
+                                  <p:childTnLst>
+                                    <p:set>
+                                      <p:cBhvr>
+                                        <p:cTn id="24" dur="1" fill="hold">
+                                          <p:stCondLst>
+                                            <p:cond delay="0"/>
+                                          </p:stCondLst>
+                                        </p:cTn>
+                                        <p:tgtEl>
+                                          <p:spTgt spid="31"/>
+                                        </p:tgtEl>
+                                        <p:attrNameLst>
+                                          <p:attrName>style.visibility</p:attrName>
+                                        </p:attrNameLst>
+                                      </p:cBhvr>
+                                      <p:to>
+                                        <p:strVal val="visible"/>
+                                      </p:to>
+                                    </p:set>
+                                    <p:animEffect transition="in" filter="wipe(up)">
+                                      <p:cBhvr>
+                                        <p:cTn id="25" dur="500"/>
+                                        <p:tgtEl>
+                                          <p:spTgt spid="31"/>
+                                        </p:tgtEl>
+                                      </p:cBhvr>
+                                    </p:animEffect>
+                                  </p:childTnLst>
+                                </p:cTn>
+                              </p:par>
+                            </p:childTnLst>
+                          </p:cTn>
+                        </p:par>
+                      </p:childTnLst>
+                    </p:cTn>
+                  </p:par>
+                </p:childTnLst>
+              </p:cTn>
+              <p:prevCondLst>
+                <p:cond evt="onPrev" delay="0">
+                  <p:tgtEl>
+                    <p:sldTgt/>
+                  </p:tgtEl>
+                </p:cond>
+              </p:prevCondLst>
+              <p:nextCondLst>
+                <p:cond evt="onNext" delay="0">
+                  <p:tgtEl>
+                    <p:sldTgt/>
+                  </p:tgtEl>
+                </p:cond>
+              </p:nextCondLst>
+            </p:seq>
+          </p:childTnLst>
+        </p:cTn>
+      </p:par>
+    </p:tnLst>
+    <p:bldLst>
+      <p:bldP spid="27" grpId="0" animBg="1"/>
+      <p:bldP spid="27" grpId="1" animBg="1"/>
+      <p:bldP spid="28" grpId="0" animBg="1"/>
+      <p:bldP spid="28" grpId="1" animBg="1"/>
+      <p:bldP spid="31" grpId="0" animBg="1"/>
+    </p:bldLst>
+  </p:timing>
 </p:sld>
 </file>
 

--- a/paper/water/UWW2021/UWW2021.pptx
+++ b/paper/water/UWW2021/UWW2021.pptx
@@ -384,7 +384,7 @@
           <a:p>
             <a:fld id="{87303740-7015-4B29-8C5B-7C7E73BA5FD5}" type="datetimeFigureOut">
               <a:rPr kumimoji="1" lang="ja-JP" altLang="en-US" smtClean="0"/>
-              <a:t>2021/12/15</a:t>
+              <a:t>2021/12/16</a:t>
             </a:fld>
             <a:endParaRPr kumimoji="1" lang="ja-JP" altLang="en-US"/>
           </a:p>
@@ -728,7 +728,7 @@
           <a:p>
             <a:fld id="{D8A01835-7B10-4ED5-98BD-3419EE328741}" type="datetime1">
               <a:rPr kumimoji="1" lang="ja-JP" altLang="en-US" smtClean="0"/>
-              <a:t>2021/12/15</a:t>
+              <a:t>2021/12/16</a:t>
             </a:fld>
             <a:endParaRPr kumimoji="1" lang="ja-JP" altLang="en-US"/>
           </a:p>
@@ -1249,7 +1249,7 @@
           <a:p>
             <a:fld id="{F568F08F-1DC0-4930-BF4E-8E61A70AE6D0}" type="datetime1">
               <a:rPr kumimoji="1" lang="ja-JP" altLang="en-US" smtClean="0"/>
-              <a:t>2021/12/15</a:t>
+              <a:t>2021/12/16</a:t>
             </a:fld>
             <a:endParaRPr kumimoji="1" lang="ja-JP" altLang="en-US"/>
           </a:p>
@@ -1489,7 +1489,7 @@
           <a:p>
             <a:fld id="{D8D6CA07-6BB3-4277-9B36-3B9A77BE85E8}" type="datetime1">
               <a:rPr kumimoji="1" lang="ja-JP" altLang="en-US" smtClean="0"/>
-              <a:t>2021/12/15</a:t>
+              <a:t>2021/12/16</a:t>
             </a:fld>
             <a:endParaRPr kumimoji="1" lang="ja-JP" altLang="en-US"/>
           </a:p>
@@ -1734,7 +1734,7 @@
           <a:p>
             <a:fld id="{B3736FD3-C09B-4AB5-83AE-94534BBA2AC4}" type="datetime1">
               <a:rPr kumimoji="1" lang="ja-JP" altLang="en-US" smtClean="0"/>
-              <a:t>2021/12/15</a:t>
+              <a:t>2021/12/16</a:t>
             </a:fld>
             <a:endParaRPr kumimoji="1" lang="ja-JP" altLang="en-US"/>
           </a:p>
@@ -2173,7 +2173,7 @@
           <a:p>
             <a:fld id="{2524B4B4-A594-4801-8E36-F1939D45FFD7}" type="datetime1">
               <a:rPr kumimoji="1" lang="ja-JP" altLang="en-US" smtClean="0"/>
-              <a:t>2021/12/15</a:t>
+              <a:t>2021/12/16</a:t>
             </a:fld>
             <a:endParaRPr kumimoji="1" lang="ja-JP" altLang="en-US"/>
           </a:p>
@@ -2502,7 +2502,7 @@
           <a:p>
             <a:fld id="{723130EB-1A2A-4363-A0CB-8F78064E787B}" type="datetime1">
               <a:rPr kumimoji="1" lang="ja-JP" altLang="en-US" smtClean="0"/>
-              <a:t>2021/12/15</a:t>
+              <a:t>2021/12/16</a:t>
             </a:fld>
             <a:endParaRPr kumimoji="1" lang="ja-JP" altLang="en-US"/>
           </a:p>
@@ -2978,7 +2978,7 @@
           <a:p>
             <a:fld id="{74D003C6-A6EE-48A7-AE4A-C230A035A362}" type="datetime1">
               <a:rPr kumimoji="1" lang="ja-JP" altLang="en-US" smtClean="0"/>
-              <a:t>2021/12/15</a:t>
+              <a:t>2021/12/16</a:t>
             </a:fld>
             <a:endParaRPr kumimoji="1" lang="ja-JP" altLang="en-US"/>
           </a:p>
@@ -3119,7 +3119,7 @@
           <a:p>
             <a:fld id="{533F50F8-E02E-4E97-B853-AD3628137587}" type="datetime1">
               <a:rPr kumimoji="1" lang="ja-JP" altLang="en-US" smtClean="0"/>
-              <a:t>2021/12/15</a:t>
+              <a:t>2021/12/16</a:t>
             </a:fld>
             <a:endParaRPr kumimoji="1" lang="ja-JP" altLang="en-US"/>
           </a:p>
@@ -3232,7 +3232,7 @@
           <a:p>
             <a:fld id="{F11A00CE-6844-4EF5-A570-152B82E8370A}" type="datetime1">
               <a:rPr kumimoji="1" lang="ja-JP" altLang="en-US" smtClean="0"/>
-              <a:t>2021/12/15</a:t>
+              <a:t>2021/12/16</a:t>
             </a:fld>
             <a:endParaRPr kumimoji="1" lang="ja-JP" altLang="en-US"/>
           </a:p>
@@ -3575,7 +3575,7 @@
           <a:p>
             <a:fld id="{B2A27E2D-E73B-499B-B1B6-156A8DDB2FEF}" type="datetime1">
               <a:rPr kumimoji="1" lang="ja-JP" altLang="en-US" smtClean="0"/>
-              <a:t>2021/12/15</a:t>
+              <a:t>2021/12/16</a:t>
             </a:fld>
             <a:endParaRPr kumimoji="1" lang="ja-JP" altLang="en-US"/>
           </a:p>
@@ -3863,7 +3863,7 @@
           <a:p>
             <a:fld id="{463EA2B4-7E42-4242-9726-8BCDAE817088}" type="datetime1">
               <a:rPr kumimoji="1" lang="ja-JP" altLang="en-US" smtClean="0"/>
-              <a:t>2021/12/15</a:t>
+              <a:t>2021/12/16</a:t>
             </a:fld>
             <a:endParaRPr kumimoji="1" lang="ja-JP" altLang="en-US"/>
           </a:p>
@@ -4136,7 +4136,7 @@
           <a:p>
             <a:fld id="{21C3EA37-5089-43BE-9268-20333F3B8EEF}" type="datetime1">
               <a:rPr kumimoji="1" lang="ja-JP" altLang="en-US" smtClean="0"/>
-              <a:t>2021/12/15</a:t>
+              <a:t>2021/12/16</a:t>
             </a:fld>
             <a:endParaRPr kumimoji="1" lang="ja-JP" altLang="en-US"/>
           </a:p>
@@ -6641,6 +6641,53 @@
           </a:p>
         </p:txBody>
       </p:sp>
+      <p:sp>
+        <p:nvSpPr>
+          <p:cNvPr id="3" name="テキスト ボックス 2">
+            <a:extLst>
+              <a:ext uri="{FF2B5EF4-FFF2-40B4-BE49-F238E27FC236}">
+                <a16:creationId xmlns:a16="http://schemas.microsoft.com/office/drawing/2014/main" id="{598EC41C-C947-4CD6-B54B-FC78F28AF730}"/>
+              </a:ext>
+            </a:extLst>
+          </p:cNvPr>
+          <p:cNvSpPr txBox="1"/>
+          <p:nvPr/>
+        </p:nvSpPr>
+        <p:spPr>
+          <a:xfrm>
+            <a:off x="995940" y="4870197"/>
+            <a:ext cx="3039533" cy="646331"/>
+          </a:xfrm>
+          <a:prstGeom prst="rect">
+            <a:avLst/>
+          </a:prstGeom>
+          <a:noFill/>
+        </p:spPr>
+        <p:txBody>
+          <a:bodyPr wrap="square" rtlCol="0">
+            <a:spAutoFit/>
+          </a:bodyPr>
+          <a:lstStyle/>
+          <a:p>
+            <a:pPr algn="ctr"/>
+            <a:r>
+              <a:rPr kumimoji="1" lang="ja-JP" altLang="en-US" dirty="0"/>
+              <a:t>メル周波数ケプストラム係数（</a:t>
+            </a:r>
+            <a:r>
+              <a:rPr kumimoji="1" lang="en-US" altLang="ja-JP" dirty="0">
+                <a:latin typeface="Arial" panose="020B0604020202020204" pitchFamily="34" charset="0"/>
+                <a:cs typeface="Arial" panose="020B0604020202020204" pitchFamily="34" charset="0"/>
+              </a:rPr>
+              <a:t>MFCC</a:t>
+            </a:r>
+            <a:r>
+              <a:rPr kumimoji="1" lang="ja-JP" altLang="en-US" dirty="0"/>
+              <a:t>）を特徴量に使用</a:t>
+            </a:r>
+          </a:p>
+        </p:txBody>
+      </p:sp>
     </p:spTree>
     <p:extLst>
       <p:ext uri="{BB962C8B-B14F-4D97-AF65-F5344CB8AC3E}">
@@ -7044,7 +7091,7 @@
         </p:blipFill>
         <p:spPr>
           <a:xfrm rot="16200000">
-            <a:off x="1557887" y="2489325"/>
+            <a:off x="1206827" y="2221309"/>
             <a:ext cx="1036196" cy="479728"/>
           </a:xfrm>
           <a:prstGeom prst="rect">
@@ -7074,7 +7121,7 @@
         </p:blipFill>
         <p:spPr>
           <a:xfrm>
-            <a:off x="2819336" y="2277020"/>
+            <a:off x="2805637" y="2085203"/>
             <a:ext cx="643467" cy="735006"/>
           </a:xfrm>
           <a:prstGeom prst="rect">
@@ -7104,7 +7151,7 @@
         </p:blipFill>
         <p:spPr>
           <a:xfrm>
-            <a:off x="6083021" y="2126425"/>
+            <a:off x="7258579" y="1934608"/>
             <a:ext cx="639925" cy="1036196"/>
           </a:xfrm>
           <a:prstGeom prst="rect">
@@ -7134,7 +7181,7 @@
         </p:blipFill>
         <p:spPr>
           <a:xfrm>
-            <a:off x="2666695" y="4543383"/>
+            <a:off x="2805637" y="4193123"/>
             <a:ext cx="639925" cy="955228"/>
           </a:xfrm>
           <a:prstGeom prst="rect">
@@ -7164,7 +7211,7 @@
         </p:blipFill>
         <p:spPr>
           <a:xfrm>
-            <a:off x="3797845" y="2277020"/>
+            <a:off x="4289951" y="2093670"/>
             <a:ext cx="643467" cy="735006"/>
           </a:xfrm>
           <a:prstGeom prst="rect">
@@ -7194,7 +7241,7 @@
         </p:blipFill>
         <p:spPr>
           <a:xfrm>
-            <a:off x="4940433" y="2277020"/>
+            <a:off x="5774266" y="2090747"/>
             <a:ext cx="643467" cy="735006"/>
           </a:xfrm>
           <a:prstGeom prst="rect">
@@ -7224,7 +7271,7 @@
         </p:blipFill>
         <p:spPr>
           <a:xfrm>
-            <a:off x="7197079" y="2126425"/>
+            <a:off x="8739350" y="1934608"/>
             <a:ext cx="639925" cy="1036196"/>
           </a:xfrm>
           <a:prstGeom prst="rect">
@@ -7254,7 +7301,7 @@
         </p:blipFill>
         <p:spPr>
           <a:xfrm>
-            <a:off x="8327658" y="2126425"/>
+            <a:off x="10220121" y="1934608"/>
             <a:ext cx="639925" cy="1036196"/>
           </a:xfrm>
           <a:prstGeom prst="rect">
@@ -7262,26 +7309,599 @@
           </a:prstGeom>
         </p:spPr>
       </p:pic>
-      <p:sp>
-        <p:nvSpPr>
-          <p:cNvPr id="104" name="正方形/長方形 103">
-            <a:extLst>
-              <a:ext uri="{FF2B5EF4-FFF2-40B4-BE49-F238E27FC236}">
-                <a16:creationId xmlns:a16="http://schemas.microsoft.com/office/drawing/2014/main" id="{59AE3981-4996-42ED-9E08-515D2FBA9EB2}"/>
-              </a:ext>
-            </a:extLst>
-          </p:cNvPr>
-          <p:cNvSpPr/>
+      <p:cxnSp>
+        <p:nvCxnSpPr>
+          <p:cNvPr id="5" name="直線矢印コネクタ 4">
+            <a:extLst>
+              <a:ext uri="{FF2B5EF4-FFF2-40B4-BE49-F238E27FC236}">
+                <a16:creationId xmlns:a16="http://schemas.microsoft.com/office/drawing/2014/main" id="{43B539CE-0230-4A12-9554-ACEB1E0DE1A2}"/>
+              </a:ext>
+            </a:extLst>
+          </p:cNvPr>
+          <p:cNvCxnSpPr>
+            <a:cxnSpLocks/>
+          </p:cNvCxnSpPr>
           <p:nvPr/>
-        </p:nvSpPr>
+        </p:nvCxnSpPr>
         <p:spPr>
           <a:xfrm>
-            <a:off x="3895224" y="3695380"/>
-            <a:ext cx="639925" cy="2311400"/>
+            <a:off x="2116667" y="2461172"/>
+            <a:ext cx="558800" cy="0"/>
+          </a:xfrm>
+          <a:prstGeom prst="straightConnector1">
+            <a:avLst/>
+          </a:prstGeom>
+          <a:ln w="38100">
+            <a:solidFill>
+              <a:schemeClr val="tx1"/>
+            </a:solidFill>
+            <a:tailEnd type="triangle"/>
+          </a:ln>
+        </p:spPr>
+        <p:style>
+          <a:lnRef idx="1">
+            <a:schemeClr val="accent1"/>
+          </a:lnRef>
+          <a:fillRef idx="0">
+            <a:schemeClr val="accent1"/>
+          </a:fillRef>
+          <a:effectRef idx="0">
+            <a:schemeClr val="accent1"/>
+          </a:effectRef>
+          <a:fontRef idx="minor">
+            <a:schemeClr val="tx1"/>
+          </a:fontRef>
+        </p:style>
+      </p:cxnSp>
+      <p:cxnSp>
+        <p:nvCxnSpPr>
+          <p:cNvPr id="22" name="直線矢印コネクタ 21">
+            <a:extLst>
+              <a:ext uri="{FF2B5EF4-FFF2-40B4-BE49-F238E27FC236}">
+                <a16:creationId xmlns:a16="http://schemas.microsoft.com/office/drawing/2014/main" id="{36151947-29F8-4C07-BEE0-712D1744B5CD}"/>
+              </a:ext>
+            </a:extLst>
+          </p:cNvPr>
+          <p:cNvCxnSpPr>
+            <a:cxnSpLocks/>
+          </p:cNvCxnSpPr>
+          <p:nvPr/>
+        </p:nvCxnSpPr>
+        <p:spPr>
+          <a:xfrm>
+            <a:off x="3589867" y="2461172"/>
+            <a:ext cx="558800" cy="0"/>
+          </a:xfrm>
+          <a:prstGeom prst="straightConnector1">
+            <a:avLst/>
+          </a:prstGeom>
+          <a:ln w="38100">
+            <a:solidFill>
+              <a:schemeClr val="tx1"/>
+            </a:solidFill>
+            <a:tailEnd type="triangle"/>
+          </a:ln>
+        </p:spPr>
+        <p:style>
+          <a:lnRef idx="1">
+            <a:schemeClr val="accent1"/>
+          </a:lnRef>
+          <a:fillRef idx="0">
+            <a:schemeClr val="accent1"/>
+          </a:fillRef>
+          <a:effectRef idx="0">
+            <a:schemeClr val="accent1"/>
+          </a:effectRef>
+          <a:fontRef idx="minor">
+            <a:schemeClr val="tx1"/>
+          </a:fontRef>
+        </p:style>
+      </p:cxnSp>
+      <p:cxnSp>
+        <p:nvCxnSpPr>
+          <p:cNvPr id="23" name="直線矢印コネクタ 22">
+            <a:extLst>
+              <a:ext uri="{FF2B5EF4-FFF2-40B4-BE49-F238E27FC236}">
+                <a16:creationId xmlns:a16="http://schemas.microsoft.com/office/drawing/2014/main" id="{910439EF-9902-441F-8AF6-01A920A406D4}"/>
+              </a:ext>
+            </a:extLst>
+          </p:cNvPr>
+          <p:cNvCxnSpPr>
+            <a:cxnSpLocks/>
+          </p:cNvCxnSpPr>
+          <p:nvPr/>
+        </p:nvCxnSpPr>
+        <p:spPr>
+          <a:xfrm>
+            <a:off x="5083633" y="2461172"/>
+            <a:ext cx="558800" cy="0"/>
+          </a:xfrm>
+          <a:prstGeom prst="straightConnector1">
+            <a:avLst/>
+          </a:prstGeom>
+          <a:ln w="38100">
+            <a:solidFill>
+              <a:schemeClr val="tx1"/>
+            </a:solidFill>
+            <a:tailEnd type="triangle"/>
+          </a:ln>
+        </p:spPr>
+        <p:style>
+          <a:lnRef idx="1">
+            <a:schemeClr val="accent1"/>
+          </a:lnRef>
+          <a:fillRef idx="0">
+            <a:schemeClr val="accent1"/>
+          </a:fillRef>
+          <a:effectRef idx="0">
+            <a:schemeClr val="accent1"/>
+          </a:effectRef>
+          <a:fontRef idx="minor">
+            <a:schemeClr val="tx1"/>
+          </a:fontRef>
+        </p:style>
+      </p:cxnSp>
+      <p:cxnSp>
+        <p:nvCxnSpPr>
+          <p:cNvPr id="24" name="直線矢印コネクタ 23">
+            <a:extLst>
+              <a:ext uri="{FF2B5EF4-FFF2-40B4-BE49-F238E27FC236}">
+                <a16:creationId xmlns:a16="http://schemas.microsoft.com/office/drawing/2014/main" id="{79D8A7B1-8A64-434B-A829-4A49DC402C16}"/>
+              </a:ext>
+            </a:extLst>
+          </p:cNvPr>
+          <p:cNvCxnSpPr>
+            <a:cxnSpLocks/>
+          </p:cNvCxnSpPr>
+          <p:nvPr/>
+        </p:nvCxnSpPr>
+        <p:spPr>
+          <a:xfrm>
+            <a:off x="6548368" y="2461172"/>
+            <a:ext cx="558800" cy="0"/>
+          </a:xfrm>
+          <a:prstGeom prst="straightConnector1">
+            <a:avLst/>
+          </a:prstGeom>
+          <a:ln w="38100">
+            <a:solidFill>
+              <a:schemeClr val="tx1"/>
+            </a:solidFill>
+            <a:tailEnd type="triangle"/>
+          </a:ln>
+        </p:spPr>
+        <p:style>
+          <a:lnRef idx="1">
+            <a:schemeClr val="accent1"/>
+          </a:lnRef>
+          <a:fillRef idx="0">
+            <a:schemeClr val="accent1"/>
+          </a:fillRef>
+          <a:effectRef idx="0">
+            <a:schemeClr val="accent1"/>
+          </a:effectRef>
+          <a:fontRef idx="minor">
+            <a:schemeClr val="tx1"/>
+          </a:fontRef>
+        </p:style>
+      </p:cxnSp>
+      <p:cxnSp>
+        <p:nvCxnSpPr>
+          <p:cNvPr id="26" name="直線矢印コネクタ 25">
+            <a:extLst>
+              <a:ext uri="{FF2B5EF4-FFF2-40B4-BE49-F238E27FC236}">
+                <a16:creationId xmlns:a16="http://schemas.microsoft.com/office/drawing/2014/main" id="{BC3399DD-CEBC-41A1-9C19-83A968D565DD}"/>
+              </a:ext>
+            </a:extLst>
+          </p:cNvPr>
+          <p:cNvCxnSpPr>
+            <a:cxnSpLocks/>
+          </p:cNvCxnSpPr>
+          <p:nvPr/>
+        </p:nvCxnSpPr>
+        <p:spPr>
+          <a:xfrm>
+            <a:off x="8051579" y="2461172"/>
+            <a:ext cx="558800" cy="0"/>
+          </a:xfrm>
+          <a:prstGeom prst="straightConnector1">
+            <a:avLst/>
+          </a:prstGeom>
+          <a:ln w="38100">
+            <a:solidFill>
+              <a:schemeClr val="tx1"/>
+            </a:solidFill>
+            <a:tailEnd type="triangle"/>
+          </a:ln>
+        </p:spPr>
+        <p:style>
+          <a:lnRef idx="1">
+            <a:schemeClr val="accent1"/>
+          </a:lnRef>
+          <a:fillRef idx="0">
+            <a:schemeClr val="accent1"/>
+          </a:fillRef>
+          <a:effectRef idx="0">
+            <a:schemeClr val="accent1"/>
+          </a:effectRef>
+          <a:fontRef idx="minor">
+            <a:schemeClr val="tx1"/>
+          </a:fontRef>
+        </p:style>
+      </p:cxnSp>
+      <p:cxnSp>
+        <p:nvCxnSpPr>
+          <p:cNvPr id="27" name="直線矢印コネクタ 26">
+            <a:extLst>
+              <a:ext uri="{FF2B5EF4-FFF2-40B4-BE49-F238E27FC236}">
+                <a16:creationId xmlns:a16="http://schemas.microsoft.com/office/drawing/2014/main" id="{9F893278-2EAD-47D5-89E6-EF8CD8758A10}"/>
+              </a:ext>
+            </a:extLst>
+          </p:cNvPr>
+          <p:cNvCxnSpPr>
+            <a:cxnSpLocks/>
+          </p:cNvCxnSpPr>
+          <p:nvPr/>
+        </p:nvCxnSpPr>
+        <p:spPr>
+          <a:xfrm>
+            <a:off x="9530746" y="2461172"/>
+            <a:ext cx="558800" cy="0"/>
+          </a:xfrm>
+          <a:prstGeom prst="straightConnector1">
+            <a:avLst/>
+          </a:prstGeom>
+          <a:ln w="38100">
+            <a:solidFill>
+              <a:schemeClr val="tx1"/>
+            </a:solidFill>
+            <a:tailEnd type="triangle"/>
+          </a:ln>
+        </p:spPr>
+        <p:style>
+          <a:lnRef idx="1">
+            <a:schemeClr val="accent1"/>
+          </a:lnRef>
+          <a:fillRef idx="0">
+            <a:schemeClr val="accent1"/>
+          </a:fillRef>
+          <a:effectRef idx="0">
+            <a:schemeClr val="accent1"/>
+          </a:effectRef>
+          <a:fontRef idx="minor">
+            <a:schemeClr val="tx1"/>
+          </a:fontRef>
+        </p:style>
+      </p:cxnSp>
+      <p:sp>
+        <p:nvSpPr>
+          <p:cNvPr id="8" name="テキスト ボックス 7">
+            <a:extLst>
+              <a:ext uri="{FF2B5EF4-FFF2-40B4-BE49-F238E27FC236}">
+                <a16:creationId xmlns:a16="http://schemas.microsoft.com/office/drawing/2014/main" id="{05F2897A-6814-4D03-91E1-6A780A9D2E3E}"/>
+              </a:ext>
+            </a:extLst>
+          </p:cNvPr>
+          <p:cNvSpPr txBox="1"/>
+          <p:nvPr/>
+        </p:nvSpPr>
+        <p:spPr>
+          <a:xfrm>
+            <a:off x="1149192" y="2970804"/>
+            <a:ext cx="1151466" cy="369332"/>
           </a:xfrm>
           <a:prstGeom prst="rect">
             <a:avLst/>
           </a:prstGeom>
+          <a:noFill/>
+        </p:spPr>
+        <p:txBody>
+          <a:bodyPr wrap="square" rtlCol="0">
+            <a:spAutoFit/>
+          </a:bodyPr>
+          <a:lstStyle/>
+          <a:p>
+            <a:pPr algn="ctr"/>
+            <a:r>
+              <a:rPr kumimoji="1" lang="en-US" altLang="ja-JP" dirty="0">
+                <a:latin typeface="Arial" panose="020B0604020202020204" pitchFamily="34" charset="0"/>
+                <a:cs typeface="Arial" panose="020B0604020202020204" pitchFamily="34" charset="0"/>
+              </a:rPr>
+              <a:t>Feature</a:t>
+            </a:r>
+            <a:endParaRPr kumimoji="1" lang="ja-JP" altLang="en-US" dirty="0">
+              <a:latin typeface="Arial" panose="020B0604020202020204" pitchFamily="34" charset="0"/>
+              <a:cs typeface="Arial" panose="020B0604020202020204" pitchFamily="34" charset="0"/>
+            </a:endParaRPr>
+          </a:p>
+        </p:txBody>
+      </p:sp>
+      <p:sp>
+        <p:nvSpPr>
+          <p:cNvPr id="29" name="テキスト ボックス 28">
+            <a:extLst>
+              <a:ext uri="{FF2B5EF4-FFF2-40B4-BE49-F238E27FC236}">
+                <a16:creationId xmlns:a16="http://schemas.microsoft.com/office/drawing/2014/main" id="{E1A5F33D-48F7-4C67-9C67-9E36ECCB834D}"/>
+              </a:ext>
+            </a:extLst>
+          </p:cNvPr>
+          <p:cNvSpPr txBox="1"/>
+          <p:nvPr/>
+        </p:nvSpPr>
+        <p:spPr>
+          <a:xfrm>
+            <a:off x="2551637" y="2970803"/>
+            <a:ext cx="1151466" cy="369332"/>
+          </a:xfrm>
+          <a:prstGeom prst="rect">
+            <a:avLst/>
+          </a:prstGeom>
+          <a:noFill/>
+        </p:spPr>
+        <p:txBody>
+          <a:bodyPr wrap="square" rtlCol="0">
+            <a:spAutoFit/>
+          </a:bodyPr>
+          <a:lstStyle/>
+          <a:p>
+            <a:pPr algn="ctr"/>
+            <a:r>
+              <a:rPr kumimoji="1" lang="en-US" altLang="ja-JP" dirty="0">
+                <a:latin typeface="Arial" panose="020B0604020202020204" pitchFamily="34" charset="0"/>
+                <a:cs typeface="Arial" panose="020B0604020202020204" pitchFamily="34" charset="0"/>
+              </a:rPr>
+              <a:t>Conv1d</a:t>
+            </a:r>
+            <a:endParaRPr kumimoji="1" lang="ja-JP" altLang="en-US" dirty="0">
+              <a:latin typeface="Arial" panose="020B0604020202020204" pitchFamily="34" charset="0"/>
+              <a:cs typeface="Arial" panose="020B0604020202020204" pitchFamily="34" charset="0"/>
+            </a:endParaRPr>
+          </a:p>
+        </p:txBody>
+      </p:sp>
+      <p:sp>
+        <p:nvSpPr>
+          <p:cNvPr id="30" name="テキスト ボックス 29">
+            <a:extLst>
+              <a:ext uri="{FF2B5EF4-FFF2-40B4-BE49-F238E27FC236}">
+                <a16:creationId xmlns:a16="http://schemas.microsoft.com/office/drawing/2014/main" id="{EFED90C2-D770-4B99-9D35-376B20BFD507}"/>
+              </a:ext>
+            </a:extLst>
+          </p:cNvPr>
+          <p:cNvSpPr txBox="1"/>
+          <p:nvPr/>
+        </p:nvSpPr>
+        <p:spPr>
+          <a:xfrm>
+            <a:off x="4034179" y="2970803"/>
+            <a:ext cx="1151466" cy="369332"/>
+          </a:xfrm>
+          <a:prstGeom prst="rect">
+            <a:avLst/>
+          </a:prstGeom>
+          <a:noFill/>
+        </p:spPr>
+        <p:txBody>
+          <a:bodyPr wrap="square" rtlCol="0">
+            <a:spAutoFit/>
+          </a:bodyPr>
+          <a:lstStyle/>
+          <a:p>
+            <a:pPr algn="ctr"/>
+            <a:r>
+              <a:rPr kumimoji="1" lang="en-US" altLang="ja-JP" dirty="0" err="1">
+                <a:latin typeface="Arial" panose="020B0604020202020204" pitchFamily="34" charset="0"/>
+                <a:cs typeface="Arial" panose="020B0604020202020204" pitchFamily="34" charset="0"/>
+              </a:rPr>
+              <a:t>ReLU</a:t>
+            </a:r>
+            <a:endParaRPr kumimoji="1" lang="ja-JP" altLang="en-US" dirty="0">
+              <a:latin typeface="Arial" panose="020B0604020202020204" pitchFamily="34" charset="0"/>
+              <a:cs typeface="Arial" panose="020B0604020202020204" pitchFamily="34" charset="0"/>
+            </a:endParaRPr>
+          </a:p>
+        </p:txBody>
+      </p:sp>
+      <p:sp>
+        <p:nvSpPr>
+          <p:cNvPr id="32" name="テキスト ボックス 31">
+            <a:extLst>
+              <a:ext uri="{FF2B5EF4-FFF2-40B4-BE49-F238E27FC236}">
+                <a16:creationId xmlns:a16="http://schemas.microsoft.com/office/drawing/2014/main" id="{A94D6D4C-2B73-4635-A798-9126A244A03B}"/>
+              </a:ext>
+            </a:extLst>
+          </p:cNvPr>
+          <p:cNvSpPr txBox="1"/>
+          <p:nvPr/>
+        </p:nvSpPr>
+        <p:spPr>
+          <a:xfrm>
+            <a:off x="5423345" y="2970803"/>
+            <a:ext cx="1334676" cy="369332"/>
+          </a:xfrm>
+          <a:prstGeom prst="rect">
+            <a:avLst/>
+          </a:prstGeom>
+          <a:noFill/>
+        </p:spPr>
+        <p:txBody>
+          <a:bodyPr wrap="square" rtlCol="0">
+            <a:spAutoFit/>
+          </a:bodyPr>
+          <a:lstStyle/>
+          <a:p>
+            <a:pPr algn="ctr"/>
+            <a:r>
+              <a:rPr kumimoji="1" lang="en-US" altLang="ja-JP" dirty="0">
+                <a:latin typeface="Arial" panose="020B0604020202020204" pitchFamily="34" charset="0"/>
+                <a:cs typeface="Arial" panose="020B0604020202020204" pitchFamily="34" charset="0"/>
+              </a:rPr>
+              <a:t>MaxPool1d</a:t>
+            </a:r>
+            <a:endParaRPr kumimoji="1" lang="ja-JP" altLang="en-US" dirty="0">
+              <a:latin typeface="Arial" panose="020B0604020202020204" pitchFamily="34" charset="0"/>
+              <a:cs typeface="Arial" panose="020B0604020202020204" pitchFamily="34" charset="0"/>
+            </a:endParaRPr>
+          </a:p>
+        </p:txBody>
+      </p:sp>
+      <p:sp>
+        <p:nvSpPr>
+          <p:cNvPr id="33" name="テキスト ボックス 32">
+            <a:extLst>
+              <a:ext uri="{FF2B5EF4-FFF2-40B4-BE49-F238E27FC236}">
+                <a16:creationId xmlns:a16="http://schemas.microsoft.com/office/drawing/2014/main" id="{3800B671-5EBA-48E6-9F92-1723CC42019E}"/>
+              </a:ext>
+            </a:extLst>
+          </p:cNvPr>
+          <p:cNvSpPr txBox="1"/>
+          <p:nvPr/>
+        </p:nvSpPr>
+        <p:spPr>
+          <a:xfrm>
+            <a:off x="7002808" y="2970802"/>
+            <a:ext cx="1151466" cy="369332"/>
+          </a:xfrm>
+          <a:prstGeom prst="rect">
+            <a:avLst/>
+          </a:prstGeom>
+          <a:noFill/>
+        </p:spPr>
+        <p:txBody>
+          <a:bodyPr wrap="square" rtlCol="0">
+            <a:spAutoFit/>
+          </a:bodyPr>
+          <a:lstStyle/>
+          <a:p>
+            <a:pPr algn="ctr"/>
+            <a:r>
+              <a:rPr kumimoji="1" lang="en-US" altLang="ja-JP" dirty="0">
+                <a:latin typeface="Arial" panose="020B0604020202020204" pitchFamily="34" charset="0"/>
+                <a:cs typeface="Arial" panose="020B0604020202020204" pitchFamily="34" charset="0"/>
+              </a:rPr>
+              <a:t>Conv1d</a:t>
+            </a:r>
+            <a:endParaRPr kumimoji="1" lang="ja-JP" altLang="en-US" dirty="0">
+              <a:latin typeface="Arial" panose="020B0604020202020204" pitchFamily="34" charset="0"/>
+              <a:cs typeface="Arial" panose="020B0604020202020204" pitchFamily="34" charset="0"/>
+            </a:endParaRPr>
+          </a:p>
+        </p:txBody>
+      </p:sp>
+      <p:sp>
+        <p:nvSpPr>
+          <p:cNvPr id="34" name="テキスト ボックス 33">
+            <a:extLst>
+              <a:ext uri="{FF2B5EF4-FFF2-40B4-BE49-F238E27FC236}">
+                <a16:creationId xmlns:a16="http://schemas.microsoft.com/office/drawing/2014/main" id="{109DC3DD-3E25-4E38-8D3D-51B81466A6B0}"/>
+              </a:ext>
+            </a:extLst>
+          </p:cNvPr>
+          <p:cNvSpPr txBox="1"/>
+          <p:nvPr/>
+        </p:nvSpPr>
+        <p:spPr>
+          <a:xfrm>
+            <a:off x="8483579" y="2970801"/>
+            <a:ext cx="1151466" cy="369332"/>
+          </a:xfrm>
+          <a:prstGeom prst="rect">
+            <a:avLst/>
+          </a:prstGeom>
+          <a:noFill/>
+        </p:spPr>
+        <p:txBody>
+          <a:bodyPr wrap="square" rtlCol="0">
+            <a:spAutoFit/>
+          </a:bodyPr>
+          <a:lstStyle/>
+          <a:p>
+            <a:pPr algn="ctr"/>
+            <a:r>
+              <a:rPr kumimoji="1" lang="en-US" altLang="ja-JP" dirty="0" err="1">
+                <a:latin typeface="Arial" panose="020B0604020202020204" pitchFamily="34" charset="0"/>
+                <a:cs typeface="Arial" panose="020B0604020202020204" pitchFamily="34" charset="0"/>
+              </a:rPr>
+              <a:t>ReLU</a:t>
+            </a:r>
+            <a:endParaRPr kumimoji="1" lang="ja-JP" altLang="en-US" dirty="0">
+              <a:latin typeface="Arial" panose="020B0604020202020204" pitchFamily="34" charset="0"/>
+              <a:cs typeface="Arial" panose="020B0604020202020204" pitchFamily="34" charset="0"/>
+            </a:endParaRPr>
+          </a:p>
+        </p:txBody>
+      </p:sp>
+      <p:sp>
+        <p:nvSpPr>
+          <p:cNvPr id="37" name="テキスト ボックス 36">
+            <a:extLst>
+              <a:ext uri="{FF2B5EF4-FFF2-40B4-BE49-F238E27FC236}">
+                <a16:creationId xmlns:a16="http://schemas.microsoft.com/office/drawing/2014/main" id="{B6B66380-4F4F-4A46-B27C-C83C55172207}"/>
+              </a:ext>
+            </a:extLst>
+          </p:cNvPr>
+          <p:cNvSpPr txBox="1"/>
+          <p:nvPr/>
+        </p:nvSpPr>
+        <p:spPr>
+          <a:xfrm>
+            <a:off x="9872745" y="2970801"/>
+            <a:ext cx="1334675" cy="369332"/>
+          </a:xfrm>
+          <a:prstGeom prst="rect">
+            <a:avLst/>
+          </a:prstGeom>
+          <a:noFill/>
+        </p:spPr>
+        <p:txBody>
+          <a:bodyPr wrap="square" rtlCol="0">
+            <a:spAutoFit/>
+          </a:bodyPr>
+          <a:lstStyle/>
+          <a:p>
+            <a:pPr algn="ctr"/>
+            <a:r>
+              <a:rPr kumimoji="1" lang="en-US" altLang="ja-JP" dirty="0">
+                <a:latin typeface="Arial" panose="020B0604020202020204" pitchFamily="34" charset="0"/>
+                <a:cs typeface="Arial" panose="020B0604020202020204" pitchFamily="34" charset="0"/>
+              </a:rPr>
+              <a:t>MaxPool1d</a:t>
+            </a:r>
+            <a:endParaRPr kumimoji="1" lang="ja-JP" altLang="en-US" dirty="0">
+              <a:latin typeface="Arial" panose="020B0604020202020204" pitchFamily="34" charset="0"/>
+              <a:cs typeface="Arial" panose="020B0604020202020204" pitchFamily="34" charset="0"/>
+            </a:endParaRPr>
+          </a:p>
+        </p:txBody>
+      </p:sp>
+      <p:sp>
+        <p:nvSpPr>
+          <p:cNvPr id="38" name="正方形/長方形 37">
+            <a:extLst>
+              <a:ext uri="{FF2B5EF4-FFF2-40B4-BE49-F238E27FC236}">
+                <a16:creationId xmlns:a16="http://schemas.microsoft.com/office/drawing/2014/main" id="{0415B7BC-4465-4837-A3AB-D6225A32FCFD}"/>
+              </a:ext>
+            </a:extLst>
+          </p:cNvPr>
+          <p:cNvSpPr/>
+          <p:nvPr/>
+        </p:nvSpPr>
+        <p:spPr>
+          <a:xfrm>
+            <a:off x="8809366" y="3849761"/>
+            <a:ext cx="499892" cy="1681075"/>
+          </a:xfrm>
+          <a:prstGeom prst="rect">
+            <a:avLst/>
+          </a:prstGeom>
+          <a:solidFill>
+            <a:schemeClr val="bg1"/>
+          </a:solidFill>
+          <a:ln>
+            <a:solidFill>
+              <a:schemeClr val="tx1"/>
+            </a:solidFill>
+          </a:ln>
         </p:spPr>
         <p:style>
           <a:lnRef idx="2">
@@ -7300,24 +7920,216 @@
           </a:fontRef>
         </p:style>
         <p:txBody>
-          <a:bodyPr vert="vert" rtlCol="0" anchor="ctr"/>
+          <a:bodyPr rtlCol="0" anchor="ctr"/>
           <a:lstStyle/>
           <a:p>
-            <a:pPr algn="ctr"/>
-            <a:r>
-              <a:rPr kumimoji="1" lang="en-US" altLang="ja-JP" dirty="0" err="1"/>
-              <a:t>AvgPool</a:t>
-            </a:r>
-            <a:endParaRPr kumimoji="1" lang="ja-JP" altLang="en-US" dirty="0"/>
-          </a:p>
-        </p:txBody>
-      </p:sp>
-      <p:sp>
-        <p:nvSpPr>
-          <p:cNvPr id="106" name="正方形/長方形 105">
-            <a:extLst>
-              <a:ext uri="{FF2B5EF4-FFF2-40B4-BE49-F238E27FC236}">
-                <a16:creationId xmlns:a16="http://schemas.microsoft.com/office/drawing/2014/main" id="{D9033BCE-9D74-49F4-B5ED-ED1202338135}"/>
+            <a:pPr algn="ctr">
+              <a:lnSpc>
+                <a:spcPct val="150000"/>
+              </a:lnSpc>
+            </a:pPr>
+            <a:r>
+              <a:rPr lang="en-US" altLang="ja-JP" sz="1200" dirty="0">
+                <a:solidFill>
+                  <a:schemeClr val="tx1"/>
+                </a:solidFill>
+                <a:latin typeface="Arial" panose="020B0604020202020204" pitchFamily="34" charset="0"/>
+                <a:cs typeface="Arial" panose="020B0604020202020204" pitchFamily="34" charset="0"/>
+              </a:rPr>
+              <a:t>1.8</a:t>
+            </a:r>
+            <a:endParaRPr kumimoji="1" lang="en-US" altLang="ja-JP" sz="1200" dirty="0">
+              <a:solidFill>
+                <a:schemeClr val="tx1"/>
+              </a:solidFill>
+              <a:latin typeface="Arial" panose="020B0604020202020204" pitchFamily="34" charset="0"/>
+              <a:cs typeface="Arial" panose="020B0604020202020204" pitchFamily="34" charset="0"/>
+            </a:endParaRPr>
+          </a:p>
+          <a:p>
+            <a:pPr algn="ctr">
+              <a:lnSpc>
+                <a:spcPct val="150000"/>
+              </a:lnSpc>
+            </a:pPr>
+            <a:r>
+              <a:rPr lang="en-US" altLang="ja-JP" sz="1200" dirty="0">
+                <a:solidFill>
+                  <a:schemeClr val="tx1"/>
+                </a:solidFill>
+                <a:latin typeface="Arial" panose="020B0604020202020204" pitchFamily="34" charset="0"/>
+                <a:cs typeface="Arial" panose="020B0604020202020204" pitchFamily="34" charset="0"/>
+              </a:rPr>
+              <a:t>1.2</a:t>
+            </a:r>
+            <a:endParaRPr kumimoji="1" lang="en-US" altLang="ja-JP" sz="800" b="1" dirty="0">
+              <a:solidFill>
+                <a:schemeClr val="tx1"/>
+              </a:solidFill>
+              <a:latin typeface="Arial" panose="020B0604020202020204" pitchFamily="34" charset="0"/>
+              <a:cs typeface="Arial" panose="020B0604020202020204" pitchFamily="34" charset="0"/>
+            </a:endParaRPr>
+          </a:p>
+          <a:p>
+            <a:pPr algn="ctr">
+              <a:lnSpc>
+                <a:spcPct val="150000"/>
+              </a:lnSpc>
+            </a:pPr>
+            <a:r>
+              <a:rPr lang="en-US" altLang="ja-JP" sz="1200" dirty="0">
+                <a:solidFill>
+                  <a:schemeClr val="tx1"/>
+                </a:solidFill>
+                <a:latin typeface="Arial" panose="020B0604020202020204" pitchFamily="34" charset="0"/>
+                <a:cs typeface="Arial" panose="020B0604020202020204" pitchFamily="34" charset="0"/>
+              </a:rPr>
+              <a:t>2.7</a:t>
+            </a:r>
+          </a:p>
+          <a:p>
+            <a:pPr marL="0" marR="0" lvl="0" indent="0" algn="ctr" defTabSz="914400" rtl="0" eaLnBrk="1" fontAlgn="auto" latinLnBrk="0" hangingPunct="1">
+              <a:lnSpc>
+                <a:spcPct val="100000"/>
+              </a:lnSpc>
+              <a:spcBef>
+                <a:spcPts val="0"/>
+              </a:spcBef>
+              <a:spcAft>
+                <a:spcPts val="0"/>
+              </a:spcAft>
+              <a:buClrTx/>
+              <a:buSzTx/>
+              <a:buFontTx/>
+              <a:buNone/>
+              <a:tabLst/>
+              <a:defRPr/>
+            </a:pPr>
+            <a:r>
+              <a:rPr kumimoji="1" lang="en-US" altLang="ja-JP" sz="1200" b="1" i="0" u="none" strike="noStrike" kern="1200" cap="none" spc="0" normalizeH="0" baseline="0" noProof="0" dirty="0">
+                <a:ln>
+                  <a:noFill/>
+                </a:ln>
+                <a:solidFill>
+                  <a:prstClr val="black"/>
+                </a:solidFill>
+                <a:effectLst/>
+                <a:uLnTx/>
+                <a:uFillTx/>
+                <a:latin typeface="Arial" panose="020B0604020202020204" pitchFamily="34" charset="0"/>
+                <a:ea typeface="游ゴシック" panose="020B0400000000000000" pitchFamily="50" charset="-128"/>
+                <a:cs typeface="Arial" panose="020B0604020202020204" pitchFamily="34" charset="0"/>
+              </a:rPr>
+              <a:t>︙</a:t>
+            </a:r>
+            <a:endParaRPr kumimoji="1" lang="en-US" altLang="ja-JP" sz="800" b="1" i="0" u="none" strike="noStrike" kern="1200" cap="none" spc="0" normalizeH="0" baseline="0" noProof="0" dirty="0">
+              <a:ln>
+                <a:noFill/>
+              </a:ln>
+              <a:solidFill>
+                <a:prstClr val="black"/>
+              </a:solidFill>
+              <a:effectLst/>
+              <a:uLnTx/>
+              <a:uFillTx/>
+              <a:latin typeface="Arial" panose="020B0604020202020204" pitchFamily="34" charset="0"/>
+              <a:ea typeface="游ゴシック" panose="020B0400000000000000" pitchFamily="50" charset="-128"/>
+              <a:cs typeface="Arial" panose="020B0604020202020204" pitchFamily="34" charset="0"/>
+            </a:endParaRPr>
+          </a:p>
+          <a:p>
+            <a:pPr algn="ctr">
+              <a:lnSpc>
+                <a:spcPct val="150000"/>
+              </a:lnSpc>
+            </a:pPr>
+            <a:r>
+              <a:rPr lang="en-US" altLang="ja-JP" sz="1200" dirty="0">
+                <a:solidFill>
+                  <a:schemeClr val="tx1"/>
+                </a:solidFill>
+                <a:latin typeface="Arial" panose="020B0604020202020204" pitchFamily="34" charset="0"/>
+                <a:cs typeface="Arial" panose="020B0604020202020204" pitchFamily="34" charset="0"/>
+              </a:rPr>
+              <a:t>4.3</a:t>
+            </a:r>
+          </a:p>
+          <a:p>
+            <a:pPr algn="ctr">
+              <a:lnSpc>
+                <a:spcPct val="150000"/>
+              </a:lnSpc>
+            </a:pPr>
+            <a:r>
+              <a:rPr kumimoji="1" lang="en-US" altLang="ja-JP" sz="1200" dirty="0">
+                <a:solidFill>
+                  <a:schemeClr val="tx1"/>
+                </a:solidFill>
+                <a:latin typeface="Arial" panose="020B0604020202020204" pitchFamily="34" charset="0"/>
+                <a:cs typeface="Arial" panose="020B0604020202020204" pitchFamily="34" charset="0"/>
+              </a:rPr>
+              <a:t>0.61</a:t>
+            </a:r>
+            <a:endParaRPr kumimoji="1" lang="ja-JP" altLang="en-US" sz="1200" dirty="0">
+              <a:solidFill>
+                <a:schemeClr val="tx1"/>
+              </a:solidFill>
+              <a:latin typeface="Arial" panose="020B0604020202020204" pitchFamily="34" charset="0"/>
+              <a:cs typeface="Arial" panose="020B0604020202020204" pitchFamily="34" charset="0"/>
+            </a:endParaRPr>
+          </a:p>
+        </p:txBody>
+      </p:sp>
+      <p:cxnSp>
+        <p:nvCxnSpPr>
+          <p:cNvPr id="42" name="直線矢印コネクタ 41">
+            <a:extLst>
+              <a:ext uri="{FF2B5EF4-FFF2-40B4-BE49-F238E27FC236}">
+                <a16:creationId xmlns:a16="http://schemas.microsoft.com/office/drawing/2014/main" id="{03A63C5B-79E7-429D-9B2C-010E7AB17750}"/>
+              </a:ext>
+            </a:extLst>
+          </p:cNvPr>
+          <p:cNvCxnSpPr>
+            <a:cxnSpLocks/>
+          </p:cNvCxnSpPr>
+          <p:nvPr/>
+        </p:nvCxnSpPr>
+        <p:spPr>
+          <a:xfrm>
+            <a:off x="9530746" y="4645336"/>
+            <a:ext cx="558800" cy="0"/>
+          </a:xfrm>
+          <a:prstGeom prst="straightConnector1">
+            <a:avLst/>
+          </a:prstGeom>
+          <a:ln w="38100">
+            <a:solidFill>
+              <a:schemeClr val="tx1"/>
+            </a:solidFill>
+            <a:tailEnd type="triangle"/>
+          </a:ln>
+        </p:spPr>
+        <p:style>
+          <a:lnRef idx="1">
+            <a:schemeClr val="accent1"/>
+          </a:lnRef>
+          <a:fillRef idx="0">
+            <a:schemeClr val="accent1"/>
+          </a:fillRef>
+          <a:effectRef idx="0">
+            <a:schemeClr val="accent1"/>
+          </a:effectRef>
+          <a:fontRef idx="minor">
+            <a:schemeClr val="tx1"/>
+          </a:fontRef>
+        </p:style>
+      </p:cxnSp>
+      <p:sp>
+        <p:nvSpPr>
+          <p:cNvPr id="43" name="正方形/長方形 42">
+            <a:extLst>
+              <a:ext uri="{FF2B5EF4-FFF2-40B4-BE49-F238E27FC236}">
+                <a16:creationId xmlns:a16="http://schemas.microsoft.com/office/drawing/2014/main" id="{4C013671-B46E-46A4-8554-9AB9EE073A8E}"/>
               </a:ext>
             </a:extLst>
           </p:cNvPr>
@@ -7326,12 +8138,20 @@
         </p:nvSpPr>
         <p:spPr>
           <a:xfrm>
-            <a:off x="5034270" y="3983227"/>
-            <a:ext cx="639925" cy="2311400"/>
+            <a:off x="4359966" y="3849760"/>
+            <a:ext cx="499892" cy="1681075"/>
           </a:xfrm>
           <a:prstGeom prst="rect">
             <a:avLst/>
           </a:prstGeom>
+          <a:solidFill>
+            <a:schemeClr val="bg1"/>
+          </a:solidFill>
+          <a:ln>
+            <a:solidFill>
+              <a:schemeClr val="tx1"/>
+            </a:solidFill>
+          </a:ln>
         </p:spPr>
         <p:style>
           <a:lnRef idx="2">
@@ -7350,38 +8170,95 @@
           </a:fontRef>
         </p:style>
         <p:txBody>
-          <a:bodyPr vert="vert" rtlCol="0" anchor="ctr"/>
+          <a:bodyPr rtlCol="0" anchor="ctr"/>
           <a:lstStyle/>
           <a:p>
-            <a:pPr algn="ctr"/>
-            <a:r>
-              <a:rPr kumimoji="1" lang="en-US" altLang="ja-JP" dirty="0"/>
-              <a:t>Linear</a:t>
-            </a:r>
-            <a:endParaRPr kumimoji="1" lang="ja-JP" altLang="en-US" dirty="0"/>
-          </a:p>
-        </p:txBody>
-      </p:sp>
-      <p:sp>
-        <p:nvSpPr>
-          <p:cNvPr id="107" name="正方形/長方形 106">
-            <a:extLst>
-              <a:ext uri="{FF2B5EF4-FFF2-40B4-BE49-F238E27FC236}">
-                <a16:creationId xmlns:a16="http://schemas.microsoft.com/office/drawing/2014/main" id="{FDE45436-544F-4B23-9FA0-AD45C4033460}"/>
-              </a:ext>
-            </a:extLst>
-          </p:cNvPr>
-          <p:cNvSpPr/>
+            <a:pPr algn="ctr">
+              <a:lnSpc>
+                <a:spcPct val="150000"/>
+              </a:lnSpc>
+            </a:pPr>
+            <a:endParaRPr kumimoji="1" lang="ja-JP" altLang="en-US" sz="1200" dirty="0">
+              <a:solidFill>
+                <a:schemeClr val="tx1"/>
+              </a:solidFill>
+              <a:latin typeface="Arial" panose="020B0604020202020204" pitchFamily="34" charset="0"/>
+              <a:cs typeface="Arial" panose="020B0604020202020204" pitchFamily="34" charset="0"/>
+            </a:endParaRPr>
+          </a:p>
+        </p:txBody>
+      </p:sp>
+      <p:sp>
+        <p:nvSpPr>
+          <p:cNvPr id="44" name="テキスト ボックス 43">
+            <a:extLst>
+              <a:ext uri="{FF2B5EF4-FFF2-40B4-BE49-F238E27FC236}">
+                <a16:creationId xmlns:a16="http://schemas.microsoft.com/office/drawing/2014/main" id="{EC2EBFE9-D182-4DD7-A0C0-4D58FA1F22E6}"/>
+              </a:ext>
+            </a:extLst>
+          </p:cNvPr>
+          <p:cNvSpPr txBox="1"/>
           <p:nvPr/>
         </p:nvSpPr>
         <p:spPr>
           <a:xfrm>
-            <a:off x="6248847" y="3865297"/>
-            <a:ext cx="639925" cy="2311400"/>
+            <a:off x="4359966" y="3588149"/>
+            <a:ext cx="499892" cy="261610"/>
           </a:xfrm>
           <a:prstGeom prst="rect">
             <a:avLst/>
           </a:prstGeom>
+          <a:noFill/>
+        </p:spPr>
+        <p:txBody>
+          <a:bodyPr wrap="square" rtlCol="0">
+            <a:spAutoFit/>
+          </a:bodyPr>
+          <a:lstStyle/>
+          <a:p>
+            <a:pPr algn="ctr"/>
+            <a:r>
+              <a:rPr lang="en-US" altLang="ja-JP" sz="1100" dirty="0">
+                <a:latin typeface="Arial" panose="020B0604020202020204" pitchFamily="34" charset="0"/>
+                <a:cs typeface="Arial" panose="020B0604020202020204" pitchFamily="34" charset="0"/>
+              </a:rPr>
+              <a:t>64</a:t>
+            </a:r>
+            <a:endParaRPr kumimoji="1" lang="ja-JP" altLang="en-US" sz="1100" dirty="0">
+              <a:latin typeface="Arial" panose="020B0604020202020204" pitchFamily="34" charset="0"/>
+              <a:cs typeface="Arial" panose="020B0604020202020204" pitchFamily="34" charset="0"/>
+            </a:endParaRPr>
+          </a:p>
+        </p:txBody>
+      </p:sp>
+      <p:sp>
+        <p:nvSpPr>
+          <p:cNvPr id="45" name="正方形/長方形 44">
+            <a:extLst>
+              <a:ext uri="{FF2B5EF4-FFF2-40B4-BE49-F238E27FC236}">
+                <a16:creationId xmlns:a16="http://schemas.microsoft.com/office/drawing/2014/main" id="{31E985A6-8485-4960-A60B-60416FE8675C}"/>
+              </a:ext>
+            </a:extLst>
+          </p:cNvPr>
+          <p:cNvSpPr/>
+          <p:nvPr/>
+        </p:nvSpPr>
+        <p:spPr>
+          <a:xfrm>
+            <a:off x="5840735" y="3849761"/>
+            <a:ext cx="499892" cy="1681075"/>
+          </a:xfrm>
+          <a:prstGeom prst="rect">
+            <a:avLst/>
+          </a:prstGeom>
+          <a:solidFill>
+            <a:schemeClr val="bg1"/>
+          </a:solidFill>
+          <a:ln>
+            <a:solidFill>
+              <a:schemeClr val="tx1"/>
+            </a:solidFill>
+          </a:ln>
         </p:spPr>
         <p:style>
           <a:lnRef idx="2">
@@ -7400,24 +8277,30 @@
           </a:fontRef>
         </p:style>
         <p:txBody>
-          <a:bodyPr vert="vert" rtlCol="0" anchor="ctr"/>
+          <a:bodyPr rtlCol="0" anchor="ctr"/>
           <a:lstStyle/>
           <a:p>
-            <a:pPr algn="ctr"/>
-            <a:r>
-              <a:rPr kumimoji="1" lang="en-US" altLang="ja-JP" dirty="0" err="1"/>
-              <a:t>Softmax</a:t>
-            </a:r>
-            <a:endParaRPr kumimoji="1" lang="ja-JP" altLang="en-US" dirty="0"/>
-          </a:p>
-        </p:txBody>
-      </p:sp>
-      <p:sp>
-        <p:nvSpPr>
-          <p:cNvPr id="108" name="正方形/長方形 107">
-            <a:extLst>
-              <a:ext uri="{FF2B5EF4-FFF2-40B4-BE49-F238E27FC236}">
-                <a16:creationId xmlns:a16="http://schemas.microsoft.com/office/drawing/2014/main" id="{141F6A62-9A7B-4C2E-88E9-6DD84693812B}"/>
+            <a:pPr algn="ctr">
+              <a:lnSpc>
+                <a:spcPct val="150000"/>
+              </a:lnSpc>
+            </a:pPr>
+            <a:endParaRPr kumimoji="1" lang="ja-JP" altLang="en-US" sz="1200" dirty="0">
+              <a:solidFill>
+                <a:schemeClr val="tx1"/>
+              </a:solidFill>
+              <a:latin typeface="Arial" panose="020B0604020202020204" pitchFamily="34" charset="0"/>
+              <a:cs typeface="Arial" panose="020B0604020202020204" pitchFamily="34" charset="0"/>
+            </a:endParaRPr>
+          </a:p>
+        </p:txBody>
+      </p:sp>
+      <p:sp>
+        <p:nvSpPr>
+          <p:cNvPr id="49" name="正方形/長方形 48">
+            <a:extLst>
+              <a:ext uri="{FF2B5EF4-FFF2-40B4-BE49-F238E27FC236}">
+                <a16:creationId xmlns:a16="http://schemas.microsoft.com/office/drawing/2014/main" id="{B9BB4D61-F411-4FA4-95EC-CE08CCF90A1C}"/>
               </a:ext>
             </a:extLst>
           </p:cNvPr>
@@ -7426,12 +8309,20 @@
         </p:nvSpPr>
         <p:spPr>
           <a:xfrm>
-            <a:off x="7336890" y="3865297"/>
-            <a:ext cx="639925" cy="2311400"/>
+            <a:off x="7328597" y="3849759"/>
+            <a:ext cx="499892" cy="1681075"/>
           </a:xfrm>
           <a:prstGeom prst="rect">
             <a:avLst/>
           </a:prstGeom>
+          <a:solidFill>
+            <a:schemeClr val="bg1"/>
+          </a:solidFill>
+          <a:ln>
+            <a:solidFill>
+              <a:schemeClr val="tx1"/>
+            </a:solidFill>
+          </a:ln>
         </p:spPr>
         <p:style>
           <a:lnRef idx="2">
@@ -7450,24 +8341,746 @@
           </a:fontRef>
         </p:style>
         <p:txBody>
-          <a:bodyPr vert="vert" rtlCol="0" anchor="ctr"/>
+          <a:bodyPr rtlCol="0" anchor="ctr"/>
           <a:lstStyle/>
           <a:p>
+            <a:pPr algn="ctr">
+              <a:lnSpc>
+                <a:spcPct val="150000"/>
+              </a:lnSpc>
+            </a:pPr>
+            <a:r>
+              <a:rPr lang="en-US" altLang="ja-JP" sz="1200" dirty="0">
+                <a:solidFill>
+                  <a:schemeClr val="tx1"/>
+                </a:solidFill>
+                <a:latin typeface="Arial" panose="020B0604020202020204" pitchFamily="34" charset="0"/>
+                <a:cs typeface="Arial" panose="020B0604020202020204" pitchFamily="34" charset="0"/>
+              </a:rPr>
+              <a:t>1.8</a:t>
+            </a:r>
+            <a:endParaRPr kumimoji="1" lang="en-US" altLang="ja-JP" sz="1200" dirty="0">
+              <a:solidFill>
+                <a:schemeClr val="tx1"/>
+              </a:solidFill>
+              <a:latin typeface="Arial" panose="020B0604020202020204" pitchFamily="34" charset="0"/>
+              <a:cs typeface="Arial" panose="020B0604020202020204" pitchFamily="34" charset="0"/>
+            </a:endParaRPr>
+          </a:p>
+          <a:p>
+            <a:pPr algn="ctr">
+              <a:lnSpc>
+                <a:spcPct val="150000"/>
+              </a:lnSpc>
+            </a:pPr>
+            <a:r>
+              <a:rPr lang="en-US" altLang="ja-JP" sz="1200" dirty="0">
+                <a:solidFill>
+                  <a:schemeClr val="tx1"/>
+                </a:solidFill>
+                <a:latin typeface="Arial" panose="020B0604020202020204" pitchFamily="34" charset="0"/>
+                <a:cs typeface="Arial" panose="020B0604020202020204" pitchFamily="34" charset="0"/>
+              </a:rPr>
+              <a:t>1.2</a:t>
+            </a:r>
+            <a:endParaRPr kumimoji="1" lang="en-US" altLang="ja-JP" sz="800" b="1" dirty="0">
+              <a:solidFill>
+                <a:schemeClr val="tx1"/>
+              </a:solidFill>
+              <a:latin typeface="Arial" panose="020B0604020202020204" pitchFamily="34" charset="0"/>
+              <a:cs typeface="Arial" panose="020B0604020202020204" pitchFamily="34" charset="0"/>
+            </a:endParaRPr>
+          </a:p>
+          <a:p>
+            <a:pPr algn="ctr">
+              <a:lnSpc>
+                <a:spcPct val="150000"/>
+              </a:lnSpc>
+            </a:pPr>
+            <a:r>
+              <a:rPr lang="en-US" altLang="ja-JP" sz="1200" dirty="0">
+                <a:solidFill>
+                  <a:schemeClr val="tx1"/>
+                </a:solidFill>
+                <a:latin typeface="Arial" panose="020B0604020202020204" pitchFamily="34" charset="0"/>
+                <a:cs typeface="Arial" panose="020B0604020202020204" pitchFamily="34" charset="0"/>
+              </a:rPr>
+              <a:t>2.7</a:t>
+            </a:r>
+          </a:p>
+          <a:p>
+            <a:pPr marL="0" marR="0" lvl="0" indent="0" algn="ctr" defTabSz="914400" rtl="0" eaLnBrk="1" fontAlgn="auto" latinLnBrk="0" hangingPunct="1">
+              <a:lnSpc>
+                <a:spcPct val="100000"/>
+              </a:lnSpc>
+              <a:spcBef>
+                <a:spcPts val="0"/>
+              </a:spcBef>
+              <a:spcAft>
+                <a:spcPts val="0"/>
+              </a:spcAft>
+              <a:buClrTx/>
+              <a:buSzTx/>
+              <a:buFontTx/>
+              <a:buNone/>
+              <a:tabLst/>
+              <a:defRPr/>
+            </a:pPr>
+            <a:r>
+              <a:rPr kumimoji="1" lang="en-US" altLang="ja-JP" sz="1200" b="1" i="0" u="none" strike="noStrike" kern="1200" cap="none" spc="0" normalizeH="0" baseline="0" noProof="0" dirty="0">
+                <a:ln>
+                  <a:noFill/>
+                </a:ln>
+                <a:solidFill>
+                  <a:prstClr val="black"/>
+                </a:solidFill>
+                <a:effectLst/>
+                <a:uLnTx/>
+                <a:uFillTx/>
+                <a:latin typeface="Arial" panose="020B0604020202020204" pitchFamily="34" charset="0"/>
+                <a:ea typeface="游ゴシック" panose="020B0400000000000000" pitchFamily="50" charset="-128"/>
+                <a:cs typeface="Arial" panose="020B0604020202020204" pitchFamily="34" charset="0"/>
+              </a:rPr>
+              <a:t>︙</a:t>
+            </a:r>
+            <a:endParaRPr kumimoji="1" lang="en-US" altLang="ja-JP" sz="800" b="1" i="0" u="none" strike="noStrike" kern="1200" cap="none" spc="0" normalizeH="0" baseline="0" noProof="0" dirty="0">
+              <a:ln>
+                <a:noFill/>
+              </a:ln>
+              <a:solidFill>
+                <a:prstClr val="black"/>
+              </a:solidFill>
+              <a:effectLst/>
+              <a:uLnTx/>
+              <a:uFillTx/>
+              <a:latin typeface="Arial" panose="020B0604020202020204" pitchFamily="34" charset="0"/>
+              <a:ea typeface="游ゴシック" panose="020B0400000000000000" pitchFamily="50" charset="-128"/>
+              <a:cs typeface="Arial" panose="020B0604020202020204" pitchFamily="34" charset="0"/>
+            </a:endParaRPr>
+          </a:p>
+          <a:p>
+            <a:pPr algn="ctr">
+              <a:lnSpc>
+                <a:spcPct val="150000"/>
+              </a:lnSpc>
+            </a:pPr>
+            <a:r>
+              <a:rPr lang="en-US" altLang="ja-JP" sz="1200" dirty="0">
+                <a:solidFill>
+                  <a:schemeClr val="tx1"/>
+                </a:solidFill>
+                <a:latin typeface="Arial" panose="020B0604020202020204" pitchFamily="34" charset="0"/>
+                <a:cs typeface="Arial" panose="020B0604020202020204" pitchFamily="34" charset="0"/>
+              </a:rPr>
+              <a:t>4.3</a:t>
+            </a:r>
+          </a:p>
+          <a:p>
+            <a:pPr algn="ctr">
+              <a:lnSpc>
+                <a:spcPct val="150000"/>
+              </a:lnSpc>
+            </a:pPr>
+            <a:r>
+              <a:rPr kumimoji="1" lang="en-US" altLang="ja-JP" sz="1200" dirty="0">
+                <a:solidFill>
+                  <a:schemeClr val="tx1"/>
+                </a:solidFill>
+                <a:latin typeface="Arial" panose="020B0604020202020204" pitchFamily="34" charset="0"/>
+                <a:cs typeface="Arial" panose="020B0604020202020204" pitchFamily="34" charset="0"/>
+              </a:rPr>
+              <a:t>0.61</a:t>
+            </a:r>
+            <a:endParaRPr kumimoji="1" lang="ja-JP" altLang="en-US" sz="1200" dirty="0">
+              <a:solidFill>
+                <a:schemeClr val="tx1"/>
+              </a:solidFill>
+              <a:latin typeface="Arial" panose="020B0604020202020204" pitchFamily="34" charset="0"/>
+              <a:cs typeface="Arial" panose="020B0604020202020204" pitchFamily="34" charset="0"/>
+            </a:endParaRPr>
+          </a:p>
+        </p:txBody>
+      </p:sp>
+      <p:sp>
+        <p:nvSpPr>
+          <p:cNvPr id="50" name="テキスト ボックス 49">
+            <a:extLst>
+              <a:ext uri="{FF2B5EF4-FFF2-40B4-BE49-F238E27FC236}">
+                <a16:creationId xmlns:a16="http://schemas.microsoft.com/office/drawing/2014/main" id="{20AC35B9-6690-453F-8357-6EED94E37723}"/>
+              </a:ext>
+            </a:extLst>
+          </p:cNvPr>
+          <p:cNvSpPr txBox="1"/>
+          <p:nvPr/>
+        </p:nvSpPr>
+        <p:spPr>
+          <a:xfrm>
+            <a:off x="5840735" y="3588149"/>
+            <a:ext cx="499892" cy="261610"/>
+          </a:xfrm>
+          <a:prstGeom prst="rect">
+            <a:avLst/>
+          </a:prstGeom>
+          <a:noFill/>
+        </p:spPr>
+        <p:txBody>
+          <a:bodyPr wrap="square" rtlCol="0">
+            <a:spAutoFit/>
+          </a:bodyPr>
+          <a:lstStyle/>
+          <a:p>
             <a:pPr algn="ctr"/>
             <a:r>
-              <a:rPr kumimoji="1" lang="en-US" altLang="ja-JP" dirty="0"/>
+              <a:rPr lang="en-US" altLang="ja-JP" sz="1100" dirty="0">
+                <a:latin typeface="Arial" panose="020B0604020202020204" pitchFamily="34" charset="0"/>
+                <a:cs typeface="Arial" panose="020B0604020202020204" pitchFamily="34" charset="0"/>
+              </a:rPr>
+              <a:t>10</a:t>
+            </a:r>
+            <a:endParaRPr kumimoji="1" lang="ja-JP" altLang="en-US" sz="1100" dirty="0">
+              <a:latin typeface="Arial" panose="020B0604020202020204" pitchFamily="34" charset="0"/>
+              <a:cs typeface="Arial" panose="020B0604020202020204" pitchFamily="34" charset="0"/>
+            </a:endParaRPr>
+          </a:p>
+        </p:txBody>
+      </p:sp>
+      <p:sp>
+        <p:nvSpPr>
+          <p:cNvPr id="51" name="テキスト ボックス 50">
+            <a:extLst>
+              <a:ext uri="{FF2B5EF4-FFF2-40B4-BE49-F238E27FC236}">
+                <a16:creationId xmlns:a16="http://schemas.microsoft.com/office/drawing/2014/main" id="{E82D387D-D72A-4862-B244-31EAEBA4199A}"/>
+              </a:ext>
+            </a:extLst>
+          </p:cNvPr>
+          <p:cNvSpPr txBox="1"/>
+          <p:nvPr/>
+        </p:nvSpPr>
+        <p:spPr>
+          <a:xfrm>
+            <a:off x="7329970" y="3588149"/>
+            <a:ext cx="499892" cy="261610"/>
+          </a:xfrm>
+          <a:prstGeom prst="rect">
+            <a:avLst/>
+          </a:prstGeom>
+          <a:noFill/>
+        </p:spPr>
+        <p:txBody>
+          <a:bodyPr wrap="square" rtlCol="0">
+            <a:spAutoFit/>
+          </a:bodyPr>
+          <a:lstStyle/>
+          <a:p>
+            <a:pPr algn="ctr"/>
+            <a:r>
+              <a:rPr lang="en-US" altLang="ja-JP" sz="1100" dirty="0">
+                <a:latin typeface="Arial" panose="020B0604020202020204" pitchFamily="34" charset="0"/>
+                <a:cs typeface="Arial" panose="020B0604020202020204" pitchFamily="34" charset="0"/>
+              </a:rPr>
+              <a:t>10</a:t>
+            </a:r>
+            <a:endParaRPr kumimoji="1" lang="ja-JP" altLang="en-US" sz="1100" dirty="0">
+              <a:latin typeface="Arial" panose="020B0604020202020204" pitchFamily="34" charset="0"/>
+              <a:cs typeface="Arial" panose="020B0604020202020204" pitchFamily="34" charset="0"/>
+            </a:endParaRPr>
+          </a:p>
+        </p:txBody>
+      </p:sp>
+      <p:cxnSp>
+        <p:nvCxnSpPr>
+          <p:cNvPr id="52" name="直線矢印コネクタ 51">
+            <a:extLst>
+              <a:ext uri="{FF2B5EF4-FFF2-40B4-BE49-F238E27FC236}">
+                <a16:creationId xmlns:a16="http://schemas.microsoft.com/office/drawing/2014/main" id="{F2CC4813-E922-4C47-BFB2-D6DC1D23E2C7}"/>
+              </a:ext>
+            </a:extLst>
+          </p:cNvPr>
+          <p:cNvCxnSpPr>
+            <a:cxnSpLocks/>
+          </p:cNvCxnSpPr>
+          <p:nvPr/>
+        </p:nvCxnSpPr>
+        <p:spPr>
+          <a:xfrm>
+            <a:off x="3644300" y="4634242"/>
+            <a:ext cx="558800" cy="0"/>
+          </a:xfrm>
+          <a:prstGeom prst="straightConnector1">
+            <a:avLst/>
+          </a:prstGeom>
+          <a:ln w="38100">
+            <a:solidFill>
+              <a:schemeClr val="tx1"/>
+            </a:solidFill>
+            <a:tailEnd type="triangle"/>
+          </a:ln>
+        </p:spPr>
+        <p:style>
+          <a:lnRef idx="1">
+            <a:schemeClr val="accent1"/>
+          </a:lnRef>
+          <a:fillRef idx="0">
+            <a:schemeClr val="accent1"/>
+          </a:fillRef>
+          <a:effectRef idx="0">
+            <a:schemeClr val="accent1"/>
+          </a:effectRef>
+          <a:fontRef idx="minor">
+            <a:schemeClr val="tx1"/>
+          </a:fontRef>
+        </p:style>
+      </p:cxnSp>
+      <p:cxnSp>
+        <p:nvCxnSpPr>
+          <p:cNvPr id="53" name="直線矢印コネクタ 52">
+            <a:extLst>
+              <a:ext uri="{FF2B5EF4-FFF2-40B4-BE49-F238E27FC236}">
+                <a16:creationId xmlns:a16="http://schemas.microsoft.com/office/drawing/2014/main" id="{72DF596D-7573-4D67-B6DA-93C54B86364C}"/>
+              </a:ext>
+            </a:extLst>
+          </p:cNvPr>
+          <p:cNvCxnSpPr>
+            <a:cxnSpLocks/>
+          </p:cNvCxnSpPr>
+          <p:nvPr/>
+        </p:nvCxnSpPr>
+        <p:spPr>
+          <a:xfrm>
+            <a:off x="5083633" y="4622912"/>
+            <a:ext cx="558800" cy="0"/>
+          </a:xfrm>
+          <a:prstGeom prst="straightConnector1">
+            <a:avLst/>
+          </a:prstGeom>
+          <a:ln w="38100">
+            <a:solidFill>
+              <a:schemeClr val="tx1"/>
+            </a:solidFill>
+            <a:tailEnd type="triangle"/>
+          </a:ln>
+        </p:spPr>
+        <p:style>
+          <a:lnRef idx="1">
+            <a:schemeClr val="accent1"/>
+          </a:lnRef>
+          <a:fillRef idx="0">
+            <a:schemeClr val="accent1"/>
+          </a:fillRef>
+          <a:effectRef idx="0">
+            <a:schemeClr val="accent1"/>
+          </a:effectRef>
+          <a:fontRef idx="minor">
+            <a:schemeClr val="tx1"/>
+          </a:fontRef>
+        </p:style>
+      </p:cxnSp>
+      <p:cxnSp>
+        <p:nvCxnSpPr>
+          <p:cNvPr id="55" name="直線矢印コネクタ 54">
+            <a:extLst>
+              <a:ext uri="{FF2B5EF4-FFF2-40B4-BE49-F238E27FC236}">
+                <a16:creationId xmlns:a16="http://schemas.microsoft.com/office/drawing/2014/main" id="{49687079-DEF1-4454-8E06-606B55AE03A1}"/>
+              </a:ext>
+            </a:extLst>
+          </p:cNvPr>
+          <p:cNvCxnSpPr>
+            <a:cxnSpLocks/>
+          </p:cNvCxnSpPr>
+          <p:nvPr/>
+        </p:nvCxnSpPr>
+        <p:spPr>
+          <a:xfrm>
+            <a:off x="6568934" y="4634242"/>
+            <a:ext cx="558800" cy="0"/>
+          </a:xfrm>
+          <a:prstGeom prst="straightConnector1">
+            <a:avLst/>
+          </a:prstGeom>
+          <a:ln w="38100">
+            <a:solidFill>
+              <a:schemeClr val="tx1"/>
+            </a:solidFill>
+            <a:tailEnd type="triangle"/>
+          </a:ln>
+        </p:spPr>
+        <p:style>
+          <a:lnRef idx="1">
+            <a:schemeClr val="accent1"/>
+          </a:lnRef>
+          <a:fillRef idx="0">
+            <a:schemeClr val="accent1"/>
+          </a:fillRef>
+          <a:effectRef idx="0">
+            <a:schemeClr val="accent1"/>
+          </a:effectRef>
+          <a:fontRef idx="minor">
+            <a:schemeClr val="tx1"/>
+          </a:fontRef>
+        </p:style>
+      </p:cxnSp>
+      <p:cxnSp>
+        <p:nvCxnSpPr>
+          <p:cNvPr id="56" name="直線矢印コネクタ 55">
+            <a:extLst>
+              <a:ext uri="{FF2B5EF4-FFF2-40B4-BE49-F238E27FC236}">
+                <a16:creationId xmlns:a16="http://schemas.microsoft.com/office/drawing/2014/main" id="{3725868E-954A-40CB-866F-03CD60190E11}"/>
+              </a:ext>
+            </a:extLst>
+          </p:cNvPr>
+          <p:cNvCxnSpPr>
+            <a:cxnSpLocks/>
+          </p:cNvCxnSpPr>
+          <p:nvPr/>
+        </p:nvCxnSpPr>
+        <p:spPr>
+          <a:xfrm>
+            <a:off x="8051579" y="4639845"/>
+            <a:ext cx="558800" cy="0"/>
+          </a:xfrm>
+          <a:prstGeom prst="straightConnector1">
+            <a:avLst/>
+          </a:prstGeom>
+          <a:ln w="38100">
+            <a:solidFill>
+              <a:schemeClr val="tx1"/>
+            </a:solidFill>
+            <a:tailEnd type="triangle"/>
+          </a:ln>
+        </p:spPr>
+        <p:style>
+          <a:lnRef idx="1">
+            <a:schemeClr val="accent1"/>
+          </a:lnRef>
+          <a:fillRef idx="0">
+            <a:schemeClr val="accent1"/>
+          </a:fillRef>
+          <a:effectRef idx="0">
+            <a:schemeClr val="accent1"/>
+          </a:effectRef>
+          <a:fontRef idx="minor">
+            <a:schemeClr val="tx1"/>
+          </a:fontRef>
+        </p:style>
+      </p:cxnSp>
+      <p:cxnSp>
+        <p:nvCxnSpPr>
+          <p:cNvPr id="57" name="直線矢印コネクタ 56">
+            <a:extLst>
+              <a:ext uri="{FF2B5EF4-FFF2-40B4-BE49-F238E27FC236}">
+                <a16:creationId xmlns:a16="http://schemas.microsoft.com/office/drawing/2014/main" id="{85137830-2021-4A52-9A6D-C17178FD9F3E}"/>
+              </a:ext>
+            </a:extLst>
+          </p:cNvPr>
+          <p:cNvCxnSpPr>
+            <a:cxnSpLocks/>
+          </p:cNvCxnSpPr>
+          <p:nvPr/>
+        </p:nvCxnSpPr>
+        <p:spPr>
+          <a:xfrm>
+            <a:off x="2091266" y="4631379"/>
+            <a:ext cx="558800" cy="0"/>
+          </a:xfrm>
+          <a:prstGeom prst="straightConnector1">
+            <a:avLst/>
+          </a:prstGeom>
+          <a:ln w="38100">
+            <a:solidFill>
+              <a:schemeClr val="tx1"/>
+            </a:solidFill>
+            <a:tailEnd type="triangle"/>
+          </a:ln>
+        </p:spPr>
+        <p:style>
+          <a:lnRef idx="1">
+            <a:schemeClr val="accent1"/>
+          </a:lnRef>
+          <a:fillRef idx="0">
+            <a:schemeClr val="accent1"/>
+          </a:fillRef>
+          <a:effectRef idx="0">
+            <a:schemeClr val="accent1"/>
+          </a:effectRef>
+          <a:fontRef idx="minor">
+            <a:schemeClr val="tx1"/>
+          </a:fontRef>
+        </p:style>
+      </p:cxnSp>
+      <p:sp>
+        <p:nvSpPr>
+          <p:cNvPr id="59" name="テキスト ボックス 58">
+            <a:extLst>
+              <a:ext uri="{FF2B5EF4-FFF2-40B4-BE49-F238E27FC236}">
+                <a16:creationId xmlns:a16="http://schemas.microsoft.com/office/drawing/2014/main" id="{4B0F2AE5-36F0-46B5-8B21-45B0B44A33E5}"/>
+              </a:ext>
+            </a:extLst>
+          </p:cNvPr>
+          <p:cNvSpPr txBox="1"/>
+          <p:nvPr/>
+        </p:nvSpPr>
+        <p:spPr>
+          <a:xfrm>
+            <a:off x="9422208" y="5594303"/>
+            <a:ext cx="1334676" cy="369332"/>
+          </a:xfrm>
+          <a:prstGeom prst="rect">
+            <a:avLst/>
+          </a:prstGeom>
+          <a:noFill/>
+        </p:spPr>
+        <p:txBody>
+          <a:bodyPr wrap="square" rtlCol="0">
+            <a:spAutoFit/>
+          </a:bodyPr>
+          <a:lstStyle/>
+          <a:p>
+            <a:pPr algn="ctr"/>
+            <a:r>
+              <a:rPr kumimoji="1" lang="en-US" altLang="ja-JP" dirty="0">
+                <a:latin typeface="Arial" panose="020B0604020202020204" pitchFamily="34" charset="0"/>
+                <a:cs typeface="Arial" panose="020B0604020202020204" pitchFamily="34" charset="0"/>
+              </a:rPr>
               <a:t>Activation</a:t>
             </a:r>
-            <a:endParaRPr kumimoji="1" lang="ja-JP" altLang="en-US" dirty="0"/>
-          </a:p>
-        </p:txBody>
-      </p:sp>
-      <p:sp>
-        <p:nvSpPr>
-          <p:cNvPr id="109" name="楕円 108">
-            <a:extLst>
-              <a:ext uri="{FF2B5EF4-FFF2-40B4-BE49-F238E27FC236}">
-                <a16:creationId xmlns:a16="http://schemas.microsoft.com/office/drawing/2014/main" id="{1A88BAAD-D2D8-4430-8D2B-319C03372750}"/>
+            <a:endParaRPr kumimoji="1" lang="ja-JP" altLang="en-US" dirty="0">
+              <a:latin typeface="Arial" panose="020B0604020202020204" pitchFamily="34" charset="0"/>
+              <a:cs typeface="Arial" panose="020B0604020202020204" pitchFamily="34" charset="0"/>
+            </a:endParaRPr>
+          </a:p>
+        </p:txBody>
+      </p:sp>
+      <p:sp>
+        <p:nvSpPr>
+          <p:cNvPr id="60" name="テキスト ボックス 59">
+            <a:extLst>
+              <a:ext uri="{FF2B5EF4-FFF2-40B4-BE49-F238E27FC236}">
+                <a16:creationId xmlns:a16="http://schemas.microsoft.com/office/drawing/2014/main" id="{9066663C-9865-4395-90D1-869FDCDDF191}"/>
+              </a:ext>
+            </a:extLst>
+          </p:cNvPr>
+          <p:cNvSpPr txBox="1"/>
+          <p:nvPr/>
+        </p:nvSpPr>
+        <p:spPr>
+          <a:xfrm>
+            <a:off x="6911203" y="5594303"/>
+            <a:ext cx="1334676" cy="369332"/>
+          </a:xfrm>
+          <a:prstGeom prst="rect">
+            <a:avLst/>
+          </a:prstGeom>
+          <a:noFill/>
+        </p:spPr>
+        <p:txBody>
+          <a:bodyPr wrap="square" rtlCol="0">
+            <a:spAutoFit/>
+          </a:bodyPr>
+          <a:lstStyle/>
+          <a:p>
+            <a:pPr algn="ctr"/>
+            <a:r>
+              <a:rPr kumimoji="1" lang="en-US" altLang="ja-JP" dirty="0" err="1">
+                <a:latin typeface="Arial" panose="020B0604020202020204" pitchFamily="34" charset="0"/>
+                <a:cs typeface="Arial" panose="020B0604020202020204" pitchFamily="34" charset="0"/>
+              </a:rPr>
+              <a:t>Softmax</a:t>
+            </a:r>
+            <a:endParaRPr kumimoji="1" lang="ja-JP" altLang="en-US" dirty="0">
+              <a:latin typeface="Arial" panose="020B0604020202020204" pitchFamily="34" charset="0"/>
+              <a:cs typeface="Arial" panose="020B0604020202020204" pitchFamily="34" charset="0"/>
+            </a:endParaRPr>
+          </a:p>
+        </p:txBody>
+      </p:sp>
+      <p:sp>
+        <p:nvSpPr>
+          <p:cNvPr id="61" name="テキスト ボックス 60">
+            <a:extLst>
+              <a:ext uri="{FF2B5EF4-FFF2-40B4-BE49-F238E27FC236}">
+                <a16:creationId xmlns:a16="http://schemas.microsoft.com/office/drawing/2014/main" id="{BA7DFDF3-3678-4698-98C7-C62215CF1B73}"/>
+              </a:ext>
+            </a:extLst>
+          </p:cNvPr>
+          <p:cNvSpPr txBox="1"/>
+          <p:nvPr/>
+        </p:nvSpPr>
+        <p:spPr>
+          <a:xfrm>
+            <a:off x="5423343" y="5594303"/>
+            <a:ext cx="1334676" cy="369332"/>
+          </a:xfrm>
+          <a:prstGeom prst="rect">
+            <a:avLst/>
+          </a:prstGeom>
+          <a:noFill/>
+        </p:spPr>
+        <p:txBody>
+          <a:bodyPr wrap="square" rtlCol="0">
+            <a:spAutoFit/>
+          </a:bodyPr>
+          <a:lstStyle/>
+          <a:p>
+            <a:pPr algn="ctr"/>
+            <a:r>
+              <a:rPr kumimoji="1" lang="en-US" altLang="ja-JP" dirty="0">
+                <a:latin typeface="Arial" panose="020B0604020202020204" pitchFamily="34" charset="0"/>
+                <a:cs typeface="Arial" panose="020B0604020202020204" pitchFamily="34" charset="0"/>
+              </a:rPr>
+              <a:t>Linear</a:t>
+            </a:r>
+            <a:endParaRPr kumimoji="1" lang="ja-JP" altLang="en-US" dirty="0">
+              <a:latin typeface="Arial" panose="020B0604020202020204" pitchFamily="34" charset="0"/>
+              <a:cs typeface="Arial" panose="020B0604020202020204" pitchFamily="34" charset="0"/>
+            </a:endParaRPr>
+          </a:p>
+        </p:txBody>
+      </p:sp>
+      <p:sp>
+        <p:nvSpPr>
+          <p:cNvPr id="63" name="テキスト ボックス 62">
+            <a:extLst>
+              <a:ext uri="{FF2B5EF4-FFF2-40B4-BE49-F238E27FC236}">
+                <a16:creationId xmlns:a16="http://schemas.microsoft.com/office/drawing/2014/main" id="{764B8F53-31CD-4A74-B16E-B397869E41A5}"/>
+              </a:ext>
+            </a:extLst>
+          </p:cNvPr>
+          <p:cNvSpPr txBox="1"/>
+          <p:nvPr/>
+        </p:nvSpPr>
+        <p:spPr>
+          <a:xfrm>
+            <a:off x="3942574" y="5594303"/>
+            <a:ext cx="1334676" cy="646331"/>
+          </a:xfrm>
+          <a:prstGeom prst="rect">
+            <a:avLst/>
+          </a:prstGeom>
+          <a:noFill/>
+        </p:spPr>
+        <p:txBody>
+          <a:bodyPr wrap="square" rtlCol="0">
+            <a:spAutoFit/>
+          </a:bodyPr>
+          <a:lstStyle/>
+          <a:p>
+            <a:pPr algn="ctr"/>
+            <a:r>
+              <a:rPr kumimoji="1" lang="en-US" altLang="ja-JP" dirty="0">
+                <a:latin typeface="Arial" panose="020B0604020202020204" pitchFamily="34" charset="0"/>
+                <a:cs typeface="Arial" panose="020B0604020202020204" pitchFamily="34" charset="0"/>
+              </a:rPr>
+              <a:t>Adaptive</a:t>
+            </a:r>
+          </a:p>
+          <a:p>
+            <a:pPr algn="ctr"/>
+            <a:r>
+              <a:rPr kumimoji="1" lang="en-US" altLang="ja-JP" dirty="0">
+                <a:latin typeface="Arial" panose="020B0604020202020204" pitchFamily="34" charset="0"/>
+                <a:cs typeface="Arial" panose="020B0604020202020204" pitchFamily="34" charset="0"/>
+              </a:rPr>
+              <a:t>AvgPool1d</a:t>
+            </a:r>
+            <a:endParaRPr kumimoji="1" lang="ja-JP" altLang="en-US" dirty="0">
+              <a:latin typeface="Arial" panose="020B0604020202020204" pitchFamily="34" charset="0"/>
+              <a:cs typeface="Arial" panose="020B0604020202020204" pitchFamily="34" charset="0"/>
+            </a:endParaRPr>
+          </a:p>
+        </p:txBody>
+      </p:sp>
+      <p:sp>
+        <p:nvSpPr>
+          <p:cNvPr id="64" name="テキスト ボックス 63">
+            <a:extLst>
+              <a:ext uri="{FF2B5EF4-FFF2-40B4-BE49-F238E27FC236}">
+                <a16:creationId xmlns:a16="http://schemas.microsoft.com/office/drawing/2014/main" id="{CF322F88-30F0-417A-A200-D4D47EE52905}"/>
+              </a:ext>
+            </a:extLst>
+          </p:cNvPr>
+          <p:cNvSpPr txBox="1"/>
+          <p:nvPr/>
+        </p:nvSpPr>
+        <p:spPr>
+          <a:xfrm>
+            <a:off x="2454714" y="5594303"/>
+            <a:ext cx="1334676" cy="369332"/>
+          </a:xfrm>
+          <a:prstGeom prst="rect">
+            <a:avLst/>
+          </a:prstGeom>
+          <a:noFill/>
+        </p:spPr>
+        <p:txBody>
+          <a:bodyPr wrap="square" rtlCol="0">
+            <a:spAutoFit/>
+          </a:bodyPr>
+          <a:lstStyle/>
+          <a:p>
+            <a:pPr algn="ctr"/>
+            <a:r>
+              <a:rPr kumimoji="1" lang="en-US" altLang="ja-JP" dirty="0">
+                <a:latin typeface="Arial" panose="020B0604020202020204" pitchFamily="34" charset="0"/>
+                <a:cs typeface="Arial" panose="020B0604020202020204" pitchFamily="34" charset="0"/>
+              </a:rPr>
+              <a:t>Conv1d</a:t>
+            </a:r>
+            <a:endParaRPr kumimoji="1" lang="ja-JP" altLang="en-US" dirty="0">
+              <a:latin typeface="Arial" panose="020B0604020202020204" pitchFamily="34" charset="0"/>
+              <a:cs typeface="Arial" panose="020B0604020202020204" pitchFamily="34" charset="0"/>
+            </a:endParaRPr>
+          </a:p>
+        </p:txBody>
+      </p:sp>
+      <p:sp>
+        <p:nvSpPr>
+          <p:cNvPr id="11" name="テキスト ボックス 10">
+            <a:extLst>
+              <a:ext uri="{FF2B5EF4-FFF2-40B4-BE49-F238E27FC236}">
+                <a16:creationId xmlns:a16="http://schemas.microsoft.com/office/drawing/2014/main" id="{7FB919DE-0EC4-4762-B58A-9DB5E105878E}"/>
+              </a:ext>
+            </a:extLst>
+          </p:cNvPr>
+          <p:cNvSpPr txBox="1"/>
+          <p:nvPr/>
+        </p:nvSpPr>
+        <p:spPr>
+          <a:xfrm>
+            <a:off x="10106754" y="4460670"/>
+            <a:ext cx="1334675" cy="369332"/>
+          </a:xfrm>
+          <a:prstGeom prst="rect">
+            <a:avLst/>
+          </a:prstGeom>
+          <a:noFill/>
+        </p:spPr>
+        <p:txBody>
+          <a:bodyPr wrap="square" rtlCol="0">
+            <a:spAutoFit/>
+          </a:bodyPr>
+          <a:lstStyle/>
+          <a:p>
+            <a:pPr algn="ctr"/>
+            <a:r>
+              <a:rPr lang="en-US" altLang="ja-JP" dirty="0">
+                <a:latin typeface="Arial" panose="020B0604020202020204" pitchFamily="34" charset="0"/>
+                <a:cs typeface="Arial" panose="020B0604020202020204" pitchFamily="34" charset="0"/>
+              </a:rPr>
+              <a:t>80%~90%</a:t>
+            </a:r>
+            <a:endParaRPr kumimoji="1" lang="ja-JP" altLang="en-US" dirty="0">
+              <a:latin typeface="Arial" panose="020B0604020202020204" pitchFamily="34" charset="0"/>
+              <a:cs typeface="Arial" panose="020B0604020202020204" pitchFamily="34" charset="0"/>
+            </a:endParaRPr>
+          </a:p>
+        </p:txBody>
+      </p:sp>
+      <p:sp>
+        <p:nvSpPr>
+          <p:cNvPr id="12" name="正方形/長方形 11">
+            <a:extLst>
+              <a:ext uri="{FF2B5EF4-FFF2-40B4-BE49-F238E27FC236}">
+                <a16:creationId xmlns:a16="http://schemas.microsoft.com/office/drawing/2014/main" id="{E3C3D873-F12E-40E2-B35A-4BDCA5B4BD6A}"/>
               </a:ext>
             </a:extLst>
           </p:cNvPr>
@@ -7476,12 +9089,19 @@
         </p:nvSpPr>
         <p:spPr>
           <a:xfrm>
-            <a:off x="8504585" y="4791794"/>
-            <a:ext cx="925996" cy="880533"/>
+            <a:off x="8730883" y="3792089"/>
+            <a:ext cx="2614450" cy="1802214"/>
           </a:xfrm>
-          <a:prstGeom prst="ellipse">
+          <a:prstGeom prst="rect">
             <a:avLst/>
           </a:prstGeom>
+          <a:noFill/>
+          <a:ln w="19050">
+            <a:solidFill>
+              <a:schemeClr val="tx1"/>
+            </a:solidFill>
+            <a:prstDash val="dash"/>
+          </a:ln>
         </p:spPr>
         <p:style>
           <a:lnRef idx="2">
@@ -7504,10 +9124,630 @@
           <a:lstStyle/>
           <a:p>
             <a:pPr algn="ctr"/>
-            <a:r>
-              <a:rPr kumimoji="1" lang="en-US" altLang="ja-JP" dirty="0" err="1"/>
-              <a:t>Pred</a:t>
-            </a:r>
+            <a:endParaRPr kumimoji="1" lang="ja-JP" altLang="en-US"/>
+          </a:p>
+        </p:txBody>
+      </p:sp>
+      <p:sp>
+        <p:nvSpPr>
+          <p:cNvPr id="70" name="四角形: 角を丸くする 69">
+            <a:extLst>
+              <a:ext uri="{FF2B5EF4-FFF2-40B4-BE49-F238E27FC236}">
+                <a16:creationId xmlns:a16="http://schemas.microsoft.com/office/drawing/2014/main" id="{37717276-D901-4EA4-8563-7EAE7AE1BF32}"/>
+              </a:ext>
+            </a:extLst>
+          </p:cNvPr>
+          <p:cNvSpPr/>
+          <p:nvPr/>
+        </p:nvSpPr>
+        <p:spPr>
+          <a:xfrm>
+            <a:off x="9882257" y="1795953"/>
+            <a:ext cx="1325163" cy="1626791"/>
+          </a:xfrm>
+          <a:prstGeom prst="roundRect">
+            <a:avLst/>
+          </a:prstGeom>
+          <a:noFill/>
+          <a:ln w="38100">
+            <a:solidFill>
+              <a:srgbClr val="FF0000"/>
+            </a:solidFill>
+          </a:ln>
+        </p:spPr>
+        <p:style>
+          <a:lnRef idx="2">
+            <a:schemeClr val="accent1">
+              <a:shade val="50000"/>
+            </a:schemeClr>
+          </a:lnRef>
+          <a:fillRef idx="1">
+            <a:schemeClr val="accent1"/>
+          </a:fillRef>
+          <a:effectRef idx="0">
+            <a:schemeClr val="accent1"/>
+          </a:effectRef>
+          <a:fontRef idx="minor">
+            <a:schemeClr val="lt1"/>
+          </a:fontRef>
+        </p:style>
+        <p:txBody>
+          <a:bodyPr rtlCol="0" anchor="ctr"/>
+          <a:lstStyle/>
+          <a:p>
+            <a:pPr algn="ctr"/>
+            <a:endParaRPr kumimoji="1" lang="ja-JP" altLang="en-US"/>
+          </a:p>
+        </p:txBody>
+      </p:sp>
+      <p:sp>
+        <p:nvSpPr>
+          <p:cNvPr id="73" name="四角形: 角を丸くする 72">
+            <a:extLst>
+              <a:ext uri="{FF2B5EF4-FFF2-40B4-BE49-F238E27FC236}">
+                <a16:creationId xmlns:a16="http://schemas.microsoft.com/office/drawing/2014/main" id="{5C50039E-607A-4A23-821C-641368ADB0B0}"/>
+              </a:ext>
+            </a:extLst>
+          </p:cNvPr>
+          <p:cNvSpPr/>
+          <p:nvPr/>
+        </p:nvSpPr>
+        <p:spPr>
+          <a:xfrm>
+            <a:off x="1059666" y="1798512"/>
+            <a:ext cx="1325163" cy="1626791"/>
+          </a:xfrm>
+          <a:prstGeom prst="roundRect">
+            <a:avLst/>
+          </a:prstGeom>
+          <a:noFill/>
+          <a:ln w="38100">
+            <a:solidFill>
+              <a:srgbClr val="FF0000"/>
+            </a:solidFill>
+          </a:ln>
+        </p:spPr>
+        <p:style>
+          <a:lnRef idx="2">
+            <a:schemeClr val="accent1">
+              <a:shade val="50000"/>
+            </a:schemeClr>
+          </a:lnRef>
+          <a:fillRef idx="1">
+            <a:schemeClr val="accent1"/>
+          </a:fillRef>
+          <a:effectRef idx="0">
+            <a:schemeClr val="accent1"/>
+          </a:effectRef>
+          <a:fontRef idx="minor">
+            <a:schemeClr val="lt1"/>
+          </a:fontRef>
+        </p:style>
+        <p:txBody>
+          <a:bodyPr rtlCol="0" anchor="ctr"/>
+          <a:lstStyle/>
+          <a:p>
+            <a:pPr algn="ctr"/>
+            <a:endParaRPr kumimoji="1" lang="ja-JP" altLang="en-US" dirty="0"/>
+          </a:p>
+        </p:txBody>
+      </p:sp>
+      <p:sp>
+        <p:nvSpPr>
+          <p:cNvPr id="76" name="四角形: 角を丸くする 75">
+            <a:extLst>
+              <a:ext uri="{FF2B5EF4-FFF2-40B4-BE49-F238E27FC236}">
+                <a16:creationId xmlns:a16="http://schemas.microsoft.com/office/drawing/2014/main" id="{5D765B53-5DDC-4C7A-A6D9-2C08411B94EF}"/>
+              </a:ext>
+            </a:extLst>
+          </p:cNvPr>
+          <p:cNvSpPr/>
+          <p:nvPr/>
+        </p:nvSpPr>
+        <p:spPr>
+          <a:xfrm>
+            <a:off x="2461988" y="1795953"/>
+            <a:ext cx="1325163" cy="1626791"/>
+          </a:xfrm>
+          <a:prstGeom prst="roundRect">
+            <a:avLst/>
+          </a:prstGeom>
+          <a:noFill/>
+          <a:ln w="38100">
+            <a:solidFill>
+              <a:srgbClr val="FF0000"/>
+            </a:solidFill>
+          </a:ln>
+        </p:spPr>
+        <p:style>
+          <a:lnRef idx="2">
+            <a:schemeClr val="accent1">
+              <a:shade val="50000"/>
+            </a:schemeClr>
+          </a:lnRef>
+          <a:fillRef idx="1">
+            <a:schemeClr val="accent1"/>
+          </a:fillRef>
+          <a:effectRef idx="0">
+            <a:schemeClr val="accent1"/>
+          </a:effectRef>
+          <a:fontRef idx="minor">
+            <a:schemeClr val="lt1"/>
+          </a:fontRef>
+        </p:style>
+        <p:txBody>
+          <a:bodyPr rtlCol="0" anchor="ctr"/>
+          <a:lstStyle/>
+          <a:p>
+            <a:pPr algn="ctr"/>
+            <a:endParaRPr kumimoji="1" lang="ja-JP" altLang="en-US" dirty="0"/>
+          </a:p>
+        </p:txBody>
+      </p:sp>
+      <p:sp>
+        <p:nvSpPr>
+          <p:cNvPr id="77" name="四角形: 角を丸くする 76">
+            <a:extLst>
+              <a:ext uri="{FF2B5EF4-FFF2-40B4-BE49-F238E27FC236}">
+                <a16:creationId xmlns:a16="http://schemas.microsoft.com/office/drawing/2014/main" id="{36CD0B95-086C-47DB-813A-F2F620500462}"/>
+              </a:ext>
+            </a:extLst>
+          </p:cNvPr>
+          <p:cNvSpPr/>
+          <p:nvPr/>
+        </p:nvSpPr>
+        <p:spPr>
+          <a:xfrm>
+            <a:off x="3944463" y="1795953"/>
+            <a:ext cx="1325163" cy="1626791"/>
+          </a:xfrm>
+          <a:prstGeom prst="roundRect">
+            <a:avLst/>
+          </a:prstGeom>
+          <a:noFill/>
+          <a:ln w="38100">
+            <a:solidFill>
+              <a:srgbClr val="FF0000"/>
+            </a:solidFill>
+          </a:ln>
+        </p:spPr>
+        <p:style>
+          <a:lnRef idx="2">
+            <a:schemeClr val="accent1">
+              <a:shade val="50000"/>
+            </a:schemeClr>
+          </a:lnRef>
+          <a:fillRef idx="1">
+            <a:schemeClr val="accent1"/>
+          </a:fillRef>
+          <a:effectRef idx="0">
+            <a:schemeClr val="accent1"/>
+          </a:effectRef>
+          <a:fontRef idx="minor">
+            <a:schemeClr val="lt1"/>
+          </a:fontRef>
+        </p:style>
+        <p:txBody>
+          <a:bodyPr rtlCol="0" anchor="ctr"/>
+          <a:lstStyle/>
+          <a:p>
+            <a:pPr algn="ctr"/>
+            <a:endParaRPr kumimoji="1" lang="ja-JP" altLang="en-US" dirty="0"/>
+          </a:p>
+        </p:txBody>
+      </p:sp>
+      <p:sp>
+        <p:nvSpPr>
+          <p:cNvPr id="79" name="四角形: 角を丸くする 78">
+            <a:extLst>
+              <a:ext uri="{FF2B5EF4-FFF2-40B4-BE49-F238E27FC236}">
+                <a16:creationId xmlns:a16="http://schemas.microsoft.com/office/drawing/2014/main" id="{095F3992-C840-46DE-9B46-48BD065FE5F1}"/>
+              </a:ext>
+            </a:extLst>
+          </p:cNvPr>
+          <p:cNvSpPr/>
+          <p:nvPr/>
+        </p:nvSpPr>
+        <p:spPr>
+          <a:xfrm>
+            <a:off x="5433976" y="1795953"/>
+            <a:ext cx="1325163" cy="1626791"/>
+          </a:xfrm>
+          <a:prstGeom prst="roundRect">
+            <a:avLst/>
+          </a:prstGeom>
+          <a:noFill/>
+          <a:ln w="38100">
+            <a:solidFill>
+              <a:srgbClr val="FF0000"/>
+            </a:solidFill>
+          </a:ln>
+        </p:spPr>
+        <p:style>
+          <a:lnRef idx="2">
+            <a:schemeClr val="accent1">
+              <a:shade val="50000"/>
+            </a:schemeClr>
+          </a:lnRef>
+          <a:fillRef idx="1">
+            <a:schemeClr val="accent1"/>
+          </a:fillRef>
+          <a:effectRef idx="0">
+            <a:schemeClr val="accent1"/>
+          </a:effectRef>
+          <a:fontRef idx="minor">
+            <a:schemeClr val="lt1"/>
+          </a:fontRef>
+        </p:style>
+        <p:txBody>
+          <a:bodyPr rtlCol="0" anchor="ctr"/>
+          <a:lstStyle/>
+          <a:p>
+            <a:pPr algn="ctr"/>
+            <a:endParaRPr kumimoji="1" lang="ja-JP" altLang="en-US" dirty="0"/>
+          </a:p>
+        </p:txBody>
+      </p:sp>
+      <p:sp>
+        <p:nvSpPr>
+          <p:cNvPr id="81" name="四角形: 角を丸くする 80">
+            <a:extLst>
+              <a:ext uri="{FF2B5EF4-FFF2-40B4-BE49-F238E27FC236}">
+                <a16:creationId xmlns:a16="http://schemas.microsoft.com/office/drawing/2014/main" id="{84F0CB23-9EA4-4EAE-8345-BF5E4D300E9F}"/>
+              </a:ext>
+            </a:extLst>
+          </p:cNvPr>
+          <p:cNvSpPr/>
+          <p:nvPr/>
+        </p:nvSpPr>
+        <p:spPr>
+          <a:xfrm>
+            <a:off x="6920716" y="1795953"/>
+            <a:ext cx="1325163" cy="1626791"/>
+          </a:xfrm>
+          <a:prstGeom prst="roundRect">
+            <a:avLst/>
+          </a:prstGeom>
+          <a:noFill/>
+          <a:ln w="38100">
+            <a:solidFill>
+              <a:srgbClr val="FF0000"/>
+            </a:solidFill>
+          </a:ln>
+        </p:spPr>
+        <p:style>
+          <a:lnRef idx="2">
+            <a:schemeClr val="accent1">
+              <a:shade val="50000"/>
+            </a:schemeClr>
+          </a:lnRef>
+          <a:fillRef idx="1">
+            <a:schemeClr val="accent1"/>
+          </a:fillRef>
+          <a:effectRef idx="0">
+            <a:schemeClr val="accent1"/>
+          </a:effectRef>
+          <a:fontRef idx="minor">
+            <a:schemeClr val="lt1"/>
+          </a:fontRef>
+        </p:style>
+        <p:txBody>
+          <a:bodyPr rtlCol="0" anchor="ctr"/>
+          <a:lstStyle/>
+          <a:p>
+            <a:pPr algn="ctr"/>
+            <a:endParaRPr kumimoji="1" lang="ja-JP" altLang="en-US" dirty="0"/>
+          </a:p>
+        </p:txBody>
+      </p:sp>
+      <p:sp>
+        <p:nvSpPr>
+          <p:cNvPr id="83" name="四角形: 角を丸くする 82">
+            <a:extLst>
+              <a:ext uri="{FF2B5EF4-FFF2-40B4-BE49-F238E27FC236}">
+                <a16:creationId xmlns:a16="http://schemas.microsoft.com/office/drawing/2014/main" id="{93BFEF3F-58CD-4AC5-B209-5CB3C09A0226}"/>
+              </a:ext>
+            </a:extLst>
+          </p:cNvPr>
+          <p:cNvSpPr/>
+          <p:nvPr/>
+        </p:nvSpPr>
+        <p:spPr>
+          <a:xfrm>
+            <a:off x="8403025" y="1795953"/>
+            <a:ext cx="1325163" cy="1626791"/>
+          </a:xfrm>
+          <a:prstGeom prst="roundRect">
+            <a:avLst/>
+          </a:prstGeom>
+          <a:noFill/>
+          <a:ln w="38100">
+            <a:solidFill>
+              <a:srgbClr val="FF0000"/>
+            </a:solidFill>
+          </a:ln>
+        </p:spPr>
+        <p:style>
+          <a:lnRef idx="2">
+            <a:schemeClr val="accent1">
+              <a:shade val="50000"/>
+            </a:schemeClr>
+          </a:lnRef>
+          <a:fillRef idx="1">
+            <a:schemeClr val="accent1"/>
+          </a:fillRef>
+          <a:effectRef idx="0">
+            <a:schemeClr val="accent1"/>
+          </a:effectRef>
+          <a:fontRef idx="minor">
+            <a:schemeClr val="lt1"/>
+          </a:fontRef>
+        </p:style>
+        <p:txBody>
+          <a:bodyPr rtlCol="0" anchor="ctr"/>
+          <a:lstStyle/>
+          <a:p>
+            <a:pPr algn="ctr"/>
+            <a:endParaRPr kumimoji="1" lang="ja-JP" altLang="en-US" dirty="0"/>
+          </a:p>
+        </p:txBody>
+      </p:sp>
+      <p:sp>
+        <p:nvSpPr>
+          <p:cNvPr id="87" name="四角形: 角を丸くする 86">
+            <a:extLst>
+              <a:ext uri="{FF2B5EF4-FFF2-40B4-BE49-F238E27FC236}">
+                <a16:creationId xmlns:a16="http://schemas.microsoft.com/office/drawing/2014/main" id="{E2A02981-CC9F-4C12-BBCC-CE27A9AEA308}"/>
+              </a:ext>
+            </a:extLst>
+          </p:cNvPr>
+          <p:cNvSpPr/>
+          <p:nvPr/>
+        </p:nvSpPr>
+        <p:spPr>
+          <a:xfrm>
+            <a:off x="3930565" y="3577090"/>
+            <a:ext cx="1361957" cy="2727012"/>
+          </a:xfrm>
+          <a:prstGeom prst="roundRect">
+            <a:avLst/>
+          </a:prstGeom>
+          <a:noFill/>
+          <a:ln w="38100">
+            <a:solidFill>
+              <a:srgbClr val="FF0000"/>
+            </a:solidFill>
+          </a:ln>
+        </p:spPr>
+        <p:style>
+          <a:lnRef idx="2">
+            <a:schemeClr val="accent1">
+              <a:shade val="50000"/>
+            </a:schemeClr>
+          </a:lnRef>
+          <a:fillRef idx="1">
+            <a:schemeClr val="accent1"/>
+          </a:fillRef>
+          <a:effectRef idx="0">
+            <a:schemeClr val="accent1"/>
+          </a:effectRef>
+          <a:fontRef idx="minor">
+            <a:schemeClr val="lt1"/>
+          </a:fontRef>
+        </p:style>
+        <p:txBody>
+          <a:bodyPr rtlCol="0" anchor="ctr"/>
+          <a:lstStyle/>
+          <a:p>
+            <a:pPr algn="ctr"/>
+            <a:endParaRPr kumimoji="1" lang="ja-JP" altLang="en-US" dirty="0"/>
+          </a:p>
+        </p:txBody>
+      </p:sp>
+      <p:sp>
+        <p:nvSpPr>
+          <p:cNvPr id="88" name="四角形: 角を丸くする 87">
+            <a:extLst>
+              <a:ext uri="{FF2B5EF4-FFF2-40B4-BE49-F238E27FC236}">
+                <a16:creationId xmlns:a16="http://schemas.microsoft.com/office/drawing/2014/main" id="{25203A36-BA7D-4AB8-928B-56805EC5C733}"/>
+              </a:ext>
+            </a:extLst>
+          </p:cNvPr>
+          <p:cNvSpPr/>
+          <p:nvPr/>
+        </p:nvSpPr>
+        <p:spPr>
+          <a:xfrm>
+            <a:off x="2448104" y="3932374"/>
+            <a:ext cx="1361957" cy="2095893"/>
+          </a:xfrm>
+          <a:prstGeom prst="roundRect">
+            <a:avLst/>
+          </a:prstGeom>
+          <a:noFill/>
+          <a:ln w="38100">
+            <a:solidFill>
+              <a:srgbClr val="FF0000"/>
+            </a:solidFill>
+          </a:ln>
+        </p:spPr>
+        <p:style>
+          <a:lnRef idx="2">
+            <a:schemeClr val="accent1">
+              <a:shade val="50000"/>
+            </a:schemeClr>
+          </a:lnRef>
+          <a:fillRef idx="1">
+            <a:schemeClr val="accent1"/>
+          </a:fillRef>
+          <a:effectRef idx="0">
+            <a:schemeClr val="accent1"/>
+          </a:effectRef>
+          <a:fontRef idx="minor">
+            <a:schemeClr val="lt1"/>
+          </a:fontRef>
+        </p:style>
+        <p:txBody>
+          <a:bodyPr rtlCol="0" anchor="ctr"/>
+          <a:lstStyle/>
+          <a:p>
+            <a:pPr algn="ctr"/>
+            <a:endParaRPr kumimoji="1" lang="ja-JP" altLang="en-US" dirty="0"/>
+          </a:p>
+        </p:txBody>
+      </p:sp>
+      <p:sp>
+        <p:nvSpPr>
+          <p:cNvPr id="89" name="四角形: 角を丸くする 88">
+            <a:extLst>
+              <a:ext uri="{FF2B5EF4-FFF2-40B4-BE49-F238E27FC236}">
+                <a16:creationId xmlns:a16="http://schemas.microsoft.com/office/drawing/2014/main" id="{38E23EBB-160C-41BC-B347-93D8B004538A}"/>
+              </a:ext>
+            </a:extLst>
+          </p:cNvPr>
+          <p:cNvSpPr/>
+          <p:nvPr/>
+        </p:nvSpPr>
+        <p:spPr>
+          <a:xfrm>
+            <a:off x="5420479" y="3567794"/>
+            <a:ext cx="1361957" cy="2395840"/>
+          </a:xfrm>
+          <a:prstGeom prst="roundRect">
+            <a:avLst/>
+          </a:prstGeom>
+          <a:noFill/>
+          <a:ln w="38100">
+            <a:solidFill>
+              <a:srgbClr val="FF0000"/>
+            </a:solidFill>
+          </a:ln>
+        </p:spPr>
+        <p:style>
+          <a:lnRef idx="2">
+            <a:schemeClr val="accent1">
+              <a:shade val="50000"/>
+            </a:schemeClr>
+          </a:lnRef>
+          <a:fillRef idx="1">
+            <a:schemeClr val="accent1"/>
+          </a:fillRef>
+          <a:effectRef idx="0">
+            <a:schemeClr val="accent1"/>
+          </a:effectRef>
+          <a:fontRef idx="minor">
+            <a:schemeClr val="lt1"/>
+          </a:fontRef>
+        </p:style>
+        <p:txBody>
+          <a:bodyPr rtlCol="0" anchor="ctr"/>
+          <a:lstStyle/>
+          <a:p>
+            <a:pPr algn="ctr"/>
+            <a:endParaRPr kumimoji="1" lang="ja-JP" altLang="en-US" dirty="0"/>
+          </a:p>
+        </p:txBody>
+      </p:sp>
+      <p:sp>
+        <p:nvSpPr>
+          <p:cNvPr id="90" name="四角形: 角を丸くする 89">
+            <a:extLst>
+              <a:ext uri="{FF2B5EF4-FFF2-40B4-BE49-F238E27FC236}">
+                <a16:creationId xmlns:a16="http://schemas.microsoft.com/office/drawing/2014/main" id="{A1508CBB-3AB4-4200-B96C-E014F34AE03B}"/>
+              </a:ext>
+            </a:extLst>
+          </p:cNvPr>
+          <p:cNvSpPr/>
+          <p:nvPr/>
+        </p:nvSpPr>
+        <p:spPr>
+          <a:xfrm>
+            <a:off x="6901766" y="3567794"/>
+            <a:ext cx="1361957" cy="2395840"/>
+          </a:xfrm>
+          <a:prstGeom prst="roundRect">
+            <a:avLst/>
+          </a:prstGeom>
+          <a:noFill/>
+          <a:ln w="38100">
+            <a:solidFill>
+              <a:srgbClr val="FF0000"/>
+            </a:solidFill>
+          </a:ln>
+        </p:spPr>
+        <p:style>
+          <a:lnRef idx="2">
+            <a:schemeClr val="accent1">
+              <a:shade val="50000"/>
+            </a:schemeClr>
+          </a:lnRef>
+          <a:fillRef idx="1">
+            <a:schemeClr val="accent1"/>
+          </a:fillRef>
+          <a:effectRef idx="0">
+            <a:schemeClr val="accent1"/>
+          </a:effectRef>
+          <a:fontRef idx="minor">
+            <a:schemeClr val="lt1"/>
+          </a:fontRef>
+        </p:style>
+        <p:txBody>
+          <a:bodyPr rtlCol="0" anchor="ctr"/>
+          <a:lstStyle/>
+          <a:p>
+            <a:pPr algn="ctr"/>
+            <a:endParaRPr kumimoji="1" lang="ja-JP" altLang="en-US" dirty="0"/>
+          </a:p>
+        </p:txBody>
+      </p:sp>
+      <p:sp>
+        <p:nvSpPr>
+          <p:cNvPr id="91" name="四角形: 角を丸くする 90">
+            <a:extLst>
+              <a:ext uri="{FF2B5EF4-FFF2-40B4-BE49-F238E27FC236}">
+                <a16:creationId xmlns:a16="http://schemas.microsoft.com/office/drawing/2014/main" id="{89818732-6684-4830-B8AF-942B1B5268F8}"/>
+              </a:ext>
+            </a:extLst>
+          </p:cNvPr>
+          <p:cNvSpPr/>
+          <p:nvPr/>
+        </p:nvSpPr>
+        <p:spPr>
+          <a:xfrm>
+            <a:off x="8562456" y="3588149"/>
+            <a:ext cx="2969143" cy="2375482"/>
+          </a:xfrm>
+          <a:prstGeom prst="roundRect">
+            <a:avLst/>
+          </a:prstGeom>
+          <a:noFill/>
+          <a:ln w="38100">
+            <a:solidFill>
+              <a:srgbClr val="FF0000"/>
+            </a:solidFill>
+          </a:ln>
+        </p:spPr>
+        <p:style>
+          <a:lnRef idx="2">
+            <a:schemeClr val="accent1">
+              <a:shade val="50000"/>
+            </a:schemeClr>
+          </a:lnRef>
+          <a:fillRef idx="1">
+            <a:schemeClr val="accent1"/>
+          </a:fillRef>
+          <a:effectRef idx="0">
+            <a:schemeClr val="accent1"/>
+          </a:effectRef>
+          <a:fontRef idx="minor">
+            <a:schemeClr val="lt1"/>
+          </a:fontRef>
+        </p:style>
+        <p:txBody>
+          <a:bodyPr rtlCol="0" anchor="ctr"/>
+          <a:lstStyle/>
+          <a:p>
+            <a:pPr algn="ctr"/>
             <a:endParaRPr kumimoji="1" lang="ja-JP" altLang="en-US" dirty="0"/>
           </a:p>
         </p:txBody>
@@ -7522,6 +9762,1181 @@
   <p:clrMapOvr>
     <a:masterClrMapping/>
   </p:clrMapOvr>
+  <p:timing>
+    <p:tnLst>
+      <p:par>
+        <p:cTn id="1" dur="indefinite" restart="never" nodeType="tmRoot">
+          <p:childTnLst>
+            <p:seq concurrent="1" nextAc="seek">
+              <p:cTn id="2" dur="indefinite" nodeType="mainSeq">
+                <p:childTnLst>
+                  <p:par>
+                    <p:cTn id="3" fill="hold">
+                      <p:stCondLst>
+                        <p:cond delay="indefinite"/>
+                      </p:stCondLst>
+                      <p:childTnLst>
+                        <p:par>
+                          <p:cTn id="4" fill="hold">
+                            <p:stCondLst>
+                              <p:cond delay="0"/>
+                            </p:stCondLst>
+                            <p:childTnLst>
+                              <p:par>
+                                <p:cTn id="5" presetID="10" presetClass="entr" presetSubtype="0" fill="hold" grpId="0" nodeType="clickEffect">
+                                  <p:stCondLst>
+                                    <p:cond delay="0"/>
+                                  </p:stCondLst>
+                                  <p:childTnLst>
+                                    <p:set>
+                                      <p:cBhvr>
+                                        <p:cTn id="6" dur="1" fill="hold">
+                                          <p:stCondLst>
+                                            <p:cond delay="0"/>
+                                          </p:stCondLst>
+                                        </p:cTn>
+                                        <p:tgtEl>
+                                          <p:spTgt spid="73"/>
+                                        </p:tgtEl>
+                                        <p:attrNameLst>
+                                          <p:attrName>style.visibility</p:attrName>
+                                        </p:attrNameLst>
+                                      </p:cBhvr>
+                                      <p:to>
+                                        <p:strVal val="visible"/>
+                                      </p:to>
+                                    </p:set>
+                                    <p:animEffect transition="in" filter="fade">
+                                      <p:cBhvr>
+                                        <p:cTn id="7" dur="500"/>
+                                        <p:tgtEl>
+                                          <p:spTgt spid="73"/>
+                                        </p:tgtEl>
+                                      </p:cBhvr>
+                                    </p:animEffect>
+                                  </p:childTnLst>
+                                </p:cTn>
+                              </p:par>
+                            </p:childTnLst>
+                          </p:cTn>
+                        </p:par>
+                      </p:childTnLst>
+                    </p:cTn>
+                  </p:par>
+                  <p:par>
+                    <p:cTn id="8" fill="hold">
+                      <p:stCondLst>
+                        <p:cond delay="indefinite"/>
+                      </p:stCondLst>
+                      <p:childTnLst>
+                        <p:par>
+                          <p:cTn id="9" fill="hold">
+                            <p:stCondLst>
+                              <p:cond delay="0"/>
+                            </p:stCondLst>
+                            <p:childTnLst>
+                              <p:par>
+                                <p:cTn id="10" presetID="22" presetClass="exit" presetSubtype="8" fill="hold" grpId="1" nodeType="clickEffect">
+                                  <p:stCondLst>
+                                    <p:cond delay="0"/>
+                                  </p:stCondLst>
+                                  <p:childTnLst>
+                                    <p:animEffect transition="out" filter="wipe(left)">
+                                      <p:cBhvr>
+                                        <p:cTn id="11" dur="500"/>
+                                        <p:tgtEl>
+                                          <p:spTgt spid="73"/>
+                                        </p:tgtEl>
+                                      </p:cBhvr>
+                                    </p:animEffect>
+                                    <p:set>
+                                      <p:cBhvr>
+                                        <p:cTn id="12" dur="1" fill="hold">
+                                          <p:stCondLst>
+                                            <p:cond delay="499"/>
+                                          </p:stCondLst>
+                                        </p:cTn>
+                                        <p:tgtEl>
+                                          <p:spTgt spid="73"/>
+                                        </p:tgtEl>
+                                        <p:attrNameLst>
+                                          <p:attrName>style.visibility</p:attrName>
+                                        </p:attrNameLst>
+                                      </p:cBhvr>
+                                      <p:to>
+                                        <p:strVal val="hidden"/>
+                                      </p:to>
+                                    </p:set>
+                                  </p:childTnLst>
+                                </p:cTn>
+                              </p:par>
+                            </p:childTnLst>
+                          </p:cTn>
+                        </p:par>
+                        <p:par>
+                          <p:cTn id="13" fill="hold">
+                            <p:stCondLst>
+                              <p:cond delay="500"/>
+                            </p:stCondLst>
+                            <p:childTnLst>
+                              <p:par>
+                                <p:cTn id="14" presetID="22" presetClass="entr" presetSubtype="8" fill="hold" grpId="0" nodeType="afterEffect">
+                                  <p:stCondLst>
+                                    <p:cond delay="0"/>
+                                  </p:stCondLst>
+                                  <p:childTnLst>
+                                    <p:set>
+                                      <p:cBhvr>
+                                        <p:cTn id="15" dur="1" fill="hold">
+                                          <p:stCondLst>
+                                            <p:cond delay="0"/>
+                                          </p:stCondLst>
+                                        </p:cTn>
+                                        <p:tgtEl>
+                                          <p:spTgt spid="76"/>
+                                        </p:tgtEl>
+                                        <p:attrNameLst>
+                                          <p:attrName>style.visibility</p:attrName>
+                                        </p:attrNameLst>
+                                      </p:cBhvr>
+                                      <p:to>
+                                        <p:strVal val="visible"/>
+                                      </p:to>
+                                    </p:set>
+                                    <p:animEffect transition="in" filter="wipe(left)">
+                                      <p:cBhvr>
+                                        <p:cTn id="16" dur="500"/>
+                                        <p:tgtEl>
+                                          <p:spTgt spid="76"/>
+                                        </p:tgtEl>
+                                      </p:cBhvr>
+                                    </p:animEffect>
+                                  </p:childTnLst>
+                                </p:cTn>
+                              </p:par>
+                            </p:childTnLst>
+                          </p:cTn>
+                        </p:par>
+                      </p:childTnLst>
+                    </p:cTn>
+                  </p:par>
+                  <p:par>
+                    <p:cTn id="17" fill="hold">
+                      <p:stCondLst>
+                        <p:cond delay="indefinite"/>
+                      </p:stCondLst>
+                      <p:childTnLst>
+                        <p:par>
+                          <p:cTn id="18" fill="hold">
+                            <p:stCondLst>
+                              <p:cond delay="0"/>
+                            </p:stCondLst>
+                            <p:childTnLst>
+                              <p:par>
+                                <p:cTn id="19" presetID="22" presetClass="exit" presetSubtype="8" fill="hold" grpId="1" nodeType="clickEffect">
+                                  <p:stCondLst>
+                                    <p:cond delay="0"/>
+                                  </p:stCondLst>
+                                  <p:childTnLst>
+                                    <p:animEffect transition="out" filter="wipe(left)">
+                                      <p:cBhvr>
+                                        <p:cTn id="20" dur="500"/>
+                                        <p:tgtEl>
+                                          <p:spTgt spid="76"/>
+                                        </p:tgtEl>
+                                      </p:cBhvr>
+                                    </p:animEffect>
+                                    <p:set>
+                                      <p:cBhvr>
+                                        <p:cTn id="21" dur="1" fill="hold">
+                                          <p:stCondLst>
+                                            <p:cond delay="499"/>
+                                          </p:stCondLst>
+                                        </p:cTn>
+                                        <p:tgtEl>
+                                          <p:spTgt spid="76"/>
+                                        </p:tgtEl>
+                                        <p:attrNameLst>
+                                          <p:attrName>style.visibility</p:attrName>
+                                        </p:attrNameLst>
+                                      </p:cBhvr>
+                                      <p:to>
+                                        <p:strVal val="hidden"/>
+                                      </p:to>
+                                    </p:set>
+                                  </p:childTnLst>
+                                </p:cTn>
+                              </p:par>
+                            </p:childTnLst>
+                          </p:cTn>
+                        </p:par>
+                        <p:par>
+                          <p:cTn id="22" fill="hold">
+                            <p:stCondLst>
+                              <p:cond delay="500"/>
+                            </p:stCondLst>
+                            <p:childTnLst>
+                              <p:par>
+                                <p:cTn id="23" presetID="22" presetClass="entr" presetSubtype="8" fill="hold" grpId="0" nodeType="afterEffect">
+                                  <p:stCondLst>
+                                    <p:cond delay="0"/>
+                                  </p:stCondLst>
+                                  <p:childTnLst>
+                                    <p:set>
+                                      <p:cBhvr>
+                                        <p:cTn id="24" dur="1" fill="hold">
+                                          <p:stCondLst>
+                                            <p:cond delay="0"/>
+                                          </p:stCondLst>
+                                        </p:cTn>
+                                        <p:tgtEl>
+                                          <p:spTgt spid="77"/>
+                                        </p:tgtEl>
+                                        <p:attrNameLst>
+                                          <p:attrName>style.visibility</p:attrName>
+                                        </p:attrNameLst>
+                                      </p:cBhvr>
+                                      <p:to>
+                                        <p:strVal val="visible"/>
+                                      </p:to>
+                                    </p:set>
+                                    <p:animEffect transition="in" filter="wipe(left)">
+                                      <p:cBhvr>
+                                        <p:cTn id="25" dur="500"/>
+                                        <p:tgtEl>
+                                          <p:spTgt spid="77"/>
+                                        </p:tgtEl>
+                                      </p:cBhvr>
+                                    </p:animEffect>
+                                  </p:childTnLst>
+                                </p:cTn>
+                              </p:par>
+                            </p:childTnLst>
+                          </p:cTn>
+                        </p:par>
+                      </p:childTnLst>
+                    </p:cTn>
+                  </p:par>
+                  <p:par>
+                    <p:cTn id="26" fill="hold">
+                      <p:stCondLst>
+                        <p:cond delay="indefinite"/>
+                      </p:stCondLst>
+                      <p:childTnLst>
+                        <p:par>
+                          <p:cTn id="27" fill="hold">
+                            <p:stCondLst>
+                              <p:cond delay="0"/>
+                            </p:stCondLst>
+                            <p:childTnLst>
+                              <p:par>
+                                <p:cTn id="28" presetID="22" presetClass="exit" presetSubtype="8" fill="hold" grpId="1" nodeType="clickEffect">
+                                  <p:stCondLst>
+                                    <p:cond delay="0"/>
+                                  </p:stCondLst>
+                                  <p:childTnLst>
+                                    <p:animEffect transition="out" filter="wipe(left)">
+                                      <p:cBhvr>
+                                        <p:cTn id="29" dur="500"/>
+                                        <p:tgtEl>
+                                          <p:spTgt spid="77"/>
+                                        </p:tgtEl>
+                                      </p:cBhvr>
+                                    </p:animEffect>
+                                    <p:set>
+                                      <p:cBhvr>
+                                        <p:cTn id="30" dur="1" fill="hold">
+                                          <p:stCondLst>
+                                            <p:cond delay="499"/>
+                                          </p:stCondLst>
+                                        </p:cTn>
+                                        <p:tgtEl>
+                                          <p:spTgt spid="77"/>
+                                        </p:tgtEl>
+                                        <p:attrNameLst>
+                                          <p:attrName>style.visibility</p:attrName>
+                                        </p:attrNameLst>
+                                      </p:cBhvr>
+                                      <p:to>
+                                        <p:strVal val="hidden"/>
+                                      </p:to>
+                                    </p:set>
+                                  </p:childTnLst>
+                                </p:cTn>
+                              </p:par>
+                            </p:childTnLst>
+                          </p:cTn>
+                        </p:par>
+                        <p:par>
+                          <p:cTn id="31" fill="hold">
+                            <p:stCondLst>
+                              <p:cond delay="500"/>
+                            </p:stCondLst>
+                            <p:childTnLst>
+                              <p:par>
+                                <p:cTn id="32" presetID="22" presetClass="entr" presetSubtype="8" fill="hold" grpId="0" nodeType="afterEffect">
+                                  <p:stCondLst>
+                                    <p:cond delay="0"/>
+                                  </p:stCondLst>
+                                  <p:childTnLst>
+                                    <p:set>
+                                      <p:cBhvr>
+                                        <p:cTn id="33" dur="1" fill="hold">
+                                          <p:stCondLst>
+                                            <p:cond delay="0"/>
+                                          </p:stCondLst>
+                                        </p:cTn>
+                                        <p:tgtEl>
+                                          <p:spTgt spid="79"/>
+                                        </p:tgtEl>
+                                        <p:attrNameLst>
+                                          <p:attrName>style.visibility</p:attrName>
+                                        </p:attrNameLst>
+                                      </p:cBhvr>
+                                      <p:to>
+                                        <p:strVal val="visible"/>
+                                      </p:to>
+                                    </p:set>
+                                    <p:animEffect transition="in" filter="wipe(left)">
+                                      <p:cBhvr>
+                                        <p:cTn id="34" dur="500"/>
+                                        <p:tgtEl>
+                                          <p:spTgt spid="79"/>
+                                        </p:tgtEl>
+                                      </p:cBhvr>
+                                    </p:animEffect>
+                                  </p:childTnLst>
+                                </p:cTn>
+                              </p:par>
+                            </p:childTnLst>
+                          </p:cTn>
+                        </p:par>
+                      </p:childTnLst>
+                    </p:cTn>
+                  </p:par>
+                  <p:par>
+                    <p:cTn id="35" fill="hold">
+                      <p:stCondLst>
+                        <p:cond delay="indefinite"/>
+                      </p:stCondLst>
+                      <p:childTnLst>
+                        <p:par>
+                          <p:cTn id="36" fill="hold">
+                            <p:stCondLst>
+                              <p:cond delay="0"/>
+                            </p:stCondLst>
+                            <p:childTnLst>
+                              <p:par>
+                                <p:cTn id="37" presetID="22" presetClass="exit" presetSubtype="8" fill="hold" grpId="1" nodeType="clickEffect">
+                                  <p:stCondLst>
+                                    <p:cond delay="0"/>
+                                  </p:stCondLst>
+                                  <p:childTnLst>
+                                    <p:animEffect transition="out" filter="wipe(left)">
+                                      <p:cBhvr>
+                                        <p:cTn id="38" dur="500"/>
+                                        <p:tgtEl>
+                                          <p:spTgt spid="79"/>
+                                        </p:tgtEl>
+                                      </p:cBhvr>
+                                    </p:animEffect>
+                                    <p:set>
+                                      <p:cBhvr>
+                                        <p:cTn id="39" dur="1" fill="hold">
+                                          <p:stCondLst>
+                                            <p:cond delay="499"/>
+                                          </p:stCondLst>
+                                        </p:cTn>
+                                        <p:tgtEl>
+                                          <p:spTgt spid="79"/>
+                                        </p:tgtEl>
+                                        <p:attrNameLst>
+                                          <p:attrName>style.visibility</p:attrName>
+                                        </p:attrNameLst>
+                                      </p:cBhvr>
+                                      <p:to>
+                                        <p:strVal val="hidden"/>
+                                      </p:to>
+                                    </p:set>
+                                  </p:childTnLst>
+                                </p:cTn>
+                              </p:par>
+                            </p:childTnLst>
+                          </p:cTn>
+                        </p:par>
+                        <p:par>
+                          <p:cTn id="40" fill="hold">
+                            <p:stCondLst>
+                              <p:cond delay="500"/>
+                            </p:stCondLst>
+                            <p:childTnLst>
+                              <p:par>
+                                <p:cTn id="41" presetID="22" presetClass="entr" presetSubtype="8" fill="hold" grpId="0" nodeType="afterEffect">
+                                  <p:stCondLst>
+                                    <p:cond delay="0"/>
+                                  </p:stCondLst>
+                                  <p:childTnLst>
+                                    <p:set>
+                                      <p:cBhvr>
+                                        <p:cTn id="42" dur="1" fill="hold">
+                                          <p:stCondLst>
+                                            <p:cond delay="0"/>
+                                          </p:stCondLst>
+                                        </p:cTn>
+                                        <p:tgtEl>
+                                          <p:spTgt spid="81"/>
+                                        </p:tgtEl>
+                                        <p:attrNameLst>
+                                          <p:attrName>style.visibility</p:attrName>
+                                        </p:attrNameLst>
+                                      </p:cBhvr>
+                                      <p:to>
+                                        <p:strVal val="visible"/>
+                                      </p:to>
+                                    </p:set>
+                                    <p:animEffect transition="in" filter="wipe(left)">
+                                      <p:cBhvr>
+                                        <p:cTn id="43" dur="500"/>
+                                        <p:tgtEl>
+                                          <p:spTgt spid="81"/>
+                                        </p:tgtEl>
+                                      </p:cBhvr>
+                                    </p:animEffect>
+                                  </p:childTnLst>
+                                </p:cTn>
+                              </p:par>
+                            </p:childTnLst>
+                          </p:cTn>
+                        </p:par>
+                      </p:childTnLst>
+                    </p:cTn>
+                  </p:par>
+                  <p:par>
+                    <p:cTn id="44" fill="hold">
+                      <p:stCondLst>
+                        <p:cond delay="indefinite"/>
+                      </p:stCondLst>
+                      <p:childTnLst>
+                        <p:par>
+                          <p:cTn id="45" fill="hold">
+                            <p:stCondLst>
+                              <p:cond delay="0"/>
+                            </p:stCondLst>
+                            <p:childTnLst>
+                              <p:par>
+                                <p:cTn id="46" presetID="22" presetClass="exit" presetSubtype="8" fill="hold" grpId="1" nodeType="clickEffect">
+                                  <p:stCondLst>
+                                    <p:cond delay="0"/>
+                                  </p:stCondLst>
+                                  <p:childTnLst>
+                                    <p:animEffect transition="out" filter="wipe(left)">
+                                      <p:cBhvr>
+                                        <p:cTn id="47" dur="500"/>
+                                        <p:tgtEl>
+                                          <p:spTgt spid="81"/>
+                                        </p:tgtEl>
+                                      </p:cBhvr>
+                                    </p:animEffect>
+                                    <p:set>
+                                      <p:cBhvr>
+                                        <p:cTn id="48" dur="1" fill="hold">
+                                          <p:stCondLst>
+                                            <p:cond delay="499"/>
+                                          </p:stCondLst>
+                                        </p:cTn>
+                                        <p:tgtEl>
+                                          <p:spTgt spid="81"/>
+                                        </p:tgtEl>
+                                        <p:attrNameLst>
+                                          <p:attrName>style.visibility</p:attrName>
+                                        </p:attrNameLst>
+                                      </p:cBhvr>
+                                      <p:to>
+                                        <p:strVal val="hidden"/>
+                                      </p:to>
+                                    </p:set>
+                                  </p:childTnLst>
+                                </p:cTn>
+                              </p:par>
+                            </p:childTnLst>
+                          </p:cTn>
+                        </p:par>
+                        <p:par>
+                          <p:cTn id="49" fill="hold">
+                            <p:stCondLst>
+                              <p:cond delay="500"/>
+                            </p:stCondLst>
+                            <p:childTnLst>
+                              <p:par>
+                                <p:cTn id="50" presetID="22" presetClass="entr" presetSubtype="8" fill="hold" grpId="0" nodeType="afterEffect">
+                                  <p:stCondLst>
+                                    <p:cond delay="0"/>
+                                  </p:stCondLst>
+                                  <p:childTnLst>
+                                    <p:set>
+                                      <p:cBhvr>
+                                        <p:cTn id="51" dur="1" fill="hold">
+                                          <p:stCondLst>
+                                            <p:cond delay="0"/>
+                                          </p:stCondLst>
+                                        </p:cTn>
+                                        <p:tgtEl>
+                                          <p:spTgt spid="83"/>
+                                        </p:tgtEl>
+                                        <p:attrNameLst>
+                                          <p:attrName>style.visibility</p:attrName>
+                                        </p:attrNameLst>
+                                      </p:cBhvr>
+                                      <p:to>
+                                        <p:strVal val="visible"/>
+                                      </p:to>
+                                    </p:set>
+                                    <p:animEffect transition="in" filter="wipe(left)">
+                                      <p:cBhvr>
+                                        <p:cTn id="52" dur="500"/>
+                                        <p:tgtEl>
+                                          <p:spTgt spid="83"/>
+                                        </p:tgtEl>
+                                      </p:cBhvr>
+                                    </p:animEffect>
+                                  </p:childTnLst>
+                                </p:cTn>
+                              </p:par>
+                            </p:childTnLst>
+                          </p:cTn>
+                        </p:par>
+                      </p:childTnLst>
+                    </p:cTn>
+                  </p:par>
+                  <p:par>
+                    <p:cTn id="53" fill="hold">
+                      <p:stCondLst>
+                        <p:cond delay="indefinite"/>
+                      </p:stCondLst>
+                      <p:childTnLst>
+                        <p:par>
+                          <p:cTn id="54" fill="hold">
+                            <p:stCondLst>
+                              <p:cond delay="0"/>
+                            </p:stCondLst>
+                            <p:childTnLst>
+                              <p:par>
+                                <p:cTn id="55" presetID="22" presetClass="exit" presetSubtype="8" fill="hold" grpId="1" nodeType="clickEffect">
+                                  <p:stCondLst>
+                                    <p:cond delay="0"/>
+                                  </p:stCondLst>
+                                  <p:childTnLst>
+                                    <p:animEffect transition="out" filter="wipe(left)">
+                                      <p:cBhvr>
+                                        <p:cTn id="56" dur="500"/>
+                                        <p:tgtEl>
+                                          <p:spTgt spid="83"/>
+                                        </p:tgtEl>
+                                      </p:cBhvr>
+                                    </p:animEffect>
+                                    <p:set>
+                                      <p:cBhvr>
+                                        <p:cTn id="57" dur="1" fill="hold">
+                                          <p:stCondLst>
+                                            <p:cond delay="499"/>
+                                          </p:stCondLst>
+                                        </p:cTn>
+                                        <p:tgtEl>
+                                          <p:spTgt spid="83"/>
+                                        </p:tgtEl>
+                                        <p:attrNameLst>
+                                          <p:attrName>style.visibility</p:attrName>
+                                        </p:attrNameLst>
+                                      </p:cBhvr>
+                                      <p:to>
+                                        <p:strVal val="hidden"/>
+                                      </p:to>
+                                    </p:set>
+                                  </p:childTnLst>
+                                </p:cTn>
+                              </p:par>
+                            </p:childTnLst>
+                          </p:cTn>
+                        </p:par>
+                        <p:par>
+                          <p:cTn id="58" fill="hold">
+                            <p:stCondLst>
+                              <p:cond delay="500"/>
+                            </p:stCondLst>
+                            <p:childTnLst>
+                              <p:par>
+                                <p:cTn id="59" presetID="22" presetClass="entr" presetSubtype="8" fill="hold" grpId="0" nodeType="afterEffect">
+                                  <p:stCondLst>
+                                    <p:cond delay="0"/>
+                                  </p:stCondLst>
+                                  <p:childTnLst>
+                                    <p:set>
+                                      <p:cBhvr>
+                                        <p:cTn id="60" dur="1" fill="hold">
+                                          <p:stCondLst>
+                                            <p:cond delay="0"/>
+                                          </p:stCondLst>
+                                        </p:cTn>
+                                        <p:tgtEl>
+                                          <p:spTgt spid="70"/>
+                                        </p:tgtEl>
+                                        <p:attrNameLst>
+                                          <p:attrName>style.visibility</p:attrName>
+                                        </p:attrNameLst>
+                                      </p:cBhvr>
+                                      <p:to>
+                                        <p:strVal val="visible"/>
+                                      </p:to>
+                                    </p:set>
+                                    <p:animEffect transition="in" filter="wipe(left)">
+                                      <p:cBhvr>
+                                        <p:cTn id="61" dur="500"/>
+                                        <p:tgtEl>
+                                          <p:spTgt spid="70"/>
+                                        </p:tgtEl>
+                                      </p:cBhvr>
+                                    </p:animEffect>
+                                  </p:childTnLst>
+                                </p:cTn>
+                              </p:par>
+                            </p:childTnLst>
+                          </p:cTn>
+                        </p:par>
+                      </p:childTnLst>
+                    </p:cTn>
+                  </p:par>
+                  <p:par>
+                    <p:cTn id="62" fill="hold">
+                      <p:stCondLst>
+                        <p:cond delay="indefinite"/>
+                      </p:stCondLst>
+                      <p:childTnLst>
+                        <p:par>
+                          <p:cTn id="63" fill="hold">
+                            <p:stCondLst>
+                              <p:cond delay="0"/>
+                            </p:stCondLst>
+                            <p:childTnLst>
+                              <p:par>
+                                <p:cTn id="64" presetID="22" presetClass="exit" presetSubtype="1" fill="hold" grpId="1" nodeType="clickEffect">
+                                  <p:stCondLst>
+                                    <p:cond delay="0"/>
+                                  </p:stCondLst>
+                                  <p:childTnLst>
+                                    <p:animEffect transition="out" filter="wipe(up)">
+                                      <p:cBhvr>
+                                        <p:cTn id="65" dur="500"/>
+                                        <p:tgtEl>
+                                          <p:spTgt spid="70"/>
+                                        </p:tgtEl>
+                                      </p:cBhvr>
+                                    </p:animEffect>
+                                    <p:set>
+                                      <p:cBhvr>
+                                        <p:cTn id="66" dur="1" fill="hold">
+                                          <p:stCondLst>
+                                            <p:cond delay="499"/>
+                                          </p:stCondLst>
+                                        </p:cTn>
+                                        <p:tgtEl>
+                                          <p:spTgt spid="70"/>
+                                        </p:tgtEl>
+                                        <p:attrNameLst>
+                                          <p:attrName>style.visibility</p:attrName>
+                                        </p:attrNameLst>
+                                      </p:cBhvr>
+                                      <p:to>
+                                        <p:strVal val="hidden"/>
+                                      </p:to>
+                                    </p:set>
+                                  </p:childTnLst>
+                                </p:cTn>
+                              </p:par>
+                            </p:childTnLst>
+                          </p:cTn>
+                        </p:par>
+                        <p:par>
+                          <p:cTn id="67" fill="hold">
+                            <p:stCondLst>
+                              <p:cond delay="500"/>
+                            </p:stCondLst>
+                            <p:childTnLst>
+                              <p:par>
+                                <p:cTn id="68" presetID="22" presetClass="entr" presetSubtype="1" fill="hold" grpId="0" nodeType="afterEffect">
+                                  <p:stCondLst>
+                                    <p:cond delay="0"/>
+                                  </p:stCondLst>
+                                  <p:childTnLst>
+                                    <p:set>
+                                      <p:cBhvr>
+                                        <p:cTn id="69" dur="1" fill="hold">
+                                          <p:stCondLst>
+                                            <p:cond delay="0"/>
+                                          </p:stCondLst>
+                                        </p:cTn>
+                                        <p:tgtEl>
+                                          <p:spTgt spid="88"/>
+                                        </p:tgtEl>
+                                        <p:attrNameLst>
+                                          <p:attrName>style.visibility</p:attrName>
+                                        </p:attrNameLst>
+                                      </p:cBhvr>
+                                      <p:to>
+                                        <p:strVal val="visible"/>
+                                      </p:to>
+                                    </p:set>
+                                    <p:animEffect transition="in" filter="wipe(up)">
+                                      <p:cBhvr>
+                                        <p:cTn id="70" dur="500"/>
+                                        <p:tgtEl>
+                                          <p:spTgt spid="88"/>
+                                        </p:tgtEl>
+                                      </p:cBhvr>
+                                    </p:animEffect>
+                                  </p:childTnLst>
+                                </p:cTn>
+                              </p:par>
+                            </p:childTnLst>
+                          </p:cTn>
+                        </p:par>
+                      </p:childTnLst>
+                    </p:cTn>
+                  </p:par>
+                  <p:par>
+                    <p:cTn id="71" fill="hold">
+                      <p:stCondLst>
+                        <p:cond delay="indefinite"/>
+                      </p:stCondLst>
+                      <p:childTnLst>
+                        <p:par>
+                          <p:cTn id="72" fill="hold">
+                            <p:stCondLst>
+                              <p:cond delay="0"/>
+                            </p:stCondLst>
+                            <p:childTnLst>
+                              <p:par>
+                                <p:cTn id="73" presetID="22" presetClass="exit" presetSubtype="8" fill="hold" grpId="1" nodeType="clickEffect">
+                                  <p:stCondLst>
+                                    <p:cond delay="0"/>
+                                  </p:stCondLst>
+                                  <p:childTnLst>
+                                    <p:animEffect transition="out" filter="wipe(left)">
+                                      <p:cBhvr>
+                                        <p:cTn id="74" dur="500"/>
+                                        <p:tgtEl>
+                                          <p:spTgt spid="88"/>
+                                        </p:tgtEl>
+                                      </p:cBhvr>
+                                    </p:animEffect>
+                                    <p:set>
+                                      <p:cBhvr>
+                                        <p:cTn id="75" dur="1" fill="hold">
+                                          <p:stCondLst>
+                                            <p:cond delay="499"/>
+                                          </p:stCondLst>
+                                        </p:cTn>
+                                        <p:tgtEl>
+                                          <p:spTgt spid="88"/>
+                                        </p:tgtEl>
+                                        <p:attrNameLst>
+                                          <p:attrName>style.visibility</p:attrName>
+                                        </p:attrNameLst>
+                                      </p:cBhvr>
+                                      <p:to>
+                                        <p:strVal val="hidden"/>
+                                      </p:to>
+                                    </p:set>
+                                  </p:childTnLst>
+                                </p:cTn>
+                              </p:par>
+                            </p:childTnLst>
+                          </p:cTn>
+                        </p:par>
+                        <p:par>
+                          <p:cTn id="76" fill="hold">
+                            <p:stCondLst>
+                              <p:cond delay="500"/>
+                            </p:stCondLst>
+                            <p:childTnLst>
+                              <p:par>
+                                <p:cTn id="77" presetID="22" presetClass="entr" presetSubtype="8" fill="hold" grpId="0" nodeType="afterEffect">
+                                  <p:stCondLst>
+                                    <p:cond delay="0"/>
+                                  </p:stCondLst>
+                                  <p:childTnLst>
+                                    <p:set>
+                                      <p:cBhvr>
+                                        <p:cTn id="78" dur="1" fill="hold">
+                                          <p:stCondLst>
+                                            <p:cond delay="0"/>
+                                          </p:stCondLst>
+                                        </p:cTn>
+                                        <p:tgtEl>
+                                          <p:spTgt spid="87"/>
+                                        </p:tgtEl>
+                                        <p:attrNameLst>
+                                          <p:attrName>style.visibility</p:attrName>
+                                        </p:attrNameLst>
+                                      </p:cBhvr>
+                                      <p:to>
+                                        <p:strVal val="visible"/>
+                                      </p:to>
+                                    </p:set>
+                                    <p:animEffect transition="in" filter="wipe(left)">
+                                      <p:cBhvr>
+                                        <p:cTn id="79" dur="500"/>
+                                        <p:tgtEl>
+                                          <p:spTgt spid="87"/>
+                                        </p:tgtEl>
+                                      </p:cBhvr>
+                                    </p:animEffect>
+                                  </p:childTnLst>
+                                </p:cTn>
+                              </p:par>
+                            </p:childTnLst>
+                          </p:cTn>
+                        </p:par>
+                      </p:childTnLst>
+                    </p:cTn>
+                  </p:par>
+                  <p:par>
+                    <p:cTn id="80" fill="hold">
+                      <p:stCondLst>
+                        <p:cond delay="indefinite"/>
+                      </p:stCondLst>
+                      <p:childTnLst>
+                        <p:par>
+                          <p:cTn id="81" fill="hold">
+                            <p:stCondLst>
+                              <p:cond delay="0"/>
+                            </p:stCondLst>
+                            <p:childTnLst>
+                              <p:par>
+                                <p:cTn id="82" presetID="22" presetClass="exit" presetSubtype="8" fill="hold" grpId="1" nodeType="clickEffect">
+                                  <p:stCondLst>
+                                    <p:cond delay="0"/>
+                                  </p:stCondLst>
+                                  <p:childTnLst>
+                                    <p:animEffect transition="out" filter="wipe(left)">
+                                      <p:cBhvr>
+                                        <p:cTn id="83" dur="500"/>
+                                        <p:tgtEl>
+                                          <p:spTgt spid="87"/>
+                                        </p:tgtEl>
+                                      </p:cBhvr>
+                                    </p:animEffect>
+                                    <p:set>
+                                      <p:cBhvr>
+                                        <p:cTn id="84" dur="1" fill="hold">
+                                          <p:stCondLst>
+                                            <p:cond delay="499"/>
+                                          </p:stCondLst>
+                                        </p:cTn>
+                                        <p:tgtEl>
+                                          <p:spTgt spid="87"/>
+                                        </p:tgtEl>
+                                        <p:attrNameLst>
+                                          <p:attrName>style.visibility</p:attrName>
+                                        </p:attrNameLst>
+                                      </p:cBhvr>
+                                      <p:to>
+                                        <p:strVal val="hidden"/>
+                                      </p:to>
+                                    </p:set>
+                                  </p:childTnLst>
+                                </p:cTn>
+                              </p:par>
+                            </p:childTnLst>
+                          </p:cTn>
+                        </p:par>
+                        <p:par>
+                          <p:cTn id="85" fill="hold">
+                            <p:stCondLst>
+                              <p:cond delay="500"/>
+                            </p:stCondLst>
+                            <p:childTnLst>
+                              <p:par>
+                                <p:cTn id="86" presetID="22" presetClass="entr" presetSubtype="8" fill="hold" grpId="0" nodeType="afterEffect">
+                                  <p:stCondLst>
+                                    <p:cond delay="0"/>
+                                  </p:stCondLst>
+                                  <p:childTnLst>
+                                    <p:set>
+                                      <p:cBhvr>
+                                        <p:cTn id="87" dur="1" fill="hold">
+                                          <p:stCondLst>
+                                            <p:cond delay="0"/>
+                                          </p:stCondLst>
+                                        </p:cTn>
+                                        <p:tgtEl>
+                                          <p:spTgt spid="89"/>
+                                        </p:tgtEl>
+                                        <p:attrNameLst>
+                                          <p:attrName>style.visibility</p:attrName>
+                                        </p:attrNameLst>
+                                      </p:cBhvr>
+                                      <p:to>
+                                        <p:strVal val="visible"/>
+                                      </p:to>
+                                    </p:set>
+                                    <p:animEffect transition="in" filter="wipe(left)">
+                                      <p:cBhvr>
+                                        <p:cTn id="88" dur="500"/>
+                                        <p:tgtEl>
+                                          <p:spTgt spid="89"/>
+                                        </p:tgtEl>
+                                      </p:cBhvr>
+                                    </p:animEffect>
+                                  </p:childTnLst>
+                                </p:cTn>
+                              </p:par>
+                            </p:childTnLst>
+                          </p:cTn>
+                        </p:par>
+                      </p:childTnLst>
+                    </p:cTn>
+                  </p:par>
+                  <p:par>
+                    <p:cTn id="89" fill="hold">
+                      <p:stCondLst>
+                        <p:cond delay="indefinite"/>
+                      </p:stCondLst>
+                      <p:childTnLst>
+                        <p:par>
+                          <p:cTn id="90" fill="hold">
+                            <p:stCondLst>
+                              <p:cond delay="0"/>
+                            </p:stCondLst>
+                            <p:childTnLst>
+                              <p:par>
+                                <p:cTn id="91" presetID="22" presetClass="exit" presetSubtype="8" fill="hold" grpId="1" nodeType="clickEffect">
+                                  <p:stCondLst>
+                                    <p:cond delay="0"/>
+                                  </p:stCondLst>
+                                  <p:childTnLst>
+                                    <p:animEffect transition="out" filter="wipe(left)">
+                                      <p:cBhvr>
+                                        <p:cTn id="92" dur="500"/>
+                                        <p:tgtEl>
+                                          <p:spTgt spid="89"/>
+                                        </p:tgtEl>
+                                      </p:cBhvr>
+                                    </p:animEffect>
+                                    <p:set>
+                                      <p:cBhvr>
+                                        <p:cTn id="93" dur="1" fill="hold">
+                                          <p:stCondLst>
+                                            <p:cond delay="499"/>
+                                          </p:stCondLst>
+                                        </p:cTn>
+                                        <p:tgtEl>
+                                          <p:spTgt spid="89"/>
+                                        </p:tgtEl>
+                                        <p:attrNameLst>
+                                          <p:attrName>style.visibility</p:attrName>
+                                        </p:attrNameLst>
+                                      </p:cBhvr>
+                                      <p:to>
+                                        <p:strVal val="hidden"/>
+                                      </p:to>
+                                    </p:set>
+                                  </p:childTnLst>
+                                </p:cTn>
+                              </p:par>
+                            </p:childTnLst>
+                          </p:cTn>
+                        </p:par>
+                        <p:par>
+                          <p:cTn id="94" fill="hold">
+                            <p:stCondLst>
+                              <p:cond delay="500"/>
+                            </p:stCondLst>
+                            <p:childTnLst>
+                              <p:par>
+                                <p:cTn id="95" presetID="22" presetClass="entr" presetSubtype="8" fill="hold" grpId="0" nodeType="afterEffect">
+                                  <p:stCondLst>
+                                    <p:cond delay="0"/>
+                                  </p:stCondLst>
+                                  <p:childTnLst>
+                                    <p:set>
+                                      <p:cBhvr>
+                                        <p:cTn id="96" dur="1" fill="hold">
+                                          <p:stCondLst>
+                                            <p:cond delay="0"/>
+                                          </p:stCondLst>
+                                        </p:cTn>
+                                        <p:tgtEl>
+                                          <p:spTgt spid="90"/>
+                                        </p:tgtEl>
+                                        <p:attrNameLst>
+                                          <p:attrName>style.visibility</p:attrName>
+                                        </p:attrNameLst>
+                                      </p:cBhvr>
+                                      <p:to>
+                                        <p:strVal val="visible"/>
+                                      </p:to>
+                                    </p:set>
+                                    <p:animEffect transition="in" filter="wipe(left)">
+                                      <p:cBhvr>
+                                        <p:cTn id="97" dur="500"/>
+                                        <p:tgtEl>
+                                          <p:spTgt spid="90"/>
+                                        </p:tgtEl>
+                                      </p:cBhvr>
+                                    </p:animEffect>
+                                  </p:childTnLst>
+                                </p:cTn>
+                              </p:par>
+                            </p:childTnLst>
+                          </p:cTn>
+                        </p:par>
+                      </p:childTnLst>
+                    </p:cTn>
+                  </p:par>
+                  <p:par>
+                    <p:cTn id="98" fill="hold">
+                      <p:stCondLst>
+                        <p:cond delay="indefinite"/>
+                      </p:stCondLst>
+                      <p:childTnLst>
+                        <p:par>
+                          <p:cTn id="99" fill="hold">
+                            <p:stCondLst>
+                              <p:cond delay="0"/>
+                            </p:stCondLst>
+                            <p:childTnLst>
+                              <p:par>
+                                <p:cTn id="100" presetID="22" presetClass="exit" presetSubtype="8" fill="hold" grpId="1" nodeType="clickEffect">
+                                  <p:stCondLst>
+                                    <p:cond delay="0"/>
+                                  </p:stCondLst>
+                                  <p:childTnLst>
+                                    <p:animEffect transition="out" filter="wipe(left)">
+                                      <p:cBhvr>
+                                        <p:cTn id="101" dur="500"/>
+                                        <p:tgtEl>
+                                          <p:spTgt spid="90"/>
+                                        </p:tgtEl>
+                                      </p:cBhvr>
+                                    </p:animEffect>
+                                    <p:set>
+                                      <p:cBhvr>
+                                        <p:cTn id="102" dur="1" fill="hold">
+                                          <p:stCondLst>
+                                            <p:cond delay="499"/>
+                                          </p:stCondLst>
+                                        </p:cTn>
+                                        <p:tgtEl>
+                                          <p:spTgt spid="90"/>
+                                        </p:tgtEl>
+                                        <p:attrNameLst>
+                                          <p:attrName>style.visibility</p:attrName>
+                                        </p:attrNameLst>
+                                      </p:cBhvr>
+                                      <p:to>
+                                        <p:strVal val="hidden"/>
+                                      </p:to>
+                                    </p:set>
+                                  </p:childTnLst>
+                                </p:cTn>
+                              </p:par>
+                            </p:childTnLst>
+                          </p:cTn>
+                        </p:par>
+                        <p:par>
+                          <p:cTn id="103" fill="hold">
+                            <p:stCondLst>
+                              <p:cond delay="500"/>
+                            </p:stCondLst>
+                            <p:childTnLst>
+                              <p:par>
+                                <p:cTn id="104" presetID="22" presetClass="entr" presetSubtype="8" fill="hold" grpId="0" nodeType="afterEffect">
+                                  <p:stCondLst>
+                                    <p:cond delay="0"/>
+                                  </p:stCondLst>
+                                  <p:childTnLst>
+                                    <p:set>
+                                      <p:cBhvr>
+                                        <p:cTn id="105" dur="1" fill="hold">
+                                          <p:stCondLst>
+                                            <p:cond delay="0"/>
+                                          </p:stCondLst>
+                                        </p:cTn>
+                                        <p:tgtEl>
+                                          <p:spTgt spid="91"/>
+                                        </p:tgtEl>
+                                        <p:attrNameLst>
+                                          <p:attrName>style.visibility</p:attrName>
+                                        </p:attrNameLst>
+                                      </p:cBhvr>
+                                      <p:to>
+                                        <p:strVal val="visible"/>
+                                      </p:to>
+                                    </p:set>
+                                    <p:animEffect transition="in" filter="wipe(left)">
+                                      <p:cBhvr>
+                                        <p:cTn id="106" dur="500"/>
+                                        <p:tgtEl>
+                                          <p:spTgt spid="91"/>
+                                        </p:tgtEl>
+                                      </p:cBhvr>
+                                    </p:animEffect>
+                                  </p:childTnLst>
+                                </p:cTn>
+                              </p:par>
+                            </p:childTnLst>
+                          </p:cTn>
+                        </p:par>
+                      </p:childTnLst>
+                    </p:cTn>
+                  </p:par>
+                </p:childTnLst>
+              </p:cTn>
+              <p:prevCondLst>
+                <p:cond evt="onPrev" delay="0">
+                  <p:tgtEl>
+                    <p:sldTgt/>
+                  </p:tgtEl>
+                </p:cond>
+              </p:prevCondLst>
+              <p:nextCondLst>
+                <p:cond evt="onNext" delay="0">
+                  <p:tgtEl>
+                    <p:sldTgt/>
+                  </p:tgtEl>
+                </p:cond>
+              </p:nextCondLst>
+            </p:seq>
+          </p:childTnLst>
+        </p:cTn>
+      </p:par>
+    </p:tnLst>
+    <p:bldLst>
+      <p:bldP spid="70" grpId="0" animBg="1"/>
+      <p:bldP spid="70" grpId="1" animBg="1"/>
+      <p:bldP spid="73" grpId="0" animBg="1"/>
+      <p:bldP spid="73" grpId="1" animBg="1"/>
+      <p:bldP spid="76" grpId="0" animBg="1"/>
+      <p:bldP spid="76" grpId="1" animBg="1"/>
+      <p:bldP spid="77" grpId="0" animBg="1"/>
+      <p:bldP spid="77" grpId="1" animBg="1"/>
+      <p:bldP spid="79" grpId="0" animBg="1"/>
+      <p:bldP spid="79" grpId="1" animBg="1"/>
+      <p:bldP spid="81" grpId="0" animBg="1"/>
+      <p:bldP spid="81" grpId="1" animBg="1"/>
+      <p:bldP spid="83" grpId="0" animBg="1"/>
+      <p:bldP spid="83" grpId="1" animBg="1"/>
+      <p:bldP spid="87" grpId="0" animBg="1"/>
+      <p:bldP spid="87" grpId="1" animBg="1"/>
+      <p:bldP spid="88" grpId="0" animBg="1"/>
+      <p:bldP spid="88" grpId="1" animBg="1"/>
+      <p:bldP spid="89" grpId="0" animBg="1"/>
+      <p:bldP spid="89" grpId="1" animBg="1"/>
+      <p:bldP spid="90" grpId="0" animBg="1"/>
+      <p:bldP spid="90" grpId="1" animBg="1"/>
+      <p:bldP spid="91" grpId="0" animBg="1"/>
+    </p:bldLst>
+  </p:timing>
 </p:sld>
 </file>
 

--- a/paper/water/UWW2021/UWW2021.pptx
+++ b/paper/water/UWW2021/UWW2021.pptx
@@ -5,7 +5,7 @@
     <p:sldMasterId id="2147483648" r:id="rId1"/>
   </p:sldMasterIdLst>
   <p:notesMasterIdLst>
-    <p:notesMasterId r:id="rId9"/>
+    <p:notesMasterId r:id="rId10"/>
   </p:notesMasterIdLst>
   <p:sldIdLst>
     <p:sldId id="256" r:id="rId2"/>
@@ -15,6 +15,7 @@
     <p:sldId id="260" r:id="rId6"/>
     <p:sldId id="262" r:id="rId7"/>
     <p:sldId id="261" r:id="rId8"/>
+    <p:sldId id="263" r:id="rId9"/>
   </p:sldIdLst>
   <p:sldSz cx="12192000" cy="6858000"/>
   <p:notesSz cx="6858000" cy="9144000"/>
@@ -10940,6 +10941,1344 @@
 </p:sld>
 </file>
 
+<file path=ppt/slides/slide8.xml><?xml version="1.0" encoding="utf-8"?>
+<p:sld xmlns:a="http://schemas.openxmlformats.org/drawingml/2006/main" xmlns:r="http://schemas.openxmlformats.org/officeDocument/2006/relationships" xmlns:p="http://schemas.openxmlformats.org/presentationml/2006/main">
+  <p:cSld>
+    <p:spTree>
+      <p:nvGrpSpPr>
+        <p:cNvPr id="1" name=""/>
+        <p:cNvGrpSpPr/>
+        <p:nvPr/>
+      </p:nvGrpSpPr>
+      <p:grpSpPr>
+        <a:xfrm>
+          <a:off x="0" y="0"/>
+          <a:ext cx="0" cy="0"/>
+          <a:chOff x="0" y="0"/>
+          <a:chExt cx="0" cy="0"/>
+        </a:xfrm>
+      </p:grpSpPr>
+      <p:sp>
+        <p:nvSpPr>
+          <p:cNvPr id="3" name="コンテンツ プレースホルダー 2">
+            <a:extLst>
+              <a:ext uri="{FF2B5EF4-FFF2-40B4-BE49-F238E27FC236}">
+                <a16:creationId xmlns:a16="http://schemas.microsoft.com/office/drawing/2014/main" id="{29259BB3-07EC-4ED6-B7AA-55AAB89AD7BC}"/>
+              </a:ext>
+            </a:extLst>
+          </p:cNvPr>
+          <p:cNvSpPr>
+            <a:spLocks noGrp="1"/>
+          </p:cNvSpPr>
+          <p:nvPr>
+            <p:ph idx="1"/>
+          </p:nvPr>
+        </p:nvSpPr>
+        <p:spPr/>
+        <p:txBody>
+          <a:bodyPr/>
+          <a:lstStyle/>
+          <a:p>
+            <a:r>
+              <a:rPr kumimoji="1" lang="ja-JP" altLang="en-US" dirty="0"/>
+              <a:t>ボイスレコーダアプリケーションを使用して注水音を収集</a:t>
+            </a:r>
+            <a:endParaRPr kumimoji="1" lang="en-US" altLang="ja-JP" dirty="0"/>
+          </a:p>
+          <a:p>
+            <a:pPr marL="914400" lvl="1" indent="-457200">
+              <a:buFont typeface="+mj-lt"/>
+              <a:buAutoNum type="arabicPeriod"/>
+            </a:pPr>
+            <a:r>
+              <a:rPr lang="ja-JP" altLang="en-US" dirty="0"/>
+              <a:t>蛇口を一定の開度にして水を流す</a:t>
+            </a:r>
+            <a:endParaRPr lang="en-US" altLang="ja-JP" dirty="0"/>
+          </a:p>
+          <a:p>
+            <a:pPr marL="914400" lvl="1" indent="-457200">
+              <a:buFont typeface="+mj-lt"/>
+              <a:buAutoNum type="arabicPeriod"/>
+            </a:pPr>
+            <a:r>
+              <a:rPr kumimoji="1" lang="ja-JP" altLang="en-US" dirty="0"/>
+              <a:t>スマートフォンと容器を持つ</a:t>
+            </a:r>
+            <a:endParaRPr kumimoji="1" lang="en-US" altLang="ja-JP" dirty="0"/>
+          </a:p>
+          <a:p>
+            <a:pPr marL="914400" lvl="1" indent="-457200">
+              <a:buFont typeface="+mj-lt"/>
+              <a:buAutoNum type="arabicPeriod"/>
+            </a:pPr>
+            <a:r>
+              <a:rPr lang="ja-JP" altLang="en-US" dirty="0"/>
+              <a:t>容器を水が入る位置に近づける</a:t>
+            </a:r>
+            <a:endParaRPr lang="en-US" altLang="ja-JP" dirty="0"/>
+          </a:p>
+          <a:p>
+            <a:pPr marL="914400" lvl="1" indent="-457200">
+              <a:buFont typeface="+mj-lt"/>
+              <a:buAutoNum type="arabicPeriod"/>
+            </a:pPr>
+            <a:r>
+              <a:rPr kumimoji="1" lang="ja-JP" altLang="en-US" dirty="0"/>
+              <a:t>水が入り始めた瞬間に録音開始</a:t>
+            </a:r>
+            <a:endParaRPr kumimoji="1" lang="en-US" altLang="ja-JP" dirty="0"/>
+          </a:p>
+          <a:p>
+            <a:pPr marL="914400" lvl="1" indent="-457200">
+              <a:buFont typeface="+mj-lt"/>
+              <a:buAutoNum type="arabicPeriod"/>
+            </a:pPr>
+            <a:r>
+              <a:rPr lang="ja-JP" altLang="en-US" dirty="0"/>
+              <a:t>水が溢れる瞬間に録音終了</a:t>
+            </a:r>
+            <a:endParaRPr lang="en-US" altLang="ja-JP" dirty="0"/>
+          </a:p>
+          <a:p>
+            <a:r>
+              <a:rPr kumimoji="1" lang="en-US" altLang="ja-JP" dirty="0"/>
+              <a:t>31</a:t>
+            </a:r>
+            <a:r>
+              <a:rPr kumimoji="1" lang="ja-JP" altLang="en-US" dirty="0"/>
+              <a:t>試行のデータを収集</a:t>
+            </a:r>
+            <a:endParaRPr kumimoji="1" lang="en-US" altLang="ja-JP" dirty="0"/>
+          </a:p>
+          <a:p>
+            <a:r>
+              <a:rPr lang="ja-JP" altLang="en-US" dirty="0"/>
+              <a:t>サンプリング周波数は</a:t>
+            </a:r>
+            <a:r>
+              <a:rPr lang="en-US" altLang="ja-JP" dirty="0"/>
+              <a:t>96kHz</a:t>
+            </a:r>
+          </a:p>
+          <a:p>
+            <a:r>
+              <a:rPr kumimoji="1" lang="ja-JP" altLang="en-US" dirty="0"/>
+              <a:t>データの収集後，セグメンテーションしておく</a:t>
+            </a:r>
+            <a:endParaRPr kumimoji="1" lang="en-US" altLang="ja-JP" dirty="0"/>
+          </a:p>
+        </p:txBody>
+      </p:sp>
+      <p:sp>
+        <p:nvSpPr>
+          <p:cNvPr id="2" name="タイトル 1">
+            <a:extLst>
+              <a:ext uri="{FF2B5EF4-FFF2-40B4-BE49-F238E27FC236}">
+                <a16:creationId xmlns:a16="http://schemas.microsoft.com/office/drawing/2014/main" id="{07103424-C564-49FF-B684-1FC770BC5C12}"/>
+              </a:ext>
+            </a:extLst>
+          </p:cNvPr>
+          <p:cNvSpPr>
+            <a:spLocks noGrp="1"/>
+          </p:cNvSpPr>
+          <p:nvPr>
+            <p:ph type="title"/>
+          </p:nvPr>
+        </p:nvSpPr>
+        <p:spPr/>
+        <p:txBody>
+          <a:bodyPr/>
+          <a:lstStyle/>
+          <a:p>
+            <a:r>
+              <a:rPr kumimoji="1" lang="ja-JP" altLang="en-US" dirty="0"/>
+              <a:t>評価実験</a:t>
+            </a:r>
+          </a:p>
+        </p:txBody>
+      </p:sp>
+      <p:sp>
+        <p:nvSpPr>
+          <p:cNvPr id="4" name="スライド番号プレースホルダー 3">
+            <a:extLst>
+              <a:ext uri="{FF2B5EF4-FFF2-40B4-BE49-F238E27FC236}">
+                <a16:creationId xmlns:a16="http://schemas.microsoft.com/office/drawing/2014/main" id="{9418F3BA-F5C7-4364-BAA8-0AB39E51EBEC}"/>
+              </a:ext>
+            </a:extLst>
+          </p:cNvPr>
+          <p:cNvSpPr>
+            <a:spLocks noGrp="1"/>
+          </p:cNvSpPr>
+          <p:nvPr>
+            <p:ph type="sldNum" sz="quarter" idx="12"/>
+          </p:nvPr>
+        </p:nvSpPr>
+        <p:spPr/>
+        <p:txBody>
+          <a:bodyPr/>
+          <a:lstStyle/>
+          <a:p>
+            <a:fld id="{92084505-5355-43A2-B929-FD06D0DABC31}" type="slidenum">
+              <a:rPr lang="ja-JP" altLang="en-US" smtClean="0"/>
+              <a:pPr/>
+              <a:t>8</a:t>
+            </a:fld>
+            <a:endParaRPr lang="ja-JP" altLang="en-US" dirty="0"/>
+          </a:p>
+        </p:txBody>
+      </p:sp>
+      <p:grpSp>
+        <p:nvGrpSpPr>
+          <p:cNvPr id="55" name="グループ化 54">
+            <a:extLst>
+              <a:ext uri="{FF2B5EF4-FFF2-40B4-BE49-F238E27FC236}">
+                <a16:creationId xmlns:a16="http://schemas.microsoft.com/office/drawing/2014/main" id="{BC811A0E-4703-4616-98AF-749B3D48279C}"/>
+              </a:ext>
+            </a:extLst>
+          </p:cNvPr>
+          <p:cNvGrpSpPr/>
+          <p:nvPr/>
+        </p:nvGrpSpPr>
+        <p:grpSpPr>
+          <a:xfrm>
+            <a:off x="7027595" y="3027861"/>
+            <a:ext cx="4472404" cy="1981000"/>
+            <a:chOff x="7036061" y="3036332"/>
+            <a:chExt cx="4472404" cy="1981000"/>
+          </a:xfrm>
+        </p:grpSpPr>
+        <p:sp>
+          <p:nvSpPr>
+            <p:cNvPr id="5" name="正方形/長方形 4">
+              <a:extLst>
+                <a:ext uri="{FF2B5EF4-FFF2-40B4-BE49-F238E27FC236}">
+                  <a16:creationId xmlns:a16="http://schemas.microsoft.com/office/drawing/2014/main" id="{2DF9A164-AEC6-4BD6-8409-8DCE6009FDEC}"/>
+                </a:ext>
+              </a:extLst>
+            </p:cNvPr>
+            <p:cNvSpPr/>
+            <p:nvPr/>
+          </p:nvSpPr>
+          <p:spPr>
+            <a:xfrm>
+              <a:off x="7044530" y="3036332"/>
+              <a:ext cx="4463935" cy="461665"/>
+            </a:xfrm>
+            <a:prstGeom prst="rect">
+              <a:avLst/>
+            </a:prstGeom>
+            <a:noFill/>
+            <a:ln>
+              <a:solidFill>
+                <a:schemeClr val="tx1"/>
+              </a:solidFill>
+            </a:ln>
+          </p:spPr>
+          <p:style>
+            <a:lnRef idx="2">
+              <a:schemeClr val="accent1">
+                <a:shade val="50000"/>
+              </a:schemeClr>
+            </a:lnRef>
+            <a:fillRef idx="1">
+              <a:schemeClr val="accent1"/>
+            </a:fillRef>
+            <a:effectRef idx="0">
+              <a:schemeClr val="accent1"/>
+            </a:effectRef>
+            <a:fontRef idx="minor">
+              <a:schemeClr val="lt1"/>
+            </a:fontRef>
+          </p:style>
+          <p:txBody>
+            <a:bodyPr rtlCol="0" anchor="ctr"/>
+            <a:lstStyle/>
+            <a:p>
+              <a:pPr algn="ctr"/>
+              <a:r>
+                <a:rPr lang="en-US" altLang="ja-JP" dirty="0">
+                  <a:solidFill>
+                    <a:schemeClr val="tx1"/>
+                  </a:solidFill>
+                  <a:latin typeface="Arial" panose="020B0604020202020204" pitchFamily="34" charset="0"/>
+                  <a:cs typeface="Arial" panose="020B0604020202020204" pitchFamily="34" charset="0"/>
+                </a:rPr>
+                <a:t>Time-series</a:t>
+              </a:r>
+              <a:r>
+                <a:rPr lang="ja-JP" altLang="en-US" dirty="0">
+                  <a:solidFill>
+                    <a:schemeClr val="tx1"/>
+                  </a:solidFill>
+                  <a:latin typeface="Arial" panose="020B0604020202020204" pitchFamily="34" charset="0"/>
+                  <a:cs typeface="Arial" panose="020B0604020202020204" pitchFamily="34" charset="0"/>
+                </a:rPr>
+                <a:t> </a:t>
+              </a:r>
+              <a:r>
+                <a:rPr lang="en-US" altLang="ja-JP" dirty="0">
+                  <a:solidFill>
+                    <a:schemeClr val="tx1"/>
+                  </a:solidFill>
+                  <a:latin typeface="Arial" panose="020B0604020202020204" pitchFamily="34" charset="0"/>
+                  <a:cs typeface="Arial" panose="020B0604020202020204" pitchFamily="34" charset="0"/>
+                </a:rPr>
+                <a:t>sound</a:t>
+              </a:r>
+              <a:r>
+                <a:rPr lang="ja-JP" altLang="en-US" dirty="0">
+                  <a:solidFill>
+                    <a:schemeClr val="tx1"/>
+                  </a:solidFill>
+                  <a:latin typeface="Arial" panose="020B0604020202020204" pitchFamily="34" charset="0"/>
+                  <a:cs typeface="Arial" panose="020B0604020202020204" pitchFamily="34" charset="0"/>
+                </a:rPr>
+                <a:t> </a:t>
+              </a:r>
+              <a:r>
+                <a:rPr lang="en-US" altLang="ja-JP" dirty="0">
+                  <a:solidFill>
+                    <a:schemeClr val="tx1"/>
+                  </a:solidFill>
+                  <a:latin typeface="Arial" panose="020B0604020202020204" pitchFamily="34" charset="0"/>
+                  <a:cs typeface="Arial" panose="020B0604020202020204" pitchFamily="34" charset="0"/>
+                </a:rPr>
+                <a:t>data</a:t>
+              </a:r>
+              <a:endParaRPr kumimoji="1" lang="ja-JP" altLang="en-US" dirty="0">
+                <a:solidFill>
+                  <a:schemeClr val="tx1"/>
+                </a:solidFill>
+                <a:latin typeface="Arial" panose="020B0604020202020204" pitchFamily="34" charset="0"/>
+                <a:cs typeface="Arial" panose="020B0604020202020204" pitchFamily="34" charset="0"/>
+              </a:endParaRPr>
+            </a:p>
+          </p:txBody>
+        </p:sp>
+        <p:cxnSp>
+          <p:nvCxnSpPr>
+            <p:cNvPr id="10" name="直線コネクタ 9">
+              <a:extLst>
+                <a:ext uri="{FF2B5EF4-FFF2-40B4-BE49-F238E27FC236}">
+                  <a16:creationId xmlns:a16="http://schemas.microsoft.com/office/drawing/2014/main" id="{5F1F5BEE-C5BE-49EB-B1BE-96B42E20755C}"/>
+                </a:ext>
+              </a:extLst>
+            </p:cNvPr>
+            <p:cNvCxnSpPr>
+              <a:cxnSpLocks/>
+            </p:cNvCxnSpPr>
+            <p:nvPr/>
+          </p:nvCxnSpPr>
+          <p:spPr>
+            <a:xfrm>
+              <a:off x="7044530" y="3493359"/>
+              <a:ext cx="0" cy="216000"/>
+            </a:xfrm>
+            <a:prstGeom prst="line">
+              <a:avLst/>
+            </a:prstGeom>
+            <a:ln w="12700"/>
+          </p:spPr>
+          <p:style>
+            <a:lnRef idx="1">
+              <a:schemeClr val="dk1"/>
+            </a:lnRef>
+            <a:fillRef idx="0">
+              <a:schemeClr val="dk1"/>
+            </a:fillRef>
+            <a:effectRef idx="0">
+              <a:schemeClr val="dk1"/>
+            </a:effectRef>
+            <a:fontRef idx="minor">
+              <a:schemeClr val="tx1"/>
+            </a:fontRef>
+          </p:style>
+        </p:cxnSp>
+        <p:cxnSp>
+          <p:nvCxnSpPr>
+            <p:cNvPr id="11" name="直線コネクタ 10">
+              <a:extLst>
+                <a:ext uri="{FF2B5EF4-FFF2-40B4-BE49-F238E27FC236}">
+                  <a16:creationId xmlns:a16="http://schemas.microsoft.com/office/drawing/2014/main" id="{DCFC49DE-CED8-4F83-9433-F61BA01F34F2}"/>
+                </a:ext>
+              </a:extLst>
+            </p:cNvPr>
+            <p:cNvCxnSpPr>
+              <a:cxnSpLocks/>
+            </p:cNvCxnSpPr>
+            <p:nvPr/>
+          </p:nvCxnSpPr>
+          <p:spPr>
+            <a:xfrm>
+              <a:off x="7620879" y="3493359"/>
+              <a:ext cx="0" cy="224444"/>
+            </a:xfrm>
+            <a:prstGeom prst="line">
+              <a:avLst/>
+            </a:prstGeom>
+            <a:ln w="12700"/>
+          </p:spPr>
+          <p:style>
+            <a:lnRef idx="1">
+              <a:schemeClr val="dk1"/>
+            </a:lnRef>
+            <a:fillRef idx="0">
+              <a:schemeClr val="dk1"/>
+            </a:fillRef>
+            <a:effectRef idx="0">
+              <a:schemeClr val="dk1"/>
+            </a:effectRef>
+            <a:fontRef idx="minor">
+              <a:schemeClr val="tx1"/>
+            </a:fontRef>
+          </p:style>
+        </p:cxnSp>
+        <p:cxnSp>
+          <p:nvCxnSpPr>
+            <p:cNvPr id="12" name="直線コネクタ 11">
+              <a:extLst>
+                <a:ext uri="{FF2B5EF4-FFF2-40B4-BE49-F238E27FC236}">
+                  <a16:creationId xmlns:a16="http://schemas.microsoft.com/office/drawing/2014/main" id="{13AE26C2-D53B-40C4-B60D-70332640B8F6}"/>
+                </a:ext>
+              </a:extLst>
+            </p:cNvPr>
+            <p:cNvCxnSpPr/>
+            <p:nvPr/>
+          </p:nvCxnSpPr>
+          <p:spPr>
+            <a:xfrm>
+              <a:off x="7044529" y="3612159"/>
+              <a:ext cx="576350" cy="0"/>
+            </a:xfrm>
+            <a:prstGeom prst="line">
+              <a:avLst/>
+            </a:prstGeom>
+            <a:ln w="12700">
+              <a:prstDash val="dash"/>
+            </a:ln>
+          </p:spPr>
+          <p:style>
+            <a:lnRef idx="1">
+              <a:schemeClr val="dk1"/>
+            </a:lnRef>
+            <a:fillRef idx="0">
+              <a:schemeClr val="dk1"/>
+            </a:fillRef>
+            <a:effectRef idx="0">
+              <a:schemeClr val="dk1"/>
+            </a:effectRef>
+            <a:fontRef idx="minor">
+              <a:schemeClr val="tx1"/>
+            </a:fontRef>
+          </p:style>
+        </p:cxnSp>
+        <p:cxnSp>
+          <p:nvCxnSpPr>
+            <p:cNvPr id="13" name="直線コネクタ 12">
+              <a:extLst>
+                <a:ext uri="{FF2B5EF4-FFF2-40B4-BE49-F238E27FC236}">
+                  <a16:creationId xmlns:a16="http://schemas.microsoft.com/office/drawing/2014/main" id="{81285F1C-67F2-4446-B3B3-4EBA821057B9}"/>
+                </a:ext>
+              </a:extLst>
+            </p:cNvPr>
+            <p:cNvCxnSpPr>
+              <a:cxnSpLocks/>
+            </p:cNvCxnSpPr>
+            <p:nvPr/>
+          </p:nvCxnSpPr>
+          <p:spPr>
+            <a:xfrm>
+              <a:off x="7196930" y="3645759"/>
+              <a:ext cx="0" cy="216000"/>
+            </a:xfrm>
+            <a:prstGeom prst="line">
+              <a:avLst/>
+            </a:prstGeom>
+            <a:ln w="12700"/>
+          </p:spPr>
+          <p:style>
+            <a:lnRef idx="1">
+              <a:schemeClr val="dk1"/>
+            </a:lnRef>
+            <a:fillRef idx="0">
+              <a:schemeClr val="dk1"/>
+            </a:fillRef>
+            <a:effectRef idx="0">
+              <a:schemeClr val="dk1"/>
+            </a:effectRef>
+            <a:fontRef idx="minor">
+              <a:schemeClr val="tx1"/>
+            </a:fontRef>
+          </p:style>
+        </p:cxnSp>
+        <p:cxnSp>
+          <p:nvCxnSpPr>
+            <p:cNvPr id="14" name="直線コネクタ 13">
+              <a:extLst>
+                <a:ext uri="{FF2B5EF4-FFF2-40B4-BE49-F238E27FC236}">
+                  <a16:creationId xmlns:a16="http://schemas.microsoft.com/office/drawing/2014/main" id="{359A7053-1126-44F2-94D8-9847F41B7E89}"/>
+                </a:ext>
+              </a:extLst>
+            </p:cNvPr>
+            <p:cNvCxnSpPr>
+              <a:cxnSpLocks/>
+            </p:cNvCxnSpPr>
+            <p:nvPr/>
+          </p:nvCxnSpPr>
+          <p:spPr>
+            <a:xfrm>
+              <a:off x="7773279" y="3645759"/>
+              <a:ext cx="0" cy="224444"/>
+            </a:xfrm>
+            <a:prstGeom prst="line">
+              <a:avLst/>
+            </a:prstGeom>
+            <a:ln w="12700"/>
+          </p:spPr>
+          <p:style>
+            <a:lnRef idx="1">
+              <a:schemeClr val="dk1"/>
+            </a:lnRef>
+            <a:fillRef idx="0">
+              <a:schemeClr val="dk1"/>
+            </a:fillRef>
+            <a:effectRef idx="0">
+              <a:schemeClr val="dk1"/>
+            </a:effectRef>
+            <a:fontRef idx="minor">
+              <a:schemeClr val="tx1"/>
+            </a:fontRef>
+          </p:style>
+        </p:cxnSp>
+        <p:cxnSp>
+          <p:nvCxnSpPr>
+            <p:cNvPr id="15" name="直線コネクタ 14">
+              <a:extLst>
+                <a:ext uri="{FF2B5EF4-FFF2-40B4-BE49-F238E27FC236}">
+                  <a16:creationId xmlns:a16="http://schemas.microsoft.com/office/drawing/2014/main" id="{7559826E-0AFF-4EC3-BD01-6F1E3435BD4B}"/>
+                </a:ext>
+              </a:extLst>
+            </p:cNvPr>
+            <p:cNvCxnSpPr/>
+            <p:nvPr/>
+          </p:nvCxnSpPr>
+          <p:spPr>
+            <a:xfrm>
+              <a:off x="7196929" y="3764559"/>
+              <a:ext cx="576350" cy="0"/>
+            </a:xfrm>
+            <a:prstGeom prst="line">
+              <a:avLst/>
+            </a:prstGeom>
+            <a:ln w="12700">
+              <a:prstDash val="dash"/>
+            </a:ln>
+          </p:spPr>
+          <p:style>
+            <a:lnRef idx="1">
+              <a:schemeClr val="dk1"/>
+            </a:lnRef>
+            <a:fillRef idx="0">
+              <a:schemeClr val="dk1"/>
+            </a:fillRef>
+            <a:effectRef idx="0">
+              <a:schemeClr val="dk1"/>
+            </a:effectRef>
+            <a:fontRef idx="minor">
+              <a:schemeClr val="tx1"/>
+            </a:fontRef>
+          </p:style>
+        </p:cxnSp>
+        <p:cxnSp>
+          <p:nvCxnSpPr>
+            <p:cNvPr id="16" name="直線コネクタ 15">
+              <a:extLst>
+                <a:ext uri="{FF2B5EF4-FFF2-40B4-BE49-F238E27FC236}">
+                  <a16:creationId xmlns:a16="http://schemas.microsoft.com/office/drawing/2014/main" id="{FD562F2A-DB92-46ED-B8B9-C56D081F7E83}"/>
+                </a:ext>
+              </a:extLst>
+            </p:cNvPr>
+            <p:cNvCxnSpPr>
+              <a:cxnSpLocks/>
+            </p:cNvCxnSpPr>
+            <p:nvPr/>
+          </p:nvCxnSpPr>
+          <p:spPr>
+            <a:xfrm>
+              <a:off x="7349330" y="3798159"/>
+              <a:ext cx="0" cy="216000"/>
+            </a:xfrm>
+            <a:prstGeom prst="line">
+              <a:avLst/>
+            </a:prstGeom>
+            <a:ln w="12700"/>
+          </p:spPr>
+          <p:style>
+            <a:lnRef idx="1">
+              <a:schemeClr val="dk1"/>
+            </a:lnRef>
+            <a:fillRef idx="0">
+              <a:schemeClr val="dk1"/>
+            </a:fillRef>
+            <a:effectRef idx="0">
+              <a:schemeClr val="dk1"/>
+            </a:effectRef>
+            <a:fontRef idx="minor">
+              <a:schemeClr val="tx1"/>
+            </a:fontRef>
+          </p:style>
+        </p:cxnSp>
+        <p:cxnSp>
+          <p:nvCxnSpPr>
+            <p:cNvPr id="17" name="直線コネクタ 16">
+              <a:extLst>
+                <a:ext uri="{FF2B5EF4-FFF2-40B4-BE49-F238E27FC236}">
+                  <a16:creationId xmlns:a16="http://schemas.microsoft.com/office/drawing/2014/main" id="{A6B2EC52-9623-4C33-91DE-152AF61161AF}"/>
+                </a:ext>
+              </a:extLst>
+            </p:cNvPr>
+            <p:cNvCxnSpPr>
+              <a:cxnSpLocks/>
+            </p:cNvCxnSpPr>
+            <p:nvPr/>
+          </p:nvCxnSpPr>
+          <p:spPr>
+            <a:xfrm>
+              <a:off x="7925679" y="3798159"/>
+              <a:ext cx="0" cy="224444"/>
+            </a:xfrm>
+            <a:prstGeom prst="line">
+              <a:avLst/>
+            </a:prstGeom>
+            <a:ln w="12700"/>
+          </p:spPr>
+          <p:style>
+            <a:lnRef idx="1">
+              <a:schemeClr val="dk1"/>
+            </a:lnRef>
+            <a:fillRef idx="0">
+              <a:schemeClr val="dk1"/>
+            </a:fillRef>
+            <a:effectRef idx="0">
+              <a:schemeClr val="dk1"/>
+            </a:effectRef>
+            <a:fontRef idx="minor">
+              <a:schemeClr val="tx1"/>
+            </a:fontRef>
+          </p:style>
+        </p:cxnSp>
+        <p:cxnSp>
+          <p:nvCxnSpPr>
+            <p:cNvPr id="18" name="直線コネクタ 17">
+              <a:extLst>
+                <a:ext uri="{FF2B5EF4-FFF2-40B4-BE49-F238E27FC236}">
+                  <a16:creationId xmlns:a16="http://schemas.microsoft.com/office/drawing/2014/main" id="{BA110B19-6EF2-4438-9EEA-87ECCC270FC9}"/>
+                </a:ext>
+              </a:extLst>
+            </p:cNvPr>
+            <p:cNvCxnSpPr/>
+            <p:nvPr/>
+          </p:nvCxnSpPr>
+          <p:spPr>
+            <a:xfrm>
+              <a:off x="7349329" y="3916959"/>
+              <a:ext cx="576350" cy="0"/>
+            </a:xfrm>
+            <a:prstGeom prst="line">
+              <a:avLst/>
+            </a:prstGeom>
+            <a:ln w="12700">
+              <a:prstDash val="dash"/>
+            </a:ln>
+          </p:spPr>
+          <p:style>
+            <a:lnRef idx="1">
+              <a:schemeClr val="dk1"/>
+            </a:lnRef>
+            <a:fillRef idx="0">
+              <a:schemeClr val="dk1"/>
+            </a:fillRef>
+            <a:effectRef idx="0">
+              <a:schemeClr val="dk1"/>
+            </a:effectRef>
+            <a:fontRef idx="minor">
+              <a:schemeClr val="tx1"/>
+            </a:fontRef>
+          </p:style>
+        </p:cxnSp>
+        <p:cxnSp>
+          <p:nvCxnSpPr>
+            <p:cNvPr id="19" name="直線コネクタ 18">
+              <a:extLst>
+                <a:ext uri="{FF2B5EF4-FFF2-40B4-BE49-F238E27FC236}">
+                  <a16:creationId xmlns:a16="http://schemas.microsoft.com/office/drawing/2014/main" id="{A4FBC878-207F-4EC4-8D56-11E9260ED7A0}"/>
+                </a:ext>
+              </a:extLst>
+            </p:cNvPr>
+            <p:cNvCxnSpPr>
+              <a:cxnSpLocks/>
+            </p:cNvCxnSpPr>
+            <p:nvPr/>
+          </p:nvCxnSpPr>
+          <p:spPr>
+            <a:xfrm>
+              <a:off x="10739884" y="3950559"/>
+              <a:ext cx="0" cy="216000"/>
+            </a:xfrm>
+            <a:prstGeom prst="line">
+              <a:avLst/>
+            </a:prstGeom>
+            <a:ln w="12700"/>
+          </p:spPr>
+          <p:style>
+            <a:lnRef idx="1">
+              <a:schemeClr val="dk1"/>
+            </a:lnRef>
+            <a:fillRef idx="0">
+              <a:schemeClr val="dk1"/>
+            </a:fillRef>
+            <a:effectRef idx="0">
+              <a:schemeClr val="dk1"/>
+            </a:effectRef>
+            <a:fontRef idx="minor">
+              <a:schemeClr val="tx1"/>
+            </a:fontRef>
+          </p:style>
+        </p:cxnSp>
+        <p:cxnSp>
+          <p:nvCxnSpPr>
+            <p:cNvPr id="20" name="直線コネクタ 19">
+              <a:extLst>
+                <a:ext uri="{FF2B5EF4-FFF2-40B4-BE49-F238E27FC236}">
+                  <a16:creationId xmlns:a16="http://schemas.microsoft.com/office/drawing/2014/main" id="{2E0929E4-1DCE-4499-8AC3-0EE7C0320581}"/>
+                </a:ext>
+              </a:extLst>
+            </p:cNvPr>
+            <p:cNvCxnSpPr>
+              <a:cxnSpLocks/>
+            </p:cNvCxnSpPr>
+            <p:nvPr/>
+          </p:nvCxnSpPr>
+          <p:spPr>
+            <a:xfrm>
+              <a:off x="11316233" y="3950559"/>
+              <a:ext cx="0" cy="224444"/>
+            </a:xfrm>
+            <a:prstGeom prst="line">
+              <a:avLst/>
+            </a:prstGeom>
+            <a:ln w="12700"/>
+          </p:spPr>
+          <p:style>
+            <a:lnRef idx="1">
+              <a:schemeClr val="dk1"/>
+            </a:lnRef>
+            <a:fillRef idx="0">
+              <a:schemeClr val="dk1"/>
+            </a:fillRef>
+            <a:effectRef idx="0">
+              <a:schemeClr val="dk1"/>
+            </a:effectRef>
+            <a:fontRef idx="minor">
+              <a:schemeClr val="tx1"/>
+            </a:fontRef>
+          </p:style>
+        </p:cxnSp>
+        <p:cxnSp>
+          <p:nvCxnSpPr>
+            <p:cNvPr id="21" name="直線コネクタ 20">
+              <a:extLst>
+                <a:ext uri="{FF2B5EF4-FFF2-40B4-BE49-F238E27FC236}">
+                  <a16:creationId xmlns:a16="http://schemas.microsoft.com/office/drawing/2014/main" id="{ED58EBFC-8767-46D9-8A5A-89615CE71AAE}"/>
+                </a:ext>
+              </a:extLst>
+            </p:cNvPr>
+            <p:cNvCxnSpPr/>
+            <p:nvPr/>
+          </p:nvCxnSpPr>
+          <p:spPr>
+            <a:xfrm>
+              <a:off x="10739883" y="4069359"/>
+              <a:ext cx="576350" cy="0"/>
+            </a:xfrm>
+            <a:prstGeom prst="line">
+              <a:avLst/>
+            </a:prstGeom>
+            <a:ln w="12700">
+              <a:prstDash val="dash"/>
+            </a:ln>
+          </p:spPr>
+          <p:style>
+            <a:lnRef idx="1">
+              <a:schemeClr val="dk1"/>
+            </a:lnRef>
+            <a:fillRef idx="0">
+              <a:schemeClr val="dk1"/>
+            </a:fillRef>
+            <a:effectRef idx="0">
+              <a:schemeClr val="dk1"/>
+            </a:effectRef>
+            <a:fontRef idx="minor">
+              <a:schemeClr val="tx1"/>
+            </a:fontRef>
+          </p:style>
+        </p:cxnSp>
+        <p:cxnSp>
+          <p:nvCxnSpPr>
+            <p:cNvPr id="22" name="直線コネクタ 21">
+              <a:extLst>
+                <a:ext uri="{FF2B5EF4-FFF2-40B4-BE49-F238E27FC236}">
+                  <a16:creationId xmlns:a16="http://schemas.microsoft.com/office/drawing/2014/main" id="{AB6954B4-B062-4A6D-9111-168759C77C42}"/>
+                </a:ext>
+              </a:extLst>
+            </p:cNvPr>
+            <p:cNvCxnSpPr>
+              <a:cxnSpLocks/>
+            </p:cNvCxnSpPr>
+            <p:nvPr/>
+          </p:nvCxnSpPr>
+          <p:spPr>
+            <a:xfrm>
+              <a:off x="10892284" y="4102959"/>
+              <a:ext cx="0" cy="216000"/>
+            </a:xfrm>
+            <a:prstGeom prst="line">
+              <a:avLst/>
+            </a:prstGeom>
+            <a:ln w="12700"/>
+          </p:spPr>
+          <p:style>
+            <a:lnRef idx="1">
+              <a:schemeClr val="dk1"/>
+            </a:lnRef>
+            <a:fillRef idx="0">
+              <a:schemeClr val="dk1"/>
+            </a:fillRef>
+            <a:effectRef idx="0">
+              <a:schemeClr val="dk1"/>
+            </a:effectRef>
+            <a:fontRef idx="minor">
+              <a:schemeClr val="tx1"/>
+            </a:fontRef>
+          </p:style>
+        </p:cxnSp>
+        <p:cxnSp>
+          <p:nvCxnSpPr>
+            <p:cNvPr id="23" name="直線コネクタ 22">
+              <a:extLst>
+                <a:ext uri="{FF2B5EF4-FFF2-40B4-BE49-F238E27FC236}">
+                  <a16:creationId xmlns:a16="http://schemas.microsoft.com/office/drawing/2014/main" id="{338ECBC3-0A25-4556-9EEA-846DAA386B7B}"/>
+                </a:ext>
+              </a:extLst>
+            </p:cNvPr>
+            <p:cNvCxnSpPr>
+              <a:cxnSpLocks/>
+            </p:cNvCxnSpPr>
+            <p:nvPr/>
+          </p:nvCxnSpPr>
+          <p:spPr>
+            <a:xfrm>
+              <a:off x="11468633" y="4102959"/>
+              <a:ext cx="0" cy="224444"/>
+            </a:xfrm>
+            <a:prstGeom prst="line">
+              <a:avLst/>
+            </a:prstGeom>
+            <a:ln w="12700"/>
+          </p:spPr>
+          <p:style>
+            <a:lnRef idx="1">
+              <a:schemeClr val="dk1"/>
+            </a:lnRef>
+            <a:fillRef idx="0">
+              <a:schemeClr val="dk1"/>
+            </a:fillRef>
+            <a:effectRef idx="0">
+              <a:schemeClr val="dk1"/>
+            </a:effectRef>
+            <a:fontRef idx="minor">
+              <a:schemeClr val="tx1"/>
+            </a:fontRef>
+          </p:style>
+        </p:cxnSp>
+        <p:cxnSp>
+          <p:nvCxnSpPr>
+            <p:cNvPr id="24" name="直線コネクタ 23">
+              <a:extLst>
+                <a:ext uri="{FF2B5EF4-FFF2-40B4-BE49-F238E27FC236}">
+                  <a16:creationId xmlns:a16="http://schemas.microsoft.com/office/drawing/2014/main" id="{C8CA73C1-5759-4DEF-8079-59652C84C2AC}"/>
+                </a:ext>
+              </a:extLst>
+            </p:cNvPr>
+            <p:cNvCxnSpPr/>
+            <p:nvPr/>
+          </p:nvCxnSpPr>
+          <p:spPr>
+            <a:xfrm>
+              <a:off x="10892283" y="4221759"/>
+              <a:ext cx="576350" cy="0"/>
+            </a:xfrm>
+            <a:prstGeom prst="line">
+              <a:avLst/>
+            </a:prstGeom>
+            <a:ln w="12700">
+              <a:prstDash val="dash"/>
+            </a:ln>
+          </p:spPr>
+          <p:style>
+            <a:lnRef idx="1">
+              <a:schemeClr val="dk1"/>
+            </a:lnRef>
+            <a:fillRef idx="0">
+              <a:schemeClr val="dk1"/>
+            </a:fillRef>
+            <a:effectRef idx="0">
+              <a:schemeClr val="dk1"/>
+            </a:effectRef>
+            <a:fontRef idx="minor">
+              <a:schemeClr val="tx1"/>
+            </a:fontRef>
+          </p:style>
+        </p:cxnSp>
+        <p:sp>
+          <p:nvSpPr>
+            <p:cNvPr id="25" name="テキスト ボックス 24">
+              <a:extLst>
+                <a:ext uri="{FF2B5EF4-FFF2-40B4-BE49-F238E27FC236}">
+                  <a16:creationId xmlns:a16="http://schemas.microsoft.com/office/drawing/2014/main" id="{C87979B5-3F30-4C47-BE7C-49794849C455}"/>
+                </a:ext>
+              </a:extLst>
+            </p:cNvPr>
+            <p:cNvSpPr txBox="1"/>
+            <p:nvPr/>
+          </p:nvSpPr>
+          <p:spPr>
+            <a:xfrm>
+              <a:off x="8434184" y="3782636"/>
+              <a:ext cx="1729250" cy="369332"/>
+            </a:xfrm>
+            <a:prstGeom prst="rect">
+              <a:avLst/>
+            </a:prstGeom>
+            <a:noFill/>
+          </p:spPr>
+          <p:txBody>
+            <a:bodyPr wrap="square" rtlCol="0">
+              <a:spAutoFit/>
+            </a:bodyPr>
+            <a:lstStyle/>
+            <a:p>
+              <a:pPr marL="0" marR="0" lvl="0" indent="0" algn="ctr" defTabSz="914400" rtl="0" eaLnBrk="1" fontAlgn="auto" latinLnBrk="0" hangingPunct="1">
+                <a:lnSpc>
+                  <a:spcPct val="100000"/>
+                </a:lnSpc>
+                <a:spcBef>
+                  <a:spcPts val="0"/>
+                </a:spcBef>
+                <a:spcAft>
+                  <a:spcPts val="0"/>
+                </a:spcAft>
+                <a:buClrTx/>
+                <a:buSzTx/>
+                <a:buFontTx/>
+                <a:buNone/>
+                <a:tabLst/>
+                <a:defRPr/>
+              </a:pPr>
+              <a:r>
+                <a:rPr kumimoji="1" lang="ja-JP" altLang="en-US" sz="1800" b="0" i="0" u="none" strike="noStrike" kern="1200" cap="none" spc="0" normalizeH="0" baseline="0" noProof="0" dirty="0">
+                  <a:ln>
+                    <a:noFill/>
+                  </a:ln>
+                  <a:solidFill>
+                    <a:prstClr val="black"/>
+                  </a:solidFill>
+                  <a:effectLst/>
+                  <a:uLnTx/>
+                  <a:uFillTx/>
+                  <a:latin typeface="Arial" panose="020B0604020202020204" pitchFamily="34" charset="0"/>
+                  <a:ea typeface="游ゴシック" panose="020B0400000000000000" pitchFamily="50" charset="-128"/>
+                  <a:cs typeface="Arial" panose="020B0604020202020204" pitchFamily="34" charset="0"/>
+                </a:rPr>
+                <a:t>・・・・・・</a:t>
+              </a:r>
+            </a:p>
+          </p:txBody>
+        </p:sp>
+        <p:sp>
+          <p:nvSpPr>
+            <p:cNvPr id="26" name="円弧 25">
+              <a:extLst>
+                <a:ext uri="{FF2B5EF4-FFF2-40B4-BE49-F238E27FC236}">
+                  <a16:creationId xmlns:a16="http://schemas.microsoft.com/office/drawing/2014/main" id="{ACAA6758-B4B8-4952-A050-09BB2E7EC200}"/>
+                </a:ext>
+              </a:extLst>
+            </p:cNvPr>
+            <p:cNvSpPr/>
+            <p:nvPr/>
+          </p:nvSpPr>
+          <p:spPr>
+            <a:xfrm rot="16200000" flipH="1">
+              <a:off x="7408905" y="3790905"/>
+              <a:ext cx="288173" cy="410444"/>
+            </a:xfrm>
+            <a:prstGeom prst="arc">
+              <a:avLst>
+                <a:gd name="adj1" fmla="val 16200000"/>
+                <a:gd name="adj2" fmla="val 18638483"/>
+              </a:avLst>
+            </a:prstGeom>
+          </p:spPr>
+          <p:style>
+            <a:lnRef idx="1">
+              <a:schemeClr val="dk1"/>
+            </a:lnRef>
+            <a:fillRef idx="0">
+              <a:schemeClr val="dk1"/>
+            </a:fillRef>
+            <a:effectRef idx="0">
+              <a:schemeClr val="dk1"/>
+            </a:effectRef>
+            <a:fontRef idx="minor">
+              <a:schemeClr val="tx1"/>
+            </a:fontRef>
+          </p:style>
+          <p:txBody>
+            <a:bodyPr rtlCol="0" anchor="ctr"/>
+            <a:lstStyle/>
+            <a:p>
+              <a:pPr algn="ctr"/>
+              <a:endParaRPr kumimoji="1" lang="ja-JP" altLang="en-US">
+                <a:latin typeface="Arial" panose="020B0604020202020204" pitchFamily="34" charset="0"/>
+                <a:cs typeface="Arial" panose="020B0604020202020204" pitchFamily="34" charset="0"/>
+              </a:endParaRPr>
+            </a:p>
+          </p:txBody>
+        </p:sp>
+        <p:sp>
+          <p:nvSpPr>
+            <p:cNvPr id="27" name="テキスト ボックス 26">
+              <a:extLst>
+                <a:ext uri="{FF2B5EF4-FFF2-40B4-BE49-F238E27FC236}">
+                  <a16:creationId xmlns:a16="http://schemas.microsoft.com/office/drawing/2014/main" id="{76AE38DD-8B76-4B68-BD1F-D34B8B2C35B5}"/>
+                </a:ext>
+              </a:extLst>
+            </p:cNvPr>
+            <p:cNvSpPr txBox="1"/>
+            <p:nvPr/>
+          </p:nvSpPr>
+          <p:spPr>
+            <a:xfrm>
+              <a:off x="7226712" y="4038669"/>
+              <a:ext cx="867299" cy="338554"/>
+            </a:xfrm>
+            <a:prstGeom prst="rect">
+              <a:avLst/>
+            </a:prstGeom>
+            <a:noFill/>
+          </p:spPr>
+          <p:txBody>
+            <a:bodyPr wrap="square" rtlCol="0">
+              <a:spAutoFit/>
+            </a:bodyPr>
+            <a:lstStyle/>
+            <a:p>
+              <a:pPr algn="ctr"/>
+              <a:r>
+                <a:rPr kumimoji="1" lang="en-US" altLang="ja-JP" sz="1600" dirty="0">
+                  <a:latin typeface="Arial" panose="020B0604020202020204" pitchFamily="34" charset="0"/>
+                  <a:cs typeface="Arial" panose="020B0604020202020204" pitchFamily="34" charset="0"/>
+                </a:rPr>
+                <a:t>0.2 s</a:t>
+              </a:r>
+              <a:endParaRPr kumimoji="1" lang="ja-JP" altLang="en-US" sz="1600" dirty="0">
+                <a:latin typeface="Arial" panose="020B0604020202020204" pitchFamily="34" charset="0"/>
+                <a:cs typeface="Arial" panose="020B0604020202020204" pitchFamily="34" charset="0"/>
+              </a:endParaRPr>
+            </a:p>
+          </p:txBody>
+        </p:sp>
+        <p:sp>
+          <p:nvSpPr>
+            <p:cNvPr id="28" name="円弧 27">
+              <a:extLst>
+                <a:ext uri="{FF2B5EF4-FFF2-40B4-BE49-F238E27FC236}">
+                  <a16:creationId xmlns:a16="http://schemas.microsoft.com/office/drawing/2014/main" id="{C22E5C2E-D709-4453-8EA6-2CC23132BCDE}"/>
+                </a:ext>
+              </a:extLst>
+            </p:cNvPr>
+            <p:cNvSpPr/>
+            <p:nvPr/>
+          </p:nvSpPr>
+          <p:spPr>
+            <a:xfrm rot="5400000">
+              <a:off x="7579491" y="3791885"/>
+              <a:ext cx="288173" cy="410444"/>
+            </a:xfrm>
+            <a:prstGeom prst="arc">
+              <a:avLst>
+                <a:gd name="adj1" fmla="val 16200000"/>
+                <a:gd name="adj2" fmla="val 18638483"/>
+              </a:avLst>
+            </a:prstGeom>
+          </p:spPr>
+          <p:style>
+            <a:lnRef idx="1">
+              <a:schemeClr val="dk1"/>
+            </a:lnRef>
+            <a:fillRef idx="0">
+              <a:schemeClr val="dk1"/>
+            </a:fillRef>
+            <a:effectRef idx="0">
+              <a:schemeClr val="dk1"/>
+            </a:effectRef>
+            <a:fontRef idx="minor">
+              <a:schemeClr val="tx1"/>
+            </a:fontRef>
+          </p:style>
+          <p:txBody>
+            <a:bodyPr rtlCol="0" anchor="ctr"/>
+            <a:lstStyle/>
+            <a:p>
+              <a:pPr algn="ctr"/>
+              <a:endParaRPr kumimoji="1" lang="ja-JP" altLang="en-US">
+                <a:latin typeface="Arial" panose="020B0604020202020204" pitchFamily="34" charset="0"/>
+                <a:cs typeface="Arial" panose="020B0604020202020204" pitchFamily="34" charset="0"/>
+              </a:endParaRPr>
+            </a:p>
+          </p:txBody>
+        </p:sp>
+        <p:cxnSp>
+          <p:nvCxnSpPr>
+            <p:cNvPr id="29" name="直線コネクタ 28">
+              <a:extLst>
+                <a:ext uri="{FF2B5EF4-FFF2-40B4-BE49-F238E27FC236}">
+                  <a16:creationId xmlns:a16="http://schemas.microsoft.com/office/drawing/2014/main" id="{80490CD1-1037-4F31-A880-793EBFF5B743}"/>
+                </a:ext>
+              </a:extLst>
+            </p:cNvPr>
+            <p:cNvCxnSpPr>
+              <a:cxnSpLocks/>
+              <a:endCxn id="31" idx="2"/>
+            </p:cNvCxnSpPr>
+            <p:nvPr/>
+          </p:nvCxnSpPr>
+          <p:spPr>
+            <a:xfrm flipH="1">
+              <a:off x="7036487" y="3709359"/>
+              <a:ext cx="8042" cy="499403"/>
+            </a:xfrm>
+            <a:prstGeom prst="line">
+              <a:avLst/>
+            </a:prstGeom>
+            <a:ln w="12700">
+              <a:prstDash val="lgDashDotDot"/>
+            </a:ln>
+          </p:spPr>
+          <p:style>
+            <a:lnRef idx="1">
+              <a:schemeClr val="dk1"/>
+            </a:lnRef>
+            <a:fillRef idx="0">
+              <a:schemeClr val="dk1"/>
+            </a:fillRef>
+            <a:effectRef idx="0">
+              <a:schemeClr val="dk1"/>
+            </a:effectRef>
+            <a:fontRef idx="minor">
+              <a:schemeClr val="tx1"/>
+            </a:fontRef>
+          </p:style>
+        </p:cxnSp>
+        <p:cxnSp>
+          <p:nvCxnSpPr>
+            <p:cNvPr id="30" name="直線コネクタ 29">
+              <a:extLst>
+                <a:ext uri="{FF2B5EF4-FFF2-40B4-BE49-F238E27FC236}">
+                  <a16:creationId xmlns:a16="http://schemas.microsoft.com/office/drawing/2014/main" id="{C0CE3A79-B553-4496-BE07-3E7CDF566D82}"/>
+                </a:ext>
+              </a:extLst>
+            </p:cNvPr>
+            <p:cNvCxnSpPr>
+              <a:cxnSpLocks/>
+              <a:endCxn id="31" idx="0"/>
+            </p:cNvCxnSpPr>
+            <p:nvPr/>
+          </p:nvCxnSpPr>
+          <p:spPr>
+            <a:xfrm flipH="1">
+              <a:off x="7188457" y="3798159"/>
+              <a:ext cx="8476" cy="422010"/>
+            </a:xfrm>
+            <a:prstGeom prst="line">
+              <a:avLst/>
+            </a:prstGeom>
+            <a:ln w="12700">
+              <a:prstDash val="lgDashDotDot"/>
+            </a:ln>
+          </p:spPr>
+          <p:style>
+            <a:lnRef idx="1">
+              <a:schemeClr val="dk1"/>
+            </a:lnRef>
+            <a:fillRef idx="0">
+              <a:schemeClr val="dk1"/>
+            </a:fillRef>
+            <a:effectRef idx="0">
+              <a:schemeClr val="dk1"/>
+            </a:effectRef>
+            <a:fontRef idx="minor">
+              <a:schemeClr val="tx1"/>
+            </a:fontRef>
+          </p:style>
+        </p:cxnSp>
+        <p:sp>
+          <p:nvSpPr>
+            <p:cNvPr id="31" name="円弧 30">
+              <a:extLst>
+                <a:ext uri="{FF2B5EF4-FFF2-40B4-BE49-F238E27FC236}">
+                  <a16:creationId xmlns:a16="http://schemas.microsoft.com/office/drawing/2014/main" id="{CA237679-A8B1-43B1-8C28-6053CC88AF80}"/>
+                </a:ext>
+              </a:extLst>
+            </p:cNvPr>
+            <p:cNvSpPr/>
+            <p:nvPr/>
+          </p:nvSpPr>
+          <p:spPr>
+            <a:xfrm rot="5400000">
+              <a:off x="7004259" y="4143971"/>
+              <a:ext cx="215999" cy="152396"/>
+            </a:xfrm>
+            <a:prstGeom prst="arc">
+              <a:avLst>
+                <a:gd name="adj1" fmla="val 16200000"/>
+                <a:gd name="adj2" fmla="val 5913712"/>
+              </a:avLst>
+            </a:prstGeom>
+          </p:spPr>
+          <p:style>
+            <a:lnRef idx="1">
+              <a:schemeClr val="dk1"/>
+            </a:lnRef>
+            <a:fillRef idx="0">
+              <a:schemeClr val="dk1"/>
+            </a:fillRef>
+            <a:effectRef idx="0">
+              <a:schemeClr val="dk1"/>
+            </a:effectRef>
+            <a:fontRef idx="minor">
+              <a:schemeClr val="tx1"/>
+            </a:fontRef>
+          </p:style>
+          <p:txBody>
+            <a:bodyPr rtlCol="0" anchor="ctr"/>
+            <a:lstStyle/>
+            <a:p>
+              <a:pPr algn="ctr"/>
+              <a:endParaRPr kumimoji="1" lang="ja-JP" altLang="en-US">
+                <a:latin typeface="Arial" panose="020B0604020202020204" pitchFamily="34" charset="0"/>
+                <a:cs typeface="Arial" panose="020B0604020202020204" pitchFamily="34" charset="0"/>
+              </a:endParaRPr>
+            </a:p>
+          </p:txBody>
+        </p:sp>
+        <p:sp>
+          <p:nvSpPr>
+            <p:cNvPr id="32" name="テキスト ボックス 31">
+              <a:extLst>
+                <a:ext uri="{FF2B5EF4-FFF2-40B4-BE49-F238E27FC236}">
+                  <a16:creationId xmlns:a16="http://schemas.microsoft.com/office/drawing/2014/main" id="{86D9DEC9-F868-4818-8E44-32E9088F1BC4}"/>
+                </a:ext>
+              </a:extLst>
+            </p:cNvPr>
+            <p:cNvSpPr txBox="1"/>
+            <p:nvPr/>
+          </p:nvSpPr>
+          <p:spPr>
+            <a:xfrm>
+              <a:off x="7082481" y="4678778"/>
+              <a:ext cx="746943" cy="338554"/>
+            </a:xfrm>
+            <a:prstGeom prst="rect">
+              <a:avLst/>
+            </a:prstGeom>
+            <a:noFill/>
+          </p:spPr>
+          <p:txBody>
+            <a:bodyPr wrap="square" rtlCol="0">
+              <a:spAutoFit/>
+            </a:bodyPr>
+            <a:lstStyle/>
+            <a:p>
+              <a:pPr algn="ctr"/>
+              <a:r>
+                <a:rPr kumimoji="1" lang="en-US" altLang="ja-JP" sz="1600" dirty="0">
+                  <a:latin typeface="Arial" panose="020B0604020202020204" pitchFamily="34" charset="0"/>
+                  <a:cs typeface="Arial" panose="020B0604020202020204" pitchFamily="34" charset="0"/>
+                </a:rPr>
+                <a:t>0.1 s</a:t>
+              </a:r>
+              <a:endParaRPr kumimoji="1" lang="ja-JP" altLang="en-US" sz="1600" dirty="0">
+                <a:latin typeface="Arial" panose="020B0604020202020204" pitchFamily="34" charset="0"/>
+                <a:cs typeface="Arial" panose="020B0604020202020204" pitchFamily="34" charset="0"/>
+              </a:endParaRPr>
+            </a:p>
+          </p:txBody>
+        </p:sp>
+        <p:cxnSp>
+          <p:nvCxnSpPr>
+            <p:cNvPr id="42" name="直線矢印コネクタ 41">
+              <a:extLst>
+                <a:ext uri="{FF2B5EF4-FFF2-40B4-BE49-F238E27FC236}">
+                  <a16:creationId xmlns:a16="http://schemas.microsoft.com/office/drawing/2014/main" id="{1CC3F482-7EB4-48DC-B8E5-4ACA8128DE50}"/>
+                </a:ext>
+              </a:extLst>
+            </p:cNvPr>
+            <p:cNvCxnSpPr/>
+            <p:nvPr/>
+          </p:nvCxnSpPr>
+          <p:spPr>
+            <a:xfrm flipH="1" flipV="1">
+              <a:off x="7142046" y="4397885"/>
+              <a:ext cx="76199" cy="264827"/>
+            </a:xfrm>
+            <a:prstGeom prst="straightConnector1">
+              <a:avLst/>
+            </a:prstGeom>
+            <a:ln>
+              <a:tailEnd type="triangle"/>
+            </a:ln>
+          </p:spPr>
+          <p:style>
+            <a:lnRef idx="1">
+              <a:schemeClr val="dk1"/>
+            </a:lnRef>
+            <a:fillRef idx="0">
+              <a:schemeClr val="dk1"/>
+            </a:fillRef>
+            <a:effectRef idx="0">
+              <a:schemeClr val="dk1"/>
+            </a:effectRef>
+            <a:fontRef idx="minor">
+              <a:schemeClr val="tx1"/>
+            </a:fontRef>
+          </p:style>
+        </p:cxnSp>
+      </p:grpSp>
+    </p:spTree>
+    <p:extLst>
+      <p:ext uri="{BB962C8B-B14F-4D97-AF65-F5344CB8AC3E}">
+        <p14:creationId xmlns:p14="http://schemas.microsoft.com/office/powerpoint/2010/main" val="2976599526"/>
+      </p:ext>
+    </p:extLst>
+  </p:cSld>
+  <p:clrMapOvr>
+    <a:masterClrMapping/>
+  </p:clrMapOvr>
+</p:sld>
+</file>
+
 <file path=ppt/theme/theme1.xml><?xml version="1.0" encoding="utf-8"?>
 <a:theme xmlns:a="http://schemas.openxmlformats.org/drawingml/2006/main" name="Office テーマ">
   <a:themeElements>

--- a/paper/water/UWW2021/UWW2021.pptx
+++ b/paper/water/UWW2021/UWW2021.pptx
@@ -5,7 +5,7 @@
     <p:sldMasterId id="2147483648" r:id="rId1"/>
   </p:sldMasterIdLst>
   <p:notesMasterIdLst>
-    <p:notesMasterId r:id="rId10"/>
+    <p:notesMasterId r:id="rId12"/>
   </p:notesMasterIdLst>
   <p:sldIdLst>
     <p:sldId id="256" r:id="rId2"/>
@@ -16,6 +16,8 @@
     <p:sldId id="262" r:id="rId7"/>
     <p:sldId id="261" r:id="rId8"/>
     <p:sldId id="263" r:id="rId9"/>
+    <p:sldId id="264" r:id="rId10"/>
+    <p:sldId id="265" r:id="rId11"/>
   </p:sldIdLst>
   <p:sldSz cx="12192000" cy="6858000"/>
   <p:notesSz cx="6858000" cy="9144000"/>
@@ -385,7 +387,7 @@
           <a:p>
             <a:fld id="{87303740-7015-4B29-8C5B-7C7E73BA5FD5}" type="datetimeFigureOut">
               <a:rPr kumimoji="1" lang="ja-JP" altLang="en-US" smtClean="0"/>
-              <a:t>2021/12/16</a:t>
+              <a:t>2021/12/17</a:t>
             </a:fld>
             <a:endParaRPr kumimoji="1" lang="ja-JP" altLang="en-US"/>
           </a:p>
@@ -729,7 +731,7 @@
           <a:p>
             <a:fld id="{D8A01835-7B10-4ED5-98BD-3419EE328741}" type="datetime1">
               <a:rPr kumimoji="1" lang="ja-JP" altLang="en-US" smtClean="0"/>
-              <a:t>2021/12/16</a:t>
+              <a:t>2021/12/17</a:t>
             </a:fld>
             <a:endParaRPr kumimoji="1" lang="ja-JP" altLang="en-US"/>
           </a:p>
@@ -968,7 +970,7 @@
         <p:spPr>
           <a:xfrm>
             <a:off x="0" y="3577649"/>
-            <a:ext cx="12192000" cy="2837488"/>
+            <a:ext cx="12192000" cy="2826440"/>
           </a:xfrm>
           <a:prstGeom prst="rect">
             <a:avLst/>
@@ -1080,6 +1082,45 @@
           </a:p>
         </p:txBody>
       </p:sp>
+      <p:pic>
+        <p:nvPicPr>
+          <p:cNvPr id="27" name="グラフィックス 26">
+            <a:extLst>
+              <a:ext uri="{FF2B5EF4-FFF2-40B4-BE49-F238E27FC236}">
+                <a16:creationId xmlns:a16="http://schemas.microsoft.com/office/drawing/2014/main" id="{18FF2925-E285-4528-A9B4-94E4C96E1939}"/>
+              </a:ext>
+            </a:extLst>
+          </p:cNvPr>
+          <p:cNvPicPr>
+            <a:picLocks noChangeAspect="1"/>
+          </p:cNvPicPr>
+          <p:nvPr userDrawn="1"/>
+        </p:nvPicPr>
+        <p:blipFill>
+          <a:blip r:embed="rId4">
+            <a:extLst>
+              <a:ext uri="{28A0092B-C50C-407E-A947-70E740481C1C}">
+                <a14:useLocalDpi xmlns:a14="http://schemas.microsoft.com/office/drawing/2010/main" val="0"/>
+              </a:ext>
+              <a:ext uri="{96DAC541-7B7A-43D3-8B79-37D633B846F1}">
+                <asvg:svgBlip xmlns:asvg="http://schemas.microsoft.com/office/drawing/2016/SVG/main" r:embed="rId5"/>
+              </a:ext>
+            </a:extLst>
+          </a:blip>
+          <a:stretch>
+            <a:fillRect/>
+          </a:stretch>
+        </p:blipFill>
+        <p:spPr>
+          <a:xfrm>
+            <a:off x="11694911" y="6413877"/>
+            <a:ext cx="224241" cy="452590"/>
+          </a:xfrm>
+          <a:prstGeom prst="rect">
+            <a:avLst/>
+          </a:prstGeom>
+        </p:spPr>
+      </p:pic>
     </p:spTree>
     <p:extLst>
       <p:ext uri="{BB962C8B-B14F-4D97-AF65-F5344CB8AC3E}">
@@ -1250,7 +1291,7 @@
           <a:p>
             <a:fld id="{F568F08F-1DC0-4930-BF4E-8E61A70AE6D0}" type="datetime1">
               <a:rPr kumimoji="1" lang="ja-JP" altLang="en-US" smtClean="0"/>
-              <a:t>2021/12/16</a:t>
+              <a:t>2021/12/17</a:t>
             </a:fld>
             <a:endParaRPr kumimoji="1" lang="ja-JP" altLang="en-US"/>
           </a:p>
@@ -1490,7 +1531,7 @@
           <a:p>
             <a:fld id="{D8D6CA07-6BB3-4277-9B36-3B9A77BE85E8}" type="datetime1">
               <a:rPr kumimoji="1" lang="ja-JP" altLang="en-US" smtClean="0"/>
-              <a:t>2021/12/16</a:t>
+              <a:t>2021/12/17</a:t>
             </a:fld>
             <a:endParaRPr kumimoji="1" lang="ja-JP" altLang="en-US"/>
           </a:p>
@@ -1735,7 +1776,7 @@
           <a:p>
             <a:fld id="{B3736FD3-C09B-4AB5-83AE-94534BBA2AC4}" type="datetime1">
               <a:rPr kumimoji="1" lang="ja-JP" altLang="en-US" smtClean="0"/>
-              <a:t>2021/12/16</a:t>
+              <a:t>2021/12/17</a:t>
             </a:fld>
             <a:endParaRPr kumimoji="1" lang="ja-JP" altLang="en-US"/>
           </a:p>
@@ -1959,6 +2000,45 @@
           </p:spPr>
         </p:pic>
       </p:grpSp>
+      <p:pic>
+        <p:nvPicPr>
+          <p:cNvPr id="17" name="グラフィックス 16">
+            <a:extLst>
+              <a:ext uri="{FF2B5EF4-FFF2-40B4-BE49-F238E27FC236}">
+                <a16:creationId xmlns:a16="http://schemas.microsoft.com/office/drawing/2014/main" id="{49A2A915-3C7D-4A9D-BE71-2233E2BF2E62}"/>
+              </a:ext>
+            </a:extLst>
+          </p:cNvPr>
+          <p:cNvPicPr>
+            <a:picLocks noChangeAspect="1"/>
+          </p:cNvPicPr>
+          <p:nvPr userDrawn="1"/>
+        </p:nvPicPr>
+        <p:blipFill>
+          <a:blip r:embed="rId4">
+            <a:extLst>
+              <a:ext uri="{28A0092B-C50C-407E-A947-70E740481C1C}">
+                <a14:useLocalDpi xmlns:a14="http://schemas.microsoft.com/office/drawing/2010/main" val="0"/>
+              </a:ext>
+              <a:ext uri="{96DAC541-7B7A-43D3-8B79-37D633B846F1}">
+                <asvg:svgBlip xmlns:asvg="http://schemas.microsoft.com/office/drawing/2016/SVG/main" r:embed="rId5"/>
+              </a:ext>
+            </a:extLst>
+          </a:blip>
+          <a:stretch>
+            <a:fillRect/>
+          </a:stretch>
+        </p:blipFill>
+        <p:spPr>
+          <a:xfrm>
+            <a:off x="11694911" y="6413877"/>
+            <a:ext cx="224241" cy="452590"/>
+          </a:xfrm>
+          <a:prstGeom prst="rect">
+            <a:avLst/>
+          </a:prstGeom>
+        </p:spPr>
+      </p:pic>
     </p:spTree>
     <p:extLst>
       <p:ext uri="{BB962C8B-B14F-4D97-AF65-F5344CB8AC3E}">
@@ -2174,7 +2254,7 @@
           <a:p>
             <a:fld id="{2524B4B4-A594-4801-8E36-F1939D45FFD7}" type="datetime1">
               <a:rPr kumimoji="1" lang="ja-JP" altLang="en-US" smtClean="0"/>
-              <a:t>2021/12/16</a:t>
+              <a:t>2021/12/17</a:t>
             </a:fld>
             <a:endParaRPr kumimoji="1" lang="ja-JP" altLang="en-US"/>
           </a:p>
@@ -2503,7 +2583,7 @@
           <a:p>
             <a:fld id="{723130EB-1A2A-4363-A0CB-8F78064E787B}" type="datetime1">
               <a:rPr kumimoji="1" lang="ja-JP" altLang="en-US" smtClean="0"/>
-              <a:t>2021/12/16</a:t>
+              <a:t>2021/12/17</a:t>
             </a:fld>
             <a:endParaRPr kumimoji="1" lang="ja-JP" altLang="en-US"/>
           </a:p>
@@ -2979,7 +3059,7 @@
           <a:p>
             <a:fld id="{74D003C6-A6EE-48A7-AE4A-C230A035A362}" type="datetime1">
               <a:rPr kumimoji="1" lang="ja-JP" altLang="en-US" smtClean="0"/>
-              <a:t>2021/12/16</a:t>
+              <a:t>2021/12/17</a:t>
             </a:fld>
             <a:endParaRPr kumimoji="1" lang="ja-JP" altLang="en-US"/>
           </a:p>
@@ -3120,7 +3200,7 @@
           <a:p>
             <a:fld id="{533F50F8-E02E-4E97-B853-AD3628137587}" type="datetime1">
               <a:rPr kumimoji="1" lang="ja-JP" altLang="en-US" smtClean="0"/>
-              <a:t>2021/12/16</a:t>
+              <a:t>2021/12/17</a:t>
             </a:fld>
             <a:endParaRPr kumimoji="1" lang="ja-JP" altLang="en-US"/>
           </a:p>
@@ -3233,7 +3313,7 @@
           <a:p>
             <a:fld id="{F11A00CE-6844-4EF5-A570-152B82E8370A}" type="datetime1">
               <a:rPr kumimoji="1" lang="ja-JP" altLang="en-US" smtClean="0"/>
-              <a:t>2021/12/16</a:t>
+              <a:t>2021/12/17</a:t>
             </a:fld>
             <a:endParaRPr kumimoji="1" lang="ja-JP" altLang="en-US"/>
           </a:p>
@@ -3576,7 +3656,7 @@
           <a:p>
             <a:fld id="{B2A27E2D-E73B-499B-B1B6-156A8DDB2FEF}" type="datetime1">
               <a:rPr kumimoji="1" lang="ja-JP" altLang="en-US" smtClean="0"/>
-              <a:t>2021/12/16</a:t>
+              <a:t>2021/12/17</a:t>
             </a:fld>
             <a:endParaRPr kumimoji="1" lang="ja-JP" altLang="en-US"/>
           </a:p>
@@ -3864,7 +3944,7 @@
           <a:p>
             <a:fld id="{463EA2B4-7E42-4242-9726-8BCDAE817088}" type="datetime1">
               <a:rPr kumimoji="1" lang="ja-JP" altLang="en-US" smtClean="0"/>
-              <a:t>2021/12/16</a:t>
+              <a:t>2021/12/17</a:t>
             </a:fld>
             <a:endParaRPr kumimoji="1" lang="ja-JP" altLang="en-US"/>
           </a:p>
@@ -4137,7 +4217,7 @@
           <a:p>
             <a:fld id="{21C3EA37-5089-43BE-9268-20333F3B8EEF}" type="datetime1">
               <a:rPr kumimoji="1" lang="ja-JP" altLang="en-US" smtClean="0"/>
-              <a:t>2021/12/16</a:t>
+              <a:t>2021/12/17</a:t>
             </a:fld>
             <a:endParaRPr kumimoji="1" lang="ja-JP" altLang="en-US"/>
           </a:p>
@@ -4919,6 +4999,306 @@
     <p:extLst>
       <p:ext uri="{BB962C8B-B14F-4D97-AF65-F5344CB8AC3E}">
         <p14:creationId xmlns:p14="http://schemas.microsoft.com/office/powerpoint/2010/main" val="1518834216"/>
+      </p:ext>
+    </p:extLst>
+  </p:cSld>
+  <p:clrMapOvr>
+    <a:masterClrMapping/>
+  </p:clrMapOvr>
+</p:sld>
+</file>
+
+<file path=ppt/slides/slide10.xml><?xml version="1.0" encoding="utf-8"?>
+<p:sld xmlns:a="http://schemas.openxmlformats.org/drawingml/2006/main" xmlns:r="http://schemas.openxmlformats.org/officeDocument/2006/relationships" xmlns:p="http://schemas.openxmlformats.org/presentationml/2006/main">
+  <p:cSld>
+    <p:spTree>
+      <p:nvGrpSpPr>
+        <p:cNvPr id="1" name=""/>
+        <p:cNvGrpSpPr/>
+        <p:nvPr/>
+      </p:nvGrpSpPr>
+      <p:grpSpPr>
+        <a:xfrm>
+          <a:off x="0" y="0"/>
+          <a:ext cx="0" cy="0"/>
+          <a:chOff x="0" y="0"/>
+          <a:chExt cx="0" cy="0"/>
+        </a:xfrm>
+      </p:grpSpPr>
+      <p:sp>
+        <p:nvSpPr>
+          <p:cNvPr id="2" name="タイトル 1">
+            <a:extLst>
+              <a:ext uri="{FF2B5EF4-FFF2-40B4-BE49-F238E27FC236}">
+                <a16:creationId xmlns:a16="http://schemas.microsoft.com/office/drawing/2014/main" id="{583D3748-3548-4DEF-ABD5-82807795177D}"/>
+              </a:ext>
+            </a:extLst>
+          </p:cNvPr>
+          <p:cNvSpPr>
+            <a:spLocks noGrp="1"/>
+          </p:cNvSpPr>
+          <p:nvPr>
+            <p:ph type="title"/>
+          </p:nvPr>
+        </p:nvSpPr>
+        <p:spPr/>
+        <p:txBody>
+          <a:bodyPr/>
+          <a:lstStyle/>
+          <a:p>
+            <a:r>
+              <a:rPr kumimoji="1" lang="ja-JP" altLang="en-US" dirty="0"/>
+              <a:t>まとめ</a:t>
+            </a:r>
+          </a:p>
+        </p:txBody>
+      </p:sp>
+      <mc:AlternateContent xmlns:mc="http://schemas.openxmlformats.org/markup-compatibility/2006">
+        <mc:Choice xmlns:a14="http://schemas.microsoft.com/office/drawing/2010/main" Requires="a14">
+          <p:sp>
+            <p:nvSpPr>
+              <p:cNvPr id="3" name="コンテンツ プレースホルダー 2">
+                <a:extLst>
+                  <a:ext uri="{FF2B5EF4-FFF2-40B4-BE49-F238E27FC236}">
+                    <a16:creationId xmlns:a16="http://schemas.microsoft.com/office/drawing/2014/main" id="{80B2394F-7C5A-41AF-81FE-BBEDC0EF0776}"/>
+                  </a:ext>
+                </a:extLst>
+              </p:cNvPr>
+              <p:cNvSpPr>
+                <a:spLocks noGrp="1"/>
+              </p:cNvSpPr>
+              <p:nvPr>
+                <p:ph idx="1"/>
+              </p:nvPr>
+            </p:nvSpPr>
+            <p:spPr>
+              <a:xfrm>
+                <a:off x="838200" y="1825624"/>
+                <a:ext cx="10515600" cy="4589575"/>
+              </a:xfrm>
+            </p:spPr>
+            <p:txBody>
+              <a:bodyPr>
+                <a:normAutofit/>
+              </a:bodyPr>
+              <a:lstStyle/>
+              <a:p>
+                <a:r>
+                  <a:rPr kumimoji="1" lang="ja-JP" altLang="en-US" dirty="0"/>
+                  <a:t>注水音を用いて容器内の水位を推定する手法を提案</a:t>
+                </a:r>
+                <a:endParaRPr kumimoji="1" lang="en-US" altLang="ja-JP" dirty="0"/>
+              </a:p>
+              <a:p>
+                <a:pPr lvl="1"/>
+                <a:r>
+                  <a:rPr lang="ja-JP" altLang="en-US" dirty="0"/>
+                  <a:t>目視での水位の確認作業が不要</a:t>
+                </a:r>
+                <a:endParaRPr lang="en-US" altLang="ja-JP" dirty="0"/>
+              </a:p>
+              <a:p>
+                <a:pPr lvl="1"/>
+                <a:r>
+                  <a:rPr kumimoji="1" lang="ja-JP" altLang="en-US" dirty="0"/>
+                  <a:t>容器へのデバイスの装着が不要</a:t>
+                </a:r>
+                <a:endParaRPr lang="en-US" altLang="ja-JP" dirty="0"/>
+              </a:p>
+              <a:p>
+                <a:r>
+                  <a:rPr kumimoji="1" lang="ja-JP" altLang="en-US" dirty="0"/>
+                  <a:t>事前に収集した注水音データを使用して識別精度を評価</a:t>
+                </a:r>
+                <a:endParaRPr kumimoji="1" lang="en-US" altLang="ja-JP" dirty="0"/>
+              </a:p>
+              <a:p>
+                <a:pPr lvl="1"/>
+                <a14:m>
+                  <m:oMath xmlns:m="http://schemas.openxmlformats.org/officeDocument/2006/math">
+                    <m:r>
+                      <a:rPr kumimoji="1" lang="en-US" altLang="ja-JP" b="0" i="1" smtClean="0">
+                        <a:latin typeface="Cambria Math" panose="02040503050406030204" pitchFamily="18" charset="0"/>
+                      </a:rPr>
+                      <m:t>𝐶</m:t>
+                    </m:r>
+                    <m:r>
+                      <a:rPr kumimoji="1" lang="en-US" altLang="ja-JP" b="0" i="1" smtClean="0">
+                        <a:latin typeface="Cambria Math" panose="02040503050406030204" pitchFamily="18" charset="0"/>
+                      </a:rPr>
+                      <m:t>=2</m:t>
+                    </m:r>
+                  </m:oMath>
+                </a14:m>
+                <a:r>
+                  <a:rPr kumimoji="1" lang="ja-JP" altLang="en-US" dirty="0"/>
+                  <a:t>のとき，</a:t>
+                </a:r>
+                <a:r>
+                  <a:rPr kumimoji="1" lang="en-US" altLang="ja-JP" dirty="0">
+                    <a:solidFill>
+                      <a:srgbClr val="FF0000"/>
+                    </a:solidFill>
+                  </a:rPr>
+                  <a:t>0.976</a:t>
+                </a:r>
+                <a:r>
+                  <a:rPr kumimoji="1" lang="ja-JP" altLang="en-US" dirty="0"/>
+                  <a:t>と高い結果</a:t>
+                </a:r>
+                <a:endParaRPr kumimoji="1" lang="en-US" altLang="ja-JP" dirty="0"/>
+              </a:p>
+              <a:p>
+                <a:pPr lvl="1"/>
+                <a14:m>
+                  <m:oMath xmlns:m="http://schemas.openxmlformats.org/officeDocument/2006/math">
+                    <m:r>
+                      <a:rPr kumimoji="1" lang="en-US" altLang="ja-JP" b="0" i="1" smtClean="0">
+                        <a:latin typeface="Cambria Math" panose="02040503050406030204" pitchFamily="18" charset="0"/>
+                      </a:rPr>
+                      <m:t>𝐶</m:t>
+                    </m:r>
+                    <m:r>
+                      <a:rPr kumimoji="1" lang="en-US" altLang="ja-JP" b="0" i="1" smtClean="0">
+                        <a:latin typeface="Cambria Math" panose="02040503050406030204" pitchFamily="18" charset="0"/>
+                      </a:rPr>
+                      <m:t>=10</m:t>
+                    </m:r>
+                  </m:oMath>
+                </a14:m>
+                <a:r>
+                  <a:rPr kumimoji="1" lang="ja-JP" altLang="en-US" dirty="0"/>
+                  <a:t>のとき，</a:t>
+                </a:r>
+                <a:r>
+                  <a:rPr kumimoji="1" lang="en-US" altLang="ja-JP" dirty="0">
+                    <a:solidFill>
+                      <a:srgbClr val="FF0000"/>
+                    </a:solidFill>
+                  </a:rPr>
+                  <a:t>0.649</a:t>
+                </a:r>
+                <a:r>
+                  <a:rPr kumimoji="1" lang="ja-JP" altLang="en-US" dirty="0"/>
+                  <a:t>だが</a:t>
+                </a:r>
+                <a:r>
+                  <a:rPr kumimoji="1" lang="en-US" altLang="ja-JP" dirty="0"/>
+                  <a:t>10</a:t>
+                </a:r>
+                <a:r>
+                  <a:rPr kumimoji="1" lang="ja-JP" altLang="en-US" dirty="0"/>
+                  <a:t>クラス分類であることを考慮すると高い結果</a:t>
+                </a:r>
+                <a:endParaRPr kumimoji="1" lang="en-US" altLang="ja-JP" dirty="0"/>
+              </a:p>
+              <a:p>
+                <a:endParaRPr lang="en-US" altLang="ja-JP" dirty="0"/>
+              </a:p>
+              <a:p>
+                <a:r>
+                  <a:rPr kumimoji="1" lang="ja-JP" altLang="en-US" dirty="0"/>
+                  <a:t>今後について</a:t>
+                </a:r>
+                <a:endParaRPr kumimoji="1" lang="en-US" altLang="ja-JP" dirty="0"/>
+              </a:p>
+              <a:p>
+                <a:pPr lvl="1"/>
+                <a:r>
+                  <a:rPr lang="ja-JP" altLang="en-US" dirty="0"/>
+                  <a:t>蛇口取り付け型デバイスを設計</a:t>
+                </a:r>
+                <a:endParaRPr lang="en-US" altLang="ja-JP" dirty="0"/>
+              </a:p>
+              <a:p>
+                <a:pPr lvl="1"/>
+                <a:r>
+                  <a:rPr kumimoji="1" lang="ja-JP" altLang="en-US" dirty="0"/>
+                  <a:t>満水になる直前に注水を停止する機能を実装</a:t>
+                </a:r>
+                <a:endParaRPr kumimoji="1" lang="en-US" altLang="ja-JP" dirty="0"/>
+              </a:p>
+            </p:txBody>
+          </p:sp>
+        </mc:Choice>
+        <mc:Fallback>
+          <p:sp>
+            <p:nvSpPr>
+              <p:cNvPr id="3" name="コンテンツ プレースホルダー 2">
+                <a:extLst>
+                  <a:ext uri="{FF2B5EF4-FFF2-40B4-BE49-F238E27FC236}">
+                    <a16:creationId xmlns:a16="http://schemas.microsoft.com/office/drawing/2014/main" id="{80B2394F-7C5A-41AF-81FE-BBEDC0EF0776}"/>
+                  </a:ext>
+                </a:extLst>
+              </p:cNvPr>
+              <p:cNvSpPr>
+                <a:spLocks noGrp="1" noRot="1" noChangeAspect="1" noMove="1" noResize="1" noEditPoints="1" noAdjustHandles="1" noChangeArrowheads="1" noChangeShapeType="1" noTextEdit="1"/>
+              </p:cNvSpPr>
+              <p:nvPr>
+                <p:ph idx="1"/>
+              </p:nvPr>
+            </p:nvSpPr>
+            <p:spPr>
+              <a:xfrm>
+                <a:off x="838200" y="1825624"/>
+                <a:ext cx="10515600" cy="4589575"/>
+              </a:xfrm>
+              <a:blipFill>
+                <a:blip r:embed="rId2"/>
+                <a:stretch>
+                  <a:fillRect l="-1043" t="-2789"/>
+                </a:stretch>
+              </a:blipFill>
+            </p:spPr>
+            <p:txBody>
+              <a:bodyPr/>
+              <a:lstStyle/>
+              <a:p>
+                <a:r>
+                  <a:rPr lang="ja-JP" altLang="en-US">
+                    <a:noFill/>
+                  </a:rPr>
+                  <a:t> </a:t>
+                </a:r>
+              </a:p>
+            </p:txBody>
+          </p:sp>
+        </mc:Fallback>
+      </mc:AlternateContent>
+      <p:sp>
+        <p:nvSpPr>
+          <p:cNvPr id="4" name="スライド番号プレースホルダー 3">
+            <a:extLst>
+              <a:ext uri="{FF2B5EF4-FFF2-40B4-BE49-F238E27FC236}">
+                <a16:creationId xmlns:a16="http://schemas.microsoft.com/office/drawing/2014/main" id="{9E160F24-5A9F-4DBE-BF79-837D8124F205}"/>
+              </a:ext>
+            </a:extLst>
+          </p:cNvPr>
+          <p:cNvSpPr>
+            <a:spLocks noGrp="1"/>
+          </p:cNvSpPr>
+          <p:nvPr>
+            <p:ph type="sldNum" sz="quarter" idx="12"/>
+          </p:nvPr>
+        </p:nvSpPr>
+        <p:spPr/>
+        <p:txBody>
+          <a:bodyPr/>
+          <a:lstStyle/>
+          <a:p>
+            <a:fld id="{92084505-5355-43A2-B929-FD06D0DABC31}" type="slidenum">
+              <a:rPr lang="ja-JP" altLang="en-US" smtClean="0"/>
+              <a:pPr/>
+              <a:t>10</a:t>
+            </a:fld>
+            <a:endParaRPr lang="ja-JP" altLang="en-US" dirty="0"/>
+          </a:p>
+        </p:txBody>
+      </p:sp>
+    </p:spTree>
+    <p:extLst>
+      <p:ext uri="{BB962C8B-B14F-4D97-AF65-F5344CB8AC3E}">
+        <p14:creationId xmlns:p14="http://schemas.microsoft.com/office/powerpoint/2010/main" val="4139389097"/>
       </p:ext>
     </p:extLst>
   </p:cSld>
@@ -12279,6 +12659,810 @@
 </p:sld>
 </file>
 
+<file path=ppt/slides/slide9.xml><?xml version="1.0" encoding="utf-8"?>
+<p:sld xmlns:a="http://schemas.openxmlformats.org/drawingml/2006/main" xmlns:r="http://schemas.openxmlformats.org/officeDocument/2006/relationships" xmlns:p="http://schemas.openxmlformats.org/presentationml/2006/main">
+  <p:cSld>
+    <p:spTree>
+      <p:nvGrpSpPr>
+        <p:cNvPr id="1" name=""/>
+        <p:cNvGrpSpPr/>
+        <p:nvPr/>
+      </p:nvGrpSpPr>
+      <p:grpSpPr>
+        <a:xfrm>
+          <a:off x="0" y="0"/>
+          <a:ext cx="0" cy="0"/>
+          <a:chOff x="0" y="0"/>
+          <a:chExt cx="0" cy="0"/>
+        </a:xfrm>
+      </p:grpSpPr>
+      <p:sp>
+        <p:nvSpPr>
+          <p:cNvPr id="2" name="タイトル 1">
+            <a:extLst>
+              <a:ext uri="{FF2B5EF4-FFF2-40B4-BE49-F238E27FC236}">
+                <a16:creationId xmlns:a16="http://schemas.microsoft.com/office/drawing/2014/main" id="{D8744BE7-0864-4A24-919E-CCA51F5E1153}"/>
+              </a:ext>
+            </a:extLst>
+          </p:cNvPr>
+          <p:cNvSpPr>
+            <a:spLocks noGrp="1"/>
+          </p:cNvSpPr>
+          <p:nvPr>
+            <p:ph type="title"/>
+          </p:nvPr>
+        </p:nvSpPr>
+        <p:spPr/>
+        <p:txBody>
+          <a:bodyPr/>
+          <a:lstStyle/>
+          <a:p>
+            <a:r>
+              <a:rPr kumimoji="1" lang="ja-JP" altLang="en-US" dirty="0"/>
+              <a:t>結果と考察</a:t>
+            </a:r>
+          </a:p>
+        </p:txBody>
+      </p:sp>
+      <mc:AlternateContent xmlns:mc="http://schemas.openxmlformats.org/markup-compatibility/2006">
+        <mc:Choice xmlns:a14="http://schemas.microsoft.com/office/drawing/2010/main" Requires="a14">
+          <p:sp>
+            <p:nvSpPr>
+              <p:cNvPr id="3" name="コンテンツ プレースホルダー 2">
+                <a:extLst>
+                  <a:ext uri="{FF2B5EF4-FFF2-40B4-BE49-F238E27FC236}">
+                    <a16:creationId xmlns:a16="http://schemas.microsoft.com/office/drawing/2014/main" id="{44203802-7593-4D5B-BEDD-066793140047}"/>
+                  </a:ext>
+                </a:extLst>
+              </p:cNvPr>
+              <p:cNvSpPr>
+                <a:spLocks noGrp="1"/>
+              </p:cNvSpPr>
+              <p:nvPr>
+                <p:ph idx="1"/>
+              </p:nvPr>
+            </p:nvSpPr>
+            <p:spPr/>
+            <p:txBody>
+              <a:bodyPr/>
+              <a:lstStyle/>
+              <a:p>
+                <a:r>
+                  <a:rPr kumimoji="1" lang="ja-JP" altLang="en-US" dirty="0"/>
+                  <a:t>学習フェーズ</a:t>
+                </a:r>
+                <a:endParaRPr kumimoji="1" lang="en-US" altLang="ja-JP" dirty="0"/>
+              </a:p>
+              <a:p>
+                <a:pPr lvl="1"/>
+                <a:r>
+                  <a:rPr lang="ja-JP" altLang="en-US" dirty="0"/>
+                  <a:t>バッチサイズ：</a:t>
+                </a:r>
+                <a:r>
+                  <a:rPr lang="en-US" altLang="ja-JP" dirty="0"/>
+                  <a:t>10,000</a:t>
+                </a:r>
+              </a:p>
+              <a:p>
+                <a:pPr lvl="1"/>
+                <a:r>
+                  <a:rPr kumimoji="1" lang="ja-JP" altLang="en-US" dirty="0"/>
+                  <a:t>エポック：</a:t>
+                </a:r>
+                <a:r>
+                  <a:rPr kumimoji="1" lang="en-US" altLang="ja-JP" dirty="0"/>
+                  <a:t>1,000</a:t>
+                </a:r>
+              </a:p>
+              <a:p>
+                <a:pPr lvl="1"/>
+                <a:r>
+                  <a:rPr lang="en-US" altLang="ja-JP" dirty="0"/>
+                  <a:t>30</a:t>
+                </a:r>
+                <a:r>
+                  <a:rPr lang="ja-JP" altLang="en-US" dirty="0"/>
+                  <a:t>試行のすべてのセグメントを学習</a:t>
+                </a:r>
+                <a:endParaRPr lang="en-US" altLang="ja-JP" dirty="0"/>
+              </a:p>
+              <a:p>
+                <a:endParaRPr kumimoji="1" lang="en-US" altLang="ja-JP" dirty="0"/>
+              </a:p>
+              <a:p>
+                <a:r>
+                  <a:rPr lang="ja-JP" altLang="en-US" dirty="0"/>
+                  <a:t>テストフェーズ</a:t>
+                </a:r>
+                <a:endParaRPr lang="en-US" altLang="ja-JP" dirty="0"/>
+              </a:p>
+              <a:p>
+                <a:pPr lvl="1"/>
+                <a:r>
+                  <a:rPr kumimoji="1" lang="en-US" altLang="ja-JP" dirty="0"/>
+                  <a:t>1</a:t>
+                </a:r>
+                <a:r>
+                  <a:rPr kumimoji="1" lang="ja-JP" altLang="en-US" dirty="0"/>
+                  <a:t>試行から</a:t>
+                </a:r>
+                <a:r>
+                  <a:rPr kumimoji="1" lang="en-US" altLang="ja-JP" dirty="0"/>
+                  <a:t>1,000</a:t>
+                </a:r>
+                <a:r>
+                  <a:rPr kumimoji="1" lang="ja-JP" altLang="en-US" dirty="0"/>
+                  <a:t>セグメントを抽出してテスト</a:t>
+                </a:r>
+                <a:endParaRPr kumimoji="1" lang="en-US" altLang="ja-JP" dirty="0"/>
+              </a:p>
+              <a:p>
+                <a:pPr lvl="1"/>
+                <a:r>
+                  <a:rPr lang="en-US" altLang="ja-JP" dirty="0"/>
+                  <a:t>LOSO</a:t>
+                </a:r>
+                <a:r>
+                  <a:rPr lang="ja-JP" altLang="en-US" dirty="0"/>
+                  <a:t>アルゴリズムで精度を算出</a:t>
+                </a:r>
+                <a:endParaRPr lang="en-US" altLang="ja-JP" dirty="0"/>
+              </a:p>
+              <a:p>
+                <a:pPr lvl="1"/>
+                <a14:m>
+                  <m:oMath xmlns:m="http://schemas.openxmlformats.org/officeDocument/2006/math">
+                    <m:r>
+                      <a:rPr kumimoji="1" lang="en-US" altLang="ja-JP" b="0" i="1" smtClean="0">
+                        <a:latin typeface="Cambria Math" panose="02040503050406030204" pitchFamily="18" charset="0"/>
+                      </a:rPr>
+                      <m:t>𝐶</m:t>
+                    </m:r>
+                    <m:r>
+                      <a:rPr kumimoji="1" lang="en-US" altLang="ja-JP" b="0" i="1" smtClean="0">
+                        <a:latin typeface="Cambria Math" panose="02040503050406030204" pitchFamily="18" charset="0"/>
+                      </a:rPr>
+                      <m:t>=10</m:t>
+                    </m:r>
+                  </m:oMath>
+                </a14:m>
+                <a:r>
+                  <a:rPr kumimoji="1" lang="ja-JP" altLang="en-US" dirty="0"/>
+                  <a:t>： </a:t>
+                </a:r>
+                <a:r>
+                  <a:rPr kumimoji="1" lang="en-US" altLang="ja-JP" dirty="0"/>
+                  <a:t>0~100%</a:t>
+                </a:r>
+                <a:r>
+                  <a:rPr kumimoji="1" lang="ja-JP" altLang="en-US" dirty="0"/>
+                  <a:t>の水位を</a:t>
+                </a:r>
+                <a:r>
+                  <a:rPr kumimoji="1" lang="en-US" altLang="ja-JP" dirty="0"/>
+                  <a:t>10%</a:t>
+                </a:r>
+                <a:r>
+                  <a:rPr kumimoji="1" lang="ja-JP" altLang="en-US" dirty="0"/>
+                  <a:t>刻みで識別</a:t>
+                </a:r>
+                <a:endParaRPr kumimoji="1" lang="en-US" altLang="ja-JP" dirty="0"/>
+              </a:p>
+              <a:p>
+                <a:pPr lvl="1"/>
+                <a14:m>
+                  <m:oMath xmlns:m="http://schemas.openxmlformats.org/officeDocument/2006/math">
+                    <m:r>
+                      <a:rPr kumimoji="1" lang="en-US" altLang="ja-JP" b="0" i="1" smtClean="0">
+                        <a:latin typeface="Cambria Math" panose="02040503050406030204" pitchFamily="18" charset="0"/>
+                      </a:rPr>
+                      <m:t>𝐶</m:t>
+                    </m:r>
+                    <m:r>
+                      <a:rPr kumimoji="1" lang="en-US" altLang="ja-JP" b="0" i="1" smtClean="0">
+                        <a:latin typeface="Cambria Math" panose="02040503050406030204" pitchFamily="18" charset="0"/>
+                      </a:rPr>
+                      <m:t>=2</m:t>
+                    </m:r>
+                  </m:oMath>
+                </a14:m>
+                <a:r>
+                  <a:rPr kumimoji="1" lang="ja-JP" altLang="en-US" dirty="0"/>
+                  <a:t>： </a:t>
+                </a:r>
+                <a:r>
+                  <a:rPr kumimoji="1" lang="en-US" altLang="ja-JP" dirty="0"/>
+                  <a:t>90%</a:t>
+                </a:r>
+                <a:r>
+                  <a:rPr kumimoji="1" lang="ja-JP" altLang="en-US" dirty="0"/>
+                  <a:t>以上の水位であるかどうか</a:t>
+                </a:r>
+                <a:endParaRPr kumimoji="1" lang="en-US" altLang="ja-JP" dirty="0"/>
+              </a:p>
+            </p:txBody>
+          </p:sp>
+        </mc:Choice>
+        <mc:Fallback>
+          <p:sp>
+            <p:nvSpPr>
+              <p:cNvPr id="3" name="コンテンツ プレースホルダー 2">
+                <a:extLst>
+                  <a:ext uri="{FF2B5EF4-FFF2-40B4-BE49-F238E27FC236}">
+                    <a16:creationId xmlns:a16="http://schemas.microsoft.com/office/drawing/2014/main" id="{44203802-7593-4D5B-BEDD-066793140047}"/>
+                  </a:ext>
+                </a:extLst>
+              </p:cNvPr>
+              <p:cNvSpPr>
+                <a:spLocks noGrp="1" noRot="1" noChangeAspect="1" noMove="1" noResize="1" noEditPoints="1" noAdjustHandles="1" noChangeArrowheads="1" noChangeShapeType="1" noTextEdit="1"/>
+              </p:cNvSpPr>
+              <p:nvPr>
+                <p:ph idx="1"/>
+              </p:nvPr>
+            </p:nvSpPr>
+            <p:spPr>
+              <a:blipFill>
+                <a:blip r:embed="rId2"/>
+                <a:stretch>
+                  <a:fillRect l="-1043" t="-2941" b="-980"/>
+                </a:stretch>
+              </a:blipFill>
+            </p:spPr>
+            <p:txBody>
+              <a:bodyPr/>
+              <a:lstStyle/>
+              <a:p>
+                <a:r>
+                  <a:rPr lang="ja-JP" altLang="en-US">
+                    <a:noFill/>
+                  </a:rPr>
+                  <a:t> </a:t>
+                </a:r>
+              </a:p>
+            </p:txBody>
+          </p:sp>
+        </mc:Fallback>
+      </mc:AlternateContent>
+      <p:sp>
+        <p:nvSpPr>
+          <p:cNvPr id="4" name="スライド番号プレースホルダー 3">
+            <a:extLst>
+              <a:ext uri="{FF2B5EF4-FFF2-40B4-BE49-F238E27FC236}">
+                <a16:creationId xmlns:a16="http://schemas.microsoft.com/office/drawing/2014/main" id="{44C38A75-EFEF-42AD-8015-854C0FB7E581}"/>
+              </a:ext>
+            </a:extLst>
+          </p:cNvPr>
+          <p:cNvSpPr>
+            <a:spLocks noGrp="1"/>
+          </p:cNvSpPr>
+          <p:nvPr>
+            <p:ph type="sldNum" sz="quarter" idx="12"/>
+          </p:nvPr>
+        </p:nvSpPr>
+        <p:spPr/>
+        <p:txBody>
+          <a:bodyPr/>
+          <a:lstStyle/>
+          <a:p>
+            <a:fld id="{92084505-5355-43A2-B929-FD06D0DABC31}" type="slidenum">
+              <a:rPr lang="ja-JP" altLang="en-US" smtClean="0"/>
+              <a:pPr/>
+              <a:t>9</a:t>
+            </a:fld>
+            <a:endParaRPr lang="ja-JP" altLang="en-US" dirty="0"/>
+          </a:p>
+        </p:txBody>
+      </p:sp>
+      <mc:AlternateContent xmlns:mc="http://schemas.openxmlformats.org/markup-compatibility/2006">
+        <mc:Choice xmlns:a14="http://schemas.microsoft.com/office/drawing/2010/main" Requires="a14">
+          <p:graphicFrame>
+            <p:nvGraphicFramePr>
+              <p:cNvPr id="5" name="表 5">
+                <a:extLst>
+                  <a:ext uri="{FF2B5EF4-FFF2-40B4-BE49-F238E27FC236}">
+                    <a16:creationId xmlns:a16="http://schemas.microsoft.com/office/drawing/2014/main" id="{9EE99EF8-FA3C-4A9E-827D-4534436FD6D7}"/>
+                  </a:ext>
+                </a:extLst>
+              </p:cNvPr>
+              <p:cNvGraphicFramePr>
+                <a:graphicFrameLocks noGrp="1"/>
+              </p:cNvGraphicFramePr>
+              <p:nvPr>
+                <p:extLst>
+                  <p:ext uri="{D42A27DB-BD31-4B8C-83A1-F6EECF244321}">
+                    <p14:modId xmlns:p14="http://schemas.microsoft.com/office/powerpoint/2010/main" val="678033541"/>
+                  </p:ext>
+                </p:extLst>
+              </p:nvPr>
+            </p:nvGraphicFramePr>
+            <p:xfrm>
+              <a:off x="7653867" y="4868334"/>
+              <a:ext cx="3699933" cy="1112520"/>
+            </p:xfrm>
+            <a:graphic>
+              <a:graphicData uri="http://schemas.openxmlformats.org/drawingml/2006/table">
+                <a:tbl>
+                  <a:tblPr firstRow="1" bandRow="1">
+                    <a:tableStyleId>{6E25E649-3F16-4E02-A733-19D2CDBF48F0}</a:tableStyleId>
+                  </a:tblPr>
+                  <a:tblGrid>
+                    <a:gridCol w="2283909">
+                      <a:extLst>
+                        <a:ext uri="{9D8B030D-6E8A-4147-A177-3AD203B41FA5}">
+                          <a16:colId xmlns:a16="http://schemas.microsoft.com/office/drawing/2014/main" val="1705232643"/>
+                        </a:ext>
+                      </a:extLst>
+                    </a:gridCol>
+                    <a:gridCol w="1416024">
+                      <a:extLst>
+                        <a:ext uri="{9D8B030D-6E8A-4147-A177-3AD203B41FA5}">
+                          <a16:colId xmlns:a16="http://schemas.microsoft.com/office/drawing/2014/main" val="440696306"/>
+                        </a:ext>
+                      </a:extLst>
+                    </a:gridCol>
+                  </a:tblGrid>
+                  <a:tr h="370840">
+                    <a:tc>
+                      <a:txBody>
+                        <a:bodyPr/>
+                        <a:lstStyle/>
+                        <a:p>
+                          <a:pPr algn="ctr"/>
+                          <a:r>
+                            <a:rPr kumimoji="1" lang="ja-JP" altLang="en-US" dirty="0"/>
+                            <a:t>識別クラス数 （</a:t>
+                          </a:r>
+                          <a14:m>
+                            <m:oMath xmlns:m="http://schemas.openxmlformats.org/officeDocument/2006/math">
+                              <m:r>
+                                <a:rPr kumimoji="1" lang="en-US" altLang="ja-JP" b="1" smtClean="0"/>
+                                <m:t>𝑪</m:t>
+                              </m:r>
+                            </m:oMath>
+                          </a14:m>
+                          <a:r>
+                            <a:rPr kumimoji="1" lang="ja-JP" altLang="en-US" dirty="0"/>
+                            <a:t>）</a:t>
+                          </a:r>
+                        </a:p>
+                      </a:txBody>
+                      <a:tcPr/>
+                    </a:tc>
+                    <a:tc>
+                      <a:txBody>
+                        <a:bodyPr/>
+                        <a:lstStyle/>
+                        <a:p>
+                          <a:pPr algn="ctr"/>
+                          <a:r>
+                            <a:rPr kumimoji="1" lang="ja-JP" altLang="en-US" dirty="0"/>
+                            <a:t>精度</a:t>
+                          </a:r>
+                        </a:p>
+                      </a:txBody>
+                      <a:tcPr/>
+                    </a:tc>
+                    <a:extLst>
+                      <a:ext uri="{0D108BD9-81ED-4DB2-BD59-A6C34878D82A}">
+                        <a16:rowId xmlns:a16="http://schemas.microsoft.com/office/drawing/2014/main" val="1142045752"/>
+                      </a:ext>
+                    </a:extLst>
+                  </a:tr>
+                  <a:tr h="370840">
+                    <a:tc>
+                      <a:txBody>
+                        <a:bodyPr/>
+                        <a:lstStyle/>
+                        <a:p>
+                          <a:pPr algn="ctr"/>
+                          <a:r>
+                            <a:rPr kumimoji="1" lang="en-US" altLang="ja-JP" dirty="0"/>
+                            <a:t>10</a:t>
+                          </a:r>
+                          <a:endParaRPr kumimoji="1" lang="ja-JP" altLang="en-US" dirty="0">
+                            <a:latin typeface="Arial" panose="020B0604020202020204" pitchFamily="34" charset="0"/>
+                            <a:cs typeface="Arial" panose="020B0604020202020204" pitchFamily="34" charset="0"/>
+                          </a:endParaRPr>
+                        </a:p>
+                      </a:txBody>
+                      <a:tcPr/>
+                    </a:tc>
+                    <a:tc>
+                      <a:txBody>
+                        <a:bodyPr/>
+                        <a:lstStyle/>
+                        <a:p>
+                          <a:pPr algn="ctr"/>
+                          <a:r>
+                            <a:rPr kumimoji="1" lang="en-US" altLang="ja-JP" dirty="0"/>
+                            <a:t>0.649</a:t>
+                          </a:r>
+                          <a:endParaRPr kumimoji="1" lang="ja-JP" altLang="en-US" dirty="0">
+                            <a:latin typeface="Arial" panose="020B0604020202020204" pitchFamily="34" charset="0"/>
+                            <a:cs typeface="Arial" panose="020B0604020202020204" pitchFamily="34" charset="0"/>
+                          </a:endParaRPr>
+                        </a:p>
+                      </a:txBody>
+                      <a:tcPr/>
+                    </a:tc>
+                    <a:extLst>
+                      <a:ext uri="{0D108BD9-81ED-4DB2-BD59-A6C34878D82A}">
+                        <a16:rowId xmlns:a16="http://schemas.microsoft.com/office/drawing/2014/main" val="2608144329"/>
+                      </a:ext>
+                    </a:extLst>
+                  </a:tr>
+                  <a:tr h="370840">
+                    <a:tc>
+                      <a:txBody>
+                        <a:bodyPr/>
+                        <a:lstStyle/>
+                        <a:p>
+                          <a:pPr algn="ctr"/>
+                          <a:r>
+                            <a:rPr kumimoji="1" lang="en-US" altLang="ja-JP" dirty="0"/>
+                            <a:t>2</a:t>
+                          </a:r>
+                          <a:endParaRPr kumimoji="1" lang="ja-JP" altLang="en-US" dirty="0">
+                            <a:latin typeface="Arial" panose="020B0604020202020204" pitchFamily="34" charset="0"/>
+                            <a:cs typeface="Arial" panose="020B0604020202020204" pitchFamily="34" charset="0"/>
+                          </a:endParaRPr>
+                        </a:p>
+                      </a:txBody>
+                      <a:tcPr/>
+                    </a:tc>
+                    <a:tc>
+                      <a:txBody>
+                        <a:bodyPr/>
+                        <a:lstStyle/>
+                        <a:p>
+                          <a:pPr algn="ctr"/>
+                          <a:r>
+                            <a:rPr kumimoji="1" lang="en-US" altLang="ja-JP" dirty="0"/>
+                            <a:t>0.976</a:t>
+                          </a:r>
+                          <a:endParaRPr kumimoji="1" lang="ja-JP" altLang="en-US" dirty="0">
+                            <a:latin typeface="Arial" panose="020B0604020202020204" pitchFamily="34" charset="0"/>
+                            <a:cs typeface="Arial" panose="020B0604020202020204" pitchFamily="34" charset="0"/>
+                          </a:endParaRPr>
+                        </a:p>
+                      </a:txBody>
+                      <a:tcPr/>
+                    </a:tc>
+                    <a:extLst>
+                      <a:ext uri="{0D108BD9-81ED-4DB2-BD59-A6C34878D82A}">
+                        <a16:rowId xmlns:a16="http://schemas.microsoft.com/office/drawing/2014/main" val="3199544053"/>
+                      </a:ext>
+                    </a:extLst>
+                  </a:tr>
+                </a:tbl>
+              </a:graphicData>
+            </a:graphic>
+          </p:graphicFrame>
+        </mc:Choice>
+        <mc:Fallback>
+          <p:graphicFrame>
+            <p:nvGraphicFramePr>
+              <p:cNvPr id="5" name="表 5">
+                <a:extLst>
+                  <a:ext uri="{FF2B5EF4-FFF2-40B4-BE49-F238E27FC236}">
+                    <a16:creationId xmlns:a16="http://schemas.microsoft.com/office/drawing/2014/main" id="{9EE99EF8-FA3C-4A9E-827D-4534436FD6D7}"/>
+                  </a:ext>
+                </a:extLst>
+              </p:cNvPr>
+              <p:cNvGraphicFramePr>
+                <a:graphicFrameLocks noGrp="1"/>
+              </p:cNvGraphicFramePr>
+              <p:nvPr>
+                <p:extLst>
+                  <p:ext uri="{D42A27DB-BD31-4B8C-83A1-F6EECF244321}">
+                    <p14:modId xmlns:p14="http://schemas.microsoft.com/office/powerpoint/2010/main" val="678033541"/>
+                  </p:ext>
+                </p:extLst>
+              </p:nvPr>
+            </p:nvGraphicFramePr>
+            <p:xfrm>
+              <a:off x="7653867" y="4868334"/>
+              <a:ext cx="3699933" cy="1112520"/>
+            </p:xfrm>
+            <a:graphic>
+              <a:graphicData uri="http://schemas.openxmlformats.org/drawingml/2006/table">
+                <a:tbl>
+                  <a:tblPr firstRow="1" bandRow="1">
+                    <a:tableStyleId>{6E25E649-3F16-4E02-A733-19D2CDBF48F0}</a:tableStyleId>
+                  </a:tblPr>
+                  <a:tblGrid>
+                    <a:gridCol w="2283909">
+                      <a:extLst>
+                        <a:ext uri="{9D8B030D-6E8A-4147-A177-3AD203B41FA5}">
+                          <a16:colId xmlns:a16="http://schemas.microsoft.com/office/drawing/2014/main" val="1705232643"/>
+                        </a:ext>
+                      </a:extLst>
+                    </a:gridCol>
+                    <a:gridCol w="1416024">
+                      <a:extLst>
+                        <a:ext uri="{9D8B030D-6E8A-4147-A177-3AD203B41FA5}">
+                          <a16:colId xmlns:a16="http://schemas.microsoft.com/office/drawing/2014/main" val="440696306"/>
+                        </a:ext>
+                      </a:extLst>
+                    </a:gridCol>
+                  </a:tblGrid>
+                  <a:tr h="370840">
+                    <a:tc>
+                      <a:txBody>
+                        <a:bodyPr/>
+                        <a:lstStyle/>
+                        <a:p>
+                          <a:endParaRPr lang="ja-JP"/>
+                        </a:p>
+                      </a:txBody>
+                      <a:tcPr>
+                        <a:blipFill>
+                          <a:blip r:embed="rId3"/>
+                          <a:stretch>
+                            <a:fillRect t="-13115" r="-62667" b="-226230"/>
+                          </a:stretch>
+                        </a:blipFill>
+                      </a:tcPr>
+                    </a:tc>
+                    <a:tc>
+                      <a:txBody>
+                        <a:bodyPr/>
+                        <a:lstStyle/>
+                        <a:p>
+                          <a:pPr algn="ctr"/>
+                          <a:r>
+                            <a:rPr kumimoji="1" lang="ja-JP" altLang="en-US" dirty="0"/>
+                            <a:t>精度</a:t>
+                          </a:r>
+                        </a:p>
+                      </a:txBody>
+                      <a:tcPr/>
+                    </a:tc>
+                    <a:extLst>
+                      <a:ext uri="{0D108BD9-81ED-4DB2-BD59-A6C34878D82A}">
+                        <a16:rowId xmlns:a16="http://schemas.microsoft.com/office/drawing/2014/main" val="1142045752"/>
+                      </a:ext>
+                    </a:extLst>
+                  </a:tr>
+                  <a:tr h="370840">
+                    <a:tc>
+                      <a:txBody>
+                        <a:bodyPr/>
+                        <a:lstStyle/>
+                        <a:p>
+                          <a:pPr algn="ctr"/>
+                          <a:r>
+                            <a:rPr kumimoji="1" lang="en-US" altLang="ja-JP" dirty="0"/>
+                            <a:t>10</a:t>
+                          </a:r>
+                          <a:endParaRPr kumimoji="1" lang="ja-JP" altLang="en-US" dirty="0">
+                            <a:latin typeface="Arial" panose="020B0604020202020204" pitchFamily="34" charset="0"/>
+                            <a:cs typeface="Arial" panose="020B0604020202020204" pitchFamily="34" charset="0"/>
+                          </a:endParaRPr>
+                        </a:p>
+                      </a:txBody>
+                      <a:tcPr/>
+                    </a:tc>
+                    <a:tc>
+                      <a:txBody>
+                        <a:bodyPr/>
+                        <a:lstStyle/>
+                        <a:p>
+                          <a:pPr algn="ctr"/>
+                          <a:r>
+                            <a:rPr kumimoji="1" lang="en-US" altLang="ja-JP" dirty="0"/>
+                            <a:t>0.649</a:t>
+                          </a:r>
+                          <a:endParaRPr kumimoji="1" lang="ja-JP" altLang="en-US" dirty="0">
+                            <a:latin typeface="Arial" panose="020B0604020202020204" pitchFamily="34" charset="0"/>
+                            <a:cs typeface="Arial" panose="020B0604020202020204" pitchFamily="34" charset="0"/>
+                          </a:endParaRPr>
+                        </a:p>
+                      </a:txBody>
+                      <a:tcPr/>
+                    </a:tc>
+                    <a:extLst>
+                      <a:ext uri="{0D108BD9-81ED-4DB2-BD59-A6C34878D82A}">
+                        <a16:rowId xmlns:a16="http://schemas.microsoft.com/office/drawing/2014/main" val="2608144329"/>
+                      </a:ext>
+                    </a:extLst>
+                  </a:tr>
+                  <a:tr h="370840">
+                    <a:tc>
+                      <a:txBody>
+                        <a:bodyPr/>
+                        <a:lstStyle/>
+                        <a:p>
+                          <a:pPr algn="ctr"/>
+                          <a:r>
+                            <a:rPr kumimoji="1" lang="en-US" altLang="ja-JP" dirty="0"/>
+                            <a:t>2</a:t>
+                          </a:r>
+                          <a:endParaRPr kumimoji="1" lang="ja-JP" altLang="en-US" dirty="0">
+                            <a:latin typeface="Arial" panose="020B0604020202020204" pitchFamily="34" charset="0"/>
+                            <a:cs typeface="Arial" panose="020B0604020202020204" pitchFamily="34" charset="0"/>
+                          </a:endParaRPr>
+                        </a:p>
+                      </a:txBody>
+                      <a:tcPr/>
+                    </a:tc>
+                    <a:tc>
+                      <a:txBody>
+                        <a:bodyPr/>
+                        <a:lstStyle/>
+                        <a:p>
+                          <a:pPr algn="ctr"/>
+                          <a:r>
+                            <a:rPr kumimoji="1" lang="en-US" altLang="ja-JP" dirty="0"/>
+                            <a:t>0.976</a:t>
+                          </a:r>
+                          <a:endParaRPr kumimoji="1" lang="ja-JP" altLang="en-US" dirty="0">
+                            <a:latin typeface="Arial" panose="020B0604020202020204" pitchFamily="34" charset="0"/>
+                            <a:cs typeface="Arial" panose="020B0604020202020204" pitchFamily="34" charset="0"/>
+                          </a:endParaRPr>
+                        </a:p>
+                      </a:txBody>
+                      <a:tcPr/>
+                    </a:tc>
+                    <a:extLst>
+                      <a:ext uri="{0D108BD9-81ED-4DB2-BD59-A6C34878D82A}">
+                        <a16:rowId xmlns:a16="http://schemas.microsoft.com/office/drawing/2014/main" val="3199544053"/>
+                      </a:ext>
+                    </a:extLst>
+                  </a:tr>
+                </a:tbl>
+              </a:graphicData>
+            </a:graphic>
+          </p:graphicFrame>
+        </mc:Fallback>
+      </mc:AlternateContent>
+      <p:sp>
+        <p:nvSpPr>
+          <p:cNvPr id="6" name="テキスト ボックス 5">
+            <a:extLst>
+              <a:ext uri="{FF2B5EF4-FFF2-40B4-BE49-F238E27FC236}">
+                <a16:creationId xmlns:a16="http://schemas.microsoft.com/office/drawing/2014/main" id="{D24E01F3-B709-44FD-9CD6-54B6A65DEFD8}"/>
+              </a:ext>
+            </a:extLst>
+          </p:cNvPr>
+          <p:cNvSpPr txBox="1"/>
+          <p:nvPr/>
+        </p:nvSpPr>
+        <p:spPr>
+          <a:xfrm>
+            <a:off x="7653866" y="4428068"/>
+            <a:ext cx="3699933" cy="369332"/>
+          </a:xfrm>
+          <a:prstGeom prst="rect">
+            <a:avLst/>
+          </a:prstGeom>
+          <a:noFill/>
+        </p:spPr>
+        <p:txBody>
+          <a:bodyPr wrap="square" rtlCol="0">
+            <a:spAutoFit/>
+          </a:bodyPr>
+          <a:lstStyle/>
+          <a:p>
+            <a:pPr algn="ctr"/>
+            <a:r>
+              <a:rPr kumimoji="1" lang="ja-JP" altLang="en-US" dirty="0"/>
+              <a:t>識別精度の平均</a:t>
+            </a:r>
+          </a:p>
+        </p:txBody>
+      </p:sp>
+      <p:grpSp>
+        <p:nvGrpSpPr>
+          <p:cNvPr id="10" name="グループ化 9">
+            <a:extLst>
+              <a:ext uri="{FF2B5EF4-FFF2-40B4-BE49-F238E27FC236}">
+                <a16:creationId xmlns:a16="http://schemas.microsoft.com/office/drawing/2014/main" id="{EAF39D60-D979-4FA6-904D-0AE6D00B5822}"/>
+              </a:ext>
+            </a:extLst>
+          </p:cNvPr>
+          <p:cNvGrpSpPr/>
+          <p:nvPr/>
+        </p:nvGrpSpPr>
+        <p:grpSpPr>
+          <a:xfrm>
+            <a:off x="7810060" y="1687967"/>
+            <a:ext cx="3294407" cy="2314861"/>
+            <a:chOff x="7818527" y="1687967"/>
+            <a:chExt cx="3294407" cy="2314861"/>
+          </a:xfrm>
+        </p:grpSpPr>
+        <p:pic>
+          <p:nvPicPr>
+            <p:cNvPr id="8" name="図 7" descr="グラフ&#10;&#10;自動的に生成された説明">
+              <a:extLst>
+                <a:ext uri="{FF2B5EF4-FFF2-40B4-BE49-F238E27FC236}">
+                  <a16:creationId xmlns:a16="http://schemas.microsoft.com/office/drawing/2014/main" id="{9DF9A157-6F3E-40CB-B630-A7FFE391B059}"/>
+                </a:ext>
+              </a:extLst>
+            </p:cNvPr>
+            <p:cNvPicPr>
+              <a:picLocks noChangeAspect="1"/>
+            </p:cNvPicPr>
+            <p:nvPr/>
+          </p:nvPicPr>
+          <p:blipFill>
+            <a:blip r:embed="rId4">
+              <a:extLst>
+                <a:ext uri="{28A0092B-C50C-407E-A947-70E740481C1C}">
+                  <a14:useLocalDpi xmlns:a14="http://schemas.microsoft.com/office/drawing/2010/main" val="0"/>
+                </a:ext>
+              </a:extLst>
+            </a:blip>
+            <a:stretch>
+              <a:fillRect/>
+            </a:stretch>
+          </p:blipFill>
+          <p:spPr>
+            <a:xfrm>
+              <a:off x="7818527" y="2099634"/>
+              <a:ext cx="3201270" cy="1903194"/>
+            </a:xfrm>
+            <a:prstGeom prst="rect">
+              <a:avLst/>
+            </a:prstGeom>
+          </p:spPr>
+        </p:pic>
+        <p:sp>
+          <p:nvSpPr>
+            <p:cNvPr id="9" name="テキスト ボックス 8">
+              <a:extLst>
+                <a:ext uri="{FF2B5EF4-FFF2-40B4-BE49-F238E27FC236}">
+                  <a16:creationId xmlns:a16="http://schemas.microsoft.com/office/drawing/2014/main" id="{BEAAFBB8-DD9E-4C72-840D-EFE56B7E55A1}"/>
+                </a:ext>
+              </a:extLst>
+            </p:cNvPr>
+            <p:cNvSpPr txBox="1"/>
+            <p:nvPr/>
+          </p:nvSpPr>
+          <p:spPr>
+            <a:xfrm>
+              <a:off x="7911664" y="1687967"/>
+              <a:ext cx="3201270" cy="369332"/>
+            </a:xfrm>
+            <a:prstGeom prst="rect">
+              <a:avLst/>
+            </a:prstGeom>
+            <a:noFill/>
+          </p:spPr>
+          <p:txBody>
+            <a:bodyPr wrap="square" rtlCol="0">
+              <a:spAutoFit/>
+            </a:bodyPr>
+            <a:lstStyle/>
+            <a:p>
+              <a:pPr algn="ctr"/>
+              <a:r>
+                <a:rPr kumimoji="1" lang="en-US" altLang="ja-JP" dirty="0"/>
+                <a:t>Loss</a:t>
+              </a:r>
+              <a:r>
+                <a:rPr kumimoji="1" lang="ja-JP" altLang="en-US" dirty="0"/>
+                <a:t>の変化</a:t>
+              </a:r>
+            </a:p>
+          </p:txBody>
+        </p:sp>
+      </p:grpSp>
+    </p:spTree>
+    <p:extLst>
+      <p:ext uri="{BB962C8B-B14F-4D97-AF65-F5344CB8AC3E}">
+        <p14:creationId xmlns:p14="http://schemas.microsoft.com/office/powerpoint/2010/main" val="1609622984"/>
+      </p:ext>
+    </p:extLst>
+  </p:cSld>
+  <p:clrMapOvr>
+    <a:masterClrMapping/>
+  </p:clrMapOvr>
+</p:sld>
+</file>
+
 <file path=ppt/theme/theme1.xml><?xml version="1.0" encoding="utf-8"?>
 <a:theme xmlns:a="http://schemas.openxmlformats.org/drawingml/2006/main" name="Office テーマ">
   <a:themeElements>

--- a/paper/water/UWW2021/UWW2021.pptx
+++ b/paper/water/UWW2021/UWW2021.pptx
@@ -686,6 +686,886 @@
 </p:notesMaster>
 </file>
 
+<file path=ppt/notesSlides/notesSlide1.xml><?xml version="1.0" encoding="utf-8"?>
+<p:notes xmlns:a="http://schemas.openxmlformats.org/drawingml/2006/main" xmlns:r="http://schemas.openxmlformats.org/officeDocument/2006/relationships" xmlns:p="http://schemas.openxmlformats.org/presentationml/2006/main">
+  <p:cSld>
+    <p:spTree>
+      <p:nvGrpSpPr>
+        <p:cNvPr id="1" name=""/>
+        <p:cNvGrpSpPr/>
+        <p:nvPr/>
+      </p:nvGrpSpPr>
+      <p:grpSpPr>
+        <a:xfrm>
+          <a:off x="0" y="0"/>
+          <a:ext cx="0" cy="0"/>
+          <a:chOff x="0" y="0"/>
+          <a:chExt cx="0" cy="0"/>
+        </a:xfrm>
+      </p:grpSpPr>
+      <p:sp>
+        <p:nvSpPr>
+          <p:cNvPr id="2" name="スライド イメージ プレースホルダー 1"/>
+          <p:cNvSpPr>
+            <a:spLocks noGrp="1" noRot="1" noChangeAspect="1"/>
+          </p:cNvSpPr>
+          <p:nvPr>
+            <p:ph type="sldImg"/>
+          </p:nvPr>
+        </p:nvSpPr>
+        <p:spPr/>
+      </p:sp>
+      <p:sp>
+        <p:nvSpPr>
+          <p:cNvPr id="3" name="ノート プレースホルダー 2"/>
+          <p:cNvSpPr>
+            <a:spLocks noGrp="1"/>
+          </p:cNvSpPr>
+          <p:nvPr>
+            <p:ph type="body" idx="1"/>
+          </p:nvPr>
+        </p:nvSpPr>
+        <p:spPr/>
+        <p:txBody>
+          <a:bodyPr/>
+          <a:lstStyle/>
+          <a:p>
+            <a:r>
+              <a:rPr kumimoji="1" lang="en-US" altLang="ja-JP" dirty="0"/>
+              <a:t>(00:10)</a:t>
+            </a:r>
+            <a:endParaRPr kumimoji="1" lang="ja-JP" altLang="en-US" dirty="0"/>
+          </a:p>
+        </p:txBody>
+      </p:sp>
+      <p:sp>
+        <p:nvSpPr>
+          <p:cNvPr id="4" name="スライド番号プレースホルダー 3"/>
+          <p:cNvSpPr>
+            <a:spLocks noGrp="1"/>
+          </p:cNvSpPr>
+          <p:nvPr>
+            <p:ph type="sldNum" sz="quarter" idx="5"/>
+          </p:nvPr>
+        </p:nvSpPr>
+        <p:spPr/>
+        <p:txBody>
+          <a:bodyPr/>
+          <a:lstStyle/>
+          <a:p>
+            <a:fld id="{F57D20F2-A6F3-4074-B88A-99624881A0A6}" type="slidenum">
+              <a:rPr kumimoji="1" lang="ja-JP" altLang="en-US" smtClean="0"/>
+              <a:t>1</a:t>
+            </a:fld>
+            <a:endParaRPr kumimoji="1" lang="ja-JP" altLang="en-US"/>
+          </a:p>
+        </p:txBody>
+      </p:sp>
+    </p:spTree>
+    <p:extLst>
+      <p:ext uri="{BB962C8B-B14F-4D97-AF65-F5344CB8AC3E}">
+        <p14:creationId xmlns:p14="http://schemas.microsoft.com/office/powerpoint/2010/main" val="863988318"/>
+      </p:ext>
+    </p:extLst>
+  </p:cSld>
+  <p:clrMapOvr>
+    <a:masterClrMapping/>
+  </p:clrMapOvr>
+</p:notes>
+</file>
+
+<file path=ppt/notesSlides/notesSlide10.xml><?xml version="1.0" encoding="utf-8"?>
+<p:notes xmlns:a="http://schemas.openxmlformats.org/drawingml/2006/main" xmlns:r="http://schemas.openxmlformats.org/officeDocument/2006/relationships" xmlns:p="http://schemas.openxmlformats.org/presentationml/2006/main">
+  <p:cSld>
+    <p:spTree>
+      <p:nvGrpSpPr>
+        <p:cNvPr id="1" name=""/>
+        <p:cNvGrpSpPr/>
+        <p:nvPr/>
+      </p:nvGrpSpPr>
+      <p:grpSpPr>
+        <a:xfrm>
+          <a:off x="0" y="0"/>
+          <a:ext cx="0" cy="0"/>
+          <a:chOff x="0" y="0"/>
+          <a:chExt cx="0" cy="0"/>
+        </a:xfrm>
+      </p:grpSpPr>
+      <p:sp>
+        <p:nvSpPr>
+          <p:cNvPr id="2" name="スライド イメージ プレースホルダー 1"/>
+          <p:cNvSpPr>
+            <a:spLocks noGrp="1" noRot="1" noChangeAspect="1"/>
+          </p:cNvSpPr>
+          <p:nvPr>
+            <p:ph type="sldImg"/>
+          </p:nvPr>
+        </p:nvSpPr>
+        <p:spPr/>
+      </p:sp>
+      <p:sp>
+        <p:nvSpPr>
+          <p:cNvPr id="3" name="ノート プレースホルダー 2"/>
+          <p:cNvSpPr>
+            <a:spLocks noGrp="1"/>
+          </p:cNvSpPr>
+          <p:nvPr>
+            <p:ph type="body" idx="1"/>
+          </p:nvPr>
+        </p:nvSpPr>
+        <p:spPr/>
+        <p:txBody>
+          <a:bodyPr/>
+          <a:lstStyle/>
+          <a:p>
+            <a:r>
+              <a:rPr kumimoji="1" lang="en-US" altLang="ja-JP"/>
+              <a:t>(06:10)</a:t>
+            </a:r>
+            <a:endParaRPr kumimoji="1" lang="ja-JP" altLang="en-US"/>
+          </a:p>
+        </p:txBody>
+      </p:sp>
+      <p:sp>
+        <p:nvSpPr>
+          <p:cNvPr id="4" name="スライド番号プレースホルダー 3"/>
+          <p:cNvSpPr>
+            <a:spLocks noGrp="1"/>
+          </p:cNvSpPr>
+          <p:nvPr>
+            <p:ph type="sldNum" sz="quarter" idx="5"/>
+          </p:nvPr>
+        </p:nvSpPr>
+        <p:spPr/>
+        <p:txBody>
+          <a:bodyPr/>
+          <a:lstStyle/>
+          <a:p>
+            <a:fld id="{F57D20F2-A6F3-4074-B88A-99624881A0A6}" type="slidenum">
+              <a:rPr kumimoji="1" lang="ja-JP" altLang="en-US" smtClean="0"/>
+              <a:t>10</a:t>
+            </a:fld>
+            <a:endParaRPr kumimoji="1" lang="ja-JP" altLang="en-US"/>
+          </a:p>
+        </p:txBody>
+      </p:sp>
+    </p:spTree>
+    <p:extLst>
+      <p:ext uri="{BB962C8B-B14F-4D97-AF65-F5344CB8AC3E}">
+        <p14:creationId xmlns:p14="http://schemas.microsoft.com/office/powerpoint/2010/main" val="3755912273"/>
+      </p:ext>
+    </p:extLst>
+  </p:cSld>
+  <p:clrMapOvr>
+    <a:masterClrMapping/>
+  </p:clrMapOvr>
+</p:notes>
+</file>
+
+<file path=ppt/notesSlides/notesSlide2.xml><?xml version="1.0" encoding="utf-8"?>
+<p:notes xmlns:a="http://schemas.openxmlformats.org/drawingml/2006/main" xmlns:r="http://schemas.openxmlformats.org/officeDocument/2006/relationships" xmlns:p="http://schemas.openxmlformats.org/presentationml/2006/main">
+  <p:cSld>
+    <p:spTree>
+      <p:nvGrpSpPr>
+        <p:cNvPr id="1" name=""/>
+        <p:cNvGrpSpPr/>
+        <p:nvPr/>
+      </p:nvGrpSpPr>
+      <p:grpSpPr>
+        <a:xfrm>
+          <a:off x="0" y="0"/>
+          <a:ext cx="0" cy="0"/>
+          <a:chOff x="0" y="0"/>
+          <a:chExt cx="0" cy="0"/>
+        </a:xfrm>
+      </p:grpSpPr>
+      <p:sp>
+        <p:nvSpPr>
+          <p:cNvPr id="2" name="スライド イメージ プレースホルダー 1"/>
+          <p:cNvSpPr>
+            <a:spLocks noGrp="1" noRot="1" noChangeAspect="1"/>
+          </p:cNvSpPr>
+          <p:nvPr>
+            <p:ph type="sldImg"/>
+          </p:nvPr>
+        </p:nvSpPr>
+        <p:spPr/>
+      </p:sp>
+      <p:sp>
+        <p:nvSpPr>
+          <p:cNvPr id="3" name="ノート プレースホルダー 2"/>
+          <p:cNvSpPr>
+            <a:spLocks noGrp="1"/>
+          </p:cNvSpPr>
+          <p:nvPr>
+            <p:ph type="body" idx="1"/>
+          </p:nvPr>
+        </p:nvSpPr>
+        <p:spPr/>
+        <p:txBody>
+          <a:bodyPr/>
+          <a:lstStyle/>
+          <a:p>
+            <a:r>
+              <a:rPr kumimoji="1" lang="en-US" altLang="ja-JP" dirty="0"/>
+              <a:t>(00:40)</a:t>
+            </a:r>
+            <a:endParaRPr kumimoji="1" lang="ja-JP" altLang="en-US" dirty="0"/>
+          </a:p>
+        </p:txBody>
+      </p:sp>
+      <p:sp>
+        <p:nvSpPr>
+          <p:cNvPr id="4" name="スライド番号プレースホルダー 3"/>
+          <p:cNvSpPr>
+            <a:spLocks noGrp="1"/>
+          </p:cNvSpPr>
+          <p:nvPr>
+            <p:ph type="sldNum" sz="quarter" idx="5"/>
+          </p:nvPr>
+        </p:nvSpPr>
+        <p:spPr/>
+        <p:txBody>
+          <a:bodyPr/>
+          <a:lstStyle/>
+          <a:p>
+            <a:fld id="{F57D20F2-A6F3-4074-B88A-99624881A0A6}" type="slidenum">
+              <a:rPr kumimoji="1" lang="ja-JP" altLang="en-US" smtClean="0"/>
+              <a:t>2</a:t>
+            </a:fld>
+            <a:endParaRPr kumimoji="1" lang="ja-JP" altLang="en-US"/>
+          </a:p>
+        </p:txBody>
+      </p:sp>
+    </p:spTree>
+    <p:extLst>
+      <p:ext uri="{BB962C8B-B14F-4D97-AF65-F5344CB8AC3E}">
+        <p14:creationId xmlns:p14="http://schemas.microsoft.com/office/powerpoint/2010/main" val="729980368"/>
+      </p:ext>
+    </p:extLst>
+  </p:cSld>
+  <p:clrMapOvr>
+    <a:masterClrMapping/>
+  </p:clrMapOvr>
+</p:notes>
+</file>
+
+<file path=ppt/notesSlides/notesSlide3.xml><?xml version="1.0" encoding="utf-8"?>
+<p:notes xmlns:a="http://schemas.openxmlformats.org/drawingml/2006/main" xmlns:r="http://schemas.openxmlformats.org/officeDocument/2006/relationships" xmlns:p="http://schemas.openxmlformats.org/presentationml/2006/main">
+  <p:cSld>
+    <p:spTree>
+      <p:nvGrpSpPr>
+        <p:cNvPr id="1" name=""/>
+        <p:cNvGrpSpPr/>
+        <p:nvPr/>
+      </p:nvGrpSpPr>
+      <p:grpSpPr>
+        <a:xfrm>
+          <a:off x="0" y="0"/>
+          <a:ext cx="0" cy="0"/>
+          <a:chOff x="0" y="0"/>
+          <a:chExt cx="0" cy="0"/>
+        </a:xfrm>
+      </p:grpSpPr>
+      <p:sp>
+        <p:nvSpPr>
+          <p:cNvPr id="2" name="スライド イメージ プレースホルダー 1"/>
+          <p:cNvSpPr>
+            <a:spLocks noGrp="1" noRot="1" noChangeAspect="1"/>
+          </p:cNvSpPr>
+          <p:nvPr>
+            <p:ph type="sldImg"/>
+          </p:nvPr>
+        </p:nvSpPr>
+        <p:spPr/>
+      </p:sp>
+      <p:sp>
+        <p:nvSpPr>
+          <p:cNvPr id="3" name="ノート プレースホルダー 2"/>
+          <p:cNvSpPr>
+            <a:spLocks noGrp="1"/>
+          </p:cNvSpPr>
+          <p:nvPr>
+            <p:ph type="body" idx="1"/>
+          </p:nvPr>
+        </p:nvSpPr>
+        <p:spPr/>
+        <p:txBody>
+          <a:bodyPr/>
+          <a:lstStyle/>
+          <a:p>
+            <a:r>
+              <a:rPr kumimoji="1" lang="en-US" altLang="ja-JP" dirty="0"/>
+              <a:t>(01:20)</a:t>
+            </a:r>
+            <a:endParaRPr kumimoji="1" lang="ja-JP" altLang="en-US" dirty="0"/>
+          </a:p>
+        </p:txBody>
+      </p:sp>
+      <p:sp>
+        <p:nvSpPr>
+          <p:cNvPr id="4" name="スライド番号プレースホルダー 3"/>
+          <p:cNvSpPr>
+            <a:spLocks noGrp="1"/>
+          </p:cNvSpPr>
+          <p:nvPr>
+            <p:ph type="sldNum" sz="quarter" idx="5"/>
+          </p:nvPr>
+        </p:nvSpPr>
+        <p:spPr/>
+        <p:txBody>
+          <a:bodyPr/>
+          <a:lstStyle/>
+          <a:p>
+            <a:fld id="{F57D20F2-A6F3-4074-B88A-99624881A0A6}" type="slidenum">
+              <a:rPr kumimoji="1" lang="ja-JP" altLang="en-US" smtClean="0"/>
+              <a:t>3</a:t>
+            </a:fld>
+            <a:endParaRPr kumimoji="1" lang="ja-JP" altLang="en-US"/>
+          </a:p>
+        </p:txBody>
+      </p:sp>
+    </p:spTree>
+    <p:extLst>
+      <p:ext uri="{BB962C8B-B14F-4D97-AF65-F5344CB8AC3E}">
+        <p14:creationId xmlns:p14="http://schemas.microsoft.com/office/powerpoint/2010/main" val="3276069925"/>
+      </p:ext>
+    </p:extLst>
+  </p:cSld>
+  <p:clrMapOvr>
+    <a:masterClrMapping/>
+  </p:clrMapOvr>
+</p:notes>
+</file>
+
+<file path=ppt/notesSlides/notesSlide4.xml><?xml version="1.0" encoding="utf-8"?>
+<p:notes xmlns:a="http://schemas.openxmlformats.org/drawingml/2006/main" xmlns:r="http://schemas.openxmlformats.org/officeDocument/2006/relationships" xmlns:p="http://schemas.openxmlformats.org/presentationml/2006/main">
+  <p:cSld>
+    <p:spTree>
+      <p:nvGrpSpPr>
+        <p:cNvPr id="1" name=""/>
+        <p:cNvGrpSpPr/>
+        <p:nvPr/>
+      </p:nvGrpSpPr>
+      <p:grpSpPr>
+        <a:xfrm>
+          <a:off x="0" y="0"/>
+          <a:ext cx="0" cy="0"/>
+          <a:chOff x="0" y="0"/>
+          <a:chExt cx="0" cy="0"/>
+        </a:xfrm>
+      </p:grpSpPr>
+      <p:sp>
+        <p:nvSpPr>
+          <p:cNvPr id="2" name="スライド イメージ プレースホルダー 1"/>
+          <p:cNvSpPr>
+            <a:spLocks noGrp="1" noRot="1" noChangeAspect="1"/>
+          </p:cNvSpPr>
+          <p:nvPr>
+            <p:ph type="sldImg"/>
+          </p:nvPr>
+        </p:nvSpPr>
+        <p:spPr/>
+      </p:sp>
+      <p:sp>
+        <p:nvSpPr>
+          <p:cNvPr id="3" name="ノート プレースホルダー 2"/>
+          <p:cNvSpPr>
+            <a:spLocks noGrp="1"/>
+          </p:cNvSpPr>
+          <p:nvPr>
+            <p:ph type="body" idx="1"/>
+          </p:nvPr>
+        </p:nvSpPr>
+        <p:spPr/>
+        <p:txBody>
+          <a:bodyPr/>
+          <a:lstStyle/>
+          <a:p>
+            <a:r>
+              <a:rPr kumimoji="1" lang="en-US" altLang="ja-JP" dirty="0"/>
+              <a:t>(02:10)</a:t>
+            </a:r>
+            <a:endParaRPr kumimoji="1" lang="ja-JP" altLang="en-US" dirty="0"/>
+          </a:p>
+        </p:txBody>
+      </p:sp>
+      <p:sp>
+        <p:nvSpPr>
+          <p:cNvPr id="4" name="スライド番号プレースホルダー 3"/>
+          <p:cNvSpPr>
+            <a:spLocks noGrp="1"/>
+          </p:cNvSpPr>
+          <p:nvPr>
+            <p:ph type="sldNum" sz="quarter" idx="5"/>
+          </p:nvPr>
+        </p:nvSpPr>
+        <p:spPr/>
+        <p:txBody>
+          <a:bodyPr/>
+          <a:lstStyle/>
+          <a:p>
+            <a:fld id="{F57D20F2-A6F3-4074-B88A-99624881A0A6}" type="slidenum">
+              <a:rPr kumimoji="1" lang="ja-JP" altLang="en-US" smtClean="0"/>
+              <a:t>4</a:t>
+            </a:fld>
+            <a:endParaRPr kumimoji="1" lang="ja-JP" altLang="en-US"/>
+          </a:p>
+        </p:txBody>
+      </p:sp>
+    </p:spTree>
+    <p:extLst>
+      <p:ext uri="{BB962C8B-B14F-4D97-AF65-F5344CB8AC3E}">
+        <p14:creationId xmlns:p14="http://schemas.microsoft.com/office/powerpoint/2010/main" val="3175500691"/>
+      </p:ext>
+    </p:extLst>
+  </p:cSld>
+  <p:clrMapOvr>
+    <a:masterClrMapping/>
+  </p:clrMapOvr>
+</p:notes>
+</file>
+
+<file path=ppt/notesSlides/notesSlide5.xml><?xml version="1.0" encoding="utf-8"?>
+<p:notes xmlns:a="http://schemas.openxmlformats.org/drawingml/2006/main" xmlns:r="http://schemas.openxmlformats.org/officeDocument/2006/relationships" xmlns:p="http://schemas.openxmlformats.org/presentationml/2006/main">
+  <p:cSld>
+    <p:spTree>
+      <p:nvGrpSpPr>
+        <p:cNvPr id="1" name=""/>
+        <p:cNvGrpSpPr/>
+        <p:nvPr/>
+      </p:nvGrpSpPr>
+      <p:grpSpPr>
+        <a:xfrm>
+          <a:off x="0" y="0"/>
+          <a:ext cx="0" cy="0"/>
+          <a:chOff x="0" y="0"/>
+          <a:chExt cx="0" cy="0"/>
+        </a:xfrm>
+      </p:grpSpPr>
+      <p:sp>
+        <p:nvSpPr>
+          <p:cNvPr id="2" name="スライド イメージ プレースホルダー 1"/>
+          <p:cNvSpPr>
+            <a:spLocks noGrp="1" noRot="1" noChangeAspect="1"/>
+          </p:cNvSpPr>
+          <p:nvPr>
+            <p:ph type="sldImg"/>
+          </p:nvPr>
+        </p:nvSpPr>
+        <p:spPr/>
+      </p:sp>
+      <p:sp>
+        <p:nvSpPr>
+          <p:cNvPr id="3" name="ノート プレースホルダー 2"/>
+          <p:cNvSpPr>
+            <a:spLocks noGrp="1"/>
+          </p:cNvSpPr>
+          <p:nvPr>
+            <p:ph type="body" idx="1"/>
+          </p:nvPr>
+        </p:nvSpPr>
+        <p:spPr/>
+        <p:txBody>
+          <a:bodyPr/>
+          <a:lstStyle/>
+          <a:p>
+            <a:r>
+              <a:rPr kumimoji="1" lang="en-US" altLang="ja-JP" dirty="0"/>
+              <a:t>(02:40)</a:t>
+            </a:r>
+            <a:endParaRPr kumimoji="1" lang="ja-JP" altLang="en-US" dirty="0"/>
+          </a:p>
+        </p:txBody>
+      </p:sp>
+      <p:sp>
+        <p:nvSpPr>
+          <p:cNvPr id="4" name="スライド番号プレースホルダー 3"/>
+          <p:cNvSpPr>
+            <a:spLocks noGrp="1"/>
+          </p:cNvSpPr>
+          <p:nvPr>
+            <p:ph type="sldNum" sz="quarter" idx="5"/>
+          </p:nvPr>
+        </p:nvSpPr>
+        <p:spPr/>
+        <p:txBody>
+          <a:bodyPr/>
+          <a:lstStyle/>
+          <a:p>
+            <a:fld id="{F57D20F2-A6F3-4074-B88A-99624881A0A6}" type="slidenum">
+              <a:rPr kumimoji="1" lang="ja-JP" altLang="en-US" smtClean="0"/>
+              <a:t>5</a:t>
+            </a:fld>
+            <a:endParaRPr kumimoji="1" lang="ja-JP" altLang="en-US"/>
+          </a:p>
+        </p:txBody>
+      </p:sp>
+    </p:spTree>
+    <p:extLst>
+      <p:ext uri="{BB962C8B-B14F-4D97-AF65-F5344CB8AC3E}">
+        <p14:creationId xmlns:p14="http://schemas.microsoft.com/office/powerpoint/2010/main" val="1188245575"/>
+      </p:ext>
+    </p:extLst>
+  </p:cSld>
+  <p:clrMapOvr>
+    <a:masterClrMapping/>
+  </p:clrMapOvr>
+</p:notes>
+</file>
+
+<file path=ppt/notesSlides/notesSlide6.xml><?xml version="1.0" encoding="utf-8"?>
+<p:notes xmlns:a="http://schemas.openxmlformats.org/drawingml/2006/main" xmlns:r="http://schemas.openxmlformats.org/officeDocument/2006/relationships" xmlns:p="http://schemas.openxmlformats.org/presentationml/2006/main">
+  <p:cSld>
+    <p:spTree>
+      <p:nvGrpSpPr>
+        <p:cNvPr id="1" name=""/>
+        <p:cNvGrpSpPr/>
+        <p:nvPr/>
+      </p:nvGrpSpPr>
+      <p:grpSpPr>
+        <a:xfrm>
+          <a:off x="0" y="0"/>
+          <a:ext cx="0" cy="0"/>
+          <a:chOff x="0" y="0"/>
+          <a:chExt cx="0" cy="0"/>
+        </a:xfrm>
+      </p:grpSpPr>
+      <p:sp>
+        <p:nvSpPr>
+          <p:cNvPr id="2" name="スライド イメージ プレースホルダー 1"/>
+          <p:cNvSpPr>
+            <a:spLocks noGrp="1" noRot="1" noChangeAspect="1"/>
+          </p:cNvSpPr>
+          <p:nvPr>
+            <p:ph type="sldImg"/>
+          </p:nvPr>
+        </p:nvSpPr>
+        <p:spPr/>
+      </p:sp>
+      <p:sp>
+        <p:nvSpPr>
+          <p:cNvPr id="3" name="ノート プレースホルダー 2"/>
+          <p:cNvSpPr>
+            <a:spLocks noGrp="1"/>
+          </p:cNvSpPr>
+          <p:nvPr>
+            <p:ph type="body" idx="1"/>
+          </p:nvPr>
+        </p:nvSpPr>
+        <p:spPr/>
+        <p:txBody>
+          <a:bodyPr/>
+          <a:lstStyle/>
+          <a:p>
+            <a:r>
+              <a:rPr kumimoji="1" lang="en-US" altLang="ja-JP" dirty="0"/>
+              <a:t>(03:20)</a:t>
+            </a:r>
+            <a:endParaRPr kumimoji="1" lang="ja-JP" altLang="en-US" dirty="0"/>
+          </a:p>
+        </p:txBody>
+      </p:sp>
+      <p:sp>
+        <p:nvSpPr>
+          <p:cNvPr id="4" name="スライド番号プレースホルダー 3"/>
+          <p:cNvSpPr>
+            <a:spLocks noGrp="1"/>
+          </p:cNvSpPr>
+          <p:nvPr>
+            <p:ph type="sldNum" sz="quarter" idx="5"/>
+          </p:nvPr>
+        </p:nvSpPr>
+        <p:spPr/>
+        <p:txBody>
+          <a:bodyPr/>
+          <a:lstStyle/>
+          <a:p>
+            <a:fld id="{F57D20F2-A6F3-4074-B88A-99624881A0A6}" type="slidenum">
+              <a:rPr kumimoji="1" lang="ja-JP" altLang="en-US" smtClean="0"/>
+              <a:t>6</a:t>
+            </a:fld>
+            <a:endParaRPr kumimoji="1" lang="ja-JP" altLang="en-US"/>
+          </a:p>
+        </p:txBody>
+      </p:sp>
+    </p:spTree>
+    <p:extLst>
+      <p:ext uri="{BB962C8B-B14F-4D97-AF65-F5344CB8AC3E}">
+        <p14:creationId xmlns:p14="http://schemas.microsoft.com/office/powerpoint/2010/main" val="1582431277"/>
+      </p:ext>
+    </p:extLst>
+  </p:cSld>
+  <p:clrMapOvr>
+    <a:masterClrMapping/>
+  </p:clrMapOvr>
+</p:notes>
+</file>
+
+<file path=ppt/notesSlides/notesSlide7.xml><?xml version="1.0" encoding="utf-8"?>
+<p:notes xmlns:a="http://schemas.openxmlformats.org/drawingml/2006/main" xmlns:r="http://schemas.openxmlformats.org/officeDocument/2006/relationships" xmlns:p="http://schemas.openxmlformats.org/presentationml/2006/main">
+  <p:cSld>
+    <p:spTree>
+      <p:nvGrpSpPr>
+        <p:cNvPr id="1" name=""/>
+        <p:cNvGrpSpPr/>
+        <p:nvPr/>
+      </p:nvGrpSpPr>
+      <p:grpSpPr>
+        <a:xfrm>
+          <a:off x="0" y="0"/>
+          <a:ext cx="0" cy="0"/>
+          <a:chOff x="0" y="0"/>
+          <a:chExt cx="0" cy="0"/>
+        </a:xfrm>
+      </p:grpSpPr>
+      <p:sp>
+        <p:nvSpPr>
+          <p:cNvPr id="2" name="スライド イメージ プレースホルダー 1"/>
+          <p:cNvSpPr>
+            <a:spLocks noGrp="1" noRot="1" noChangeAspect="1"/>
+          </p:cNvSpPr>
+          <p:nvPr>
+            <p:ph type="sldImg"/>
+          </p:nvPr>
+        </p:nvSpPr>
+        <p:spPr/>
+      </p:sp>
+      <p:sp>
+        <p:nvSpPr>
+          <p:cNvPr id="3" name="ノート プレースホルダー 2"/>
+          <p:cNvSpPr>
+            <a:spLocks noGrp="1"/>
+          </p:cNvSpPr>
+          <p:nvPr>
+            <p:ph type="body" idx="1"/>
+          </p:nvPr>
+        </p:nvSpPr>
+        <p:spPr/>
+        <p:txBody>
+          <a:bodyPr/>
+          <a:lstStyle/>
+          <a:p>
+            <a:r>
+              <a:rPr kumimoji="1" lang="en-US" altLang="ja-JP" dirty="0"/>
+              <a:t>(04:00)</a:t>
+            </a:r>
+            <a:endParaRPr kumimoji="1" lang="ja-JP" altLang="en-US" dirty="0"/>
+          </a:p>
+        </p:txBody>
+      </p:sp>
+      <p:sp>
+        <p:nvSpPr>
+          <p:cNvPr id="4" name="スライド番号プレースホルダー 3"/>
+          <p:cNvSpPr>
+            <a:spLocks noGrp="1"/>
+          </p:cNvSpPr>
+          <p:nvPr>
+            <p:ph type="sldNum" sz="quarter" idx="5"/>
+          </p:nvPr>
+        </p:nvSpPr>
+        <p:spPr/>
+        <p:txBody>
+          <a:bodyPr/>
+          <a:lstStyle/>
+          <a:p>
+            <a:fld id="{F57D20F2-A6F3-4074-B88A-99624881A0A6}" type="slidenum">
+              <a:rPr kumimoji="1" lang="ja-JP" altLang="en-US" smtClean="0"/>
+              <a:t>7</a:t>
+            </a:fld>
+            <a:endParaRPr kumimoji="1" lang="ja-JP" altLang="en-US"/>
+          </a:p>
+        </p:txBody>
+      </p:sp>
+    </p:spTree>
+    <p:extLst>
+      <p:ext uri="{BB962C8B-B14F-4D97-AF65-F5344CB8AC3E}">
+        <p14:creationId xmlns:p14="http://schemas.microsoft.com/office/powerpoint/2010/main" val="523888239"/>
+      </p:ext>
+    </p:extLst>
+  </p:cSld>
+  <p:clrMapOvr>
+    <a:masterClrMapping/>
+  </p:clrMapOvr>
+</p:notes>
+</file>
+
+<file path=ppt/notesSlides/notesSlide8.xml><?xml version="1.0" encoding="utf-8"?>
+<p:notes xmlns:a="http://schemas.openxmlformats.org/drawingml/2006/main" xmlns:r="http://schemas.openxmlformats.org/officeDocument/2006/relationships" xmlns:p="http://schemas.openxmlformats.org/presentationml/2006/main">
+  <p:cSld>
+    <p:spTree>
+      <p:nvGrpSpPr>
+        <p:cNvPr id="1" name=""/>
+        <p:cNvGrpSpPr/>
+        <p:nvPr/>
+      </p:nvGrpSpPr>
+      <p:grpSpPr>
+        <a:xfrm>
+          <a:off x="0" y="0"/>
+          <a:ext cx="0" cy="0"/>
+          <a:chOff x="0" y="0"/>
+          <a:chExt cx="0" cy="0"/>
+        </a:xfrm>
+      </p:grpSpPr>
+      <p:sp>
+        <p:nvSpPr>
+          <p:cNvPr id="2" name="スライド イメージ プレースホルダー 1"/>
+          <p:cNvSpPr>
+            <a:spLocks noGrp="1" noRot="1" noChangeAspect="1"/>
+          </p:cNvSpPr>
+          <p:nvPr>
+            <p:ph type="sldImg"/>
+          </p:nvPr>
+        </p:nvSpPr>
+        <p:spPr/>
+      </p:sp>
+      <p:sp>
+        <p:nvSpPr>
+          <p:cNvPr id="3" name="ノート プレースホルダー 2"/>
+          <p:cNvSpPr>
+            <a:spLocks noGrp="1"/>
+          </p:cNvSpPr>
+          <p:nvPr>
+            <p:ph type="body" idx="1"/>
+          </p:nvPr>
+        </p:nvSpPr>
+        <p:spPr/>
+        <p:txBody>
+          <a:bodyPr/>
+          <a:lstStyle/>
+          <a:p>
+            <a:r>
+              <a:rPr kumimoji="1" lang="en-US" altLang="ja-JP" dirty="0"/>
+              <a:t>(04:40)</a:t>
+            </a:r>
+            <a:endParaRPr kumimoji="1" lang="ja-JP" altLang="en-US" dirty="0"/>
+          </a:p>
+        </p:txBody>
+      </p:sp>
+      <p:sp>
+        <p:nvSpPr>
+          <p:cNvPr id="4" name="スライド番号プレースホルダー 3"/>
+          <p:cNvSpPr>
+            <a:spLocks noGrp="1"/>
+          </p:cNvSpPr>
+          <p:nvPr>
+            <p:ph type="sldNum" sz="quarter" idx="5"/>
+          </p:nvPr>
+        </p:nvSpPr>
+        <p:spPr/>
+        <p:txBody>
+          <a:bodyPr/>
+          <a:lstStyle/>
+          <a:p>
+            <a:fld id="{F57D20F2-A6F3-4074-B88A-99624881A0A6}" type="slidenum">
+              <a:rPr kumimoji="1" lang="ja-JP" altLang="en-US" smtClean="0"/>
+              <a:t>8</a:t>
+            </a:fld>
+            <a:endParaRPr kumimoji="1" lang="ja-JP" altLang="en-US"/>
+          </a:p>
+        </p:txBody>
+      </p:sp>
+    </p:spTree>
+    <p:extLst>
+      <p:ext uri="{BB962C8B-B14F-4D97-AF65-F5344CB8AC3E}">
+        <p14:creationId xmlns:p14="http://schemas.microsoft.com/office/powerpoint/2010/main" val="793742672"/>
+      </p:ext>
+    </p:extLst>
+  </p:cSld>
+  <p:clrMapOvr>
+    <a:masterClrMapping/>
+  </p:clrMapOvr>
+</p:notes>
+</file>
+
+<file path=ppt/notesSlides/notesSlide9.xml><?xml version="1.0" encoding="utf-8"?>
+<p:notes xmlns:a="http://schemas.openxmlformats.org/drawingml/2006/main" xmlns:r="http://schemas.openxmlformats.org/officeDocument/2006/relationships" xmlns:p="http://schemas.openxmlformats.org/presentationml/2006/main">
+  <p:cSld>
+    <p:spTree>
+      <p:nvGrpSpPr>
+        <p:cNvPr id="1" name=""/>
+        <p:cNvGrpSpPr/>
+        <p:nvPr/>
+      </p:nvGrpSpPr>
+      <p:grpSpPr>
+        <a:xfrm>
+          <a:off x="0" y="0"/>
+          <a:ext cx="0" cy="0"/>
+          <a:chOff x="0" y="0"/>
+          <a:chExt cx="0" cy="0"/>
+        </a:xfrm>
+      </p:grpSpPr>
+      <p:sp>
+        <p:nvSpPr>
+          <p:cNvPr id="2" name="スライド イメージ プレースホルダー 1"/>
+          <p:cNvSpPr>
+            <a:spLocks noGrp="1" noRot="1" noChangeAspect="1"/>
+          </p:cNvSpPr>
+          <p:nvPr>
+            <p:ph type="sldImg"/>
+          </p:nvPr>
+        </p:nvSpPr>
+        <p:spPr/>
+      </p:sp>
+      <p:sp>
+        <p:nvSpPr>
+          <p:cNvPr id="3" name="ノート プレースホルダー 2"/>
+          <p:cNvSpPr>
+            <a:spLocks noGrp="1"/>
+          </p:cNvSpPr>
+          <p:nvPr>
+            <p:ph type="body" idx="1"/>
+          </p:nvPr>
+        </p:nvSpPr>
+        <p:spPr/>
+        <p:txBody>
+          <a:bodyPr/>
+          <a:lstStyle/>
+          <a:p>
+            <a:r>
+              <a:rPr kumimoji="1" lang="en-US" altLang="ja-JP" dirty="0"/>
+              <a:t>(05:30)</a:t>
+            </a:r>
+            <a:endParaRPr kumimoji="1" lang="ja-JP" altLang="en-US" dirty="0"/>
+          </a:p>
+        </p:txBody>
+      </p:sp>
+      <p:sp>
+        <p:nvSpPr>
+          <p:cNvPr id="4" name="スライド番号プレースホルダー 3"/>
+          <p:cNvSpPr>
+            <a:spLocks noGrp="1"/>
+          </p:cNvSpPr>
+          <p:nvPr>
+            <p:ph type="sldNum" sz="quarter" idx="5"/>
+          </p:nvPr>
+        </p:nvSpPr>
+        <p:spPr/>
+        <p:txBody>
+          <a:bodyPr/>
+          <a:lstStyle/>
+          <a:p>
+            <a:fld id="{F57D20F2-A6F3-4074-B88A-99624881A0A6}" type="slidenum">
+              <a:rPr kumimoji="1" lang="ja-JP" altLang="en-US" smtClean="0"/>
+              <a:t>9</a:t>
+            </a:fld>
+            <a:endParaRPr kumimoji="1" lang="ja-JP" altLang="en-US"/>
+          </a:p>
+        </p:txBody>
+      </p:sp>
+    </p:spTree>
+    <p:extLst>
+      <p:ext uri="{BB962C8B-B14F-4D97-AF65-F5344CB8AC3E}">
+        <p14:creationId xmlns:p14="http://schemas.microsoft.com/office/powerpoint/2010/main" val="4153678431"/>
+      </p:ext>
+    </p:extLst>
+  </p:cSld>
+  <p:clrMapOvr>
+    <a:masterClrMapping/>
+  </p:clrMapOvr>
+</p:notes>
+</file>
+
 <file path=ppt/slideLayouts/slideLayout1.xml><?xml version="1.0" encoding="utf-8"?>
 <p:sldLayout xmlns:a="http://schemas.openxmlformats.org/drawingml/2006/main" xmlns:r="http://schemas.openxmlformats.org/officeDocument/2006/relationships" xmlns:p="http://schemas.openxmlformats.org/presentationml/2006/main" preserve="1" userDrawn="1">
   <p:cSld name="タイトル スライド">
@@ -4971,13 +5851,13 @@
           <p:nvPr/>
         </p:nvPicPr>
         <p:blipFill>
-          <a:blip r:embed="rId2">
+          <a:blip r:embed="rId3">
             <a:extLst>
               <a:ext uri="{28A0092B-C50C-407E-A947-70E740481C1C}">
                 <a14:useLocalDpi xmlns:a14="http://schemas.microsoft.com/office/drawing/2010/main" val="0"/>
               </a:ext>
               <a:ext uri="{96DAC541-7B7A-43D3-8B79-37D633B846F1}">
-                <asvg:svgBlip xmlns:asvg="http://schemas.microsoft.com/office/drawing/2016/SVG/main" r:embed="rId3"/>
+                <asvg:svgBlip xmlns:asvg="http://schemas.microsoft.com/office/drawing/2016/SVG/main" r:embed="rId4"/>
               </a:ext>
             </a:extLst>
           </a:blip>
@@ -5053,8 +5933,8 @@
           </a:p>
         </p:txBody>
       </p:sp>
-      <mc:AlternateContent xmlns:mc="http://schemas.openxmlformats.org/markup-compatibility/2006">
-        <mc:Choice xmlns:a14="http://schemas.microsoft.com/office/drawing/2010/main" Requires="a14">
+      <mc:AlternateContent xmlns:mc="http://schemas.openxmlformats.org/markup-compatibility/2006" xmlns:a14="http://schemas.microsoft.com/office/drawing/2010/main">
+        <mc:Choice Requires="a14">
           <p:sp>
             <p:nvSpPr>
               <p:cNvPr id="3" name="コンテンツ プレースホルダー 2">
@@ -5221,7 +6101,7 @@
             </p:txBody>
           </p:sp>
         </mc:Choice>
-        <mc:Fallback>
+        <mc:Fallback xmlns="">
           <p:sp>
             <p:nvSpPr>
               <p:cNvPr id="3" name="コンテンツ プレースホルダー 2">
@@ -5244,7 +6124,7 @@
                 <a:ext cx="10515600" cy="4589575"/>
               </a:xfrm>
               <a:blipFill>
-                <a:blip r:embed="rId2"/>
+                <a:blip r:embed="rId3"/>
                 <a:stretch>
                   <a:fillRect l="-1043" t="-2789"/>
                 </a:stretch>
@@ -5552,7 +6432,7 @@
             <p:nvPr/>
           </p:nvPicPr>
           <p:blipFill>
-            <a:blip r:embed="rId2">
+            <a:blip r:embed="rId3">
               <a:extLst>
                 <a:ext uri="{28A0092B-C50C-407E-A947-70E740481C1C}">
                   <a14:useLocalDpi xmlns:a14="http://schemas.microsoft.com/office/drawing/2010/main" val="0"/>
@@ -5588,13 +6468,13 @@
             <p:nvPr/>
           </p:nvPicPr>
           <p:blipFill>
-            <a:blip r:embed="rId3">
+            <a:blip r:embed="rId4">
               <a:extLst>
                 <a:ext uri="{28A0092B-C50C-407E-A947-70E740481C1C}">
                   <a14:useLocalDpi xmlns:a14="http://schemas.microsoft.com/office/drawing/2010/main" val="0"/>
                 </a:ext>
                 <a:ext uri="{96DAC541-7B7A-43D3-8B79-37D633B846F1}">
-                  <asvg:svgBlip xmlns:asvg="http://schemas.microsoft.com/office/drawing/2016/SVG/main" r:embed="rId4"/>
+                  <asvg:svgBlip xmlns:asvg="http://schemas.microsoft.com/office/drawing/2016/SVG/main" r:embed="rId5"/>
                 </a:ext>
               </a:extLst>
             </a:blip>
@@ -5945,7 +6825,7 @@
             <p:nvPr/>
           </p:nvPicPr>
           <p:blipFill>
-            <a:blip r:embed="rId2">
+            <a:blip r:embed="rId3">
               <a:extLst>
                 <a:ext uri="{28A0092B-C50C-407E-A947-70E740481C1C}">
                   <a14:useLocalDpi xmlns:a14="http://schemas.microsoft.com/office/drawing/2010/main" val="0"/>
@@ -5981,13 +6861,13 @@
             <p:nvPr/>
           </p:nvPicPr>
           <p:blipFill>
-            <a:blip r:embed="rId3">
+            <a:blip r:embed="rId4">
               <a:extLst>
                 <a:ext uri="{28A0092B-C50C-407E-A947-70E740481C1C}">
                   <a14:useLocalDpi xmlns:a14="http://schemas.microsoft.com/office/drawing/2010/main" val="0"/>
                 </a:ext>
                 <a:ext uri="{96DAC541-7B7A-43D3-8B79-37D633B846F1}">
-                  <asvg:svgBlip xmlns:asvg="http://schemas.microsoft.com/office/drawing/2016/SVG/main" r:embed="rId4"/>
+                  <asvg:svgBlip xmlns:asvg="http://schemas.microsoft.com/office/drawing/2016/SVG/main" r:embed="rId5"/>
                 </a:ext>
               </a:extLst>
             </a:blip>
@@ -6420,7 +7300,7 @@
           <p:nvPr/>
         </p:nvPicPr>
         <p:blipFill>
-          <a:blip r:embed="rId2"/>
+          <a:blip r:embed="rId3"/>
           <a:stretch>
             <a:fillRect/>
           </a:stretch>
@@ -6538,13 +7418,13 @@
           <p:nvPr/>
         </p:nvPicPr>
         <p:blipFill>
-          <a:blip r:embed="rId2">
+          <a:blip r:embed="rId3">
             <a:extLst>
               <a:ext uri="{28A0092B-C50C-407E-A947-70E740481C1C}">
                 <a14:useLocalDpi xmlns:a14="http://schemas.microsoft.com/office/drawing/2010/main" val="0"/>
               </a:ext>
               <a:ext uri="{96DAC541-7B7A-43D3-8B79-37D633B846F1}">
-                <asvg:svgBlip xmlns:asvg="http://schemas.microsoft.com/office/drawing/2016/SVG/main" r:embed="rId3"/>
+                <asvg:svgBlip xmlns:asvg="http://schemas.microsoft.com/office/drawing/2016/SVG/main" r:embed="rId4"/>
               </a:ext>
             </a:extLst>
           </a:blip>
@@ -6577,13 +7457,13 @@
           <p:nvPr/>
         </p:nvPicPr>
         <p:blipFill>
-          <a:blip r:embed="rId4">
+          <a:blip r:embed="rId5">
             <a:extLst>
               <a:ext uri="{28A0092B-C50C-407E-A947-70E740481C1C}">
                 <a14:useLocalDpi xmlns:a14="http://schemas.microsoft.com/office/drawing/2010/main" val="0"/>
               </a:ext>
               <a:ext uri="{96DAC541-7B7A-43D3-8B79-37D633B846F1}">
-                <asvg:svgBlip xmlns:asvg="http://schemas.microsoft.com/office/drawing/2016/SVG/main" r:embed="rId5"/>
+                <asvg:svgBlip xmlns:asvg="http://schemas.microsoft.com/office/drawing/2016/SVG/main" r:embed="rId6"/>
               </a:ext>
             </a:extLst>
           </a:blip>
@@ -6616,13 +7496,13 @@
           <p:nvPr/>
         </p:nvPicPr>
         <p:blipFill>
-          <a:blip r:embed="rId6">
+          <a:blip r:embed="rId7">
             <a:extLst>
               <a:ext uri="{28A0092B-C50C-407E-A947-70E740481C1C}">
                 <a14:useLocalDpi xmlns:a14="http://schemas.microsoft.com/office/drawing/2010/main" val="0"/>
               </a:ext>
               <a:ext uri="{96DAC541-7B7A-43D3-8B79-37D633B846F1}">
-                <asvg:svgBlip xmlns:asvg="http://schemas.microsoft.com/office/drawing/2016/SVG/main" r:embed="rId7"/>
+                <asvg:svgBlip xmlns:asvg="http://schemas.microsoft.com/office/drawing/2016/SVG/main" r:embed="rId8"/>
               </a:ext>
             </a:extLst>
           </a:blip>
@@ -7456,13 +8336,13 @@
           <p:nvPr/>
         </p:nvPicPr>
         <p:blipFill>
-          <a:blip r:embed="rId2">
+          <a:blip r:embed="rId3">
             <a:extLst>
               <a:ext uri="{28A0092B-C50C-407E-A947-70E740481C1C}">
                 <a14:useLocalDpi xmlns:a14="http://schemas.microsoft.com/office/drawing/2010/main" val="0"/>
               </a:ext>
               <a:ext uri="{96DAC541-7B7A-43D3-8B79-37D633B846F1}">
-                <asvg:svgBlip xmlns:asvg="http://schemas.microsoft.com/office/drawing/2016/SVG/main" r:embed="rId3"/>
+                <asvg:svgBlip xmlns:asvg="http://schemas.microsoft.com/office/drawing/2016/SVG/main" r:embed="rId4"/>
               </a:ext>
             </a:extLst>
           </a:blip>
@@ -7495,7 +8375,7 @@
           <p:nvPr/>
         </p:nvPicPr>
         <p:blipFill>
-          <a:blip r:embed="rId4"/>
+          <a:blip r:embed="rId5"/>
           <a:stretch>
             <a:fillRect/>
           </a:stretch>
@@ -7525,7 +8405,7 @@
           <p:nvPr/>
         </p:nvPicPr>
         <p:blipFill>
-          <a:blip r:embed="rId5"/>
+          <a:blip r:embed="rId6"/>
           <a:stretch>
             <a:fillRect/>
           </a:stretch>
@@ -7555,7 +8435,7 @@
           <p:nvPr/>
         </p:nvPicPr>
         <p:blipFill>
-          <a:blip r:embed="rId6"/>
+          <a:blip r:embed="rId7"/>
           <a:stretch>
             <a:fillRect/>
           </a:stretch>
@@ -7585,7 +8465,7 @@
           <p:nvPr/>
         </p:nvPicPr>
         <p:blipFill>
-          <a:blip r:embed="rId4"/>
+          <a:blip r:embed="rId5"/>
           <a:stretch>
             <a:fillRect/>
           </a:stretch>
@@ -7615,7 +8495,7 @@
           <p:nvPr/>
         </p:nvPicPr>
         <p:blipFill>
-          <a:blip r:embed="rId4"/>
+          <a:blip r:embed="rId5"/>
           <a:stretch>
             <a:fillRect/>
           </a:stretch>
@@ -7645,7 +8525,7 @@
           <p:nvPr/>
         </p:nvPicPr>
         <p:blipFill>
-          <a:blip r:embed="rId5"/>
+          <a:blip r:embed="rId6"/>
           <a:stretch>
             <a:fillRect/>
           </a:stretch>
@@ -7675,7 +8555,7 @@
           <p:nvPr/>
         </p:nvPicPr>
         <p:blipFill>
-          <a:blip r:embed="rId5"/>
+          <a:blip r:embed="rId6"/>
           <a:stretch>
             <a:fillRect/>
           </a:stretch>
@@ -12704,8 +13584,8 @@
           </a:p>
         </p:txBody>
       </p:sp>
-      <mc:AlternateContent xmlns:mc="http://schemas.openxmlformats.org/markup-compatibility/2006">
-        <mc:Choice xmlns:a14="http://schemas.microsoft.com/office/drawing/2010/main" Requires="a14">
+      <mc:AlternateContent xmlns:mc="http://schemas.openxmlformats.org/markup-compatibility/2006" xmlns:a14="http://schemas.microsoft.com/office/drawing/2010/main">
+        <mc:Choice Requires="a14">
           <p:sp>
             <p:nvSpPr>
               <p:cNvPr id="3" name="コンテンツ プレースホルダー 2">
@@ -12884,7 +13764,7 @@
             </p:txBody>
           </p:sp>
         </mc:Choice>
-        <mc:Fallback>
+        <mc:Fallback xmlns="">
           <p:sp>
             <p:nvSpPr>
               <p:cNvPr id="3" name="コンテンツ プレースホルダー 2">
@@ -12903,7 +13783,7 @@
             </p:nvSpPr>
             <p:spPr>
               <a:blipFill>
-                <a:blip r:embed="rId2"/>
+                <a:blip r:embed="rId3"/>
                 <a:stretch>
                   <a:fillRect l="-1043" t="-2941" b="-980"/>
                 </a:stretch>
@@ -12954,8 +13834,8 @@
           </a:p>
         </p:txBody>
       </p:sp>
-      <mc:AlternateContent xmlns:mc="http://schemas.openxmlformats.org/markup-compatibility/2006">
-        <mc:Choice xmlns:a14="http://schemas.microsoft.com/office/drawing/2010/main" Requires="a14">
+      <mc:AlternateContent xmlns:mc="http://schemas.openxmlformats.org/markup-compatibility/2006" xmlns:a14="http://schemas.microsoft.com/office/drawing/2010/main">
+        <mc:Choice Requires="a14">
           <p:graphicFrame>
             <p:nvGraphicFramePr>
               <p:cNvPr id="5" name="表 5">
@@ -13016,7 +13896,9 @@
                           <a14:m>
                             <m:oMath xmlns:m="http://schemas.openxmlformats.org/officeDocument/2006/math">
                               <m:r>
-                                <a:rPr kumimoji="1" lang="en-US" altLang="ja-JP" b="1" smtClean="0"/>
+                                <a:rPr kumimoji="1" lang="en-US" altLang="ja-JP" b="1" smtClean="0">
+                                  <a:latin typeface="Cambria Math" panose="02040503050406030204" pitchFamily="18" charset="0"/>
+                                </a:rPr>
                                 <m:t>𝑪</m:t>
                               </m:r>
                             </m:oMath>
@@ -13140,7 +14022,7 @@
             </a:graphic>
           </p:graphicFrame>
         </mc:Choice>
-        <mc:Fallback>
+        <mc:Fallback xmlns="">
           <p:graphicFrame>
             <p:nvGraphicFramePr>
               <p:cNvPr id="5" name="表 5">
@@ -13198,7 +14080,7 @@
                       </a:txBody>
                       <a:tcPr>
                         <a:blipFill>
-                          <a:blip r:embed="rId3"/>
+                          <a:blip r:embed="rId4"/>
                           <a:stretch>
                             <a:fillRect t="-13115" r="-62667" b="-226230"/>
                           </a:stretch>
@@ -13388,7 +14270,7 @@
             <p:nvPr/>
           </p:nvPicPr>
           <p:blipFill>
-            <a:blip r:embed="rId4">
+            <a:blip r:embed="rId5">
               <a:extLst>
                 <a:ext uri="{28A0092B-C50C-407E-A947-70E740481C1C}">
                   <a14:useLocalDpi xmlns:a14="http://schemas.microsoft.com/office/drawing/2010/main" val="0"/>

--- a/paper/water/UWW2021/UWW2021.pptx
+++ b/paper/water/UWW2021/UWW2021.pptx
@@ -387,7 +387,7 @@
           <a:p>
             <a:fld id="{87303740-7015-4B29-8C5B-7C7E73BA5FD5}" type="datetimeFigureOut">
               <a:rPr kumimoji="1" lang="ja-JP" altLang="en-US" smtClean="0"/>
-              <a:t>2021/12/17</a:t>
+              <a:t>2021/12/19</a:t>
             </a:fld>
             <a:endParaRPr kumimoji="1" lang="ja-JP" altLang="en-US"/>
           </a:p>
@@ -1611,7 +1611,7 @@
           <a:p>
             <a:fld id="{D8A01835-7B10-4ED5-98BD-3419EE328741}" type="datetime1">
               <a:rPr kumimoji="1" lang="ja-JP" altLang="en-US" smtClean="0"/>
-              <a:t>2021/12/17</a:t>
+              <a:t>2021/12/19</a:t>
             </a:fld>
             <a:endParaRPr kumimoji="1" lang="ja-JP" altLang="en-US"/>
           </a:p>
@@ -1993,8 +1993,8 @@
         </p:blipFill>
         <p:spPr>
           <a:xfrm>
-            <a:off x="11694911" y="6413877"/>
-            <a:ext cx="224241" cy="452590"/>
+            <a:off x="11699106" y="6413877"/>
+            <a:ext cx="220046" cy="444123"/>
           </a:xfrm>
           <a:prstGeom prst="rect">
             <a:avLst/>
@@ -2171,7 +2171,7 @@
           <a:p>
             <a:fld id="{F568F08F-1DC0-4930-BF4E-8E61A70AE6D0}" type="datetime1">
               <a:rPr kumimoji="1" lang="ja-JP" altLang="en-US" smtClean="0"/>
-              <a:t>2021/12/17</a:t>
+              <a:t>2021/12/19</a:t>
             </a:fld>
             <a:endParaRPr kumimoji="1" lang="ja-JP" altLang="en-US"/>
           </a:p>
@@ -2411,7 +2411,7 @@
           <a:p>
             <a:fld id="{D8D6CA07-6BB3-4277-9B36-3B9A77BE85E8}" type="datetime1">
               <a:rPr kumimoji="1" lang="ja-JP" altLang="en-US" smtClean="0"/>
-              <a:t>2021/12/17</a:t>
+              <a:t>2021/12/19</a:t>
             </a:fld>
             <a:endParaRPr kumimoji="1" lang="ja-JP" altLang="en-US"/>
           </a:p>
@@ -2656,7 +2656,7 @@
           <a:p>
             <a:fld id="{B3736FD3-C09B-4AB5-83AE-94534BBA2AC4}" type="datetime1">
               <a:rPr kumimoji="1" lang="ja-JP" altLang="en-US" smtClean="0"/>
-              <a:t>2021/12/17</a:t>
+              <a:t>2021/12/19</a:t>
             </a:fld>
             <a:endParaRPr kumimoji="1" lang="ja-JP" altLang="en-US"/>
           </a:p>
@@ -2882,10 +2882,10 @@
       </p:grpSp>
       <p:pic>
         <p:nvPicPr>
-          <p:cNvPr id="17" name="グラフィックス 16">
-            <a:extLst>
-              <a:ext uri="{FF2B5EF4-FFF2-40B4-BE49-F238E27FC236}">
-                <a16:creationId xmlns:a16="http://schemas.microsoft.com/office/drawing/2014/main" id="{49A2A915-3C7D-4A9D-BE71-2233E2BF2E62}"/>
+          <p:cNvPr id="16" name="グラフィックス 15">
+            <a:extLst>
+              <a:ext uri="{FF2B5EF4-FFF2-40B4-BE49-F238E27FC236}">
+                <a16:creationId xmlns:a16="http://schemas.microsoft.com/office/drawing/2014/main" id="{B8EDD86A-E15D-428F-A67A-9BA5AA79D0ED}"/>
               </a:ext>
             </a:extLst>
           </p:cNvPr>
@@ -2911,8 +2911,8 @@
         </p:blipFill>
         <p:spPr>
           <a:xfrm>
-            <a:off x="11694911" y="6413877"/>
-            <a:ext cx="224241" cy="452590"/>
+            <a:off x="11699106" y="6413877"/>
+            <a:ext cx="220046" cy="444123"/>
           </a:xfrm>
           <a:prstGeom prst="rect">
             <a:avLst/>
@@ -3134,7 +3134,7 @@
           <a:p>
             <a:fld id="{2524B4B4-A594-4801-8E36-F1939D45FFD7}" type="datetime1">
               <a:rPr kumimoji="1" lang="ja-JP" altLang="en-US" smtClean="0"/>
-              <a:t>2021/12/17</a:t>
+              <a:t>2021/12/19</a:t>
             </a:fld>
             <a:endParaRPr kumimoji="1" lang="ja-JP" altLang="en-US"/>
           </a:p>
@@ -3463,7 +3463,7 @@
           <a:p>
             <a:fld id="{723130EB-1A2A-4363-A0CB-8F78064E787B}" type="datetime1">
               <a:rPr kumimoji="1" lang="ja-JP" altLang="en-US" smtClean="0"/>
-              <a:t>2021/12/17</a:t>
+              <a:t>2021/12/19</a:t>
             </a:fld>
             <a:endParaRPr kumimoji="1" lang="ja-JP" altLang="en-US"/>
           </a:p>
@@ -3939,7 +3939,7 @@
           <a:p>
             <a:fld id="{74D003C6-A6EE-48A7-AE4A-C230A035A362}" type="datetime1">
               <a:rPr kumimoji="1" lang="ja-JP" altLang="en-US" smtClean="0"/>
-              <a:t>2021/12/17</a:t>
+              <a:t>2021/12/19</a:t>
             </a:fld>
             <a:endParaRPr kumimoji="1" lang="ja-JP" altLang="en-US"/>
           </a:p>
@@ -4080,7 +4080,7 @@
           <a:p>
             <a:fld id="{533F50F8-E02E-4E97-B853-AD3628137587}" type="datetime1">
               <a:rPr kumimoji="1" lang="ja-JP" altLang="en-US" smtClean="0"/>
-              <a:t>2021/12/17</a:t>
+              <a:t>2021/12/19</a:t>
             </a:fld>
             <a:endParaRPr kumimoji="1" lang="ja-JP" altLang="en-US"/>
           </a:p>
@@ -4193,7 +4193,7 @@
           <a:p>
             <a:fld id="{F11A00CE-6844-4EF5-A570-152B82E8370A}" type="datetime1">
               <a:rPr kumimoji="1" lang="ja-JP" altLang="en-US" smtClean="0"/>
-              <a:t>2021/12/17</a:t>
+              <a:t>2021/12/19</a:t>
             </a:fld>
             <a:endParaRPr kumimoji="1" lang="ja-JP" altLang="en-US"/>
           </a:p>
@@ -4536,7 +4536,7 @@
           <a:p>
             <a:fld id="{B2A27E2D-E73B-499B-B1B6-156A8DDB2FEF}" type="datetime1">
               <a:rPr kumimoji="1" lang="ja-JP" altLang="en-US" smtClean="0"/>
-              <a:t>2021/12/17</a:t>
+              <a:t>2021/12/19</a:t>
             </a:fld>
             <a:endParaRPr kumimoji="1" lang="ja-JP" altLang="en-US"/>
           </a:p>
@@ -4824,7 +4824,7 @@
           <a:p>
             <a:fld id="{463EA2B4-7E42-4242-9726-8BCDAE817088}" type="datetime1">
               <a:rPr kumimoji="1" lang="ja-JP" altLang="en-US" smtClean="0"/>
-              <a:t>2021/12/17</a:t>
+              <a:t>2021/12/19</a:t>
             </a:fld>
             <a:endParaRPr kumimoji="1" lang="ja-JP" altLang="en-US"/>
           </a:p>
@@ -5097,7 +5097,7 @@
           <a:p>
             <a:fld id="{21C3EA37-5089-43BE-9268-20333F3B8EEF}" type="datetime1">
               <a:rPr kumimoji="1" lang="ja-JP" altLang="en-US" smtClean="0"/>
-              <a:t>2021/12/17</a:t>
+              <a:t>2021/12/19</a:t>
             </a:fld>
             <a:endParaRPr kumimoji="1" lang="ja-JP" altLang="en-US"/>
           </a:p>

--- a/paper/water/UWW2021/UWW2021.pptx
+++ b/paper/water/UWW2021/UWW2021.pptx
@@ -1085,6 +1085,30 @@
             <a:r>
               <a:rPr kumimoji="1" lang="en-US" altLang="ja-JP" dirty="0"/>
               <a:t>(02:10)</a:t>
+            </a:r>
+          </a:p>
+          <a:p>
+            <a:endParaRPr kumimoji="1" lang="en-US" altLang="ja-JP" dirty="0"/>
+          </a:p>
+          <a:p>
+            <a:pPr algn="l"/>
+            <a:r>
+              <a:rPr lang="ja-JP" altLang="en-US" sz="1800" b="0" i="0" u="none" strike="noStrike" baseline="0">
+                <a:latin typeface="HaranoAjiMincho-Regular-Identity-H"/>
+              </a:rPr>
+              <a:t>低コストのトランスデューサ</a:t>
+            </a:r>
+            <a:r>
+              <a:rPr lang="ja-JP" altLang="en-US" sz="1800" b="0" i="0" u="none" strike="noStrike" baseline="0" dirty="0">
+                <a:latin typeface="HaranoAjiMincho-Regular-Identity-H"/>
+              </a:rPr>
+              <a:t>を容器の表面</a:t>
+            </a:r>
+            <a:r>
+              <a:rPr lang="ja-JP" altLang="en-US" sz="1800" b="0" i="0" u="none" strike="noStrike" baseline="0">
+                <a:latin typeface="HaranoAjiMincho-Regular-Identity-H"/>
+              </a:rPr>
+              <a:t>に取り付ける．</a:t>
             </a:r>
             <a:endParaRPr kumimoji="1" lang="ja-JP" altLang="en-US" dirty="0"/>
           </a:p>

--- a/paper/water/UWW2021/UWW2021.pptx
+++ b/paper/water/UWW2021/UWW2021.pptx
@@ -387,7 +387,7 @@
           <a:p>
             <a:fld id="{87303740-7015-4B29-8C5B-7C7E73BA5FD5}" type="datetimeFigureOut">
               <a:rPr kumimoji="1" lang="ja-JP" altLang="en-US" smtClean="0"/>
-              <a:t>2021/12/19</a:t>
+              <a:t>2021/12/20</a:t>
             </a:fld>
             <a:endParaRPr kumimoji="1" lang="ja-JP" altLang="en-US"/>
           </a:p>
@@ -1374,6 +1374,15 @@
               <a:rPr kumimoji="1" lang="en-US" altLang="ja-JP" dirty="0"/>
               <a:t>(04:00)</a:t>
             </a:r>
+          </a:p>
+          <a:p>
+            <a:endParaRPr kumimoji="1" lang="en-US" altLang="ja-JP" dirty="0"/>
+          </a:p>
+          <a:p>
+            <a:r>
+              <a:rPr kumimoji="1" lang="ja-JP" altLang="en-US"/>
+              <a:t>畳み込み層，活性化関数，プーリング層，全結合層．</a:t>
+            </a:r>
             <a:endParaRPr kumimoji="1" lang="ja-JP" altLang="en-US" dirty="0"/>
           </a:p>
         </p:txBody>
@@ -1635,7 +1644,7 @@
           <a:p>
             <a:fld id="{D8A01835-7B10-4ED5-98BD-3419EE328741}" type="datetime1">
               <a:rPr kumimoji="1" lang="ja-JP" altLang="en-US" smtClean="0"/>
-              <a:t>2021/12/19</a:t>
+              <a:t>2021/12/20</a:t>
             </a:fld>
             <a:endParaRPr kumimoji="1" lang="ja-JP" altLang="en-US"/>
           </a:p>
@@ -2195,7 +2204,7 @@
           <a:p>
             <a:fld id="{F568F08F-1DC0-4930-BF4E-8E61A70AE6D0}" type="datetime1">
               <a:rPr kumimoji="1" lang="ja-JP" altLang="en-US" smtClean="0"/>
-              <a:t>2021/12/19</a:t>
+              <a:t>2021/12/20</a:t>
             </a:fld>
             <a:endParaRPr kumimoji="1" lang="ja-JP" altLang="en-US"/>
           </a:p>
@@ -2435,7 +2444,7 @@
           <a:p>
             <a:fld id="{D8D6CA07-6BB3-4277-9B36-3B9A77BE85E8}" type="datetime1">
               <a:rPr kumimoji="1" lang="ja-JP" altLang="en-US" smtClean="0"/>
-              <a:t>2021/12/19</a:t>
+              <a:t>2021/12/20</a:t>
             </a:fld>
             <a:endParaRPr kumimoji="1" lang="ja-JP" altLang="en-US"/>
           </a:p>
@@ -2680,7 +2689,7 @@
           <a:p>
             <a:fld id="{B3736FD3-C09B-4AB5-83AE-94534BBA2AC4}" type="datetime1">
               <a:rPr kumimoji="1" lang="ja-JP" altLang="en-US" smtClean="0"/>
-              <a:t>2021/12/19</a:t>
+              <a:t>2021/12/20</a:t>
             </a:fld>
             <a:endParaRPr kumimoji="1" lang="ja-JP" altLang="en-US"/>
           </a:p>
@@ -3158,7 +3167,7 @@
           <a:p>
             <a:fld id="{2524B4B4-A594-4801-8E36-F1939D45FFD7}" type="datetime1">
               <a:rPr kumimoji="1" lang="ja-JP" altLang="en-US" smtClean="0"/>
-              <a:t>2021/12/19</a:t>
+              <a:t>2021/12/20</a:t>
             </a:fld>
             <a:endParaRPr kumimoji="1" lang="ja-JP" altLang="en-US"/>
           </a:p>
@@ -3487,7 +3496,7 @@
           <a:p>
             <a:fld id="{723130EB-1A2A-4363-A0CB-8F78064E787B}" type="datetime1">
               <a:rPr kumimoji="1" lang="ja-JP" altLang="en-US" smtClean="0"/>
-              <a:t>2021/12/19</a:t>
+              <a:t>2021/12/20</a:t>
             </a:fld>
             <a:endParaRPr kumimoji="1" lang="ja-JP" altLang="en-US"/>
           </a:p>
@@ -3963,7 +3972,7 @@
           <a:p>
             <a:fld id="{74D003C6-A6EE-48A7-AE4A-C230A035A362}" type="datetime1">
               <a:rPr kumimoji="1" lang="ja-JP" altLang="en-US" smtClean="0"/>
-              <a:t>2021/12/19</a:t>
+              <a:t>2021/12/20</a:t>
             </a:fld>
             <a:endParaRPr kumimoji="1" lang="ja-JP" altLang="en-US"/>
           </a:p>
@@ -4104,7 +4113,7 @@
           <a:p>
             <a:fld id="{533F50F8-E02E-4E97-B853-AD3628137587}" type="datetime1">
               <a:rPr kumimoji="1" lang="ja-JP" altLang="en-US" smtClean="0"/>
-              <a:t>2021/12/19</a:t>
+              <a:t>2021/12/20</a:t>
             </a:fld>
             <a:endParaRPr kumimoji="1" lang="ja-JP" altLang="en-US"/>
           </a:p>
@@ -4217,7 +4226,7 @@
           <a:p>
             <a:fld id="{F11A00CE-6844-4EF5-A570-152B82E8370A}" type="datetime1">
               <a:rPr kumimoji="1" lang="ja-JP" altLang="en-US" smtClean="0"/>
-              <a:t>2021/12/19</a:t>
+              <a:t>2021/12/20</a:t>
             </a:fld>
             <a:endParaRPr kumimoji="1" lang="ja-JP" altLang="en-US"/>
           </a:p>
@@ -4560,7 +4569,7 @@
           <a:p>
             <a:fld id="{B2A27E2D-E73B-499B-B1B6-156A8DDB2FEF}" type="datetime1">
               <a:rPr kumimoji="1" lang="ja-JP" altLang="en-US" smtClean="0"/>
-              <a:t>2021/12/19</a:t>
+              <a:t>2021/12/20</a:t>
             </a:fld>
             <a:endParaRPr kumimoji="1" lang="ja-JP" altLang="en-US"/>
           </a:p>
@@ -4848,7 +4857,7 @@
           <a:p>
             <a:fld id="{463EA2B4-7E42-4242-9726-8BCDAE817088}" type="datetime1">
               <a:rPr kumimoji="1" lang="ja-JP" altLang="en-US" smtClean="0"/>
-              <a:t>2021/12/19</a:t>
+              <a:t>2021/12/20</a:t>
             </a:fld>
             <a:endParaRPr kumimoji="1" lang="ja-JP" altLang="en-US"/>
           </a:p>
@@ -5121,7 +5130,7 @@
           <a:p>
             <a:fld id="{21C3EA37-5089-43BE-9268-20333F3B8EEF}" type="datetime1">
               <a:rPr kumimoji="1" lang="ja-JP" altLang="en-US" smtClean="0"/>
-              <a:t>2021/12/19</a:t>
+              <a:t>2021/12/20</a:t>
             </a:fld>
             <a:endParaRPr kumimoji="1" lang="ja-JP" altLang="en-US"/>
           </a:p>

--- a/paper/water/UWW2021/UWW2021.pptx
+++ b/paper/water/UWW2021/UWW2021.pptx
@@ -5966,8 +5966,8 @@
           </a:p>
         </p:txBody>
       </p:sp>
-      <mc:AlternateContent xmlns:mc="http://schemas.openxmlformats.org/markup-compatibility/2006" xmlns:a14="http://schemas.microsoft.com/office/drawing/2010/main">
-        <mc:Choice Requires="a14">
+      <mc:AlternateContent xmlns:mc="http://schemas.openxmlformats.org/markup-compatibility/2006">
+        <mc:Choice xmlns:a14="http://schemas.microsoft.com/office/drawing/2010/main" Requires="a14">
           <p:sp>
             <p:nvSpPr>
               <p:cNvPr id="3" name="コンテンツ プレースホルダー 2">
@@ -6006,7 +6006,7 @@
                 <a:pPr lvl="1"/>
                 <a:r>
                   <a:rPr lang="ja-JP" altLang="en-US" dirty="0"/>
-                  <a:t>目視での水位の確認作業が不要</a:t>
+                  <a:t>目視での水位の確認作業が不要だが溢れを防止可能</a:t>
                 </a:r>
                 <a:endParaRPr lang="en-US" altLang="ja-JP" dirty="0"/>
               </a:p>
@@ -6014,7 +6014,11 @@
                 <a:pPr lvl="1"/>
                 <a:r>
                   <a:rPr kumimoji="1" lang="ja-JP" altLang="en-US" dirty="0"/>
-                  <a:t>容器へのデバイスの装着が不要</a:t>
+                  <a:t>容器へのデバイスの装着</a:t>
+                </a:r>
+                <a:r>
+                  <a:rPr kumimoji="1" lang="ja-JP" altLang="en-US"/>
+                  <a:t>が不要で汎用性が高い</a:t>
                 </a:r>
                 <a:endParaRPr lang="en-US" altLang="ja-JP" dirty="0"/>
               </a:p>
@@ -6134,7 +6138,7 @@
             </p:txBody>
           </p:sp>
         </mc:Choice>
-        <mc:Fallback xmlns="">
+        <mc:Fallback>
           <p:sp>
             <p:nvSpPr>
               <p:cNvPr id="3" name="コンテンツ プレースホルダー 2">
